--- a/Documents/Identity-Introduction.pptx
+++ b/Documents/Identity-Introduction.pptx
@@ -5,10 +5,10 @@
     <p:sldMasterId id="2147483648" r:id="rId1"/>
   </p:sldMasterIdLst>
   <p:notesMasterIdLst>
-    <p:notesMasterId r:id="rId17"/>
+    <p:notesMasterId r:id="rId22"/>
   </p:notesMasterIdLst>
   <p:handoutMasterIdLst>
-    <p:handoutMasterId r:id="rId18"/>
+    <p:handoutMasterId r:id="rId23"/>
   </p:handoutMasterIdLst>
   <p:sldIdLst>
     <p:sldId id="256" r:id="rId2"/>
@@ -16,16 +16,21 @@
     <p:sldId id="397" r:id="rId4"/>
     <p:sldId id="398" r:id="rId5"/>
     <p:sldId id="400" r:id="rId6"/>
-    <p:sldId id="401" r:id="rId7"/>
-    <p:sldId id="404" r:id="rId8"/>
-    <p:sldId id="403" r:id="rId9"/>
-    <p:sldId id="406" r:id="rId10"/>
-    <p:sldId id="405" r:id="rId11"/>
-    <p:sldId id="407" r:id="rId12"/>
-    <p:sldId id="408" r:id="rId13"/>
-    <p:sldId id="409" r:id="rId14"/>
-    <p:sldId id="410" r:id="rId15"/>
-    <p:sldId id="399" r:id="rId16"/>
+    <p:sldId id="415" r:id="rId7"/>
+    <p:sldId id="401" r:id="rId8"/>
+    <p:sldId id="404" r:id="rId9"/>
+    <p:sldId id="403" r:id="rId10"/>
+    <p:sldId id="412" r:id="rId11"/>
+    <p:sldId id="413" r:id="rId12"/>
+    <p:sldId id="414" r:id="rId13"/>
+    <p:sldId id="406" r:id="rId14"/>
+    <p:sldId id="405" r:id="rId15"/>
+    <p:sldId id="411" r:id="rId16"/>
+    <p:sldId id="407" r:id="rId17"/>
+    <p:sldId id="408" r:id="rId18"/>
+    <p:sldId id="409" r:id="rId19"/>
+    <p:sldId id="410" r:id="rId20"/>
+    <p:sldId id="399" r:id="rId21"/>
   </p:sldIdLst>
   <p:sldSz cx="9144000" cy="6858000" type="screen4x3"/>
   <p:notesSz cx="6867525" cy="9994900"/>
@@ -1039,51 +1044,6 @@
         </a:p>
       </dgm:t>
     </dgm:pt>
-    <dgm:pt modelId="{D67919C6-353B-4B43-B7D2-DF74DB9E3C04}">
-      <dgm:prSet phldrT="[Text]"/>
-      <dgm:spPr/>
-      <dgm:t>
-        <a:bodyPr/>
-        <a:lstStyle/>
-        <a:p>
-          <a:r>
-            <a:rPr lang="sv-SE" dirty="0" smtClean="0"/>
-            <a:t>ASP.NET Universal </a:t>
-          </a:r>
-          <a:r>
-            <a:rPr lang="sv-SE" dirty="0" err="1" smtClean="0"/>
-            <a:t>Providers</a:t>
-          </a:r>
-          <a:r>
-            <a:rPr lang="sv-SE" dirty="0" smtClean="0"/>
-            <a:t> (2012)</a:t>
-          </a:r>
-          <a:endParaRPr lang="en-GB" dirty="0"/>
-        </a:p>
-      </dgm:t>
-    </dgm:pt>
-    <dgm:pt modelId="{E0DAA542-3F30-4E40-BEA6-948F46BF6666}" type="parTrans" cxnId="{C02324E5-A642-4CF3-8A59-5CAFC9D4DECA}">
-      <dgm:prSet/>
-      <dgm:spPr/>
-      <dgm:t>
-        <a:bodyPr/>
-        <a:lstStyle/>
-        <a:p>
-          <a:endParaRPr lang="en-GB"/>
-        </a:p>
-      </dgm:t>
-    </dgm:pt>
-    <dgm:pt modelId="{3BEEEF56-C227-4505-B94F-8C288F115B40}" type="sibTrans" cxnId="{C02324E5-A642-4CF3-8A59-5CAFC9D4DECA}">
-      <dgm:prSet/>
-      <dgm:spPr/>
-      <dgm:t>
-        <a:bodyPr/>
-        <a:lstStyle/>
-        <a:p>
-          <a:endParaRPr lang="en-GB"/>
-        </a:p>
-      </dgm:t>
-    </dgm:pt>
     <dgm:pt modelId="{6438C9B3-FF70-4A67-9959-2A1E9B90611D}">
       <dgm:prSet phldrT="[Text]"/>
       <dgm:spPr/>
@@ -1137,113 +1097,167 @@
         </dgm:presLayoutVars>
       </dgm:prSet>
       <dgm:spPr/>
+      <dgm:t>
+        <a:bodyPr/>
+        <a:lstStyle/>
+        <a:p>
+          <a:endParaRPr lang="en-US"/>
+        </a:p>
+      </dgm:t>
     </dgm:pt>
     <dgm:pt modelId="{BF20FD43-0297-4A34-8BCC-857DB64BD761}" type="pres">
-      <dgm:prSet presAssocID="{00D47EFA-DD4A-4A3C-83CE-DB793F5318E6}" presName="node" presStyleLbl="node1" presStyleIdx="0" presStyleCnt="5">
+      <dgm:prSet presAssocID="{00D47EFA-DD4A-4A3C-83CE-DB793F5318E6}" presName="node" presStyleLbl="node1" presStyleIdx="0" presStyleCnt="4">
         <dgm:presLayoutVars>
           <dgm:bulletEnabled val="1"/>
         </dgm:presLayoutVars>
       </dgm:prSet>
       <dgm:spPr/>
+      <dgm:t>
+        <a:bodyPr/>
+        <a:lstStyle/>
+        <a:p>
+          <a:endParaRPr lang="en-US"/>
+        </a:p>
+      </dgm:t>
     </dgm:pt>
     <dgm:pt modelId="{B765691A-D61E-406F-83BA-691928ABC9D6}" type="pres">
-      <dgm:prSet presAssocID="{198A4513-E7B4-422F-94A7-08E0CC7FCCB3}" presName="sibTrans" presStyleLbl="sibTrans1D1" presStyleIdx="0" presStyleCnt="4"/>
+      <dgm:prSet presAssocID="{198A4513-E7B4-422F-94A7-08E0CC7FCCB3}" presName="sibTrans" presStyleLbl="sibTrans1D1" presStyleIdx="0" presStyleCnt="3"/>
       <dgm:spPr/>
+      <dgm:t>
+        <a:bodyPr/>
+        <a:lstStyle/>
+        <a:p>
+          <a:endParaRPr lang="en-US"/>
+        </a:p>
+      </dgm:t>
     </dgm:pt>
     <dgm:pt modelId="{D1832C3C-DA1C-4B05-B236-11B6298050EE}" type="pres">
-      <dgm:prSet presAssocID="{198A4513-E7B4-422F-94A7-08E0CC7FCCB3}" presName="connectorText" presStyleLbl="sibTrans1D1" presStyleIdx="0" presStyleCnt="4"/>
+      <dgm:prSet presAssocID="{198A4513-E7B4-422F-94A7-08E0CC7FCCB3}" presName="connectorText" presStyleLbl="sibTrans1D1" presStyleIdx="0" presStyleCnt="3"/>
       <dgm:spPr/>
+      <dgm:t>
+        <a:bodyPr/>
+        <a:lstStyle/>
+        <a:p>
+          <a:endParaRPr lang="en-US"/>
+        </a:p>
+      </dgm:t>
     </dgm:pt>
     <dgm:pt modelId="{064BA50E-71C8-4F75-A673-4A680181C2DA}" type="pres">
-      <dgm:prSet presAssocID="{141A24CB-5E02-4CCD-9805-B47C9F25FE2D}" presName="node" presStyleLbl="node1" presStyleIdx="1" presStyleCnt="5">
+      <dgm:prSet presAssocID="{141A24CB-5E02-4CCD-9805-B47C9F25FE2D}" presName="node" presStyleLbl="node1" presStyleIdx="1" presStyleCnt="4">
         <dgm:presLayoutVars>
           <dgm:bulletEnabled val="1"/>
         </dgm:presLayoutVars>
       </dgm:prSet>
       <dgm:spPr/>
+      <dgm:t>
+        <a:bodyPr/>
+        <a:lstStyle/>
+        <a:p>
+          <a:endParaRPr lang="en-US"/>
+        </a:p>
+      </dgm:t>
     </dgm:pt>
     <dgm:pt modelId="{B56FDCE8-1CEE-4367-94EC-85C4FD371610}" type="pres">
-      <dgm:prSet presAssocID="{25D7670B-89B3-468B-865E-D2862AFE2928}" presName="sibTrans" presStyleLbl="sibTrans1D1" presStyleIdx="1" presStyleCnt="4"/>
+      <dgm:prSet presAssocID="{25D7670B-89B3-468B-865E-D2862AFE2928}" presName="sibTrans" presStyleLbl="sibTrans1D1" presStyleIdx="1" presStyleCnt="3"/>
       <dgm:spPr/>
+      <dgm:t>
+        <a:bodyPr/>
+        <a:lstStyle/>
+        <a:p>
+          <a:endParaRPr lang="en-US"/>
+        </a:p>
+      </dgm:t>
     </dgm:pt>
     <dgm:pt modelId="{4F1AA844-1BD0-4F25-A50E-A2C1C07BE4A9}" type="pres">
-      <dgm:prSet presAssocID="{25D7670B-89B3-468B-865E-D2862AFE2928}" presName="connectorText" presStyleLbl="sibTrans1D1" presStyleIdx="1" presStyleCnt="4"/>
+      <dgm:prSet presAssocID="{25D7670B-89B3-468B-865E-D2862AFE2928}" presName="connectorText" presStyleLbl="sibTrans1D1" presStyleIdx="1" presStyleCnt="3"/>
       <dgm:spPr/>
+      <dgm:t>
+        <a:bodyPr/>
+        <a:lstStyle/>
+        <a:p>
+          <a:endParaRPr lang="en-US"/>
+        </a:p>
+      </dgm:t>
     </dgm:pt>
-    <dgm:pt modelId="{0DE6CF1D-9A53-4ADA-858C-B7E4BB267F1E}" type="pres">
-      <dgm:prSet presAssocID="{D67919C6-353B-4B43-B7D2-DF74DB9E3C04}" presName="node" presStyleLbl="node1" presStyleIdx="2" presStyleCnt="5">
+    <dgm:pt modelId="{FAF0D9F0-0222-4DD0-9339-4AC2868E153D}" type="pres">
+      <dgm:prSet presAssocID="{60B5DE45-571D-4982-B877-388C5028C64C}" presName="node" presStyleLbl="node1" presStyleIdx="2" presStyleCnt="4">
         <dgm:presLayoutVars>
           <dgm:bulletEnabled val="1"/>
         </dgm:presLayoutVars>
       </dgm:prSet>
       <dgm:spPr/>
+      <dgm:t>
+        <a:bodyPr/>
+        <a:lstStyle/>
+        <a:p>
+          <a:endParaRPr lang="en-US"/>
+        </a:p>
+      </dgm:t>
     </dgm:pt>
-    <dgm:pt modelId="{1A12C82F-0591-4A43-860C-F7BED3C90016}" type="pres">
-      <dgm:prSet presAssocID="{3BEEEF56-C227-4505-B94F-8C288F115B40}" presName="sibTrans" presStyleLbl="sibTrans1D1" presStyleIdx="2" presStyleCnt="4"/>
+    <dgm:pt modelId="{8E71846B-7288-47E5-9D4D-D52404A6C4AC}" type="pres">
+      <dgm:prSet presAssocID="{0BE49635-9A6B-4E5C-9E13-D661DBDDC0F6}" presName="sibTrans" presStyleLbl="sibTrans1D1" presStyleIdx="2" presStyleCnt="3"/>
       <dgm:spPr/>
+      <dgm:t>
+        <a:bodyPr/>
+        <a:lstStyle/>
+        <a:p>
+          <a:endParaRPr lang="en-US"/>
+        </a:p>
+      </dgm:t>
     </dgm:pt>
-    <dgm:pt modelId="{C16B9D23-F7E6-443B-95DC-73AE04ABF821}" type="pres">
-      <dgm:prSet presAssocID="{3BEEEF56-C227-4505-B94F-8C288F115B40}" presName="connectorText" presStyleLbl="sibTrans1D1" presStyleIdx="2" presStyleCnt="4"/>
+    <dgm:pt modelId="{EE5B6DDA-ED6B-4BFA-94B3-D72F37E9C512}" type="pres">
+      <dgm:prSet presAssocID="{0BE49635-9A6B-4E5C-9E13-D661DBDDC0F6}" presName="connectorText" presStyleLbl="sibTrans1D1" presStyleIdx="2" presStyleCnt="3"/>
       <dgm:spPr/>
+      <dgm:t>
+        <a:bodyPr/>
+        <a:lstStyle/>
+        <a:p>
+          <a:endParaRPr lang="en-US"/>
+        </a:p>
+      </dgm:t>
     </dgm:pt>
-    <dgm:pt modelId="{FAF0D9F0-0222-4DD0-9339-4AC2868E153D}" type="pres">
-      <dgm:prSet presAssocID="{60B5DE45-571D-4982-B877-388C5028C64C}" presName="node" presStyleLbl="node1" presStyleIdx="3" presStyleCnt="5">
+    <dgm:pt modelId="{A6174F81-839C-4A64-8ADB-4F3A6658691A}" type="pres">
+      <dgm:prSet presAssocID="{6438C9B3-FF70-4A67-9959-2A1E9B90611D}" presName="node" presStyleLbl="node1" presStyleIdx="3" presStyleCnt="4">
         <dgm:presLayoutVars>
           <dgm:bulletEnabled val="1"/>
         </dgm:presLayoutVars>
       </dgm:prSet>
       <dgm:spPr/>
-    </dgm:pt>
-    <dgm:pt modelId="{8E71846B-7288-47E5-9D4D-D52404A6C4AC}" type="pres">
-      <dgm:prSet presAssocID="{0BE49635-9A6B-4E5C-9E13-D661DBDDC0F6}" presName="sibTrans" presStyleLbl="sibTrans1D1" presStyleIdx="3" presStyleCnt="4"/>
-      <dgm:spPr/>
-    </dgm:pt>
-    <dgm:pt modelId="{EE5B6DDA-ED6B-4BFA-94B3-D72F37E9C512}" type="pres">
-      <dgm:prSet presAssocID="{0BE49635-9A6B-4E5C-9E13-D661DBDDC0F6}" presName="connectorText" presStyleLbl="sibTrans1D1" presStyleIdx="3" presStyleCnt="4"/>
-      <dgm:spPr/>
-    </dgm:pt>
-    <dgm:pt modelId="{A6174F81-839C-4A64-8ADB-4F3A6658691A}" type="pres">
-      <dgm:prSet presAssocID="{6438C9B3-FF70-4A67-9959-2A1E9B90611D}" presName="node" presStyleLbl="node1" presStyleIdx="4" presStyleCnt="5">
-        <dgm:presLayoutVars>
-          <dgm:bulletEnabled val="1"/>
-        </dgm:presLayoutVars>
-      </dgm:prSet>
-      <dgm:spPr/>
+      <dgm:t>
+        <a:bodyPr/>
+        <a:lstStyle/>
+        <a:p>
+          <a:endParaRPr lang="en-US"/>
+        </a:p>
+      </dgm:t>
     </dgm:pt>
   </dgm:ptLst>
   <dgm:cxnLst>
+    <dgm:cxn modelId="{39A944AE-E4B9-4496-872B-B411AA9A237C}" type="presOf" srcId="{0BE49635-9A6B-4E5C-9E13-D661DBDDC0F6}" destId="{EE5B6DDA-ED6B-4BFA-94B3-D72F37E9C512}" srcOrd="1" destOrd="0" presId="urn:microsoft.com/office/officeart/2005/8/layout/bProcess3"/>
+    <dgm:cxn modelId="{9FF6C984-7D0D-4191-9706-92B764DF4308}" type="presOf" srcId="{25D7670B-89B3-468B-865E-D2862AFE2928}" destId="{B56FDCE8-1CEE-4367-94EC-85C4FD371610}" srcOrd="0" destOrd="0" presId="urn:microsoft.com/office/officeart/2005/8/layout/bProcess3"/>
+    <dgm:cxn modelId="{763674E6-33D6-4849-9D1C-0D3FB5EF6C52}" type="presOf" srcId="{25D7670B-89B3-468B-865E-D2862AFE2928}" destId="{4F1AA844-1BD0-4F25-A50E-A2C1C07BE4A9}" srcOrd="1" destOrd="0" presId="urn:microsoft.com/office/officeart/2005/8/layout/bProcess3"/>
     <dgm:cxn modelId="{E5755B57-FB7E-43BA-879E-1A6EAD98E44B}" type="presOf" srcId="{00D47EFA-DD4A-4A3C-83CE-DB793F5318E6}" destId="{BF20FD43-0297-4A34-8BCC-857DB64BD761}" srcOrd="0" destOrd="0" presId="urn:microsoft.com/office/officeart/2005/8/layout/bProcess3"/>
+    <dgm:cxn modelId="{205F0B77-169C-48B1-B2F0-F453794185D2}" srcId="{D2F7210B-3B9E-4555-A8AF-A0A80389F001}" destId="{60B5DE45-571D-4982-B877-388C5028C64C}" srcOrd="2" destOrd="0" parTransId="{A63C80E9-99BD-40AC-9A25-3C38E6CC0095}" sibTransId="{0BE49635-9A6B-4E5C-9E13-D661DBDDC0F6}"/>
+    <dgm:cxn modelId="{638D0BDE-E76E-43B7-8BF9-02BA5A8CFF36}" type="presOf" srcId="{0BE49635-9A6B-4E5C-9E13-D661DBDDC0F6}" destId="{8E71846B-7288-47E5-9D4D-D52404A6C4AC}" srcOrd="0" destOrd="0" presId="urn:microsoft.com/office/officeart/2005/8/layout/bProcess3"/>
+    <dgm:cxn modelId="{F245E2F0-A465-48BF-B609-DDD0EB088E3A}" type="presOf" srcId="{60B5DE45-571D-4982-B877-388C5028C64C}" destId="{FAF0D9F0-0222-4DD0-9339-4AC2868E153D}" srcOrd="0" destOrd="0" presId="urn:microsoft.com/office/officeart/2005/8/layout/bProcess3"/>
+    <dgm:cxn modelId="{F7F461E9-97B6-4F9E-A5E3-648C268C07E3}" type="presOf" srcId="{6438C9B3-FF70-4A67-9959-2A1E9B90611D}" destId="{A6174F81-839C-4A64-8ADB-4F3A6658691A}" srcOrd="0" destOrd="0" presId="urn:microsoft.com/office/officeart/2005/8/layout/bProcess3"/>
     <dgm:cxn modelId="{FB71A542-00E5-4403-9E79-E4B534675D14}" srcId="{D2F7210B-3B9E-4555-A8AF-A0A80389F001}" destId="{00D47EFA-DD4A-4A3C-83CE-DB793F5318E6}" srcOrd="0" destOrd="0" parTransId="{2AC5AB96-44B5-4342-8EBE-FDB44166E75B}" sibTransId="{198A4513-E7B4-422F-94A7-08E0CC7FCCB3}"/>
+    <dgm:cxn modelId="{D7FC0B21-BA26-4B39-BE6C-623CA2F9B42D}" type="presOf" srcId="{198A4513-E7B4-422F-94A7-08E0CC7FCCB3}" destId="{D1832C3C-DA1C-4B05-B236-11B6298050EE}" srcOrd="1" destOrd="0" presId="urn:microsoft.com/office/officeart/2005/8/layout/bProcess3"/>
+    <dgm:cxn modelId="{A38FECF8-A6D0-4246-ADFE-AD9BBEB5112D}" srcId="{D2F7210B-3B9E-4555-A8AF-A0A80389F001}" destId="{6438C9B3-FF70-4A67-9959-2A1E9B90611D}" srcOrd="3" destOrd="0" parTransId="{9F818A52-8D7C-41A6-B8ED-FC14CD01541B}" sibTransId="{940891B8-252C-48EF-853C-386BF9AA1931}"/>
+    <dgm:cxn modelId="{92B508C4-938D-4D3E-8C34-63AFFF30A400}" type="presOf" srcId="{D2F7210B-3B9E-4555-A8AF-A0A80389F001}" destId="{F00318BF-2ABD-48D1-9950-A6FD33EDB56D}" srcOrd="0" destOrd="0" presId="urn:microsoft.com/office/officeart/2005/8/layout/bProcess3"/>
+    <dgm:cxn modelId="{E8E3715D-7637-480F-9604-1B87D9F96617}" type="presOf" srcId="{141A24CB-5E02-4CCD-9805-B47C9F25FE2D}" destId="{064BA50E-71C8-4F75-A673-4A680181C2DA}" srcOrd="0" destOrd="0" presId="urn:microsoft.com/office/officeart/2005/8/layout/bProcess3"/>
     <dgm:cxn modelId="{7C4C9650-88FB-40A6-9AD5-ECB6C2706798}" srcId="{D2F7210B-3B9E-4555-A8AF-A0A80389F001}" destId="{141A24CB-5E02-4CCD-9805-B47C9F25FE2D}" srcOrd="1" destOrd="0" parTransId="{46A93946-3982-4882-A865-F3DB465D9AED}" sibTransId="{25D7670B-89B3-468B-865E-D2862AFE2928}"/>
-    <dgm:cxn modelId="{205F0B77-169C-48B1-B2F0-F453794185D2}" srcId="{D2F7210B-3B9E-4555-A8AF-A0A80389F001}" destId="{60B5DE45-571D-4982-B877-388C5028C64C}" srcOrd="3" destOrd="0" parTransId="{A63C80E9-99BD-40AC-9A25-3C38E6CC0095}" sibTransId="{0BE49635-9A6B-4E5C-9E13-D661DBDDC0F6}"/>
-    <dgm:cxn modelId="{39A944AE-E4B9-4496-872B-B411AA9A237C}" type="presOf" srcId="{0BE49635-9A6B-4E5C-9E13-D661DBDDC0F6}" destId="{EE5B6DDA-ED6B-4BFA-94B3-D72F37E9C512}" srcOrd="1" destOrd="0" presId="urn:microsoft.com/office/officeart/2005/8/layout/bProcess3"/>
-    <dgm:cxn modelId="{F7F461E9-97B6-4F9E-A5E3-648C268C07E3}" type="presOf" srcId="{6438C9B3-FF70-4A67-9959-2A1E9B90611D}" destId="{A6174F81-839C-4A64-8ADB-4F3A6658691A}" srcOrd="0" destOrd="0" presId="urn:microsoft.com/office/officeart/2005/8/layout/bProcess3"/>
-    <dgm:cxn modelId="{E8E3715D-7637-480F-9604-1B87D9F96617}" type="presOf" srcId="{141A24CB-5E02-4CCD-9805-B47C9F25FE2D}" destId="{064BA50E-71C8-4F75-A673-4A680181C2DA}" srcOrd="0" destOrd="0" presId="urn:microsoft.com/office/officeart/2005/8/layout/bProcess3"/>
-    <dgm:cxn modelId="{92B508C4-938D-4D3E-8C34-63AFFF30A400}" type="presOf" srcId="{D2F7210B-3B9E-4555-A8AF-A0A80389F001}" destId="{F00318BF-2ABD-48D1-9950-A6FD33EDB56D}" srcOrd="0" destOrd="0" presId="urn:microsoft.com/office/officeart/2005/8/layout/bProcess3"/>
-    <dgm:cxn modelId="{D7FC0B21-BA26-4B39-BE6C-623CA2F9B42D}" type="presOf" srcId="{198A4513-E7B4-422F-94A7-08E0CC7FCCB3}" destId="{D1832C3C-DA1C-4B05-B236-11B6298050EE}" srcOrd="1" destOrd="0" presId="urn:microsoft.com/office/officeart/2005/8/layout/bProcess3"/>
-    <dgm:cxn modelId="{EB9D9ED8-260C-445C-B397-2EAFFD1F80D0}" type="presOf" srcId="{D67919C6-353B-4B43-B7D2-DF74DB9E3C04}" destId="{0DE6CF1D-9A53-4ADA-858C-B7E4BB267F1E}" srcOrd="0" destOrd="0" presId="urn:microsoft.com/office/officeart/2005/8/layout/bProcess3"/>
-    <dgm:cxn modelId="{F07E8256-51B0-4FD0-81BE-45E3A612720E}" type="presOf" srcId="{3BEEEF56-C227-4505-B94F-8C288F115B40}" destId="{C16B9D23-F7E6-443B-95DC-73AE04ABF821}" srcOrd="1" destOrd="0" presId="urn:microsoft.com/office/officeart/2005/8/layout/bProcess3"/>
     <dgm:cxn modelId="{2B0A9E65-A6C8-42D5-9DD0-C4ABCE9BD0B1}" type="presOf" srcId="{198A4513-E7B4-422F-94A7-08E0CC7FCCB3}" destId="{B765691A-D61E-406F-83BA-691928ABC9D6}" srcOrd="0" destOrd="0" presId="urn:microsoft.com/office/officeart/2005/8/layout/bProcess3"/>
-    <dgm:cxn modelId="{763674E6-33D6-4849-9D1C-0D3FB5EF6C52}" type="presOf" srcId="{25D7670B-89B3-468B-865E-D2862AFE2928}" destId="{4F1AA844-1BD0-4F25-A50E-A2C1C07BE4A9}" srcOrd="1" destOrd="0" presId="urn:microsoft.com/office/officeart/2005/8/layout/bProcess3"/>
-    <dgm:cxn modelId="{A38FECF8-A6D0-4246-ADFE-AD9BBEB5112D}" srcId="{D2F7210B-3B9E-4555-A8AF-A0A80389F001}" destId="{6438C9B3-FF70-4A67-9959-2A1E9B90611D}" srcOrd="4" destOrd="0" parTransId="{9F818A52-8D7C-41A6-B8ED-FC14CD01541B}" sibTransId="{940891B8-252C-48EF-853C-386BF9AA1931}"/>
-    <dgm:cxn modelId="{C02324E5-A642-4CF3-8A59-5CAFC9D4DECA}" srcId="{D2F7210B-3B9E-4555-A8AF-A0A80389F001}" destId="{D67919C6-353B-4B43-B7D2-DF74DB9E3C04}" srcOrd="2" destOrd="0" parTransId="{E0DAA542-3F30-4E40-BEA6-948F46BF6666}" sibTransId="{3BEEEF56-C227-4505-B94F-8C288F115B40}"/>
-    <dgm:cxn modelId="{9FF6C984-7D0D-4191-9706-92B764DF4308}" type="presOf" srcId="{25D7670B-89B3-468B-865E-D2862AFE2928}" destId="{B56FDCE8-1CEE-4367-94EC-85C4FD371610}" srcOrd="0" destOrd="0" presId="urn:microsoft.com/office/officeart/2005/8/layout/bProcess3"/>
-    <dgm:cxn modelId="{AC90C09F-EF59-4494-847B-D66D41695B85}" type="presOf" srcId="{3BEEEF56-C227-4505-B94F-8C288F115B40}" destId="{1A12C82F-0591-4A43-860C-F7BED3C90016}" srcOrd="0" destOrd="0" presId="urn:microsoft.com/office/officeart/2005/8/layout/bProcess3"/>
-    <dgm:cxn modelId="{F245E2F0-A465-48BF-B609-DDD0EB088E3A}" type="presOf" srcId="{60B5DE45-571D-4982-B877-388C5028C64C}" destId="{FAF0D9F0-0222-4DD0-9339-4AC2868E153D}" srcOrd="0" destOrd="0" presId="urn:microsoft.com/office/officeart/2005/8/layout/bProcess3"/>
-    <dgm:cxn modelId="{638D0BDE-E76E-43B7-8BF9-02BA5A8CFF36}" type="presOf" srcId="{0BE49635-9A6B-4E5C-9E13-D661DBDDC0F6}" destId="{8E71846B-7288-47E5-9D4D-D52404A6C4AC}" srcOrd="0" destOrd="0" presId="urn:microsoft.com/office/officeart/2005/8/layout/bProcess3"/>
     <dgm:cxn modelId="{50E53C88-D606-42E1-85E2-05585425E683}" type="presParOf" srcId="{F00318BF-2ABD-48D1-9950-A6FD33EDB56D}" destId="{BF20FD43-0297-4A34-8BCC-857DB64BD761}" srcOrd="0" destOrd="0" presId="urn:microsoft.com/office/officeart/2005/8/layout/bProcess3"/>
     <dgm:cxn modelId="{28DFFE6A-73AA-460C-B2BA-77C3DA02EE00}" type="presParOf" srcId="{F00318BF-2ABD-48D1-9950-A6FD33EDB56D}" destId="{B765691A-D61E-406F-83BA-691928ABC9D6}" srcOrd="1" destOrd="0" presId="urn:microsoft.com/office/officeart/2005/8/layout/bProcess3"/>
     <dgm:cxn modelId="{2FDBE989-A0A6-46EF-870F-2CC44718A99D}" type="presParOf" srcId="{B765691A-D61E-406F-83BA-691928ABC9D6}" destId="{D1832C3C-DA1C-4B05-B236-11B6298050EE}" srcOrd="0" destOrd="0" presId="urn:microsoft.com/office/officeart/2005/8/layout/bProcess3"/>
     <dgm:cxn modelId="{815CAEAF-01DF-48F9-9FB1-C5A684DBB52D}" type="presParOf" srcId="{F00318BF-2ABD-48D1-9950-A6FD33EDB56D}" destId="{064BA50E-71C8-4F75-A673-4A680181C2DA}" srcOrd="2" destOrd="0" presId="urn:microsoft.com/office/officeart/2005/8/layout/bProcess3"/>
     <dgm:cxn modelId="{E7CDAE71-1099-4892-8459-5666D5874F01}" type="presParOf" srcId="{F00318BF-2ABD-48D1-9950-A6FD33EDB56D}" destId="{B56FDCE8-1CEE-4367-94EC-85C4FD371610}" srcOrd="3" destOrd="0" presId="urn:microsoft.com/office/officeart/2005/8/layout/bProcess3"/>
     <dgm:cxn modelId="{AB88D9B1-8D95-4431-BC41-868D02395528}" type="presParOf" srcId="{B56FDCE8-1CEE-4367-94EC-85C4FD371610}" destId="{4F1AA844-1BD0-4F25-A50E-A2C1C07BE4A9}" srcOrd="0" destOrd="0" presId="urn:microsoft.com/office/officeart/2005/8/layout/bProcess3"/>
-    <dgm:cxn modelId="{C2B3C80C-E8A5-4757-82E6-5A4F84057AA7}" type="presParOf" srcId="{F00318BF-2ABD-48D1-9950-A6FD33EDB56D}" destId="{0DE6CF1D-9A53-4ADA-858C-B7E4BB267F1E}" srcOrd="4" destOrd="0" presId="urn:microsoft.com/office/officeart/2005/8/layout/bProcess3"/>
-    <dgm:cxn modelId="{22312695-F3B3-42B8-BADD-8C2BE208C7AA}" type="presParOf" srcId="{F00318BF-2ABD-48D1-9950-A6FD33EDB56D}" destId="{1A12C82F-0591-4A43-860C-F7BED3C90016}" srcOrd="5" destOrd="0" presId="urn:microsoft.com/office/officeart/2005/8/layout/bProcess3"/>
-    <dgm:cxn modelId="{6F91650A-803B-4073-9C1D-98FA67E54249}" type="presParOf" srcId="{1A12C82F-0591-4A43-860C-F7BED3C90016}" destId="{C16B9D23-F7E6-443B-95DC-73AE04ABF821}" srcOrd="0" destOrd="0" presId="urn:microsoft.com/office/officeart/2005/8/layout/bProcess3"/>
-    <dgm:cxn modelId="{C4E00D4B-F415-4B85-9E4E-FDD9CF8A7FC9}" type="presParOf" srcId="{F00318BF-2ABD-48D1-9950-A6FD33EDB56D}" destId="{FAF0D9F0-0222-4DD0-9339-4AC2868E153D}" srcOrd="6" destOrd="0" presId="urn:microsoft.com/office/officeart/2005/8/layout/bProcess3"/>
-    <dgm:cxn modelId="{31F41CBF-4234-4134-9320-4E6A041A9D3D}" type="presParOf" srcId="{F00318BF-2ABD-48D1-9950-A6FD33EDB56D}" destId="{8E71846B-7288-47E5-9D4D-D52404A6C4AC}" srcOrd="7" destOrd="0" presId="urn:microsoft.com/office/officeart/2005/8/layout/bProcess3"/>
+    <dgm:cxn modelId="{C4E00D4B-F415-4B85-9E4E-FDD9CF8A7FC9}" type="presParOf" srcId="{F00318BF-2ABD-48D1-9950-A6FD33EDB56D}" destId="{FAF0D9F0-0222-4DD0-9339-4AC2868E153D}" srcOrd="4" destOrd="0" presId="urn:microsoft.com/office/officeart/2005/8/layout/bProcess3"/>
+    <dgm:cxn modelId="{31F41CBF-4234-4134-9320-4E6A041A9D3D}" type="presParOf" srcId="{F00318BF-2ABD-48D1-9950-A6FD33EDB56D}" destId="{8E71846B-7288-47E5-9D4D-D52404A6C4AC}" srcOrd="5" destOrd="0" presId="urn:microsoft.com/office/officeart/2005/8/layout/bProcess3"/>
     <dgm:cxn modelId="{E98B891F-4308-4D08-884F-A4C12D984C99}" type="presParOf" srcId="{8E71846B-7288-47E5-9D4D-D52404A6C4AC}" destId="{EE5B6DDA-ED6B-4BFA-94B3-D72F37E9C512}" srcOrd="0" destOrd="0" presId="urn:microsoft.com/office/officeart/2005/8/layout/bProcess3"/>
-    <dgm:cxn modelId="{6CA75125-4C89-4293-B0C5-B00B1C60F84C}" type="presParOf" srcId="{F00318BF-2ABD-48D1-9950-A6FD33EDB56D}" destId="{A6174F81-839C-4A64-8ADB-4F3A6658691A}" srcOrd="8" destOrd="0" presId="urn:microsoft.com/office/officeart/2005/8/layout/bProcess3"/>
+    <dgm:cxn modelId="{6CA75125-4C89-4293-B0C5-B00B1C60F84C}" type="presParOf" srcId="{F00318BF-2ABD-48D1-9950-A6FD33EDB56D}" destId="{A6174F81-839C-4A64-8ADB-4F3A6658691A}" srcOrd="6" destOrd="0" presId="urn:microsoft.com/office/officeart/2005/8/layout/bProcess3"/>
   </dgm:cxnLst>
   <dgm:bg/>
   <dgm:whole/>
@@ -1270,8 +1284,8 @@
       </dsp:nvSpPr>
       <dsp:spPr>
         <a:xfrm>
-          <a:off x="2379359" y="1231698"/>
-          <a:ext cx="515615" cy="91440"/>
+          <a:off x="3749318" y="904845"/>
+          <a:ext cx="696763" cy="91440"/>
         </a:xfrm>
         <a:custGeom>
           <a:avLst/>
@@ -1285,7 +1299,7 @@
                 <a:pt x="0" y="45720"/>
               </a:moveTo>
               <a:lnTo>
-                <a:pt x="515615" y="45720"/>
+                <a:pt x="696763" y="45720"/>
               </a:lnTo>
             </a:path>
           </a:pathLst>
@@ -1338,8 +1352,8 @@
         </a:p>
       </dsp:txBody>
       <dsp:txXfrm>
-        <a:off x="2623511" y="1274687"/>
-        <a:ext cx="27310" cy="5462"/>
+        <a:off x="4079515" y="946928"/>
+        <a:ext cx="36368" cy="7273"/>
       </dsp:txXfrm>
     </dsp:sp>
     <dsp:sp modelId="{BF20FD43-0297-4A34-8BCC-857DB64BD761}">
@@ -1349,8 +1363,8 @@
       </dsp:nvSpPr>
       <dsp:spPr>
         <a:xfrm>
-          <a:off x="6308" y="564963"/>
-          <a:ext cx="2374850" cy="1424910"/>
+          <a:off x="588669" y="1830"/>
+          <a:ext cx="3162448" cy="1897469"/>
         </a:xfrm>
         <a:prstGeom prst="rect">
           <a:avLst/>
@@ -1391,12 +1405,12 @@
         </a:fontRef>
       </dsp:style>
       <dsp:txBody>
-        <a:bodyPr spcFirstLastPara="0" vert="horz" wrap="square" lIns="170688" tIns="170688" rIns="170688" bIns="170688" numCol="1" spcCol="1270" anchor="ctr" anchorCtr="0">
+        <a:bodyPr spcFirstLastPara="0" vert="horz" wrap="square" lIns="234696" tIns="234696" rIns="234696" bIns="234696" numCol="1" spcCol="1270" anchor="ctr" anchorCtr="0">
           <a:noAutofit/>
         </a:bodyPr>
         <a:lstStyle/>
         <a:p>
-          <a:pPr lvl="0" algn="ctr" defTabSz="1066800">
+          <a:pPr lvl="0" algn="ctr" defTabSz="1466850">
             <a:lnSpc>
               <a:spcPct val="90000"/>
             </a:lnSpc>
@@ -1408,23 +1422,23 @@
             </a:spcAft>
           </a:pPr>
           <a:r>
-            <a:rPr lang="sv-SE" sz="2400" kern="1200" dirty="0" smtClean="0"/>
+            <a:rPr lang="sv-SE" sz="3300" kern="1200" dirty="0" smtClean="0"/>
             <a:t>ASP.NET </a:t>
           </a:r>
           <a:r>
-            <a:rPr lang="sv-SE" sz="2400" kern="1200" dirty="0" err="1" smtClean="0"/>
+            <a:rPr lang="sv-SE" sz="3300" kern="1200" dirty="0" err="1" smtClean="0"/>
             <a:t>Membership</a:t>
           </a:r>
           <a:r>
-            <a:rPr lang="sv-SE" sz="2400" kern="1200" dirty="0" smtClean="0"/>
+            <a:rPr lang="sv-SE" sz="3300" kern="1200" dirty="0" smtClean="0"/>
             <a:t> (2005)</a:t>
           </a:r>
-          <a:endParaRPr lang="en-GB" sz="2400" kern="1200" dirty="0"/>
+          <a:endParaRPr lang="en-GB" sz="3300" kern="1200" dirty="0"/>
         </a:p>
       </dsp:txBody>
       <dsp:txXfrm>
-        <a:off x="6308" y="564963"/>
-        <a:ext cx="2374850" cy="1424910"/>
+        <a:off x="588669" y="1830"/>
+        <a:ext cx="3162448" cy="1897469"/>
       </dsp:txXfrm>
     </dsp:sp>
     <dsp:sp modelId="{B56FDCE8-1CEE-4367-94EC-85C4FD371610}">
@@ -1434,8 +1448,8 @@
       </dsp:nvSpPr>
       <dsp:spPr>
         <a:xfrm>
-          <a:off x="5300425" y="1231698"/>
-          <a:ext cx="515615" cy="91440"/>
+          <a:off x="2169893" y="1897499"/>
+          <a:ext cx="3889812" cy="696763"/>
         </a:xfrm>
         <a:custGeom>
           <a:avLst/>
@@ -1446,10 +1460,16 @@
           <a:pathLst>
             <a:path>
               <a:moveTo>
-                <a:pt x="0" y="45720"/>
+                <a:pt x="3889812" y="0"/>
               </a:moveTo>
               <a:lnTo>
-                <a:pt x="515615" y="45720"/>
+                <a:pt x="3889812" y="365481"/>
+              </a:lnTo>
+              <a:lnTo>
+                <a:pt x="0" y="365481"/>
+              </a:lnTo>
+              <a:lnTo>
+                <a:pt x="0" y="696763"/>
               </a:lnTo>
             </a:path>
           </a:pathLst>
@@ -1502,8 +1522,8 @@
         </a:p>
       </dsp:txBody>
       <dsp:txXfrm>
-        <a:off x="5544577" y="1274687"/>
-        <a:ext cx="27310" cy="5462"/>
+        <a:off x="4015869" y="2242244"/>
+        <a:ext cx="197861" cy="7273"/>
       </dsp:txXfrm>
     </dsp:sp>
     <dsp:sp modelId="{064BA50E-71C8-4F75-A673-4A680181C2DA}">
@@ -1513,8 +1533,8 @@
       </dsp:nvSpPr>
       <dsp:spPr>
         <a:xfrm>
-          <a:off x="2927374" y="564963"/>
-          <a:ext cx="2374850" cy="1424910"/>
+          <a:off x="4478481" y="1830"/>
+          <a:ext cx="3162448" cy="1897469"/>
         </a:xfrm>
         <a:prstGeom prst="rect">
           <a:avLst/>
@@ -1555,12 +1575,12 @@
         </a:fontRef>
       </dsp:style>
       <dsp:txBody>
-        <a:bodyPr spcFirstLastPara="0" vert="horz" wrap="square" lIns="170688" tIns="170688" rIns="170688" bIns="170688" numCol="1" spcCol="1270" anchor="ctr" anchorCtr="0">
+        <a:bodyPr spcFirstLastPara="0" vert="horz" wrap="square" lIns="234696" tIns="234696" rIns="234696" bIns="234696" numCol="1" spcCol="1270" anchor="ctr" anchorCtr="0">
           <a:noAutofit/>
         </a:bodyPr>
         <a:lstStyle/>
         <a:p>
-          <a:pPr lvl="0" algn="ctr" defTabSz="1066800">
+          <a:pPr lvl="0" algn="ctr" defTabSz="1466850">
             <a:lnSpc>
               <a:spcPct val="90000"/>
             </a:lnSpc>
@@ -1572,34 +1592,34 @@
             </a:spcAft>
           </a:pPr>
           <a:r>
-            <a:rPr lang="sv-SE" sz="2400" kern="1200" dirty="0" smtClean="0"/>
+            <a:rPr lang="sv-SE" sz="3300" kern="1200" dirty="0" smtClean="0"/>
             <a:t>ASP.NET Simple </a:t>
           </a:r>
           <a:r>
-            <a:rPr lang="sv-SE" sz="2400" kern="1200" dirty="0" err="1" smtClean="0"/>
+            <a:rPr lang="sv-SE" sz="3300" kern="1200" dirty="0" err="1" smtClean="0"/>
             <a:t>Membership</a:t>
           </a:r>
           <a:r>
-            <a:rPr lang="sv-SE" sz="2400" kern="1200" dirty="0" smtClean="0"/>
+            <a:rPr lang="sv-SE" sz="3300" kern="1200" dirty="0" smtClean="0"/>
             <a:t> (2010)</a:t>
           </a:r>
-          <a:endParaRPr lang="en-GB" sz="2400" kern="1200" dirty="0"/>
+          <a:endParaRPr lang="en-GB" sz="3300" kern="1200" dirty="0"/>
         </a:p>
       </dsp:txBody>
       <dsp:txXfrm>
-        <a:off x="2927374" y="564963"/>
-        <a:ext cx="2374850" cy="1424910"/>
+        <a:off x="4478481" y="1830"/>
+        <a:ext cx="3162448" cy="1897469"/>
       </dsp:txXfrm>
     </dsp:sp>
-    <dsp:sp modelId="{1A12C82F-0591-4A43-860C-F7BED3C90016}">
+    <dsp:sp modelId="{8E71846B-7288-47E5-9D4D-D52404A6C4AC}">
       <dsp:nvSpPr>
         <dsp:cNvPr id="0" name=""/>
         <dsp:cNvSpPr/>
       </dsp:nvSpPr>
       <dsp:spPr>
         <a:xfrm>
-          <a:off x="1193734" y="1988073"/>
-          <a:ext cx="5842131" cy="515615"/>
+          <a:off x="3749318" y="3529677"/>
+          <a:ext cx="696763" cy="91440"/>
         </a:xfrm>
         <a:custGeom>
           <a:avLst/>
@@ -1610,16 +1630,10 @@
           <a:pathLst>
             <a:path>
               <a:moveTo>
-                <a:pt x="5842131" y="0"/>
+                <a:pt x="0" y="45720"/>
               </a:moveTo>
               <a:lnTo>
-                <a:pt x="5842131" y="274907"/>
-              </a:lnTo>
-              <a:lnTo>
-                <a:pt x="0" y="274907"/>
-              </a:lnTo>
-              <a:lnTo>
-                <a:pt x="0" y="515615"/>
+                <a:pt x="696763" y="45720"/>
               </a:lnTo>
             </a:path>
           </a:pathLst>
@@ -1672,19 +1686,19 @@
         </a:p>
       </dsp:txBody>
       <dsp:txXfrm>
-        <a:off x="3968109" y="2243150"/>
-        <a:ext cx="293380" cy="5462"/>
+        <a:off x="4079515" y="3571760"/>
+        <a:ext cx="36368" cy="7273"/>
       </dsp:txXfrm>
     </dsp:sp>
-    <dsp:sp modelId="{0DE6CF1D-9A53-4ADA-858C-B7E4BB267F1E}">
+    <dsp:sp modelId="{FAF0D9F0-0222-4DD0-9339-4AC2868E153D}">
       <dsp:nvSpPr>
         <dsp:cNvPr id="0" name=""/>
         <dsp:cNvSpPr/>
       </dsp:nvSpPr>
       <dsp:spPr>
         <a:xfrm>
-          <a:off x="5848440" y="564963"/>
-          <a:ext cx="2374850" cy="1424910"/>
+          <a:off x="588669" y="2626663"/>
+          <a:ext cx="3162448" cy="1897469"/>
         </a:xfrm>
         <a:prstGeom prst="rect">
           <a:avLst/>
@@ -1725,12 +1739,12 @@
         </a:fontRef>
       </dsp:style>
       <dsp:txBody>
-        <a:bodyPr spcFirstLastPara="0" vert="horz" wrap="square" lIns="170688" tIns="170688" rIns="170688" bIns="170688" numCol="1" spcCol="1270" anchor="ctr" anchorCtr="0">
+        <a:bodyPr spcFirstLastPara="0" vert="horz" wrap="square" lIns="234696" tIns="234696" rIns="234696" bIns="234696" numCol="1" spcCol="1270" anchor="ctr" anchorCtr="0">
           <a:noAutofit/>
         </a:bodyPr>
         <a:lstStyle/>
         <a:p>
-          <a:pPr lvl="0" algn="ctr" defTabSz="1066800">
+          <a:pPr lvl="0" algn="ctr" defTabSz="1466850">
             <a:lnSpc>
               <a:spcPct val="90000"/>
             </a:lnSpc>
@@ -1742,113 +1756,34 @@
             </a:spcAft>
           </a:pPr>
           <a:r>
-            <a:rPr lang="sv-SE" sz="2400" kern="1200" dirty="0" smtClean="0"/>
-            <a:t>ASP.NET Universal </a:t>
+            <a:rPr lang="sv-SE" sz="3300" kern="1200" dirty="0" smtClean="0"/>
+            <a:t>ASP.NET </a:t>
           </a:r>
           <a:r>
-            <a:rPr lang="sv-SE" sz="2400" kern="1200" dirty="0" err="1" smtClean="0"/>
-            <a:t>Providers</a:t>
+            <a:rPr lang="sv-SE" sz="3300" kern="1200" dirty="0" err="1" smtClean="0"/>
+            <a:t>Identity</a:t>
           </a:r>
           <a:r>
-            <a:rPr lang="sv-SE" sz="2400" kern="1200" dirty="0" smtClean="0"/>
-            <a:t> (2012)</a:t>
+            <a:rPr lang="sv-SE" sz="3300" kern="1200" dirty="0" smtClean="0"/>
+            <a:t> 1.0 (2013)</a:t>
           </a:r>
-          <a:endParaRPr lang="en-GB" sz="2400" kern="1200" dirty="0"/>
+          <a:endParaRPr lang="en-GB" sz="3300" kern="1200" dirty="0"/>
         </a:p>
       </dsp:txBody>
       <dsp:txXfrm>
-        <a:off x="5848440" y="564963"/>
-        <a:ext cx="2374850" cy="1424910"/>
+        <a:off x="588669" y="2626663"/>
+        <a:ext cx="3162448" cy="1897469"/>
       </dsp:txXfrm>
     </dsp:sp>
-    <dsp:sp modelId="{8E71846B-7288-47E5-9D4D-D52404A6C4AC}">
+    <dsp:sp modelId="{A6174F81-839C-4A64-8ADB-4F3A6658691A}">
       <dsp:nvSpPr>
         <dsp:cNvPr id="0" name=""/>
         <dsp:cNvSpPr/>
       </dsp:nvSpPr>
       <dsp:spPr>
         <a:xfrm>
-          <a:off x="2379359" y="3202824"/>
-          <a:ext cx="515615" cy="91440"/>
-        </a:xfrm>
-        <a:custGeom>
-          <a:avLst/>
-          <a:gdLst/>
-          <a:ahLst/>
-          <a:cxnLst/>
-          <a:rect l="0" t="0" r="0" b="0"/>
-          <a:pathLst>
-            <a:path>
-              <a:moveTo>
-                <a:pt x="0" y="45720"/>
-              </a:moveTo>
-              <a:lnTo>
-                <a:pt x="515615" y="45720"/>
-              </a:lnTo>
-            </a:path>
-          </a:pathLst>
-        </a:custGeom>
-        <a:noFill/>
-        <a:ln w="9525" cap="flat" cmpd="sng" algn="ctr">
-          <a:solidFill>
-            <a:schemeClr val="accent1">
-              <a:hueOff val="0"/>
-              <a:satOff val="0"/>
-              <a:lumOff val="0"/>
-              <a:alphaOff val="0"/>
-            </a:schemeClr>
-          </a:solidFill>
-          <a:prstDash val="solid"/>
-          <a:tailEnd type="arrow"/>
-        </a:ln>
-        <a:effectLst/>
-      </dsp:spPr>
-      <dsp:style>
-        <a:lnRef idx="1">
-          <a:scrgbClr r="0" g="0" b="0"/>
-        </a:lnRef>
-        <a:fillRef idx="0">
-          <a:scrgbClr r="0" g="0" b="0"/>
-        </a:fillRef>
-        <a:effectRef idx="0">
-          <a:scrgbClr r="0" g="0" b="0"/>
-        </a:effectRef>
-        <a:fontRef idx="minor"/>
-      </dsp:style>
-      <dsp:txBody>
-        <a:bodyPr spcFirstLastPara="0" vert="horz" wrap="square" lIns="12700" tIns="0" rIns="12700" bIns="0" numCol="1" spcCol="1270" anchor="ctr" anchorCtr="0">
-          <a:noAutofit/>
-        </a:bodyPr>
-        <a:lstStyle/>
-        <a:p>
-          <a:pPr lvl="0" algn="ctr" defTabSz="222250">
-            <a:lnSpc>
-              <a:spcPct val="90000"/>
-            </a:lnSpc>
-            <a:spcBef>
-              <a:spcPct val="0"/>
-            </a:spcBef>
-            <a:spcAft>
-              <a:spcPct val="35000"/>
-            </a:spcAft>
-          </a:pPr>
-          <a:endParaRPr lang="en-GB" sz="500" kern="1200"/>
-        </a:p>
-      </dsp:txBody>
-      <dsp:txXfrm>
-        <a:off x="2623511" y="3245813"/>
-        <a:ext cx="27310" cy="5462"/>
-      </dsp:txXfrm>
-    </dsp:sp>
-    <dsp:sp modelId="{FAF0D9F0-0222-4DD0-9339-4AC2868E153D}">
-      <dsp:nvSpPr>
-        <dsp:cNvPr id="0" name=""/>
-        <dsp:cNvSpPr/>
-      </dsp:nvSpPr>
-      <dsp:spPr>
-        <a:xfrm>
-          <a:off x="6308" y="2536089"/>
-          <a:ext cx="2374850" cy="1424910"/>
+          <a:off x="4478481" y="2626663"/>
+          <a:ext cx="3162448" cy="1897469"/>
         </a:xfrm>
         <a:prstGeom prst="rect">
           <a:avLst/>
@@ -1889,12 +1824,12 @@
         </a:fontRef>
       </dsp:style>
       <dsp:txBody>
-        <a:bodyPr spcFirstLastPara="0" vert="horz" wrap="square" lIns="170688" tIns="170688" rIns="170688" bIns="170688" numCol="1" spcCol="1270" anchor="ctr" anchorCtr="0">
+        <a:bodyPr spcFirstLastPara="0" vert="horz" wrap="square" lIns="234696" tIns="234696" rIns="234696" bIns="234696" numCol="1" spcCol="1270" anchor="ctr" anchorCtr="0">
           <a:noAutofit/>
         </a:bodyPr>
         <a:lstStyle/>
         <a:p>
-          <a:pPr lvl="0" algn="ctr" defTabSz="1066800">
+          <a:pPr lvl="0" algn="ctr" defTabSz="1466850">
             <a:lnSpc>
               <a:spcPct val="90000"/>
             </a:lnSpc>
@@ -1906,108 +1841,23 @@
             </a:spcAft>
           </a:pPr>
           <a:r>
-            <a:rPr lang="sv-SE" sz="2400" kern="1200" dirty="0" smtClean="0"/>
+            <a:rPr lang="sv-SE" sz="3300" kern="1200" dirty="0" smtClean="0"/>
             <a:t>ASP.NET </a:t>
           </a:r>
           <a:r>
-            <a:rPr lang="sv-SE" sz="2400" kern="1200" dirty="0" err="1" smtClean="0"/>
+            <a:rPr lang="sv-SE" sz="3300" kern="1200" dirty="0" err="1" smtClean="0"/>
             <a:t>Identity</a:t>
           </a:r>
           <a:r>
-            <a:rPr lang="sv-SE" sz="2400" kern="1200" dirty="0" smtClean="0"/>
-            <a:t> 1.0 (2013)</a:t>
+            <a:rPr lang="sv-SE" sz="3300" kern="1200" dirty="0" smtClean="0"/>
+            <a:t> 2.0 (2014)</a:t>
           </a:r>
-          <a:endParaRPr lang="en-GB" sz="2400" kern="1200" dirty="0"/>
+          <a:endParaRPr lang="en-GB" sz="3300" kern="1200" dirty="0"/>
         </a:p>
       </dsp:txBody>
       <dsp:txXfrm>
-        <a:off x="6308" y="2536089"/>
-        <a:ext cx="2374850" cy="1424910"/>
-      </dsp:txXfrm>
-    </dsp:sp>
-    <dsp:sp modelId="{A6174F81-839C-4A64-8ADB-4F3A6658691A}">
-      <dsp:nvSpPr>
-        <dsp:cNvPr id="0" name=""/>
-        <dsp:cNvSpPr/>
-      </dsp:nvSpPr>
-      <dsp:spPr>
-        <a:xfrm>
-          <a:off x="2927374" y="2536089"/>
-          <a:ext cx="2374850" cy="1424910"/>
-        </a:xfrm>
-        <a:prstGeom prst="rect">
-          <a:avLst/>
-        </a:prstGeom>
-        <a:solidFill>
-          <a:schemeClr val="accent1">
-            <a:hueOff val="0"/>
-            <a:satOff val="0"/>
-            <a:lumOff val="0"/>
-            <a:alphaOff val="0"/>
-          </a:schemeClr>
-        </a:solidFill>
-        <a:ln w="25400" cap="flat" cmpd="sng" algn="ctr">
-          <a:solidFill>
-            <a:schemeClr val="lt1">
-              <a:hueOff val="0"/>
-              <a:satOff val="0"/>
-              <a:lumOff val="0"/>
-              <a:alphaOff val="0"/>
-            </a:schemeClr>
-          </a:solidFill>
-          <a:prstDash val="solid"/>
-        </a:ln>
-        <a:effectLst/>
-      </dsp:spPr>
-      <dsp:style>
-        <a:lnRef idx="2">
-          <a:scrgbClr r="0" g="0" b="0"/>
-        </a:lnRef>
-        <a:fillRef idx="1">
-          <a:scrgbClr r="0" g="0" b="0"/>
-        </a:fillRef>
-        <a:effectRef idx="0">
-          <a:scrgbClr r="0" g="0" b="0"/>
-        </a:effectRef>
-        <a:fontRef idx="minor">
-          <a:schemeClr val="lt1"/>
-        </a:fontRef>
-      </dsp:style>
-      <dsp:txBody>
-        <a:bodyPr spcFirstLastPara="0" vert="horz" wrap="square" lIns="170688" tIns="170688" rIns="170688" bIns="170688" numCol="1" spcCol="1270" anchor="ctr" anchorCtr="0">
-          <a:noAutofit/>
-        </a:bodyPr>
-        <a:lstStyle/>
-        <a:p>
-          <a:pPr lvl="0" algn="ctr" defTabSz="1066800">
-            <a:lnSpc>
-              <a:spcPct val="90000"/>
-            </a:lnSpc>
-            <a:spcBef>
-              <a:spcPct val="0"/>
-            </a:spcBef>
-            <a:spcAft>
-              <a:spcPct val="35000"/>
-            </a:spcAft>
-          </a:pPr>
-          <a:r>
-            <a:rPr lang="sv-SE" sz="2400" kern="1200" dirty="0" smtClean="0"/>
-            <a:t>ASP.NET </a:t>
-          </a:r>
-          <a:r>
-            <a:rPr lang="sv-SE" sz="2400" kern="1200" dirty="0" err="1" smtClean="0"/>
-            <a:t>Identity</a:t>
-          </a:r>
-          <a:r>
-            <a:rPr lang="sv-SE" sz="2400" kern="1200" dirty="0" smtClean="0"/>
-            <a:t> 2.0 (2014)</a:t>
-          </a:r>
-          <a:endParaRPr lang="en-GB" sz="2400" kern="1200" dirty="0"/>
-        </a:p>
-      </dsp:txBody>
-      <dsp:txXfrm>
-        <a:off x="2927374" y="2536089"/>
-        <a:ext cx="2374850" cy="1424910"/>
+        <a:off x="4478481" y="2626663"/>
+        <a:ext cx="3162448" cy="1897469"/>
       </dsp:txXfrm>
     </dsp:sp>
   </dsp:spTree>
@@ -3749,6 +3599,350 @@
     </a:lvl9pPr>
   </p:notesStyle>
 </p:notesMaster>
+</file>
+
+<file path=ppt/notesSlides/notesSlide1.xml><?xml version="1.0" encoding="utf-8"?>
+<p:notes xmlns:a="http://schemas.openxmlformats.org/drawingml/2006/main" xmlns:r="http://schemas.openxmlformats.org/officeDocument/2006/relationships" xmlns:p="http://schemas.openxmlformats.org/presentationml/2006/main">
+  <p:cSld>
+    <p:spTree>
+      <p:nvGrpSpPr>
+        <p:cNvPr id="1" name=""/>
+        <p:cNvGrpSpPr/>
+        <p:nvPr/>
+      </p:nvGrpSpPr>
+      <p:grpSpPr>
+        <a:xfrm>
+          <a:off x="0" y="0"/>
+          <a:ext cx="0" cy="0"/>
+          <a:chOff x="0" y="0"/>
+          <a:chExt cx="0" cy="0"/>
+        </a:xfrm>
+      </p:grpSpPr>
+      <p:sp>
+        <p:nvSpPr>
+          <p:cNvPr id="2" name="Platshållare för bildobjekt 1"/>
+          <p:cNvSpPr>
+            <a:spLocks noGrp="1" noRot="1" noChangeAspect="1"/>
+          </p:cNvSpPr>
+          <p:nvPr>
+            <p:ph type="sldImg"/>
+          </p:nvPr>
+        </p:nvSpPr>
+        <p:spPr/>
+      </p:sp>
+      <p:sp>
+        <p:nvSpPr>
+          <p:cNvPr id="3" name="Platshållare för anteckningar 2"/>
+          <p:cNvSpPr>
+            <a:spLocks noGrp="1"/>
+          </p:cNvSpPr>
+          <p:nvPr>
+            <p:ph type="body" idx="1"/>
+          </p:nvPr>
+        </p:nvSpPr>
+        <p:spPr/>
+        <p:txBody>
+          <a:bodyPr/>
+          <a:lstStyle/>
+          <a:p>
+            <a:endParaRPr lang="en-US" dirty="0"/>
+          </a:p>
+        </p:txBody>
+      </p:sp>
+      <p:sp>
+        <p:nvSpPr>
+          <p:cNvPr id="4" name="Platshållare för bildnummer 3"/>
+          <p:cNvSpPr>
+            <a:spLocks noGrp="1"/>
+          </p:cNvSpPr>
+          <p:nvPr>
+            <p:ph type="sldNum" sz="quarter" idx="10"/>
+          </p:nvPr>
+        </p:nvSpPr>
+        <p:spPr/>
+        <p:txBody>
+          <a:bodyPr/>
+          <a:lstStyle/>
+          <a:p>
+            <a:fld id="{9C98CF53-5E26-4422-B9D8-E9A5474C1FAF}" type="slidenum">
+              <a:rPr lang="sv-SE" smtClean="0"/>
+              <a:t>4</a:t>
+            </a:fld>
+            <a:endParaRPr lang="sv-SE"/>
+          </a:p>
+        </p:txBody>
+      </p:sp>
+    </p:spTree>
+    <p:extLst>
+      <p:ext uri="{BB962C8B-B14F-4D97-AF65-F5344CB8AC3E}">
+        <p14:creationId xmlns:p14="http://schemas.microsoft.com/office/powerpoint/2010/main" val="3638971334"/>
+      </p:ext>
+    </p:extLst>
+  </p:cSld>
+  <p:clrMapOvr>
+    <a:masterClrMapping/>
+  </p:clrMapOvr>
+</p:notes>
+</file>
+
+<file path=ppt/notesSlides/notesSlide2.xml><?xml version="1.0" encoding="utf-8"?>
+<p:notes xmlns:a="http://schemas.openxmlformats.org/drawingml/2006/main" xmlns:r="http://schemas.openxmlformats.org/officeDocument/2006/relationships" xmlns:p="http://schemas.openxmlformats.org/presentationml/2006/main">
+  <p:cSld>
+    <p:spTree>
+      <p:nvGrpSpPr>
+        <p:cNvPr id="1" name=""/>
+        <p:cNvGrpSpPr/>
+        <p:nvPr/>
+      </p:nvGrpSpPr>
+      <p:grpSpPr>
+        <a:xfrm>
+          <a:off x="0" y="0"/>
+          <a:ext cx="0" cy="0"/>
+          <a:chOff x="0" y="0"/>
+          <a:chExt cx="0" cy="0"/>
+        </a:xfrm>
+      </p:grpSpPr>
+      <p:sp>
+        <p:nvSpPr>
+          <p:cNvPr id="2" name="Platshållare för bildobjekt 1"/>
+          <p:cNvSpPr>
+            <a:spLocks noGrp="1" noRot="1" noChangeAspect="1"/>
+          </p:cNvSpPr>
+          <p:nvPr>
+            <p:ph type="sldImg"/>
+          </p:nvPr>
+        </p:nvSpPr>
+        <p:spPr/>
+      </p:sp>
+      <p:sp>
+        <p:nvSpPr>
+          <p:cNvPr id="3" name="Platshållare för anteckningar 2"/>
+          <p:cNvSpPr>
+            <a:spLocks noGrp="1"/>
+          </p:cNvSpPr>
+          <p:nvPr>
+            <p:ph type="body" idx="1"/>
+          </p:nvPr>
+        </p:nvSpPr>
+        <p:spPr/>
+        <p:txBody>
+          <a:bodyPr/>
+          <a:lstStyle/>
+          <a:p>
+            <a:endParaRPr lang="en-US" dirty="0"/>
+          </a:p>
+        </p:txBody>
+      </p:sp>
+      <p:sp>
+        <p:nvSpPr>
+          <p:cNvPr id="4" name="Platshållare för bildnummer 3"/>
+          <p:cNvSpPr>
+            <a:spLocks noGrp="1"/>
+          </p:cNvSpPr>
+          <p:nvPr>
+            <p:ph type="sldNum" sz="quarter" idx="10"/>
+          </p:nvPr>
+        </p:nvSpPr>
+        <p:spPr/>
+        <p:txBody>
+          <a:bodyPr/>
+          <a:lstStyle/>
+          <a:p>
+            <a:fld id="{9C98CF53-5E26-4422-B9D8-E9A5474C1FAF}" type="slidenum">
+              <a:rPr lang="sv-SE" smtClean="0"/>
+              <a:t>10</a:t>
+            </a:fld>
+            <a:endParaRPr lang="sv-SE"/>
+          </a:p>
+        </p:txBody>
+      </p:sp>
+    </p:spTree>
+    <p:extLst>
+      <p:ext uri="{BB962C8B-B14F-4D97-AF65-F5344CB8AC3E}">
+        <p14:creationId xmlns:p14="http://schemas.microsoft.com/office/powerpoint/2010/main" val="1499849308"/>
+      </p:ext>
+    </p:extLst>
+  </p:cSld>
+  <p:clrMapOvr>
+    <a:masterClrMapping/>
+  </p:clrMapOvr>
+</p:notes>
+</file>
+
+<file path=ppt/notesSlides/notesSlide3.xml><?xml version="1.0" encoding="utf-8"?>
+<p:notes xmlns:a="http://schemas.openxmlformats.org/drawingml/2006/main" xmlns:r="http://schemas.openxmlformats.org/officeDocument/2006/relationships" xmlns:p="http://schemas.openxmlformats.org/presentationml/2006/main">
+  <p:cSld>
+    <p:spTree>
+      <p:nvGrpSpPr>
+        <p:cNvPr id="1" name=""/>
+        <p:cNvGrpSpPr/>
+        <p:nvPr/>
+      </p:nvGrpSpPr>
+      <p:grpSpPr>
+        <a:xfrm>
+          <a:off x="0" y="0"/>
+          <a:ext cx="0" cy="0"/>
+          <a:chOff x="0" y="0"/>
+          <a:chExt cx="0" cy="0"/>
+        </a:xfrm>
+      </p:grpSpPr>
+      <p:sp>
+        <p:nvSpPr>
+          <p:cNvPr id="2" name="Platshållare för bildobjekt 1"/>
+          <p:cNvSpPr>
+            <a:spLocks noGrp="1" noRot="1" noChangeAspect="1"/>
+          </p:cNvSpPr>
+          <p:nvPr>
+            <p:ph type="sldImg"/>
+          </p:nvPr>
+        </p:nvSpPr>
+        <p:spPr/>
+      </p:sp>
+      <p:sp>
+        <p:nvSpPr>
+          <p:cNvPr id="3" name="Platshållare för anteckningar 2"/>
+          <p:cNvSpPr>
+            <a:spLocks noGrp="1"/>
+          </p:cNvSpPr>
+          <p:nvPr>
+            <p:ph type="body" idx="1"/>
+          </p:nvPr>
+        </p:nvSpPr>
+        <p:spPr/>
+        <p:txBody>
+          <a:bodyPr/>
+          <a:lstStyle/>
+          <a:p>
+            <a:r>
+              <a:rPr lang="en-US" dirty="0" smtClean="0"/>
+              <a:t>If</a:t>
+            </a:r>
+            <a:r>
+              <a:rPr lang="en-US" baseline="0" dirty="0" smtClean="0"/>
+              <a:t> you are using an older version of VS than VS2013, then you have to implement your own user management functionality such as login/logoff/register etc. </a:t>
+            </a:r>
+            <a:endParaRPr lang="en-US" dirty="0"/>
+          </a:p>
+        </p:txBody>
+      </p:sp>
+      <p:sp>
+        <p:nvSpPr>
+          <p:cNvPr id="4" name="Platshållare för bildnummer 3"/>
+          <p:cNvSpPr>
+            <a:spLocks noGrp="1"/>
+          </p:cNvSpPr>
+          <p:nvPr>
+            <p:ph type="sldNum" sz="quarter" idx="10"/>
+          </p:nvPr>
+        </p:nvSpPr>
+        <p:spPr/>
+        <p:txBody>
+          <a:bodyPr/>
+          <a:lstStyle/>
+          <a:p>
+            <a:fld id="{9C98CF53-5E26-4422-B9D8-E9A5474C1FAF}" type="slidenum">
+              <a:rPr lang="sv-SE" smtClean="0"/>
+              <a:t>11</a:t>
+            </a:fld>
+            <a:endParaRPr lang="sv-SE"/>
+          </a:p>
+        </p:txBody>
+      </p:sp>
+    </p:spTree>
+    <p:extLst>
+      <p:ext uri="{BB962C8B-B14F-4D97-AF65-F5344CB8AC3E}">
+        <p14:creationId xmlns:p14="http://schemas.microsoft.com/office/powerpoint/2010/main" val="2428868770"/>
+      </p:ext>
+    </p:extLst>
+  </p:cSld>
+  <p:clrMapOvr>
+    <a:masterClrMapping/>
+  </p:clrMapOvr>
+</p:notes>
+</file>
+
+<file path=ppt/notesSlides/notesSlide4.xml><?xml version="1.0" encoding="utf-8"?>
+<p:notes xmlns:a="http://schemas.openxmlformats.org/drawingml/2006/main" xmlns:r="http://schemas.openxmlformats.org/officeDocument/2006/relationships" xmlns:p="http://schemas.openxmlformats.org/presentationml/2006/main">
+  <p:cSld>
+    <p:spTree>
+      <p:nvGrpSpPr>
+        <p:cNvPr id="1" name=""/>
+        <p:cNvGrpSpPr/>
+        <p:nvPr/>
+      </p:nvGrpSpPr>
+      <p:grpSpPr>
+        <a:xfrm>
+          <a:off x="0" y="0"/>
+          <a:ext cx="0" cy="0"/>
+          <a:chOff x="0" y="0"/>
+          <a:chExt cx="0" cy="0"/>
+        </a:xfrm>
+      </p:grpSpPr>
+      <p:sp>
+        <p:nvSpPr>
+          <p:cNvPr id="2" name="Platshållare för bildobjekt 1"/>
+          <p:cNvSpPr>
+            <a:spLocks noGrp="1" noRot="1" noChangeAspect="1"/>
+          </p:cNvSpPr>
+          <p:nvPr>
+            <p:ph type="sldImg"/>
+          </p:nvPr>
+        </p:nvSpPr>
+        <p:spPr/>
+      </p:sp>
+      <p:sp>
+        <p:nvSpPr>
+          <p:cNvPr id="3" name="Platshållare för anteckningar 2"/>
+          <p:cNvSpPr>
+            <a:spLocks noGrp="1"/>
+          </p:cNvSpPr>
+          <p:nvPr>
+            <p:ph type="body" idx="1"/>
+          </p:nvPr>
+        </p:nvSpPr>
+        <p:spPr/>
+        <p:txBody>
+          <a:bodyPr/>
+          <a:lstStyle/>
+          <a:p>
+            <a:endParaRPr lang="en-US" dirty="0"/>
+          </a:p>
+        </p:txBody>
+      </p:sp>
+      <p:sp>
+        <p:nvSpPr>
+          <p:cNvPr id="4" name="Platshållare för bildnummer 3"/>
+          <p:cNvSpPr>
+            <a:spLocks noGrp="1"/>
+          </p:cNvSpPr>
+          <p:nvPr>
+            <p:ph type="sldNum" sz="quarter" idx="10"/>
+          </p:nvPr>
+        </p:nvSpPr>
+        <p:spPr/>
+        <p:txBody>
+          <a:bodyPr/>
+          <a:lstStyle/>
+          <a:p>
+            <a:fld id="{9C98CF53-5E26-4422-B9D8-E9A5474C1FAF}" type="slidenum">
+              <a:rPr lang="sv-SE" smtClean="0"/>
+              <a:t>16</a:t>
+            </a:fld>
+            <a:endParaRPr lang="sv-SE"/>
+          </a:p>
+        </p:txBody>
+      </p:sp>
+    </p:spTree>
+    <p:extLst>
+      <p:ext uri="{BB962C8B-B14F-4D97-AF65-F5344CB8AC3E}">
+        <p14:creationId xmlns:p14="http://schemas.microsoft.com/office/powerpoint/2010/main" val="387223016"/>
+      </p:ext>
+    </p:extLst>
+  </p:cSld>
+  <p:clrMapOvr>
+    <a:masterClrMapping/>
+  </p:clrMapOvr>
+</p:notes>
 </file>
 
 <file path=ppt/slideLayouts/slideLayout1.xml><?xml version="1.0" encoding="utf-8"?>
@@ -7175,7 +7369,7 @@
         </p:nvSpPr>
         <p:spPr>
           <a:xfrm>
-            <a:off x="467544" y="3501008"/>
+            <a:off x="395536" y="2204864"/>
             <a:ext cx="8136904" cy="1214896"/>
           </a:xfrm>
         </p:spPr>
@@ -7309,23 +7503,7 @@
           <a:p>
             <a:r>
               <a:rPr lang="sv-SE" dirty="0" err="1" smtClean="0"/>
-              <a:t>What</a:t>
-            </a:r>
-            <a:r>
-              <a:rPr lang="sv-SE" dirty="0" smtClean="0"/>
-              <a:t> </a:t>
-            </a:r>
-            <a:r>
-              <a:rPr lang="sv-SE" dirty="0" err="1" smtClean="0"/>
-              <a:t>was</a:t>
-            </a:r>
-            <a:r>
-              <a:rPr lang="sv-SE" dirty="0" smtClean="0"/>
-              <a:t> </a:t>
-            </a:r>
-            <a:r>
-              <a:rPr lang="sv-SE" dirty="0" err="1" smtClean="0"/>
-              <a:t>before</a:t>
+              <a:t>Why</a:t>
             </a:r>
             <a:r>
               <a:rPr lang="sv-SE" dirty="0" smtClean="0"/>
@@ -7335,43 +7513,78 @@
               <a:rPr lang="sv-SE" dirty="0" err="1" smtClean="0"/>
               <a:t>Identity</a:t>
             </a:r>
-            <a:r>
-              <a:rPr lang="sv-SE" dirty="0" smtClean="0"/>
-              <a:t>?</a:t>
-            </a:r>
             <a:endParaRPr lang="en-GB" dirty="0"/>
           </a:p>
         </p:txBody>
       </p:sp>
-      <p:graphicFrame>
-        <p:nvGraphicFramePr>
-          <p:cNvPr id="5" name="Platshållare för innehåll 4"/>
-          <p:cNvGraphicFramePr>
-            <a:graphicFrameLocks noGrp="1"/>
-          </p:cNvGraphicFramePr>
+      <p:sp>
+        <p:nvSpPr>
+          <p:cNvPr id="3" name="Platshållare för innehåll 2"/>
+          <p:cNvSpPr>
+            <a:spLocks noGrp="1"/>
+          </p:cNvSpPr>
           <p:nvPr>
             <p:ph idx="1"/>
-            <p:extLst>
-              <p:ext uri="{D42A27DB-BD31-4B8C-83A1-F6EECF244321}">
-                <p14:modId xmlns:p14="http://schemas.microsoft.com/office/powerpoint/2010/main" val="1201218549"/>
-              </p:ext>
-            </p:extLst>
-          </p:nvPr>
-        </p:nvGraphicFramePr>
-        <p:xfrm>
-          <a:off x="457200" y="1600200"/>
-          <a:ext cx="8229600" cy="4525963"/>
-        </p:xfrm>
-        <a:graphic>
-          <a:graphicData uri="http://schemas.openxmlformats.org/drawingml/2006/diagram">
-            <dgm:relIds xmlns:dgm="http://schemas.openxmlformats.org/drawingml/2006/diagram" xmlns:r="http://schemas.openxmlformats.org/officeDocument/2006/relationships" r:dm="rId2" r:lo="rId3" r:qs="rId4" r:cs="rId5"/>
-          </a:graphicData>
-        </a:graphic>
-      </p:graphicFrame>
+          </p:nvPr>
+        </p:nvSpPr>
+        <p:spPr>
+          <a:xfrm>
+            <a:off x="457200" y="1124744"/>
+            <a:ext cx="8229600" cy="4525963"/>
+          </a:xfrm>
+        </p:spPr>
+        <p:txBody>
+          <a:bodyPr>
+            <a:normAutofit/>
+          </a:bodyPr>
+          <a:lstStyle/>
+          <a:p>
+            <a:pPr marL="0" lvl="0" indent="0">
+              <a:buNone/>
+            </a:pPr>
+            <a:r>
+              <a:rPr lang="en-US" sz="3200" dirty="0" smtClean="0"/>
+              <a:t>Visual Studio 2013 come with a range of templates which </a:t>
+            </a:r>
+            <a:r>
+              <a:rPr lang="en-US" sz="3200" dirty="0" smtClean="0"/>
+              <a:t>implement </a:t>
+            </a:r>
+            <a:r>
+              <a:rPr lang="en-US" sz="3200" dirty="0" smtClean="0"/>
+              <a:t>ASP.NET Identity to the following project types:</a:t>
+            </a:r>
+          </a:p>
+          <a:p>
+            <a:r>
+              <a:rPr lang="en-US" dirty="0" smtClean="0"/>
+              <a:t>MVC</a:t>
+            </a:r>
+          </a:p>
+          <a:p>
+            <a:r>
+              <a:rPr lang="en-US" dirty="0" smtClean="0"/>
+              <a:t>Web Forms</a:t>
+            </a:r>
+          </a:p>
+          <a:p>
+            <a:r>
+              <a:rPr lang="en-US" dirty="0" smtClean="0"/>
+              <a:t>Web API</a:t>
+            </a:r>
+          </a:p>
+          <a:p>
+            <a:r>
+              <a:rPr lang="en-US" dirty="0" smtClean="0"/>
+              <a:t>Single Page Application</a:t>
+            </a:r>
+          </a:p>
+        </p:txBody>
+      </p:sp>
     </p:spTree>
     <p:extLst>
       <p:ext uri="{BB962C8B-B14F-4D97-AF65-F5344CB8AC3E}">
-        <p14:creationId xmlns:p14="http://schemas.microsoft.com/office/powerpoint/2010/main" val="962914284"/>
+        <p14:creationId xmlns:p14="http://schemas.microsoft.com/office/powerpoint/2010/main" val="541569819"/>
       </p:ext>
     </p:extLst>
   </p:cSld>
@@ -7414,37 +7627,17 @@
           <a:lstStyle/>
           <a:p>
             <a:r>
-              <a:rPr lang="sv-SE" dirty="0" err="1"/>
-              <a:t>What</a:t>
-            </a:r>
-            <a:r>
-              <a:rPr lang="sv-SE" dirty="0"/>
-              <a:t> </a:t>
-            </a:r>
-            <a:r>
-              <a:rPr lang="sv-SE" dirty="0" err="1"/>
-              <a:t>was</a:t>
-            </a:r>
-            <a:r>
-              <a:rPr lang="sv-SE" dirty="0"/>
-              <a:t> </a:t>
-            </a:r>
-            <a:r>
-              <a:rPr lang="sv-SE" dirty="0" err="1"/>
-              <a:t>before</a:t>
-            </a:r>
-            <a:r>
-              <a:rPr lang="sv-SE" dirty="0"/>
+              <a:rPr lang="sv-SE" dirty="0" err="1" smtClean="0"/>
+              <a:t>Why</a:t>
+            </a:r>
+            <a:r>
+              <a:rPr lang="sv-SE" dirty="0" smtClean="0"/>
               <a:t> ASP.NET </a:t>
             </a:r>
             <a:r>
-              <a:rPr lang="sv-SE" dirty="0" err="1"/>
+              <a:rPr lang="sv-SE" dirty="0" err="1" smtClean="0"/>
               <a:t>Identity</a:t>
             </a:r>
-            <a:r>
-              <a:rPr lang="sv-SE" dirty="0"/>
-              <a:t>?</a:t>
-            </a:r>
             <a:endParaRPr lang="en-GB" dirty="0"/>
           </a:p>
         </p:txBody>
@@ -7459,195 +7652,222 @@
             <p:ph idx="1"/>
           </p:nvPr>
         </p:nvSpPr>
-        <p:spPr/>
+        <p:spPr>
+          <a:xfrm>
+            <a:off x="457200" y="1124744"/>
+            <a:ext cx="8229600" cy="4525963"/>
+          </a:xfrm>
+        </p:spPr>
         <p:txBody>
           <a:bodyPr>
             <a:normAutofit/>
           </a:bodyPr>
           <a:lstStyle/>
           <a:p>
-            <a:pPr marL="0" indent="0">
+            <a:pPr marL="0" lvl="0" indent="0">
               <a:buNone/>
             </a:pPr>
             <a:r>
-              <a:rPr lang="sv-SE" sz="3200" dirty="0" smtClean="0"/>
-              <a:t>ASP.NET </a:t>
-            </a:r>
-            <a:r>
-              <a:rPr lang="sv-SE" sz="3200" dirty="0" err="1" smtClean="0"/>
-              <a:t>Membership</a:t>
-            </a:r>
-            <a:endParaRPr lang="sv-SE" sz="3200" dirty="0" smtClean="0"/>
-          </a:p>
-          <a:p>
-            <a:pPr marL="0" indent="0">
+              <a:rPr lang="en-US" dirty="0" smtClean="0"/>
+              <a:t>If you are using an earlier version of Visual Studio, the templates listed </a:t>
+            </a:r>
+            <a:r>
+              <a:rPr lang="en-US" dirty="0" smtClean="0"/>
+              <a:t>in the </a:t>
+            </a:r>
+            <a:r>
+              <a:rPr lang="en-US" dirty="0" smtClean="0"/>
+              <a:t>previous slide does not contain ASP.NET Identity. </a:t>
+            </a:r>
+          </a:p>
+          <a:p>
+            <a:pPr marL="0" lvl="0" indent="0">
               <a:buNone/>
             </a:pPr>
-            <a:endParaRPr lang="sv-SE" sz="3200" dirty="0" smtClean="0"/>
-          </a:p>
-          <a:p>
-            <a:r>
-              <a:rPr lang="sv-SE" sz="2400" dirty="0" smtClean="0"/>
-              <a:t>Forms </a:t>
-            </a:r>
-            <a:r>
-              <a:rPr lang="sv-SE" sz="2400" dirty="0" err="1" smtClean="0"/>
-              <a:t>based</a:t>
-            </a:r>
-            <a:r>
-              <a:rPr lang="sv-SE" sz="2400" dirty="0" smtClean="0"/>
-              <a:t> </a:t>
-            </a:r>
-            <a:r>
-              <a:rPr lang="sv-SE" sz="2400" dirty="0" err="1" smtClean="0"/>
-              <a:t>authentication</a:t>
-            </a:r>
-            <a:r>
-              <a:rPr lang="sv-SE" sz="2400" dirty="0" smtClean="0"/>
-              <a:t>.</a:t>
-            </a:r>
-          </a:p>
-          <a:p>
-            <a:r>
-              <a:rPr lang="sv-SE" sz="2400" dirty="0" err="1" smtClean="0"/>
-              <a:t>Designed</a:t>
-            </a:r>
-            <a:r>
-              <a:rPr lang="sv-SE" sz="2400" dirty="0" smtClean="0"/>
-              <a:t> </a:t>
-            </a:r>
-            <a:r>
-              <a:rPr lang="sv-SE" sz="2400" dirty="0" err="1" smtClean="0"/>
-              <a:t>with</a:t>
-            </a:r>
-            <a:r>
-              <a:rPr lang="sv-SE" sz="2400" dirty="0" smtClean="0"/>
-              <a:t> </a:t>
-            </a:r>
-            <a:r>
-              <a:rPr lang="sv-SE" sz="2400" dirty="0" err="1" smtClean="0"/>
-              <a:t>only</a:t>
-            </a:r>
-            <a:r>
-              <a:rPr lang="sv-SE" sz="2400" dirty="0" smtClean="0"/>
-              <a:t> SQL servers in mind.</a:t>
-            </a:r>
-          </a:p>
-          <a:p>
-            <a:r>
-              <a:rPr lang="sv-SE" sz="2400" dirty="0" smtClean="0"/>
-              <a:t>No </a:t>
-            </a:r>
-            <a:r>
-              <a:rPr lang="sv-SE" sz="2400" dirty="0" err="1" smtClean="0"/>
-              <a:t>Owin</a:t>
-            </a:r>
-            <a:r>
-              <a:rPr lang="sv-SE" sz="2400" dirty="0" smtClean="0"/>
-              <a:t> integration.</a:t>
-            </a:r>
-          </a:p>
-          <a:p>
-            <a:r>
-              <a:rPr lang="sv-SE" sz="2400" dirty="0" smtClean="0"/>
-              <a:t>No </a:t>
-            </a:r>
-            <a:r>
-              <a:rPr lang="sv-SE" sz="2400" dirty="0"/>
-              <a:t>s</a:t>
-            </a:r>
-            <a:r>
-              <a:rPr lang="sv-SE" sz="2400" dirty="0" smtClean="0"/>
-              <a:t>ocial login </a:t>
-            </a:r>
-            <a:r>
-              <a:rPr lang="sv-SE" sz="2400" dirty="0" err="1" smtClean="0"/>
-              <a:t>providers</a:t>
-            </a:r>
-            <a:r>
-              <a:rPr lang="sv-SE" sz="2400" dirty="0" smtClean="0"/>
-              <a:t>.</a:t>
-            </a:r>
-          </a:p>
-          <a:p>
-            <a:r>
-              <a:rPr lang="sv-SE" sz="2400" dirty="0" err="1" smtClean="0"/>
-              <a:t>Difficult</a:t>
-            </a:r>
-            <a:r>
-              <a:rPr lang="sv-SE" sz="2400" dirty="0" smtClean="0"/>
-              <a:t> to </a:t>
-            </a:r>
-            <a:r>
-              <a:rPr lang="sv-SE" sz="2400" dirty="0" err="1" smtClean="0"/>
-              <a:t>customize</a:t>
-            </a:r>
-            <a:r>
-              <a:rPr lang="sv-SE" sz="2400" dirty="0" smtClean="0"/>
-              <a:t> </a:t>
-            </a:r>
-            <a:r>
-              <a:rPr lang="sv-SE" sz="2400" dirty="0" err="1" smtClean="0"/>
-              <a:t>user</a:t>
-            </a:r>
-            <a:r>
-              <a:rPr lang="sv-SE" sz="2400" dirty="0" smtClean="0"/>
-              <a:t> information</a:t>
-            </a:r>
-          </a:p>
-          <a:p>
-            <a:r>
-              <a:rPr lang="sv-SE" sz="2400" dirty="0" smtClean="0"/>
-              <a:t>Does not </a:t>
-            </a:r>
-            <a:r>
-              <a:rPr lang="sv-SE" sz="2400" dirty="0" err="1" smtClean="0"/>
-              <a:t>follow</a:t>
-            </a:r>
-            <a:r>
-              <a:rPr lang="sv-SE" sz="2400" dirty="0" smtClean="0"/>
-              <a:t> SRP (</a:t>
-            </a:r>
-            <a:r>
-              <a:rPr lang="sv-SE" sz="2400" dirty="0" err="1" smtClean="0"/>
-              <a:t>Single</a:t>
-            </a:r>
-            <a:r>
-              <a:rPr lang="sv-SE" sz="2400" dirty="0" smtClean="0"/>
-              <a:t> </a:t>
-            </a:r>
-            <a:r>
-              <a:rPr lang="sv-SE" sz="2400" dirty="0" err="1"/>
-              <a:t>R</a:t>
-            </a:r>
-            <a:r>
-              <a:rPr lang="sv-SE" sz="2400" dirty="0" err="1" smtClean="0"/>
-              <a:t>esponsibility</a:t>
-            </a:r>
-            <a:r>
-              <a:rPr lang="sv-SE" sz="2400" dirty="0" smtClean="0"/>
-              <a:t> </a:t>
-            </a:r>
-            <a:r>
-              <a:rPr lang="sv-SE" sz="2400" dirty="0" err="1"/>
-              <a:t>P</a:t>
-            </a:r>
-            <a:r>
-              <a:rPr lang="sv-SE" sz="2400" dirty="0" err="1" smtClean="0"/>
-              <a:t>rinciple</a:t>
-            </a:r>
-            <a:r>
-              <a:rPr lang="sv-SE" sz="2400" dirty="0" smtClean="0"/>
-              <a:t>)</a:t>
-            </a:r>
-            <a:endParaRPr lang="en-GB" sz="2400" dirty="0"/>
+            <a:r>
+              <a:rPr lang="en-US" dirty="0" smtClean="0"/>
+              <a:t>However you can easily add ASP.NET Identity via the Package Manager Console, and implement your own functionality </a:t>
+            </a:r>
+          </a:p>
+          <a:p>
+            <a:pPr marL="0" lvl="0" indent="0">
+              <a:buNone/>
+            </a:pPr>
+            <a:endParaRPr lang="en-US" dirty="0"/>
+          </a:p>
+          <a:p>
+            <a:pPr marL="0" lvl="0" indent="0">
+              <a:buNone/>
+            </a:pPr>
+            <a:endParaRPr lang="en-US" dirty="0" smtClean="0"/>
+          </a:p>
+        </p:txBody>
+      </p:sp>
+      <p:sp>
+        <p:nvSpPr>
+          <p:cNvPr id="5" name="Rectangle 2"/>
+          <p:cNvSpPr>
+            <a:spLocks noChangeArrowheads="1"/>
+          </p:cNvSpPr>
+          <p:nvPr/>
+        </p:nvSpPr>
+        <p:spPr bwMode="auto">
+          <a:xfrm>
+            <a:off x="427484" y="4077072"/>
+            <a:ext cx="8229600" cy="877163"/>
+          </a:xfrm>
+          <a:prstGeom prst="rect">
+            <a:avLst/>
+          </a:prstGeom>
+          <a:solidFill>
+            <a:srgbClr val="FBEDBB"/>
+          </a:solidFill>
+          <a:ln>
+            <a:noFill/>
+          </a:ln>
+          <a:effectLst/>
+          <a:extLst>
+            <a:ext uri="{91240B29-F687-4F45-9708-019B960494DF}">
+              <a14:hiddenLine xmlns:a14="http://schemas.microsoft.com/office/drawing/2010/main" w="9525">
+                <a:solidFill>
+                  <a:schemeClr val="tx1"/>
+                </a:solidFill>
+                <a:miter lim="800000"/>
+                <a:headEnd/>
+                <a:tailEnd/>
+              </a14:hiddenLine>
+            </a:ext>
+            <a:ext uri="{AF507438-7753-43E0-B8FC-AC1667EBCBE1}">
+              <a14:hiddenEffects xmlns:a14="http://schemas.microsoft.com/office/drawing/2010/main">
+                <a:effectLst>
+                  <a:outerShdw dist="35921" dir="2700000" algn="ctr" rotWithShape="0">
+                    <a:schemeClr val="bg2"/>
+                  </a:outerShdw>
+                </a:effectLst>
+              </a14:hiddenEffects>
+            </a:ext>
+          </a:extLst>
+        </p:spPr>
+        <p:txBody>
+          <a:bodyPr vert="horz" wrap="square" lIns="91440" tIns="0" rIns="91440" bIns="45720" numCol="1" anchor="ctr" anchorCtr="0" compatLnSpc="1">
+            <a:prstTxWarp prst="textNoShape">
+              <a:avLst/>
+            </a:prstTxWarp>
+            <a:spAutoFit/>
+          </a:bodyPr>
+          <a:lstStyle/>
+          <a:p>
+            <a:pPr marL="0" marR="0" lvl="0" indent="0" algn="l" defTabSz="914400" rtl="0" eaLnBrk="0" fontAlgn="base" latinLnBrk="0" hangingPunct="0">
+              <a:lnSpc>
+                <a:spcPct val="100000"/>
+              </a:lnSpc>
+              <a:spcBef>
+                <a:spcPct val="0"/>
+              </a:spcBef>
+              <a:spcAft>
+                <a:spcPct val="0"/>
+              </a:spcAft>
+              <a:buClrTx/>
+              <a:buSzTx/>
+              <a:buFontTx/>
+              <a:buNone/>
+              <a:tabLst/>
+            </a:pPr>
+            <a:r>
+              <a:rPr kumimoji="0" lang="en-US" altLang="sv-SE" b="0" i="0" u="none" strike="noStrike" cap="none" normalizeH="0" baseline="0" dirty="0" smtClean="0">
+                <a:ln>
+                  <a:noFill/>
+                </a:ln>
+                <a:solidFill>
+                  <a:srgbClr val="000000"/>
+                </a:solidFill>
+                <a:effectLst/>
+                <a:latin typeface="Consolas" panose="020B0609020204030204" pitchFamily="49" charset="0"/>
+                <a:cs typeface="Consolas" panose="020B0609020204030204" pitchFamily="49" charset="0"/>
+              </a:rPr>
+              <a:t>PM&gt; Install-Package Microsoft.AspNet.Identity.Core </a:t>
+            </a:r>
+          </a:p>
+          <a:p>
+            <a:pPr marL="0" marR="0" lvl="0" indent="0" algn="l" defTabSz="914400" rtl="0" eaLnBrk="0" fontAlgn="base" latinLnBrk="0" hangingPunct="0">
+              <a:lnSpc>
+                <a:spcPct val="100000"/>
+              </a:lnSpc>
+              <a:spcBef>
+                <a:spcPct val="0"/>
+              </a:spcBef>
+              <a:spcAft>
+                <a:spcPct val="0"/>
+              </a:spcAft>
+              <a:buClrTx/>
+              <a:buSzTx/>
+              <a:buFontTx/>
+              <a:buNone/>
+              <a:tabLst/>
+            </a:pPr>
+            <a:r>
+              <a:rPr kumimoji="0" lang="en-US" altLang="sv-SE" b="0" i="0" u="none" strike="noStrike" cap="none" normalizeH="0" baseline="0" dirty="0" smtClean="0">
+                <a:ln>
+                  <a:noFill/>
+                </a:ln>
+                <a:solidFill>
+                  <a:srgbClr val="000000"/>
+                </a:solidFill>
+                <a:effectLst/>
+                <a:latin typeface="Consolas" panose="020B0609020204030204" pitchFamily="49" charset="0"/>
+                <a:cs typeface="Consolas" panose="020B0609020204030204" pitchFamily="49" charset="0"/>
+              </a:rPr>
+              <a:t>PM&gt; Install-Package Microsoft.AspNet.Identity.EntityFramework</a:t>
+            </a:r>
+          </a:p>
+          <a:p>
+            <a:pPr marL="0" marR="0" lvl="0" indent="0" algn="l" defTabSz="914400" rtl="0" eaLnBrk="0" fontAlgn="base" latinLnBrk="0" hangingPunct="0">
+              <a:lnSpc>
+                <a:spcPct val="100000"/>
+              </a:lnSpc>
+              <a:spcBef>
+                <a:spcPct val="0"/>
+              </a:spcBef>
+              <a:spcAft>
+                <a:spcPct val="0"/>
+              </a:spcAft>
+              <a:buClrTx/>
+              <a:buSzTx/>
+              <a:buFontTx/>
+              <a:buNone/>
+              <a:tabLst/>
+            </a:pPr>
+            <a:r>
+              <a:rPr kumimoji="0" lang="en-US" altLang="sv-SE" b="0" i="0" u="none" strike="noStrike" cap="none" normalizeH="0" baseline="0" dirty="0" smtClean="0">
+                <a:ln>
+                  <a:noFill/>
+                </a:ln>
+                <a:solidFill>
+                  <a:srgbClr val="000000"/>
+                </a:solidFill>
+                <a:effectLst/>
+                <a:latin typeface="Consolas" panose="020B0609020204030204" pitchFamily="49" charset="0"/>
+                <a:cs typeface="Consolas" panose="020B0609020204030204" pitchFamily="49" charset="0"/>
+              </a:rPr>
+              <a:t>PM&gt; Install-Package Microsoft.AspNet.Identity.Owin </a:t>
+            </a:r>
+            <a:endParaRPr kumimoji="0" lang="en-US" altLang="sv-SE" b="0" i="0" u="none" strike="noStrike" cap="none" normalizeH="0" baseline="0" dirty="0" smtClean="0">
+              <a:ln>
+                <a:noFill/>
+              </a:ln>
+              <a:solidFill>
+                <a:schemeClr val="tx1"/>
+              </a:solidFill>
+              <a:effectLst/>
+              <a:latin typeface="Arial" panose="020B0604020202020204" pitchFamily="34" charset="0"/>
+            </a:endParaRPr>
           </a:p>
         </p:txBody>
       </p:sp>
     </p:spTree>
     <p:extLst>
       <p:ext uri="{BB962C8B-B14F-4D97-AF65-F5344CB8AC3E}">
-        <p14:creationId xmlns:p14="http://schemas.microsoft.com/office/powerpoint/2010/main" val="1268053641"/>
+        <p14:creationId xmlns:p14="http://schemas.microsoft.com/office/powerpoint/2010/main" val="52580375"/>
       </p:ext>
     </p:extLst>
   </p:cSld>
@@ -7690,37 +7910,17 @@
           <a:lstStyle/>
           <a:p>
             <a:r>
-              <a:rPr lang="sv-SE" dirty="0" err="1"/>
-              <a:t>What</a:t>
-            </a:r>
-            <a:r>
-              <a:rPr lang="sv-SE" dirty="0"/>
-              <a:t> </a:t>
-            </a:r>
-            <a:r>
-              <a:rPr lang="sv-SE" dirty="0" err="1"/>
-              <a:t>was</a:t>
-            </a:r>
-            <a:r>
-              <a:rPr lang="sv-SE" dirty="0"/>
-              <a:t> </a:t>
-            </a:r>
-            <a:r>
-              <a:rPr lang="sv-SE" dirty="0" err="1"/>
-              <a:t>before</a:t>
-            </a:r>
-            <a:r>
-              <a:rPr lang="sv-SE" dirty="0"/>
+              <a:rPr lang="sv-SE" dirty="0" err="1" smtClean="0"/>
+              <a:t>Why</a:t>
+            </a:r>
+            <a:r>
+              <a:rPr lang="sv-SE" dirty="0" smtClean="0"/>
               <a:t> ASP.NET </a:t>
             </a:r>
             <a:r>
-              <a:rPr lang="sv-SE" dirty="0" err="1"/>
+              <a:rPr lang="sv-SE" dirty="0" err="1" smtClean="0"/>
               <a:t>Identity</a:t>
             </a:r>
-            <a:r>
-              <a:rPr lang="sv-SE" dirty="0"/>
-              <a:t>?</a:t>
-            </a:r>
             <a:endParaRPr lang="en-GB" dirty="0"/>
           </a:p>
         </p:txBody>
@@ -7735,123 +7935,62 @@
             <p:ph idx="1"/>
           </p:nvPr>
         </p:nvSpPr>
-        <p:spPr/>
+        <p:spPr>
+          <a:xfrm>
+            <a:off x="107505" y="1124744"/>
+            <a:ext cx="9036038" cy="4525963"/>
+          </a:xfrm>
+        </p:spPr>
         <p:txBody>
           <a:bodyPr>
-            <a:normAutofit/>
+            <a:normAutofit lnSpcReduction="10000"/>
           </a:bodyPr>
           <a:lstStyle/>
           <a:p>
-            <a:pPr marL="0" indent="0">
+            <a:pPr marL="0" lvl="0" indent="0">
               <a:buNone/>
             </a:pPr>
             <a:r>
-              <a:rPr lang="sv-SE" sz="3200" dirty="0" smtClean="0"/>
-              <a:t>ASP.NET Simple </a:t>
-            </a:r>
-            <a:r>
-              <a:rPr lang="sv-SE" sz="3200" dirty="0" err="1" smtClean="0"/>
-              <a:t>Membership</a:t>
-            </a:r>
-            <a:endParaRPr lang="sv-SE" sz="3200" dirty="0" smtClean="0"/>
-          </a:p>
-          <a:p>
-            <a:pPr marL="0" indent="0">
+              <a:rPr lang="en-US" sz="3200" dirty="0" smtClean="0"/>
+              <a:t>When should I use ASP.NET Identity?</a:t>
+            </a:r>
+          </a:p>
+          <a:p>
+            <a:pPr marL="0" lvl="0" indent="0">
               <a:buNone/>
             </a:pPr>
-            <a:endParaRPr lang="sv-SE" sz="3200" dirty="0"/>
-          </a:p>
-          <a:p>
-            <a:r>
-              <a:rPr lang="sv-SE" sz="2400" dirty="0" err="1"/>
-              <a:t>Built</a:t>
-            </a:r>
-            <a:r>
-              <a:rPr lang="sv-SE" sz="2400" dirty="0"/>
-              <a:t> </a:t>
-            </a:r>
-            <a:r>
-              <a:rPr lang="sv-SE" sz="2400" dirty="0" err="1"/>
-              <a:t>upon</a:t>
-            </a:r>
-            <a:r>
-              <a:rPr lang="sv-SE" sz="2400" dirty="0"/>
-              <a:t> ASP.NET </a:t>
-            </a:r>
-            <a:r>
-              <a:rPr lang="sv-SE" sz="2400" dirty="0" err="1" smtClean="0"/>
-              <a:t>Membership</a:t>
-            </a:r>
-            <a:endParaRPr lang="sv-SE" sz="2400" dirty="0" smtClean="0"/>
-          </a:p>
-          <a:p>
-            <a:r>
-              <a:rPr lang="sv-SE" sz="2400" dirty="0" err="1" smtClean="0"/>
-              <a:t>Designed</a:t>
-            </a:r>
-            <a:r>
-              <a:rPr lang="sv-SE" sz="2400" dirty="0" smtClean="0"/>
-              <a:t> for ASP.NET MVC</a:t>
-            </a:r>
-          </a:p>
-          <a:p>
-            <a:r>
-              <a:rPr lang="sv-SE" sz="2400" dirty="0" smtClean="0"/>
-              <a:t>Supports </a:t>
-            </a:r>
-            <a:r>
-              <a:rPr lang="sv-SE" sz="2400" dirty="0" err="1" smtClean="0"/>
-              <a:t>Oauth</a:t>
-            </a:r>
-            <a:r>
-              <a:rPr lang="sv-SE" sz="2400" dirty="0" smtClean="0"/>
-              <a:t>/</a:t>
-            </a:r>
-            <a:r>
-              <a:rPr lang="sv-SE" sz="2400" dirty="0" err="1" smtClean="0"/>
-              <a:t>OpenId</a:t>
-            </a:r>
-            <a:endParaRPr lang="sv-SE" sz="2400" dirty="0" smtClean="0"/>
-          </a:p>
-          <a:p>
-            <a:r>
-              <a:rPr lang="sv-SE" sz="2400" dirty="0" err="1" smtClean="0"/>
-              <a:t>Tied</a:t>
-            </a:r>
-            <a:r>
-              <a:rPr lang="sv-SE" sz="2400" dirty="0" smtClean="0"/>
-              <a:t> to Microsoft </a:t>
-            </a:r>
-            <a:r>
-              <a:rPr lang="sv-SE" sz="2400" dirty="0" err="1" smtClean="0"/>
-              <a:t>databases</a:t>
-            </a:r>
-            <a:r>
-              <a:rPr lang="sv-SE" sz="2400" dirty="0" smtClean="0"/>
-              <a:t> (SQL)</a:t>
-            </a:r>
-          </a:p>
-          <a:p>
-            <a:r>
-              <a:rPr lang="sv-SE" sz="2400" dirty="0" smtClean="0"/>
-              <a:t>Does not </a:t>
-            </a:r>
-            <a:r>
-              <a:rPr lang="sv-SE" sz="2400" dirty="0" err="1" smtClean="0"/>
-              <a:t>follow</a:t>
-            </a:r>
-            <a:r>
-              <a:rPr lang="sv-SE" sz="2400" dirty="0" smtClean="0"/>
-              <a:t> SRP</a:t>
-            </a:r>
-            <a:endParaRPr lang="en-GB" sz="2400" dirty="0"/>
+            <a:endParaRPr lang="en-US" sz="3200" dirty="0"/>
+          </a:p>
+          <a:p>
+            <a:r>
+              <a:rPr lang="en-US" dirty="0" smtClean="0"/>
+              <a:t>When your application will handle a large number of external users</a:t>
+            </a:r>
+          </a:p>
+          <a:p>
+            <a:r>
+              <a:rPr lang="en-US" dirty="0" smtClean="0"/>
+              <a:t>When you don’t want to handle user authentication yourself</a:t>
+            </a:r>
+          </a:p>
+          <a:p>
+            <a:r>
+              <a:rPr lang="en-US" dirty="0" smtClean="0"/>
+              <a:t>When you feel the need for flexibility which claims-based authorization gives you </a:t>
+            </a:r>
+          </a:p>
+          <a:p>
+            <a:r>
+              <a:rPr lang="en-US" dirty="0" smtClean="0"/>
+              <a:t>When you want your application to have a secure and strong safety structure</a:t>
+            </a:r>
           </a:p>
         </p:txBody>
       </p:sp>
     </p:spTree>
     <p:extLst>
       <p:ext uri="{BB962C8B-B14F-4D97-AF65-F5344CB8AC3E}">
-        <p14:creationId xmlns:p14="http://schemas.microsoft.com/office/powerpoint/2010/main" val="905685807"/>
+        <p14:creationId xmlns:p14="http://schemas.microsoft.com/office/powerpoint/2010/main" val="1288704473"/>
       </p:ext>
     </p:extLst>
   </p:cSld>
@@ -7894,174 +8033,93 @@
           <a:lstStyle/>
           <a:p>
             <a:r>
-              <a:rPr lang="sv-SE" dirty="0" err="1"/>
+              <a:rPr lang="sv-SE" dirty="0" smtClean="0"/>
+              <a:t>ASP.NET </a:t>
+            </a:r>
+            <a:r>
+              <a:rPr lang="sv-SE" dirty="0" err="1" smtClean="0"/>
+              <a:t>Identity</a:t>
+            </a:r>
+            <a:endParaRPr lang="en-GB" dirty="0"/>
+          </a:p>
+        </p:txBody>
+      </p:sp>
+      <p:sp>
+        <p:nvSpPr>
+          <p:cNvPr id="3" name="Platshållare för innehåll 2"/>
+          <p:cNvSpPr>
+            <a:spLocks noGrp="1"/>
+          </p:cNvSpPr>
+          <p:nvPr>
+            <p:ph idx="1"/>
+          </p:nvPr>
+        </p:nvSpPr>
+        <p:spPr/>
+        <p:txBody>
+          <a:bodyPr/>
+          <a:lstStyle/>
+          <a:p>
+            <a:pPr marL="0" indent="0">
+              <a:buNone/>
+            </a:pPr>
+            <a:endParaRPr lang="sv-SE" dirty="0" smtClean="0"/>
+          </a:p>
+          <a:p>
+            <a:pPr marL="0" indent="0">
+              <a:buNone/>
+            </a:pPr>
+            <a:endParaRPr lang="sv-SE" dirty="0"/>
+          </a:p>
+          <a:p>
+            <a:pPr marL="0" indent="0">
+              <a:buNone/>
+            </a:pPr>
+            <a:endParaRPr lang="sv-SE" dirty="0" smtClean="0"/>
+          </a:p>
+          <a:p>
+            <a:pPr marL="0" indent="0" algn="ctr">
+              <a:buNone/>
+            </a:pPr>
+            <a:r>
+              <a:rPr lang="sv-SE" sz="3200" dirty="0" err="1" smtClean="0"/>
               <a:t>What</a:t>
             </a:r>
             <a:r>
-              <a:rPr lang="sv-SE" dirty="0"/>
+              <a:rPr lang="sv-SE" sz="3200" dirty="0" smtClean="0"/>
               <a:t> </a:t>
             </a:r>
             <a:r>
-              <a:rPr lang="sv-SE" dirty="0" err="1"/>
+              <a:rPr lang="sv-SE" sz="3200" dirty="0" err="1" smtClean="0"/>
               <a:t>was</a:t>
             </a:r>
             <a:r>
-              <a:rPr lang="sv-SE" dirty="0"/>
+              <a:rPr lang="sv-SE" sz="3200" dirty="0" smtClean="0"/>
               <a:t> </a:t>
             </a:r>
             <a:r>
-              <a:rPr lang="sv-SE" dirty="0" err="1"/>
+              <a:rPr lang="sv-SE" sz="3200" dirty="0" err="1" smtClean="0"/>
               <a:t>before</a:t>
             </a:r>
             <a:r>
-              <a:rPr lang="sv-SE" dirty="0"/>
+              <a:rPr lang="sv-SE" sz="3200" dirty="0" smtClean="0"/>
               <a:t> ASP.NET </a:t>
             </a:r>
             <a:r>
-              <a:rPr lang="sv-SE" dirty="0" err="1"/>
+              <a:rPr lang="sv-SE" sz="3200" dirty="0" err="1" smtClean="0"/>
               <a:t>Identity</a:t>
             </a:r>
             <a:r>
-              <a:rPr lang="sv-SE" dirty="0"/>
+              <a:rPr lang="sv-SE" sz="3200" dirty="0" smtClean="0"/>
               <a:t>?</a:t>
             </a:r>
-            <a:endParaRPr lang="en-GB" dirty="0"/>
-          </a:p>
-        </p:txBody>
-      </p:sp>
-      <p:sp>
-        <p:nvSpPr>
-          <p:cNvPr id="3" name="Platshållare för innehåll 2"/>
-          <p:cNvSpPr>
-            <a:spLocks noGrp="1"/>
-          </p:cNvSpPr>
-          <p:nvPr>
-            <p:ph idx="1"/>
-          </p:nvPr>
-        </p:nvSpPr>
-        <p:spPr/>
-        <p:txBody>
-          <a:bodyPr>
-            <a:normAutofit/>
-          </a:bodyPr>
-          <a:lstStyle/>
-          <a:p>
-            <a:pPr marL="0" indent="0">
-              <a:buNone/>
-            </a:pPr>
-            <a:r>
-              <a:rPr lang="sv-SE" sz="3200" b="1" dirty="0" smtClean="0"/>
-              <a:t>ASP.NET </a:t>
-            </a:r>
-            <a:r>
-              <a:rPr lang="sv-SE" sz="3200" b="1" dirty="0" err="1" smtClean="0"/>
-              <a:t>Identity</a:t>
-            </a:r>
-            <a:r>
-              <a:rPr lang="sv-SE" sz="3200" b="1" dirty="0" smtClean="0"/>
-              <a:t> 1.0</a:t>
-            </a:r>
-          </a:p>
-          <a:p>
-            <a:pPr marL="0" indent="0">
-              <a:buNone/>
-            </a:pPr>
-            <a:endParaRPr lang="sv-SE" sz="3200" dirty="0"/>
-          </a:p>
-          <a:p>
-            <a:r>
-              <a:rPr lang="sv-SE" sz="2400" dirty="0" err="1" smtClean="0"/>
-              <a:t>Released</a:t>
-            </a:r>
-            <a:r>
-              <a:rPr lang="sv-SE" sz="2400" dirty="0" smtClean="0"/>
-              <a:t> 2013</a:t>
-            </a:r>
-          </a:p>
-          <a:p>
-            <a:r>
-              <a:rPr lang="sv-SE" sz="2400" dirty="0" smtClean="0"/>
-              <a:t>Simple </a:t>
-            </a:r>
-            <a:r>
-              <a:rPr lang="sv-SE" sz="2400" dirty="0" err="1" smtClean="0"/>
-              <a:t>way</a:t>
-            </a:r>
-            <a:r>
-              <a:rPr lang="sv-SE" sz="2400" dirty="0" smtClean="0"/>
-              <a:t> to store and </a:t>
-            </a:r>
-            <a:r>
-              <a:rPr lang="sv-SE" sz="2400" dirty="0" err="1" smtClean="0"/>
-              <a:t>handle</a:t>
-            </a:r>
-            <a:r>
-              <a:rPr lang="sv-SE" sz="2400" dirty="0" smtClean="0"/>
-              <a:t> </a:t>
-            </a:r>
-            <a:r>
-              <a:rPr lang="sv-SE" sz="2400" dirty="0" err="1" smtClean="0"/>
-              <a:t>user</a:t>
-            </a:r>
-            <a:r>
-              <a:rPr lang="sv-SE" sz="2400" dirty="0" smtClean="0"/>
-              <a:t> data</a:t>
-            </a:r>
-          </a:p>
-          <a:p>
-            <a:r>
-              <a:rPr lang="sv-SE" sz="2400" dirty="0" err="1" smtClean="0"/>
-              <a:t>Role</a:t>
-            </a:r>
-            <a:r>
-              <a:rPr lang="sv-SE" sz="2400" dirty="0" smtClean="0"/>
-              <a:t> </a:t>
-            </a:r>
-            <a:r>
-              <a:rPr lang="sv-SE" sz="2400" dirty="0" err="1" smtClean="0"/>
-              <a:t>provider</a:t>
-            </a:r>
-            <a:endParaRPr lang="sv-SE" sz="2400" dirty="0" smtClean="0"/>
-          </a:p>
-          <a:p>
-            <a:r>
-              <a:rPr lang="sv-SE" sz="2400" dirty="0" err="1" smtClean="0"/>
-              <a:t>Claims</a:t>
-            </a:r>
-            <a:r>
-              <a:rPr lang="sv-SE" sz="2400" dirty="0" smtClean="0"/>
-              <a:t> </a:t>
-            </a:r>
-            <a:r>
-              <a:rPr lang="sv-SE" sz="2400" dirty="0" err="1" smtClean="0"/>
-              <a:t>based</a:t>
-            </a:r>
-            <a:endParaRPr lang="sv-SE" sz="2400" dirty="0" smtClean="0"/>
-          </a:p>
-          <a:p>
-            <a:r>
-              <a:rPr lang="sv-SE" sz="2400" dirty="0" smtClean="0"/>
-              <a:t>Social Login </a:t>
-            </a:r>
-            <a:r>
-              <a:rPr lang="sv-SE" sz="2400" dirty="0" err="1" smtClean="0"/>
-              <a:t>Providers</a:t>
-            </a:r>
-            <a:endParaRPr lang="sv-SE" sz="2400" dirty="0" smtClean="0"/>
-          </a:p>
-          <a:p>
-            <a:r>
-              <a:rPr lang="sv-SE" sz="2400" dirty="0" smtClean="0"/>
-              <a:t>Support from .NET 4.5</a:t>
-            </a:r>
-            <a:endParaRPr lang="en-GB" sz="2400" dirty="0"/>
+            <a:endParaRPr lang="en-GB" sz="3200" dirty="0"/>
           </a:p>
         </p:txBody>
       </p:sp>
     </p:spTree>
     <p:extLst>
       <p:ext uri="{BB962C8B-B14F-4D97-AF65-F5344CB8AC3E}">
-        <p14:creationId xmlns:p14="http://schemas.microsoft.com/office/powerpoint/2010/main" val="2060103458"/>
+        <p14:creationId xmlns:p14="http://schemas.microsoft.com/office/powerpoint/2010/main" val="3053491868"/>
       </p:ext>
     </p:extLst>
   </p:cSld>
@@ -8104,181 +8162,70 @@
           <a:lstStyle/>
           <a:p>
             <a:r>
-              <a:rPr lang="sv-SE" dirty="0" err="1"/>
+              <a:rPr lang="sv-SE" dirty="0" err="1" smtClean="0"/>
               <a:t>What</a:t>
             </a:r>
             <a:r>
-              <a:rPr lang="sv-SE" dirty="0"/>
+              <a:rPr lang="sv-SE" dirty="0" smtClean="0"/>
               <a:t> </a:t>
             </a:r>
             <a:r>
-              <a:rPr lang="sv-SE" dirty="0" err="1"/>
+              <a:rPr lang="sv-SE" dirty="0" err="1" smtClean="0"/>
               <a:t>was</a:t>
             </a:r>
             <a:r>
-              <a:rPr lang="sv-SE" dirty="0"/>
+              <a:rPr lang="sv-SE" dirty="0" smtClean="0"/>
               <a:t> </a:t>
             </a:r>
             <a:r>
-              <a:rPr lang="sv-SE" dirty="0" err="1"/>
+              <a:rPr lang="sv-SE" dirty="0" err="1" smtClean="0"/>
               <a:t>before</a:t>
             </a:r>
             <a:r>
-              <a:rPr lang="sv-SE" dirty="0"/>
+              <a:rPr lang="sv-SE" dirty="0" smtClean="0"/>
               <a:t> ASP.NET </a:t>
             </a:r>
             <a:r>
-              <a:rPr lang="sv-SE" dirty="0" err="1"/>
+              <a:rPr lang="sv-SE" dirty="0" err="1" smtClean="0"/>
               <a:t>Identity</a:t>
             </a:r>
             <a:r>
-              <a:rPr lang="sv-SE" dirty="0"/>
+              <a:rPr lang="sv-SE" dirty="0" smtClean="0"/>
               <a:t>?</a:t>
             </a:r>
             <a:endParaRPr lang="en-GB" dirty="0"/>
           </a:p>
         </p:txBody>
       </p:sp>
-      <p:sp>
-        <p:nvSpPr>
-          <p:cNvPr id="3" name="Platshållare för innehåll 2"/>
-          <p:cNvSpPr>
-            <a:spLocks noGrp="1"/>
-          </p:cNvSpPr>
+      <p:graphicFrame>
+        <p:nvGraphicFramePr>
+          <p:cNvPr id="5" name="Platshållare för innehåll 4"/>
+          <p:cNvGraphicFramePr>
+            <a:graphicFrameLocks noGrp="1"/>
+          </p:cNvGraphicFramePr>
           <p:nvPr>
             <p:ph idx="1"/>
-          </p:nvPr>
-        </p:nvSpPr>
-        <p:spPr/>
-        <p:txBody>
-          <a:bodyPr>
-            <a:normAutofit/>
-          </a:bodyPr>
-          <a:lstStyle/>
-          <a:p>
-            <a:pPr marL="0" indent="0">
-              <a:buNone/>
-            </a:pPr>
-            <a:r>
-              <a:rPr lang="sv-SE" sz="3200" dirty="0" smtClean="0"/>
-              <a:t>ASP.NET </a:t>
-            </a:r>
-            <a:r>
-              <a:rPr lang="sv-SE" sz="3200" dirty="0" err="1" smtClean="0"/>
-              <a:t>Identity</a:t>
-            </a:r>
-            <a:r>
-              <a:rPr lang="sv-SE" sz="3200" dirty="0" smtClean="0"/>
-              <a:t> 2.0</a:t>
-            </a:r>
-          </a:p>
-          <a:p>
-            <a:pPr marL="0" indent="0">
-              <a:buNone/>
-            </a:pPr>
-            <a:endParaRPr lang="sv-SE" sz="3200" dirty="0"/>
-          </a:p>
-          <a:p>
-            <a:r>
-              <a:rPr lang="sv-SE" sz="2400" dirty="0" err="1" smtClean="0"/>
-              <a:t>Released</a:t>
-            </a:r>
-            <a:r>
-              <a:rPr lang="sv-SE" sz="2400" dirty="0" smtClean="0"/>
-              <a:t> 2014</a:t>
-            </a:r>
-          </a:p>
-          <a:p>
-            <a:r>
-              <a:rPr lang="sv-SE" sz="2400" dirty="0" err="1" smtClean="0"/>
-              <a:t>Security</a:t>
-            </a:r>
-            <a:r>
-              <a:rPr lang="sv-SE" sz="2400" dirty="0" smtClean="0"/>
-              <a:t> Token </a:t>
-            </a:r>
-            <a:r>
-              <a:rPr lang="sv-SE" sz="2400" dirty="0" err="1" smtClean="0"/>
-              <a:t>Provider</a:t>
-            </a:r>
-            <a:endParaRPr lang="sv-SE" sz="2400" dirty="0" smtClean="0"/>
-          </a:p>
-          <a:p>
-            <a:r>
-              <a:rPr lang="sv-SE" sz="2400" dirty="0" err="1" smtClean="0"/>
-              <a:t>Two-Factor</a:t>
-            </a:r>
-            <a:r>
-              <a:rPr lang="sv-SE" sz="2400" dirty="0" smtClean="0"/>
-              <a:t> </a:t>
-            </a:r>
-            <a:r>
-              <a:rPr lang="sv-SE" sz="2400" dirty="0" err="1"/>
-              <a:t>a</a:t>
-            </a:r>
-            <a:r>
-              <a:rPr lang="sv-SE" sz="2400" dirty="0" err="1" smtClean="0"/>
-              <a:t>uthentication</a:t>
-            </a:r>
-            <a:endParaRPr lang="sv-SE" sz="2400" dirty="0" smtClean="0"/>
-          </a:p>
-          <a:p>
-            <a:r>
-              <a:rPr lang="sv-SE" sz="2400" dirty="0" err="1" smtClean="0"/>
-              <a:t>Account</a:t>
-            </a:r>
-            <a:r>
-              <a:rPr lang="sv-SE" sz="2400" dirty="0" smtClean="0"/>
-              <a:t> </a:t>
-            </a:r>
-            <a:r>
-              <a:rPr lang="sv-SE" sz="2400" dirty="0" err="1"/>
-              <a:t>c</a:t>
-            </a:r>
-            <a:r>
-              <a:rPr lang="sv-SE" sz="2400" dirty="0" err="1" smtClean="0"/>
-              <a:t>onfirmation</a:t>
-            </a:r>
-            <a:r>
-              <a:rPr lang="sv-SE" sz="2400" dirty="0" smtClean="0"/>
-              <a:t> (Email/SMS)</a:t>
-            </a:r>
-          </a:p>
-          <a:p>
-            <a:r>
-              <a:rPr lang="sv-SE" sz="2400" dirty="0" err="1" smtClean="0"/>
-              <a:t>Account</a:t>
-            </a:r>
-            <a:r>
-              <a:rPr lang="sv-SE" sz="2400" dirty="0" smtClean="0"/>
-              <a:t> lockout</a:t>
-            </a:r>
-          </a:p>
-          <a:p>
-            <a:r>
-              <a:rPr lang="sv-SE" sz="2400" dirty="0" err="1" smtClean="0"/>
-              <a:t>Password</a:t>
-            </a:r>
-            <a:r>
-              <a:rPr lang="sv-SE" sz="2400" dirty="0" smtClean="0"/>
-              <a:t> </a:t>
-            </a:r>
-            <a:r>
-              <a:rPr lang="sv-SE" sz="2400" dirty="0" err="1"/>
-              <a:t>r</a:t>
-            </a:r>
-            <a:r>
-              <a:rPr lang="sv-SE" sz="2400" dirty="0" err="1" smtClean="0"/>
-              <a:t>eset</a:t>
-            </a:r>
-            <a:endParaRPr lang="en-GB" sz="2400" dirty="0"/>
-          </a:p>
-        </p:txBody>
-      </p:sp>
+            <p:extLst>
+              <p:ext uri="{D42A27DB-BD31-4B8C-83A1-F6EECF244321}">
+                <p14:modId xmlns:p14="http://schemas.microsoft.com/office/powerpoint/2010/main" val="2839272457"/>
+              </p:ext>
+            </p:extLst>
+          </p:nvPr>
+        </p:nvGraphicFramePr>
+        <p:xfrm>
+          <a:off x="457200" y="1600200"/>
+          <a:ext cx="8229600" cy="4525963"/>
+        </p:xfrm>
+        <a:graphic>
+          <a:graphicData uri="http://schemas.openxmlformats.org/drawingml/2006/diagram">
+            <dgm:relIds xmlns:dgm="http://schemas.openxmlformats.org/drawingml/2006/diagram" xmlns:r="http://schemas.openxmlformats.org/officeDocument/2006/relationships" r:dm="rId2" r:lo="rId3" r:qs="rId4" r:cs="rId5"/>
+          </a:graphicData>
+        </a:graphic>
+      </p:graphicFrame>
     </p:spTree>
     <p:extLst>
       <p:ext uri="{BB962C8B-B14F-4D97-AF65-F5344CB8AC3E}">
-        <p14:creationId xmlns:p14="http://schemas.microsoft.com/office/powerpoint/2010/main" val="1187642867"/>
+        <p14:creationId xmlns:p14="http://schemas.microsoft.com/office/powerpoint/2010/main" val="962914284"/>
       </p:ext>
     </p:extLst>
   </p:cSld>
@@ -8321,8 +8268,36 @@
           <a:lstStyle/>
           <a:p>
             <a:r>
-              <a:rPr lang="en-GB" dirty="0" smtClean="0"/>
-              <a:t>Resources</a:t>
+              <a:rPr lang="sv-SE" dirty="0" err="1" smtClean="0"/>
+              <a:t>What</a:t>
+            </a:r>
+            <a:r>
+              <a:rPr lang="sv-SE" dirty="0" smtClean="0"/>
+              <a:t> </a:t>
+            </a:r>
+            <a:r>
+              <a:rPr lang="sv-SE" dirty="0" err="1" smtClean="0"/>
+              <a:t>was</a:t>
+            </a:r>
+            <a:r>
+              <a:rPr lang="sv-SE" dirty="0" smtClean="0"/>
+              <a:t> </a:t>
+            </a:r>
+            <a:r>
+              <a:rPr lang="sv-SE" dirty="0" err="1" smtClean="0"/>
+              <a:t>before</a:t>
+            </a:r>
+            <a:r>
+              <a:rPr lang="sv-SE" dirty="0" smtClean="0"/>
+              <a:t> ASP.NET </a:t>
+            </a:r>
+            <a:r>
+              <a:rPr lang="sv-SE" dirty="0" err="1" smtClean="0"/>
+              <a:t>Identity</a:t>
+            </a:r>
+            <a:r>
+              <a:rPr lang="sv-SE" dirty="0" smtClean="0"/>
+              <a:t>?</a:t>
             </a:r>
             <a:endParaRPr lang="en-GB" dirty="0"/>
           </a:p>
@@ -8338,147 +8313,777 @@
             <p:ph idx="1"/>
           </p:nvPr>
         </p:nvSpPr>
-        <p:spPr/>
+        <p:spPr>
+          <a:xfrm>
+            <a:off x="228828" y="1196752"/>
+            <a:ext cx="8686343" cy="4857403"/>
+          </a:xfrm>
+        </p:spPr>
         <p:txBody>
           <a:bodyPr/>
           <a:lstStyle/>
           <a:p>
-            <a:pPr marL="0" lvl="0" indent="0">
+            <a:pPr marL="0" indent="0">
               <a:buNone/>
             </a:pPr>
             <a:r>
-              <a:rPr lang="en-GB" u="sng" dirty="0">
+              <a:rPr lang="en-US" sz="3200" b="1" dirty="0" smtClean="0"/>
+              <a:t>General flaws with the previous security libraries. </a:t>
+            </a:r>
+          </a:p>
+          <a:p>
+            <a:pPr marL="0" indent="0">
+              <a:buNone/>
+            </a:pPr>
+            <a:endParaRPr lang="en-US" dirty="0" smtClean="0"/>
+          </a:p>
+          <a:p>
+            <a:r>
+              <a:rPr lang="en-US" sz="2400" dirty="0" smtClean="0"/>
+              <a:t>Difficulties adding custom data to the database  </a:t>
+            </a:r>
+          </a:p>
+          <a:p>
+            <a:r>
+              <a:rPr lang="en-US" sz="2400" dirty="0" smtClean="0"/>
+              <a:t>No longer up to date with todays security standards</a:t>
+            </a:r>
+          </a:p>
+          <a:p>
+            <a:pPr lvl="1"/>
+            <a:r>
+              <a:rPr lang="en-US" sz="2000" dirty="0"/>
+              <a:t>Not using modern password storage techniques </a:t>
+            </a:r>
+          </a:p>
+          <a:p>
+            <a:pPr lvl="1"/>
+            <a:r>
+              <a:rPr lang="en-US" sz="2000" dirty="0" smtClean="0"/>
+              <a:t>Does not support two-factor authentication</a:t>
+            </a:r>
+          </a:p>
+          <a:p>
+            <a:pPr lvl="1"/>
+            <a:r>
+              <a:rPr lang="en-US" sz="2000" dirty="0" smtClean="0"/>
+              <a:t>Does not support claims-based </a:t>
+            </a:r>
+            <a:r>
+              <a:rPr lang="en-US" sz="2000" dirty="0" smtClean="0"/>
+              <a:t>authentication</a:t>
+            </a:r>
+            <a:endParaRPr lang="en-US" sz="2000" dirty="0" smtClean="0"/>
+          </a:p>
+          <a:p>
+            <a:pPr marL="0" indent="0">
+              <a:buNone/>
+            </a:pPr>
+            <a:endParaRPr lang="en-US" sz="2400" dirty="0"/>
+          </a:p>
+        </p:txBody>
+      </p:sp>
+      <p:sp>
+        <p:nvSpPr>
+          <p:cNvPr id="4" name="Rektangel 3"/>
+          <p:cNvSpPr/>
+          <p:nvPr/>
+        </p:nvSpPr>
+        <p:spPr>
+          <a:xfrm>
+            <a:off x="252923" y="4653135"/>
+            <a:ext cx="8647097" cy="1080121"/>
+          </a:xfrm>
+          <a:prstGeom prst="rect">
+            <a:avLst/>
+          </a:prstGeom>
+          <a:solidFill>
+            <a:srgbClr val="77933C"/>
+          </a:solidFill>
+          <a:ln>
+            <a:solidFill>
+              <a:srgbClr val="77933C"/>
+            </a:solidFill>
+          </a:ln>
+        </p:spPr>
+        <p:style>
+          <a:lnRef idx="2">
+            <a:schemeClr val="accent1">
+              <a:shade val="50000"/>
+            </a:schemeClr>
+          </a:lnRef>
+          <a:fillRef idx="1">
+            <a:schemeClr val="accent1"/>
+          </a:fillRef>
+          <a:effectRef idx="0">
+            <a:schemeClr val="accent1"/>
+          </a:effectRef>
+          <a:fontRef idx="minor">
+            <a:schemeClr val="lt1"/>
+          </a:fontRef>
+        </p:style>
+        <p:txBody>
+          <a:bodyPr rtlCol="0" anchor="ctr"/>
+          <a:lstStyle/>
+          <a:p>
+            <a:pPr algn="ctr"/>
+            <a:endParaRPr lang="en-US" dirty="0" smtClean="0"/>
+          </a:p>
+          <a:p>
+            <a:pPr algn="ctr"/>
+            <a:r>
+              <a:rPr lang="en-US" sz="2400" dirty="0" smtClean="0"/>
+              <a:t>Think twice about using membership and simplemembership </a:t>
+            </a:r>
+            <a:endParaRPr lang="en-US" sz="2400" dirty="0"/>
+          </a:p>
+          <a:p>
+            <a:pPr algn="ctr"/>
+            <a:r>
+              <a:rPr lang="en-US" dirty="0" smtClean="0">
                 <a:hlinkClick r:id="rId2"/>
               </a:rPr>
-              <a:t>http://www.asp.net/identity</a:t>
-            </a:r>
-            <a:r>
-              <a:rPr lang="en-GB" dirty="0"/>
-              <a:t> </a:t>
-            </a:r>
-          </a:p>
-          <a:p>
-            <a:pPr marL="0" lvl="0" indent="0">
-              <a:buNone/>
-            </a:pPr>
-            <a:r>
-              <a:rPr lang="en-GB" dirty="0" smtClean="0"/>
-              <a:t>//</a:t>
-            </a:r>
-            <a:r>
-              <a:rPr lang="en-GB" dirty="0" err="1" smtClean="0"/>
-              <a:t>Nuget</a:t>
-            </a:r>
-            <a:r>
-              <a:rPr lang="en-GB" dirty="0"/>
-              <a:t>: </a:t>
-            </a:r>
-            <a:r>
-              <a:rPr lang="en-GB" dirty="0" err="1"/>
-              <a:t>Microsoft.Aspnet.Identity.EntityFramework</a:t>
-            </a:r>
-            <a:r>
-              <a:rPr lang="en-GB" dirty="0"/>
-              <a:t> and </a:t>
-            </a:r>
-            <a:r>
-              <a:rPr lang="en-GB" dirty="0" err="1" smtClean="0"/>
-              <a:t>Microsoft.Aspnet.Identity.Owin</a:t>
-            </a:r>
-            <a:endParaRPr lang="en-GB" dirty="0" smtClean="0"/>
-          </a:p>
-          <a:p>
-            <a:pPr marL="0" lvl="0" indent="0">
-              <a:buNone/>
-            </a:pPr>
-            <a:endParaRPr lang="en-GB" dirty="0" smtClean="0"/>
-          </a:p>
-          <a:p>
-            <a:pPr marL="0" lvl="0" indent="0">
-              <a:buNone/>
-            </a:pPr>
-            <a:r>
-              <a:rPr lang="en-GB" dirty="0" smtClean="0"/>
-              <a:t>Templates?</a:t>
-            </a:r>
-            <a:endParaRPr lang="en-GB" dirty="0"/>
-          </a:p>
-          <a:p>
-            <a:pPr marL="0" lvl="0" indent="0">
-              <a:buNone/>
-            </a:pPr>
-            <a:r>
-              <a:rPr lang="en-GB" dirty="0" err="1" smtClean="0"/>
-              <a:t>När</a:t>
-            </a:r>
-            <a:r>
-              <a:rPr lang="en-GB" dirty="0" smtClean="0"/>
-              <a:t>?</a:t>
-            </a:r>
-          </a:p>
-          <a:p>
-            <a:pPr marL="0" lvl="0" indent="0">
-              <a:buNone/>
-            </a:pPr>
-            <a:r>
-              <a:rPr lang="en-GB" dirty="0" err="1" smtClean="0"/>
-              <a:t>Generella</a:t>
-            </a:r>
-            <a:r>
-              <a:rPr lang="en-GB" dirty="0" smtClean="0"/>
-              <a:t> problem med </a:t>
-            </a:r>
-            <a:r>
-              <a:rPr lang="en-GB" dirty="0" err="1" smtClean="0"/>
-              <a:t>tidigare</a:t>
-            </a:r>
-            <a:r>
-              <a:rPr lang="en-GB" dirty="0" smtClean="0"/>
-              <a:t> “</a:t>
-            </a:r>
-            <a:r>
-              <a:rPr lang="en-GB" dirty="0" err="1" smtClean="0"/>
-              <a:t>versioner</a:t>
-            </a:r>
-            <a:r>
-              <a:rPr lang="en-GB" dirty="0" smtClean="0"/>
-              <a:t>” (Hade </a:t>
-            </a:r>
-            <a:r>
-              <a:rPr lang="en-GB" dirty="0" err="1" smtClean="0"/>
-              <a:t>ej</a:t>
-            </a:r>
-            <a:r>
-              <a:rPr lang="en-GB" dirty="0" smtClean="0"/>
-              <a:t> </a:t>
-            </a:r>
-            <a:r>
-              <a:rPr lang="en-GB" dirty="0" err="1" smtClean="0"/>
-              <a:t>tillräcklig</a:t>
-            </a:r>
-            <a:r>
-              <a:rPr lang="en-GB" dirty="0" smtClean="0"/>
-              <a:t> </a:t>
-            </a:r>
-            <a:r>
-              <a:rPr lang="en-GB" dirty="0" err="1" smtClean="0"/>
-              <a:t>säkerhet</a:t>
-            </a:r>
-            <a:r>
-              <a:rPr lang="en-GB" dirty="0" smtClean="0"/>
-              <a:t>)</a:t>
-            </a:r>
-            <a:endParaRPr lang="en-GB" dirty="0"/>
-          </a:p>
-          <a:p>
-            <a:endParaRPr lang="en-GB" dirty="0"/>
+              <a:t>http</a:t>
+            </a:r>
+            <a:r>
+              <a:rPr lang="en-US" dirty="0">
+                <a:hlinkClick r:id="rId2"/>
+              </a:rPr>
+              <a:t>://brockallen.com/2012/09/02/think-twice-about-using-membershipprovider-and-simplemembership</a:t>
+            </a:r>
+            <a:r>
+              <a:rPr lang="en-US" dirty="0" smtClean="0">
+                <a:hlinkClick r:id="rId2"/>
+              </a:rPr>
+              <a:t>/</a:t>
+            </a:r>
+            <a:r>
+              <a:rPr lang="en-US" dirty="0" smtClean="0"/>
+              <a:t>  </a:t>
+            </a:r>
+            <a:endParaRPr lang="en-US" dirty="0"/>
+          </a:p>
+          <a:p>
+            <a:pPr algn="ctr"/>
+            <a:endParaRPr lang="en-US" dirty="0"/>
           </a:p>
         </p:txBody>
       </p:sp>
     </p:spTree>
     <p:extLst>
       <p:ext uri="{BB962C8B-B14F-4D97-AF65-F5344CB8AC3E}">
-        <p14:creationId xmlns:p14="http://schemas.microsoft.com/office/powerpoint/2010/main" val="3683133173"/>
+        <p14:creationId xmlns:p14="http://schemas.microsoft.com/office/powerpoint/2010/main" val="1688463284"/>
+      </p:ext>
+    </p:extLst>
+  </p:cSld>
+  <p:clrMapOvr>
+    <a:masterClrMapping/>
+  </p:clrMapOvr>
+</p:sld>
+</file>
+
+<file path=ppt/slides/slide16.xml><?xml version="1.0" encoding="utf-8"?>
+<p:sld xmlns:a="http://schemas.openxmlformats.org/drawingml/2006/main" xmlns:r="http://schemas.openxmlformats.org/officeDocument/2006/relationships" xmlns:p="http://schemas.openxmlformats.org/presentationml/2006/main">
+  <p:cSld>
+    <p:spTree>
+      <p:nvGrpSpPr>
+        <p:cNvPr id="1" name=""/>
+        <p:cNvGrpSpPr/>
+        <p:nvPr/>
+      </p:nvGrpSpPr>
+      <p:grpSpPr>
+        <a:xfrm>
+          <a:off x="0" y="0"/>
+          <a:ext cx="0" cy="0"/>
+          <a:chOff x="0" y="0"/>
+          <a:chExt cx="0" cy="0"/>
+        </a:xfrm>
+      </p:grpSpPr>
+      <p:sp>
+        <p:nvSpPr>
+          <p:cNvPr id="2" name="Rubrik 1"/>
+          <p:cNvSpPr>
+            <a:spLocks noGrp="1"/>
+          </p:cNvSpPr>
+          <p:nvPr>
+            <p:ph type="title"/>
+          </p:nvPr>
+        </p:nvSpPr>
+        <p:spPr/>
+        <p:txBody>
+          <a:bodyPr/>
+          <a:lstStyle/>
+          <a:p>
+            <a:r>
+              <a:rPr lang="sv-SE" dirty="0" err="1"/>
+              <a:t>What</a:t>
+            </a:r>
+            <a:r>
+              <a:rPr lang="sv-SE" dirty="0"/>
+              <a:t> </a:t>
+            </a:r>
+            <a:r>
+              <a:rPr lang="sv-SE" dirty="0" err="1"/>
+              <a:t>was</a:t>
+            </a:r>
+            <a:r>
+              <a:rPr lang="sv-SE" dirty="0"/>
+              <a:t> </a:t>
+            </a:r>
+            <a:r>
+              <a:rPr lang="sv-SE" dirty="0" err="1"/>
+              <a:t>before</a:t>
+            </a:r>
+            <a:r>
+              <a:rPr lang="sv-SE" dirty="0"/>
+              <a:t> ASP.NET </a:t>
+            </a:r>
+            <a:r>
+              <a:rPr lang="sv-SE" dirty="0" err="1"/>
+              <a:t>Identity</a:t>
+            </a:r>
+            <a:r>
+              <a:rPr lang="sv-SE" dirty="0"/>
+              <a:t>?</a:t>
+            </a:r>
+            <a:endParaRPr lang="en-GB" dirty="0"/>
+          </a:p>
+        </p:txBody>
+      </p:sp>
+      <p:sp>
+        <p:nvSpPr>
+          <p:cNvPr id="3" name="Platshållare för innehåll 2"/>
+          <p:cNvSpPr>
+            <a:spLocks noGrp="1"/>
+          </p:cNvSpPr>
+          <p:nvPr>
+            <p:ph idx="1"/>
+          </p:nvPr>
+        </p:nvSpPr>
+        <p:spPr/>
+        <p:txBody>
+          <a:bodyPr>
+            <a:normAutofit/>
+          </a:bodyPr>
+          <a:lstStyle/>
+          <a:p>
+            <a:pPr marL="0" indent="0">
+              <a:buNone/>
+            </a:pPr>
+            <a:r>
+              <a:rPr lang="en-US" sz="3200" b="1" dirty="0" smtClean="0"/>
+              <a:t>ASP.NET Membership</a:t>
+            </a:r>
+          </a:p>
+          <a:p>
+            <a:pPr marL="0" indent="0">
+              <a:buNone/>
+            </a:pPr>
+            <a:endParaRPr lang="en-US" sz="3200" dirty="0" smtClean="0"/>
+          </a:p>
+          <a:p>
+            <a:r>
+              <a:rPr lang="en-US" sz="2400" dirty="0" smtClean="0"/>
+              <a:t>Forms based authentication.</a:t>
+            </a:r>
+          </a:p>
+          <a:p>
+            <a:r>
+              <a:rPr lang="en-US" sz="2400" dirty="0" smtClean="0"/>
+              <a:t>Designed with only SQL servers in mind.</a:t>
+            </a:r>
+          </a:p>
+          <a:p>
+            <a:r>
+              <a:rPr lang="en-US" sz="2400" dirty="0" smtClean="0"/>
+              <a:t>No Owin integration.</a:t>
+            </a:r>
+          </a:p>
+          <a:p>
+            <a:r>
+              <a:rPr lang="en-US" sz="2400" dirty="0" smtClean="0"/>
+              <a:t>No social login providers.</a:t>
+            </a:r>
+          </a:p>
+          <a:p>
+            <a:r>
+              <a:rPr lang="en-US" sz="2400" dirty="0" smtClean="0"/>
+              <a:t>Difficult to customize user information</a:t>
+            </a:r>
+          </a:p>
+          <a:p>
+            <a:r>
+              <a:rPr lang="en-US" sz="2400" dirty="0" smtClean="0"/>
+              <a:t>Does not follow SRP (Single Responsibility Principle)</a:t>
+            </a:r>
+            <a:endParaRPr lang="en-US" sz="2400" dirty="0"/>
+          </a:p>
+        </p:txBody>
+      </p:sp>
+    </p:spTree>
+    <p:extLst>
+      <p:ext uri="{BB962C8B-B14F-4D97-AF65-F5344CB8AC3E}">
+        <p14:creationId xmlns:p14="http://schemas.microsoft.com/office/powerpoint/2010/main" val="1268053641"/>
+      </p:ext>
+    </p:extLst>
+  </p:cSld>
+  <p:clrMapOvr>
+    <a:masterClrMapping/>
+  </p:clrMapOvr>
+</p:sld>
+</file>
+
+<file path=ppt/slides/slide17.xml><?xml version="1.0" encoding="utf-8"?>
+<p:sld xmlns:a="http://schemas.openxmlformats.org/drawingml/2006/main" xmlns:r="http://schemas.openxmlformats.org/officeDocument/2006/relationships" xmlns:p="http://schemas.openxmlformats.org/presentationml/2006/main">
+  <p:cSld>
+    <p:spTree>
+      <p:nvGrpSpPr>
+        <p:cNvPr id="1" name=""/>
+        <p:cNvGrpSpPr/>
+        <p:nvPr/>
+      </p:nvGrpSpPr>
+      <p:grpSpPr>
+        <a:xfrm>
+          <a:off x="0" y="0"/>
+          <a:ext cx="0" cy="0"/>
+          <a:chOff x="0" y="0"/>
+          <a:chExt cx="0" cy="0"/>
+        </a:xfrm>
+      </p:grpSpPr>
+      <p:sp>
+        <p:nvSpPr>
+          <p:cNvPr id="2" name="Rubrik 1"/>
+          <p:cNvSpPr>
+            <a:spLocks noGrp="1"/>
+          </p:cNvSpPr>
+          <p:nvPr>
+            <p:ph type="title"/>
+          </p:nvPr>
+        </p:nvSpPr>
+        <p:spPr/>
+        <p:txBody>
+          <a:bodyPr/>
+          <a:lstStyle/>
+          <a:p>
+            <a:r>
+              <a:rPr lang="sv-SE" dirty="0" err="1"/>
+              <a:t>What</a:t>
+            </a:r>
+            <a:r>
+              <a:rPr lang="sv-SE" dirty="0"/>
+              <a:t> </a:t>
+            </a:r>
+            <a:r>
+              <a:rPr lang="sv-SE" dirty="0" err="1"/>
+              <a:t>was</a:t>
+            </a:r>
+            <a:r>
+              <a:rPr lang="sv-SE" dirty="0"/>
+              <a:t> </a:t>
+            </a:r>
+            <a:r>
+              <a:rPr lang="sv-SE" dirty="0" err="1"/>
+              <a:t>before</a:t>
+            </a:r>
+            <a:r>
+              <a:rPr lang="sv-SE" dirty="0"/>
+              <a:t> ASP.NET </a:t>
+            </a:r>
+            <a:r>
+              <a:rPr lang="sv-SE" dirty="0" err="1"/>
+              <a:t>Identity</a:t>
+            </a:r>
+            <a:r>
+              <a:rPr lang="sv-SE" dirty="0"/>
+              <a:t>?</a:t>
+            </a:r>
+            <a:endParaRPr lang="en-GB" dirty="0"/>
+          </a:p>
+        </p:txBody>
+      </p:sp>
+      <p:sp>
+        <p:nvSpPr>
+          <p:cNvPr id="3" name="Platshållare för innehåll 2"/>
+          <p:cNvSpPr>
+            <a:spLocks noGrp="1"/>
+          </p:cNvSpPr>
+          <p:nvPr>
+            <p:ph idx="1"/>
+          </p:nvPr>
+        </p:nvSpPr>
+        <p:spPr/>
+        <p:txBody>
+          <a:bodyPr>
+            <a:normAutofit/>
+          </a:bodyPr>
+          <a:lstStyle/>
+          <a:p>
+            <a:pPr marL="0" indent="0">
+              <a:buNone/>
+            </a:pPr>
+            <a:r>
+              <a:rPr lang="en-US" sz="3200" b="1" dirty="0" smtClean="0"/>
+              <a:t>ASP.NET Simple Membership</a:t>
+            </a:r>
+          </a:p>
+          <a:p>
+            <a:pPr marL="0" indent="0">
+              <a:buNone/>
+            </a:pPr>
+            <a:endParaRPr lang="en-US" sz="3200" dirty="0" smtClean="0"/>
+          </a:p>
+          <a:p>
+            <a:r>
+              <a:rPr lang="en-US" sz="2400" dirty="0" smtClean="0"/>
+              <a:t>Built upon ASP.NET Membership</a:t>
+            </a:r>
+          </a:p>
+          <a:p>
+            <a:r>
+              <a:rPr lang="en-US" sz="2400" dirty="0" smtClean="0"/>
+              <a:t>Designed for ASP.NET MVC</a:t>
+            </a:r>
+          </a:p>
+          <a:p>
+            <a:r>
+              <a:rPr lang="en-US" sz="2400" dirty="0" smtClean="0"/>
+              <a:t>Supports </a:t>
+            </a:r>
+            <a:r>
+              <a:rPr lang="en-US" sz="2400" dirty="0" err="1" smtClean="0"/>
+              <a:t>Oauth</a:t>
+            </a:r>
+            <a:r>
+              <a:rPr lang="en-US" sz="2400" dirty="0" smtClean="0"/>
+              <a:t>/</a:t>
+            </a:r>
+            <a:r>
+              <a:rPr lang="en-US" sz="2400" dirty="0" err="1" smtClean="0"/>
+              <a:t>OpenId</a:t>
+            </a:r>
+            <a:endParaRPr lang="en-US" sz="2400" dirty="0" smtClean="0"/>
+          </a:p>
+          <a:p>
+            <a:r>
+              <a:rPr lang="en-US" sz="2400" dirty="0" smtClean="0"/>
+              <a:t>Tied to Microsoft databases (SQL)</a:t>
+            </a:r>
+          </a:p>
+          <a:p>
+            <a:r>
+              <a:rPr lang="en-US" sz="2400" dirty="0" smtClean="0"/>
+              <a:t>Does not follow SRP</a:t>
+            </a:r>
+            <a:endParaRPr lang="en-US" sz="2400" dirty="0"/>
+          </a:p>
+        </p:txBody>
+      </p:sp>
+    </p:spTree>
+    <p:extLst>
+      <p:ext uri="{BB962C8B-B14F-4D97-AF65-F5344CB8AC3E}">
+        <p14:creationId xmlns:p14="http://schemas.microsoft.com/office/powerpoint/2010/main" val="905685807"/>
+      </p:ext>
+    </p:extLst>
+  </p:cSld>
+  <p:clrMapOvr>
+    <a:masterClrMapping/>
+  </p:clrMapOvr>
+</p:sld>
+</file>
+
+<file path=ppt/slides/slide18.xml><?xml version="1.0" encoding="utf-8"?>
+<p:sld xmlns:a="http://schemas.openxmlformats.org/drawingml/2006/main" xmlns:r="http://schemas.openxmlformats.org/officeDocument/2006/relationships" xmlns:p="http://schemas.openxmlformats.org/presentationml/2006/main">
+  <p:cSld>
+    <p:spTree>
+      <p:nvGrpSpPr>
+        <p:cNvPr id="1" name=""/>
+        <p:cNvGrpSpPr/>
+        <p:nvPr/>
+      </p:nvGrpSpPr>
+      <p:grpSpPr>
+        <a:xfrm>
+          <a:off x="0" y="0"/>
+          <a:ext cx="0" cy="0"/>
+          <a:chOff x="0" y="0"/>
+          <a:chExt cx="0" cy="0"/>
+        </a:xfrm>
+      </p:grpSpPr>
+      <p:sp>
+        <p:nvSpPr>
+          <p:cNvPr id="2" name="Rubrik 1"/>
+          <p:cNvSpPr>
+            <a:spLocks noGrp="1"/>
+          </p:cNvSpPr>
+          <p:nvPr>
+            <p:ph type="title"/>
+          </p:nvPr>
+        </p:nvSpPr>
+        <p:spPr/>
+        <p:txBody>
+          <a:bodyPr/>
+          <a:lstStyle/>
+          <a:p>
+            <a:r>
+              <a:rPr lang="sv-SE" dirty="0" err="1"/>
+              <a:t>What</a:t>
+            </a:r>
+            <a:r>
+              <a:rPr lang="sv-SE" dirty="0"/>
+              <a:t> </a:t>
+            </a:r>
+            <a:r>
+              <a:rPr lang="sv-SE" dirty="0" err="1"/>
+              <a:t>was</a:t>
+            </a:r>
+            <a:r>
+              <a:rPr lang="sv-SE" dirty="0"/>
+              <a:t> </a:t>
+            </a:r>
+            <a:r>
+              <a:rPr lang="sv-SE" dirty="0" err="1"/>
+              <a:t>before</a:t>
+            </a:r>
+            <a:r>
+              <a:rPr lang="sv-SE" dirty="0"/>
+              <a:t> ASP.NET </a:t>
+            </a:r>
+            <a:r>
+              <a:rPr lang="sv-SE" dirty="0" err="1"/>
+              <a:t>Identity</a:t>
+            </a:r>
+            <a:r>
+              <a:rPr lang="sv-SE" dirty="0"/>
+              <a:t>?</a:t>
+            </a:r>
+            <a:endParaRPr lang="en-GB" dirty="0"/>
+          </a:p>
+        </p:txBody>
+      </p:sp>
+      <p:sp>
+        <p:nvSpPr>
+          <p:cNvPr id="3" name="Platshållare för innehåll 2"/>
+          <p:cNvSpPr>
+            <a:spLocks noGrp="1"/>
+          </p:cNvSpPr>
+          <p:nvPr>
+            <p:ph idx="1"/>
+          </p:nvPr>
+        </p:nvSpPr>
+        <p:spPr/>
+        <p:txBody>
+          <a:bodyPr>
+            <a:normAutofit/>
+          </a:bodyPr>
+          <a:lstStyle/>
+          <a:p>
+            <a:pPr marL="0" indent="0">
+              <a:buNone/>
+            </a:pPr>
+            <a:r>
+              <a:rPr lang="en-US" sz="3200" b="1" dirty="0" smtClean="0"/>
+              <a:t>ASP.NET Identity 1.0</a:t>
+            </a:r>
+          </a:p>
+          <a:p>
+            <a:pPr marL="0" indent="0">
+              <a:buNone/>
+            </a:pPr>
+            <a:endParaRPr lang="en-US" sz="3200" dirty="0" smtClean="0"/>
+          </a:p>
+          <a:p>
+            <a:r>
+              <a:rPr lang="en-US" sz="2400" dirty="0" smtClean="0"/>
+              <a:t>Released 2013</a:t>
+            </a:r>
+          </a:p>
+          <a:p>
+            <a:r>
+              <a:rPr lang="en-US" sz="2400" dirty="0" smtClean="0"/>
+              <a:t>Simple way to store and handle user data</a:t>
+            </a:r>
+          </a:p>
+          <a:p>
+            <a:r>
+              <a:rPr lang="en-US" sz="2400" dirty="0" smtClean="0"/>
+              <a:t>Role provider</a:t>
+            </a:r>
+          </a:p>
+          <a:p>
+            <a:r>
+              <a:rPr lang="en-US" sz="2400" dirty="0" smtClean="0"/>
+              <a:t>Claims based</a:t>
+            </a:r>
+          </a:p>
+          <a:p>
+            <a:r>
+              <a:rPr lang="en-US" sz="2400" dirty="0" smtClean="0"/>
+              <a:t>Social Login Providers</a:t>
+            </a:r>
+          </a:p>
+          <a:p>
+            <a:r>
+              <a:rPr lang="en-US" sz="2400" dirty="0" smtClean="0"/>
+              <a:t>Support from .NET 4.5</a:t>
+            </a:r>
+            <a:endParaRPr lang="en-US" sz="2400" dirty="0"/>
+          </a:p>
+        </p:txBody>
+      </p:sp>
+    </p:spTree>
+    <p:extLst>
+      <p:ext uri="{BB962C8B-B14F-4D97-AF65-F5344CB8AC3E}">
+        <p14:creationId xmlns:p14="http://schemas.microsoft.com/office/powerpoint/2010/main" val="2060103458"/>
+      </p:ext>
+    </p:extLst>
+  </p:cSld>
+  <p:clrMapOvr>
+    <a:masterClrMapping/>
+  </p:clrMapOvr>
+</p:sld>
+</file>
+
+<file path=ppt/slides/slide19.xml><?xml version="1.0" encoding="utf-8"?>
+<p:sld xmlns:a="http://schemas.openxmlformats.org/drawingml/2006/main" xmlns:r="http://schemas.openxmlformats.org/officeDocument/2006/relationships" xmlns:p="http://schemas.openxmlformats.org/presentationml/2006/main">
+  <p:cSld>
+    <p:spTree>
+      <p:nvGrpSpPr>
+        <p:cNvPr id="1" name=""/>
+        <p:cNvGrpSpPr/>
+        <p:nvPr/>
+      </p:nvGrpSpPr>
+      <p:grpSpPr>
+        <a:xfrm>
+          <a:off x="0" y="0"/>
+          <a:ext cx="0" cy="0"/>
+          <a:chOff x="0" y="0"/>
+          <a:chExt cx="0" cy="0"/>
+        </a:xfrm>
+      </p:grpSpPr>
+      <p:sp>
+        <p:nvSpPr>
+          <p:cNvPr id="2" name="Rubrik 1"/>
+          <p:cNvSpPr>
+            <a:spLocks noGrp="1"/>
+          </p:cNvSpPr>
+          <p:nvPr>
+            <p:ph type="title"/>
+          </p:nvPr>
+        </p:nvSpPr>
+        <p:spPr/>
+        <p:txBody>
+          <a:bodyPr/>
+          <a:lstStyle/>
+          <a:p>
+            <a:r>
+              <a:rPr lang="sv-SE" dirty="0" err="1"/>
+              <a:t>What</a:t>
+            </a:r>
+            <a:r>
+              <a:rPr lang="sv-SE" dirty="0"/>
+              <a:t> </a:t>
+            </a:r>
+            <a:r>
+              <a:rPr lang="sv-SE" dirty="0" err="1"/>
+              <a:t>was</a:t>
+            </a:r>
+            <a:r>
+              <a:rPr lang="sv-SE" dirty="0"/>
+              <a:t> </a:t>
+            </a:r>
+            <a:r>
+              <a:rPr lang="sv-SE" dirty="0" err="1"/>
+              <a:t>before</a:t>
+            </a:r>
+            <a:r>
+              <a:rPr lang="sv-SE" dirty="0"/>
+              <a:t> ASP.NET </a:t>
+            </a:r>
+            <a:r>
+              <a:rPr lang="sv-SE" dirty="0" err="1"/>
+              <a:t>Identity</a:t>
+            </a:r>
+            <a:r>
+              <a:rPr lang="sv-SE" dirty="0"/>
+              <a:t>?</a:t>
+            </a:r>
+            <a:endParaRPr lang="en-GB" dirty="0"/>
+          </a:p>
+        </p:txBody>
+      </p:sp>
+      <p:sp>
+        <p:nvSpPr>
+          <p:cNvPr id="3" name="Platshållare för innehåll 2"/>
+          <p:cNvSpPr>
+            <a:spLocks noGrp="1"/>
+          </p:cNvSpPr>
+          <p:nvPr>
+            <p:ph idx="1"/>
+          </p:nvPr>
+        </p:nvSpPr>
+        <p:spPr/>
+        <p:txBody>
+          <a:bodyPr>
+            <a:normAutofit/>
+          </a:bodyPr>
+          <a:lstStyle/>
+          <a:p>
+            <a:pPr marL="0" indent="0">
+              <a:buNone/>
+            </a:pPr>
+            <a:r>
+              <a:rPr lang="en-US" sz="3200" b="1" dirty="0" smtClean="0"/>
+              <a:t>ASP.NET Identity 2.0</a:t>
+            </a:r>
+          </a:p>
+          <a:p>
+            <a:pPr marL="0" indent="0">
+              <a:buNone/>
+            </a:pPr>
+            <a:endParaRPr lang="en-US" sz="3200" dirty="0" smtClean="0"/>
+          </a:p>
+          <a:p>
+            <a:r>
+              <a:rPr lang="en-US" sz="2400" dirty="0" smtClean="0"/>
+              <a:t>Released 2014</a:t>
+            </a:r>
+          </a:p>
+          <a:p>
+            <a:r>
+              <a:rPr lang="en-US" sz="2400" dirty="0" smtClean="0"/>
+              <a:t>Security Token Provider</a:t>
+            </a:r>
+          </a:p>
+          <a:p>
+            <a:r>
+              <a:rPr lang="en-US" sz="2400" dirty="0" smtClean="0"/>
+              <a:t>Two-Factor authentication</a:t>
+            </a:r>
+          </a:p>
+          <a:p>
+            <a:r>
+              <a:rPr lang="en-US" sz="2400" dirty="0" smtClean="0"/>
+              <a:t>Account confirmation (Email/SMS)</a:t>
+            </a:r>
+          </a:p>
+          <a:p>
+            <a:r>
+              <a:rPr lang="en-US" sz="2400" dirty="0" smtClean="0"/>
+              <a:t>Account lockout</a:t>
+            </a:r>
+          </a:p>
+          <a:p>
+            <a:r>
+              <a:rPr lang="en-US" sz="2400" dirty="0" smtClean="0"/>
+              <a:t>Password reset</a:t>
+            </a:r>
+            <a:endParaRPr lang="en-US" sz="2400" dirty="0"/>
+          </a:p>
+        </p:txBody>
+      </p:sp>
+    </p:spTree>
+    <p:extLst>
+      <p:ext uri="{BB962C8B-B14F-4D97-AF65-F5344CB8AC3E}">
+        <p14:creationId xmlns:p14="http://schemas.microsoft.com/office/powerpoint/2010/main" val="1187642867"/>
       </p:ext>
     </p:extLst>
   </p:cSld>
@@ -8569,7 +9174,6 @@
               <a:rPr lang="en-US" sz="3200" dirty="0" smtClean="0"/>
               <a:t>What is ASP.NET Identity?</a:t>
             </a:r>
-            <a:endParaRPr lang="en-US" sz="3200" dirty="0" smtClean="0"/>
           </a:p>
         </p:txBody>
       </p:sp>
@@ -8593,6 +9197,196 @@
 </p:sld>
 </file>
 
+<file path=ppt/slides/slide20.xml><?xml version="1.0" encoding="utf-8"?>
+<p:sld xmlns:a="http://schemas.openxmlformats.org/drawingml/2006/main" xmlns:r="http://schemas.openxmlformats.org/officeDocument/2006/relationships" xmlns:p="http://schemas.openxmlformats.org/presentationml/2006/main">
+  <p:cSld>
+    <p:spTree>
+      <p:nvGrpSpPr>
+        <p:cNvPr id="1" name=""/>
+        <p:cNvGrpSpPr/>
+        <p:nvPr/>
+      </p:nvGrpSpPr>
+      <p:grpSpPr>
+        <a:xfrm>
+          <a:off x="0" y="0"/>
+          <a:ext cx="0" cy="0"/>
+          <a:chOff x="0" y="0"/>
+          <a:chExt cx="0" cy="0"/>
+        </a:xfrm>
+      </p:grpSpPr>
+      <p:sp>
+        <p:nvSpPr>
+          <p:cNvPr id="2" name="Rubrik 1"/>
+          <p:cNvSpPr>
+            <a:spLocks noGrp="1"/>
+          </p:cNvSpPr>
+          <p:nvPr>
+            <p:ph type="title"/>
+          </p:nvPr>
+        </p:nvSpPr>
+        <p:spPr/>
+        <p:txBody>
+          <a:bodyPr/>
+          <a:lstStyle/>
+          <a:p>
+            <a:r>
+              <a:rPr lang="en-GB" dirty="0" smtClean="0"/>
+              <a:t>Resources</a:t>
+            </a:r>
+            <a:endParaRPr lang="en-GB" dirty="0"/>
+          </a:p>
+        </p:txBody>
+      </p:sp>
+      <p:sp>
+        <p:nvSpPr>
+          <p:cNvPr id="3" name="Platshållare för innehåll 2"/>
+          <p:cNvSpPr>
+            <a:spLocks noGrp="1"/>
+          </p:cNvSpPr>
+          <p:nvPr>
+            <p:ph idx="1"/>
+          </p:nvPr>
+        </p:nvSpPr>
+        <p:spPr>
+          <a:xfrm>
+            <a:off x="179512" y="1052736"/>
+            <a:ext cx="8507288" cy="5073427"/>
+          </a:xfrm>
+        </p:spPr>
+        <p:txBody>
+          <a:bodyPr>
+            <a:normAutofit/>
+          </a:bodyPr>
+          <a:lstStyle/>
+          <a:p>
+            <a:pPr marL="342900" lvl="1" indent="-342900">
+              <a:buFont typeface="Arial" pitchFamily="34" charset="0"/>
+              <a:buChar char="•"/>
+            </a:pPr>
+            <a:r>
+              <a:rPr lang="en-GB" sz="3200" dirty="0" smtClean="0"/>
+              <a:t>ASP.NET official site </a:t>
+            </a:r>
+            <a:r>
+              <a:rPr lang="en-GB" dirty="0" smtClean="0"/>
+              <a:t/>
+            </a:r>
+            <a:br>
+              <a:rPr lang="en-GB" dirty="0" smtClean="0"/>
+            </a:br>
+            <a:r>
+              <a:rPr lang="en-GB" u="sng" dirty="0">
+                <a:hlinkClick r:id="rId2"/>
+              </a:rPr>
+              <a:t>http://www.asp.net/identity</a:t>
+            </a:r>
+            <a:endParaRPr lang="en-GB" dirty="0"/>
+          </a:p>
+          <a:p>
+            <a:r>
+              <a:rPr lang="en-GB" sz="3200" dirty="0" smtClean="0"/>
+              <a:t>ASP.NET security forum</a:t>
+            </a:r>
+            <a:r>
+              <a:rPr lang="en-GB" dirty="0" smtClean="0"/>
+              <a:t/>
+            </a:r>
+            <a:br>
+              <a:rPr lang="en-GB" dirty="0" smtClean="0"/>
+            </a:br>
+            <a:r>
+              <a:rPr lang="en-US" sz="2400" dirty="0">
+                <a:hlinkClick r:id="rId3"/>
+              </a:rPr>
+              <a:t>http://</a:t>
+            </a:r>
+            <a:r>
+              <a:rPr lang="en-US" sz="2400" dirty="0" smtClean="0">
+                <a:hlinkClick r:id="rId3"/>
+              </a:rPr>
+              <a:t>forums.asp.net/25.aspx/1?Security</a:t>
+            </a:r>
+            <a:endParaRPr lang="en-US" sz="2400" dirty="0" smtClean="0"/>
+          </a:p>
+          <a:p>
+            <a:endParaRPr lang="en-GB" dirty="0" smtClean="0"/>
+          </a:p>
+          <a:p>
+            <a:r>
+              <a:rPr lang="en-GB" sz="3200" dirty="0" smtClean="0"/>
+              <a:t>Pro ASP.NET MVC 5 Platform</a:t>
+            </a:r>
+            <a:r>
+              <a:rPr lang="en-GB" dirty="0" smtClean="0"/>
+              <a:t/>
+            </a:r>
+            <a:br>
+              <a:rPr lang="en-GB" dirty="0" smtClean="0"/>
+            </a:br>
+            <a:endParaRPr lang="en-GB" dirty="0" smtClean="0"/>
+          </a:p>
+          <a:p>
+            <a:pPr marL="0" indent="0">
+              <a:buNone/>
+            </a:pPr>
+            <a:endParaRPr lang="en-GB" dirty="0"/>
+          </a:p>
+        </p:txBody>
+      </p:sp>
+      <p:pic>
+        <p:nvPicPr>
+          <p:cNvPr id="1026" name="Picture 2" descr="http://dl.ebook-dl.com/Picture/PicPage/Pro-ASP-Net-MVC-5-Platform-Adam-Freeman(www.ebook-dl.com)_Large.jpg"/>
+          <p:cNvPicPr>
+            <a:picLocks noChangeAspect="1" noChangeArrowheads="1"/>
+          </p:cNvPicPr>
+          <p:nvPr/>
+        </p:nvPicPr>
+        <p:blipFill>
+          <a:blip r:embed="rId4" cstate="print">
+            <a:extLst>
+              <a:ext uri="{28A0092B-C50C-407E-A947-70E740481C1C}">
+                <a14:useLocalDpi xmlns:a14="http://schemas.microsoft.com/office/drawing/2010/main" val="0"/>
+              </a:ext>
+            </a:extLst>
+          </a:blip>
+          <a:srcRect/>
+          <a:stretch>
+            <a:fillRect/>
+          </a:stretch>
+        </p:blipFill>
+        <p:spPr bwMode="auto">
+          <a:xfrm>
+            <a:off x="971600" y="4005064"/>
+            <a:ext cx="1887113" cy="2324856"/>
+          </a:xfrm>
+          <a:prstGeom prst="rect">
+            <a:avLst/>
+          </a:prstGeom>
+          <a:noFill/>
+          <a:extLst>
+            <a:ext uri="{909E8E84-426E-40DD-AFC4-6F175D3DCCD1}">
+              <a14:hiddenFill xmlns:a14="http://schemas.microsoft.com/office/drawing/2010/main">
+                <a:solidFill>
+                  <a:srgbClr val="FFFFFF"/>
+                </a:solidFill>
+              </a14:hiddenFill>
+            </a:ext>
+          </a:extLst>
+        </p:spPr>
+      </p:pic>
+    </p:spTree>
+    <p:extLst>
+      <p:ext uri="{BB962C8B-B14F-4D97-AF65-F5344CB8AC3E}">
+        <p14:creationId xmlns:p14="http://schemas.microsoft.com/office/powerpoint/2010/main" val="3683133173"/>
+      </p:ext>
+    </p:extLst>
+  </p:cSld>
+  <p:clrMapOvr>
+    <a:masterClrMapping/>
+  </p:clrMapOvr>
+</p:sld>
+</file>
+
 <file path=ppt/slides/slide3.xml><?xml version="1.0" encoding="utf-8"?>
 <p:sld xmlns:a="http://schemas.openxmlformats.org/drawingml/2006/main" xmlns:r="http://schemas.openxmlformats.org/officeDocument/2006/relationships" xmlns:p="http://schemas.openxmlformats.org/presentationml/2006/main">
   <p:cSld>
@@ -8682,7 +9476,15 @@
           <a:p>
             <a:r>
               <a:rPr lang="en-US" dirty="0" smtClean="0"/>
-              <a:t>ASP.NET Identity is Simple membership successor.</a:t>
+              <a:t>ASP.NET Identity is Simple </a:t>
+            </a:r>
+            <a:r>
+              <a:rPr lang="en-US" dirty="0" smtClean="0"/>
+              <a:t>membership </a:t>
+            </a:r>
+            <a:r>
+              <a:rPr lang="en-US" dirty="0" smtClean="0"/>
+              <a:t>successor.</a:t>
             </a:r>
           </a:p>
           <a:p>
@@ -8694,15 +9496,7 @@
           <a:p>
             <a:r>
               <a:rPr lang="en-US" dirty="0" smtClean="0"/>
-              <a:t>Works with ASP.NET MVC, Web API, Web Pages, </a:t>
-            </a:r>
-            <a:r>
-              <a:rPr lang="en-US" dirty="0" err="1" smtClean="0"/>
-              <a:t>SingleR</a:t>
-            </a:r>
-            <a:r>
-              <a:rPr lang="en-US" dirty="0" smtClean="0"/>
-              <a:t> and Web Forms.</a:t>
+              <a:t>Works with ASP.NET MVC, Web API, Web Pages, SingleR and Web Forms.</a:t>
             </a:r>
           </a:p>
           <a:p>
@@ -8847,7 +9641,12 @@
             <p:ph idx="1"/>
           </p:nvPr>
         </p:nvSpPr>
-        <p:spPr/>
+        <p:spPr>
+          <a:xfrm>
+            <a:off x="0" y="1124744"/>
+            <a:ext cx="9143086" cy="5040560"/>
+          </a:xfrm>
+        </p:spPr>
         <p:txBody>
           <a:bodyPr>
             <a:normAutofit/>
@@ -8874,7 +9673,15 @@
             </a:pPr>
             <a:r>
               <a:rPr lang="en-GB" sz="3200" dirty="0" smtClean="0"/>
-              <a:t>Identity replaces the previous security libraries.</a:t>
+              <a:t>Identity </a:t>
+            </a:r>
+            <a:r>
+              <a:rPr lang="en-GB" sz="3200" dirty="0" smtClean="0"/>
+              <a:t>is the replacer to the </a:t>
+            </a:r>
+            <a:r>
+              <a:rPr lang="en-GB" sz="3200" dirty="0" smtClean="0"/>
+              <a:t>previous security libraries.</a:t>
             </a:r>
             <a:endParaRPr lang="sv-SE" sz="3200" dirty="0"/>
           </a:p>
@@ -9051,24 +9858,14 @@
         </p:nvSpPr>
         <p:spPr/>
         <p:txBody>
-          <a:bodyPr/>
+          <a:bodyPr>
+            <a:normAutofit fontScale="90000"/>
+          </a:bodyPr>
           <a:lstStyle/>
           <a:p>
             <a:r>
-              <a:rPr lang="sv-SE" sz="2800" b="1" dirty="0" err="1"/>
-              <a:t>Why</a:t>
-            </a:r>
-            <a:r>
-              <a:rPr lang="sv-SE" sz="2800" b="1" dirty="0"/>
-              <a:t> ASP.NET </a:t>
-            </a:r>
-            <a:r>
-              <a:rPr lang="sv-SE" sz="2800" b="1" dirty="0" err="1"/>
-              <a:t>Identity</a:t>
-            </a:r>
-            <a:r>
-              <a:rPr lang="sv-SE" sz="2800" b="1" dirty="0"/>
-              <a:t>?</a:t>
+              <a:rPr lang="sv-SE" sz="3200" b="1" dirty="0" smtClean="0"/>
+              <a:t>ASP.NET Identity</a:t>
             </a:r>
             <a:endParaRPr lang="en-GB" dirty="0"/>
           </a:p>
@@ -9086,140 +9883,80 @@
         </p:nvSpPr>
         <p:spPr>
           <a:xfrm>
-            <a:off x="251520" y="1639341"/>
-            <a:ext cx="8640960" cy="4525963"/>
+            <a:off x="251520" y="1052736"/>
+            <a:ext cx="8435280" cy="5073427"/>
           </a:xfrm>
         </p:spPr>
         <p:txBody>
-          <a:bodyPr/>
+          <a:bodyPr>
+            <a:normAutofit/>
+          </a:bodyPr>
           <a:lstStyle/>
           <a:p>
-            <a:pPr marL="0" lvl="0" indent="0">
+            <a:pPr marL="0" indent="0">
               <a:buNone/>
             </a:pPr>
             <a:r>
-              <a:rPr lang="en-GB" sz="3200" b="1" dirty="0" smtClean="0"/>
-              <a:t>Easy </a:t>
-            </a:r>
-            <a:r>
-              <a:rPr lang="en-GB" sz="3200" b="1" dirty="0"/>
-              <a:t>use of social login </a:t>
-            </a:r>
-            <a:r>
-              <a:rPr lang="en-GB" sz="3200" b="1" dirty="0" smtClean="0"/>
-              <a:t>providers thanks to </a:t>
-            </a:r>
-            <a:r>
-              <a:rPr lang="en-GB" sz="3200" b="1" dirty="0" err="1" smtClean="0"/>
-              <a:t>OAuth</a:t>
-            </a:r>
-            <a:endParaRPr lang="en-GB" sz="3200" b="1" dirty="0" smtClean="0"/>
+              <a:rPr lang="en-US" sz="3200" dirty="0" smtClean="0"/>
+              <a:t>ASP.NET Identity is the latest security library from Microsoft. </a:t>
+            </a:r>
           </a:p>
           <a:p>
             <a:pPr marL="0" indent="0">
               <a:buNone/>
             </a:pPr>
-            <a:endParaRPr lang="sv-SE" sz="3200" dirty="0" smtClean="0"/>
+            <a:endParaRPr lang="en-US" sz="3200" dirty="0" smtClean="0"/>
           </a:p>
           <a:p>
             <a:pPr marL="0" indent="0">
               <a:buNone/>
             </a:pPr>
             <a:r>
-              <a:rPr lang="sv-SE" sz="3200" dirty="0" err="1" smtClean="0"/>
-              <a:t>Allowing</a:t>
-            </a:r>
-            <a:r>
-              <a:rPr lang="sv-SE" sz="3200" dirty="0" smtClean="0"/>
-              <a:t> </a:t>
-            </a:r>
-            <a:r>
-              <a:rPr lang="sv-SE" sz="3200" dirty="0" err="1" smtClean="0"/>
-              <a:t>you</a:t>
-            </a:r>
-            <a:r>
-              <a:rPr lang="sv-SE" sz="3200" dirty="0" smtClean="0"/>
-              <a:t> to </a:t>
-            </a:r>
-            <a:r>
-              <a:rPr lang="sv-SE" sz="3200" dirty="0" err="1" smtClean="0"/>
-              <a:t>outsorce</a:t>
-            </a:r>
-            <a:r>
-              <a:rPr lang="sv-SE" sz="3200" dirty="0" smtClean="0"/>
-              <a:t> the </a:t>
-            </a:r>
-            <a:r>
-              <a:rPr lang="sv-SE" sz="3200" dirty="0" err="1" smtClean="0"/>
-              <a:t>user</a:t>
-            </a:r>
-            <a:r>
-              <a:rPr lang="sv-SE" sz="3200" dirty="0" smtClean="0"/>
-              <a:t> </a:t>
-            </a:r>
-            <a:r>
-              <a:rPr lang="sv-SE" sz="3200" dirty="0" err="1" smtClean="0"/>
-              <a:t>authentication</a:t>
-            </a:r>
-            <a:r>
-              <a:rPr lang="sv-SE" sz="3200" dirty="0" smtClean="0"/>
-              <a:t> process.</a:t>
-            </a:r>
-          </a:p>
-          <a:p>
-            <a:pPr marL="0" indent="0">
-              <a:buNone/>
-            </a:pPr>
-            <a:endParaRPr lang="sv-SE" sz="3200" dirty="0"/>
-          </a:p>
-          <a:p>
-            <a:pPr marL="0" indent="0">
-              <a:buNone/>
-            </a:pPr>
-            <a:r>
-              <a:rPr lang="sv-SE" sz="3200" dirty="0" err="1" smtClean="0"/>
-              <a:t>Example</a:t>
-            </a:r>
-            <a:r>
-              <a:rPr lang="sv-SE" sz="3200" dirty="0" smtClean="0"/>
-              <a:t> for </a:t>
-            </a:r>
-            <a:r>
-              <a:rPr lang="sv-SE" sz="3200" dirty="0" err="1" smtClean="0"/>
-              <a:t>such</a:t>
-            </a:r>
-            <a:r>
-              <a:rPr lang="sv-SE" sz="3200" dirty="0" smtClean="0"/>
-              <a:t> </a:t>
-            </a:r>
-            <a:r>
-              <a:rPr lang="sv-SE" sz="3200" dirty="0" err="1" smtClean="0"/>
-              <a:t>providers</a:t>
-            </a:r>
-            <a:r>
-              <a:rPr lang="sv-SE" sz="3200" dirty="0"/>
-              <a:t> </a:t>
-            </a:r>
-            <a:r>
-              <a:rPr lang="sv-SE" sz="3200" dirty="0" smtClean="0"/>
-              <a:t>: Google, Facebook</a:t>
-            </a:r>
-            <a:r>
-              <a:rPr lang="sv-SE" sz="3200" dirty="0"/>
-              <a:t> </a:t>
-            </a:r>
-            <a:r>
-              <a:rPr lang="sv-SE" sz="3200" dirty="0" smtClean="0"/>
-              <a:t>or Twitter</a:t>
-            </a:r>
-            <a:endParaRPr lang="en-GB" sz="3200" dirty="0"/>
+              <a:rPr lang="en-US" sz="3200" dirty="0" smtClean="0"/>
+              <a:t>It comes with the latest safety features such as:</a:t>
+            </a:r>
+          </a:p>
+          <a:p>
+            <a:r>
+              <a:rPr lang="en-US" sz="2400" dirty="0" smtClean="0"/>
+              <a:t>Account confirmation</a:t>
+            </a:r>
+          </a:p>
+          <a:p>
+            <a:pPr lvl="1"/>
+            <a:r>
+              <a:rPr lang="en-US" dirty="0" smtClean="0"/>
+              <a:t>Both email and/or SMS confirmation </a:t>
+            </a:r>
+            <a:endParaRPr lang="en-US" dirty="0" smtClean="0"/>
+          </a:p>
+          <a:p>
+            <a:r>
+              <a:rPr lang="en-US" sz="2400" dirty="0" smtClean="0"/>
+              <a:t>Account lockout </a:t>
+            </a:r>
+          </a:p>
+          <a:p>
+            <a:r>
+              <a:rPr lang="en-US" sz="2400" dirty="0" smtClean="0"/>
+              <a:t>Safe password hashing </a:t>
+            </a:r>
+          </a:p>
+          <a:p>
+            <a:r>
+              <a:rPr lang="sv-SE" sz="2400" dirty="0"/>
+              <a:t>Two-Factor Authentication</a:t>
+            </a:r>
+          </a:p>
+          <a:p>
+            <a:endParaRPr lang="en-US" sz="2400" dirty="0" smtClean="0"/>
           </a:p>
         </p:txBody>
       </p:sp>
     </p:spTree>
     <p:extLst>
       <p:ext uri="{BB962C8B-B14F-4D97-AF65-F5344CB8AC3E}">
-        <p14:creationId xmlns:p14="http://schemas.microsoft.com/office/powerpoint/2010/main" val="1298769835"/>
+        <p14:creationId xmlns:p14="http://schemas.microsoft.com/office/powerpoint/2010/main" val="3081313827"/>
       </p:ext>
     </p:extLst>
   </p:cSld>
@@ -9262,19 +9999,19 @@
           <a:lstStyle/>
           <a:p>
             <a:r>
-              <a:rPr lang="sv-SE" dirty="0" err="1" smtClean="0"/>
+              <a:rPr lang="sv-SE" sz="2800" b="1" dirty="0" err="1"/>
               <a:t>Why</a:t>
             </a:r>
             <a:r>
-              <a:rPr lang="sv-SE" dirty="0" smtClean="0"/>
+              <a:rPr lang="sv-SE" sz="2800" b="1" dirty="0"/>
               <a:t> ASP.NET </a:t>
             </a:r>
             <a:r>
-              <a:rPr lang="sv-SE" dirty="0" err="1" smtClean="0"/>
+              <a:rPr lang="sv-SE" sz="2800" b="1" dirty="0" err="1"/>
               <a:t>Identity</a:t>
             </a:r>
             <a:r>
-              <a:rPr lang="sv-SE" dirty="0" smtClean="0"/>
+              <a:rPr lang="sv-SE" sz="2800" b="1" dirty="0"/>
               <a:t>?</a:t>
             </a:r>
             <a:endParaRPr lang="en-GB" dirty="0"/>
@@ -9291,176 +10028,74 @@
             <p:ph idx="1"/>
           </p:nvPr>
         </p:nvSpPr>
-        <p:spPr/>
-        <p:txBody>
-          <a:bodyPr>
-            <a:normAutofit/>
-          </a:bodyPr>
+        <p:spPr>
+          <a:xfrm>
+            <a:off x="251520" y="1639341"/>
+            <a:ext cx="8640960" cy="4525963"/>
+          </a:xfrm>
+        </p:spPr>
+        <p:txBody>
+          <a:bodyPr/>
           <a:lstStyle/>
           <a:p>
+            <a:pPr marL="0" lvl="0" indent="0">
+              <a:buNone/>
+            </a:pPr>
+            <a:r>
+              <a:rPr lang="en-GB" sz="3200" b="1" dirty="0" smtClean="0"/>
+              <a:t>Easy </a:t>
+            </a:r>
+            <a:r>
+              <a:rPr lang="en-GB" sz="3200" b="1" dirty="0"/>
+              <a:t>use of social login </a:t>
+            </a:r>
+            <a:r>
+              <a:rPr lang="en-GB" sz="3200" b="1" dirty="0" smtClean="0"/>
+              <a:t>providers thanks to </a:t>
+            </a:r>
+            <a:r>
+              <a:rPr lang="en-GB" sz="3200" b="1" dirty="0" err="1" smtClean="0"/>
+              <a:t>OAuth</a:t>
+            </a:r>
+            <a:endParaRPr lang="en-GB" sz="3200" b="1" dirty="0" smtClean="0"/>
+          </a:p>
+          <a:p>
             <a:pPr marL="0" indent="0">
               <a:buNone/>
             </a:pPr>
-            <a:r>
-              <a:rPr lang="sv-SE" sz="3200" b="1" dirty="0" err="1" smtClean="0"/>
-              <a:t>Claims-based</a:t>
-            </a:r>
-            <a:r>
-              <a:rPr lang="sv-SE" sz="3200" b="1" dirty="0" smtClean="0"/>
-              <a:t> </a:t>
-            </a:r>
-            <a:r>
-              <a:rPr lang="sv-SE" sz="3200" b="1" dirty="0" err="1" smtClean="0"/>
-              <a:t>authentication</a:t>
-            </a:r>
-            <a:endParaRPr lang="sv-SE" sz="3200" b="1" dirty="0" smtClean="0"/>
+            <a:endParaRPr lang="en-US" sz="3200" dirty="0" smtClean="0"/>
           </a:p>
           <a:p>
             <a:pPr marL="0" indent="0">
               <a:buNone/>
             </a:pPr>
-            <a:endParaRPr lang="sv-SE" sz="3200" b="1" dirty="0"/>
+            <a:r>
+              <a:rPr lang="en-US" sz="3200" dirty="0" smtClean="0"/>
+              <a:t>Allowing you to outsource the user authentication process.</a:t>
+            </a:r>
           </a:p>
           <a:p>
             <a:pPr marL="0" indent="0">
               <a:buNone/>
             </a:pPr>
-            <a:r>
-              <a:rPr lang="sv-SE" sz="3200" dirty="0" err="1" smtClean="0"/>
-              <a:t>Allows</a:t>
-            </a:r>
-            <a:r>
-              <a:rPr lang="sv-SE" sz="3200" dirty="0" smtClean="0"/>
-              <a:t> the </a:t>
-            </a:r>
-            <a:r>
-              <a:rPr lang="sv-SE" sz="3200" dirty="0" err="1" smtClean="0"/>
-              <a:t>developer</a:t>
-            </a:r>
-            <a:r>
-              <a:rPr lang="sv-SE" sz="3200" dirty="0" smtClean="0"/>
-              <a:t> to </a:t>
-            </a:r>
-            <a:r>
-              <a:rPr lang="sv-SE" sz="3200" dirty="0" err="1" smtClean="0"/>
-              <a:t>create</a:t>
-            </a:r>
-            <a:r>
-              <a:rPr lang="sv-SE" sz="3200" dirty="0" smtClean="0"/>
-              <a:t> </a:t>
-            </a:r>
-            <a:r>
-              <a:rPr lang="sv-SE" sz="3200" dirty="0" err="1" smtClean="0"/>
-              <a:t>more</a:t>
-            </a:r>
-            <a:r>
-              <a:rPr lang="sv-SE" sz="3200" dirty="0" smtClean="0"/>
-              <a:t> </a:t>
-            </a:r>
-            <a:r>
-              <a:rPr lang="sv-SE" sz="3200" dirty="0" err="1" smtClean="0"/>
-              <a:t>detailed</a:t>
-            </a:r>
-            <a:r>
-              <a:rPr lang="sv-SE" sz="3200" dirty="0" smtClean="0"/>
-              <a:t> </a:t>
-            </a:r>
-            <a:r>
-              <a:rPr lang="sv-SE" sz="3200" dirty="0" err="1" smtClean="0"/>
-              <a:t>identities</a:t>
-            </a:r>
-            <a:r>
-              <a:rPr lang="sv-SE" sz="3200" dirty="0" smtClean="0"/>
-              <a:t>. </a:t>
-            </a:r>
-            <a:r>
-              <a:rPr lang="sv-SE" sz="3200" dirty="0" err="1" smtClean="0"/>
-              <a:t>This</a:t>
-            </a:r>
-            <a:r>
-              <a:rPr lang="sv-SE" sz="3200" dirty="0" smtClean="0"/>
-              <a:t> </a:t>
-            </a:r>
-            <a:r>
-              <a:rPr lang="sv-SE" sz="3200" dirty="0" err="1" smtClean="0"/>
-              <a:t>means</a:t>
-            </a:r>
-            <a:r>
-              <a:rPr lang="sv-SE" sz="3200" dirty="0" smtClean="0"/>
-              <a:t> </a:t>
-            </a:r>
-            <a:r>
-              <a:rPr lang="sv-SE" sz="3200" dirty="0" err="1" smtClean="0"/>
-              <a:t>you</a:t>
-            </a:r>
-            <a:r>
-              <a:rPr lang="sv-SE" sz="3200" dirty="0" smtClean="0"/>
-              <a:t> </a:t>
-            </a:r>
-            <a:r>
-              <a:rPr lang="sv-SE" sz="3200" dirty="0" err="1" smtClean="0"/>
-              <a:t>can</a:t>
-            </a:r>
-            <a:r>
-              <a:rPr lang="sv-SE" sz="3200" dirty="0" smtClean="0"/>
-              <a:t> </a:t>
-            </a:r>
-            <a:r>
-              <a:rPr lang="sv-SE" sz="3200" dirty="0" err="1" smtClean="0"/>
-              <a:t>also</a:t>
-            </a:r>
-            <a:r>
-              <a:rPr lang="sv-SE" sz="3200" dirty="0" smtClean="0"/>
-              <a:t> </a:t>
-            </a:r>
-            <a:r>
-              <a:rPr lang="sv-SE" sz="3200" dirty="0" err="1" smtClean="0"/>
-              <a:t>control</a:t>
-            </a:r>
-            <a:r>
-              <a:rPr lang="sv-SE" sz="3200" dirty="0" smtClean="0"/>
-              <a:t> </a:t>
-            </a:r>
-            <a:r>
-              <a:rPr lang="sv-SE" sz="3200" dirty="0" err="1" smtClean="0"/>
-              <a:t>your</a:t>
-            </a:r>
-            <a:r>
-              <a:rPr lang="sv-SE" sz="3200" dirty="0" smtClean="0"/>
-              <a:t> </a:t>
-            </a:r>
-            <a:r>
-              <a:rPr lang="sv-SE" sz="3200" dirty="0" err="1" smtClean="0"/>
-              <a:t>authorization</a:t>
-            </a:r>
-            <a:r>
-              <a:rPr lang="sv-SE" sz="3200" dirty="0" smtClean="0"/>
-              <a:t> in </a:t>
-            </a:r>
-            <a:r>
-              <a:rPr lang="sv-SE" sz="3200" dirty="0" err="1" smtClean="0"/>
-              <a:t>greater</a:t>
-            </a:r>
-            <a:r>
-              <a:rPr lang="sv-SE" sz="3200" dirty="0" smtClean="0"/>
-              <a:t> </a:t>
-            </a:r>
-            <a:r>
-              <a:rPr lang="sv-SE" sz="3200" dirty="0" err="1" smtClean="0"/>
-              <a:t>detail</a:t>
-            </a:r>
-            <a:r>
-              <a:rPr lang="sv-SE" sz="3200" dirty="0" smtClean="0"/>
-              <a:t>.</a:t>
-            </a:r>
-            <a:endParaRPr lang="en-GB" sz="3200" dirty="0"/>
+            <a:endParaRPr lang="en-US" sz="3200" dirty="0" smtClean="0"/>
+          </a:p>
+          <a:p>
+            <a:pPr marL="0" indent="0">
+              <a:buNone/>
+            </a:pPr>
+            <a:r>
+              <a:rPr lang="en-US" sz="3200" dirty="0" smtClean="0"/>
+              <a:t>Example for such providers : Google, Facebook or Twitter</a:t>
+            </a:r>
+            <a:endParaRPr lang="en-US" sz="3200" dirty="0"/>
           </a:p>
         </p:txBody>
       </p:sp>
     </p:spTree>
     <p:extLst>
       <p:ext uri="{BB962C8B-B14F-4D97-AF65-F5344CB8AC3E}">
-        <p14:creationId xmlns:p14="http://schemas.microsoft.com/office/powerpoint/2010/main" val="1306577611"/>
+        <p14:creationId xmlns:p14="http://schemas.microsoft.com/office/powerpoint/2010/main" val="1298769835"/>
       </p:ext>
     </p:extLst>
   </p:cSld>
@@ -9514,6 +10149,10 @@
               <a:rPr lang="sv-SE" dirty="0" err="1" smtClean="0"/>
               <a:t>Identity</a:t>
             </a:r>
+            <a:r>
+              <a:rPr lang="sv-SE" dirty="0" smtClean="0"/>
+              <a:t>?</a:t>
+            </a:r>
             <a:endParaRPr lang="en-GB" dirty="0"/>
           </a:p>
         </p:txBody>
@@ -9535,62 +10174,36 @@
           </a:bodyPr>
           <a:lstStyle/>
           <a:p>
-            <a:pPr marL="0" lvl="0" indent="0">
+            <a:pPr marL="0" indent="0">
               <a:buNone/>
             </a:pPr>
             <a:r>
-              <a:rPr lang="en-GB" sz="3200" b="1" dirty="0" smtClean="0"/>
-              <a:t>Identity is integrated into the OWIN pipeline</a:t>
-            </a:r>
-          </a:p>
-          <a:p>
-            <a:pPr marL="0" lvl="0" indent="0">
+              <a:rPr lang="en-US" sz="3200" b="1" dirty="0" smtClean="0"/>
+              <a:t>Claims-based authentication</a:t>
+            </a:r>
+          </a:p>
+          <a:p>
+            <a:pPr marL="0" indent="0">
               <a:buNone/>
             </a:pPr>
-            <a:endParaRPr lang="sv-SE" sz="3200" b="1" dirty="0"/>
-          </a:p>
-          <a:p>
-            <a:pPr marL="0" lvl="0" indent="0">
+            <a:endParaRPr lang="en-US" sz="3200" b="1" dirty="0" smtClean="0"/>
+          </a:p>
+          <a:p>
+            <a:pPr marL="0" indent="0">
               <a:buNone/>
             </a:pPr>
             <a:r>
-              <a:rPr lang="sv-SE" sz="3200" dirty="0" err="1" smtClean="0"/>
-              <a:t>Decouples</a:t>
-            </a:r>
-            <a:r>
-              <a:rPr lang="sv-SE" sz="3200" dirty="0" smtClean="0"/>
-              <a:t> the </a:t>
-            </a:r>
-            <a:r>
-              <a:rPr lang="sv-SE" sz="3200" dirty="0" err="1" smtClean="0"/>
-              <a:t>application</a:t>
-            </a:r>
-            <a:r>
-              <a:rPr lang="sv-SE" sz="3200" dirty="0" smtClean="0"/>
-              <a:t> from the server.</a:t>
-            </a:r>
-          </a:p>
-          <a:p>
-            <a:pPr marL="0" lvl="0" indent="0">
-              <a:buNone/>
-            </a:pPr>
-            <a:r>
-              <a:rPr lang="sv-SE" sz="3200" dirty="0" smtClean="0"/>
-              <a:t>** fördel, etc.</a:t>
-            </a:r>
-          </a:p>
-          <a:p>
-            <a:pPr marL="0" lvl="0" indent="0">
-              <a:buNone/>
-            </a:pPr>
-            <a:endParaRPr lang="sv-SE" sz="3200" dirty="0" smtClean="0"/>
+              <a:rPr lang="en-US" sz="3200" dirty="0" smtClean="0"/>
+              <a:t>Allows the developer to create more detailed identities. This means you can also control your authorization in greater detail.</a:t>
+            </a:r>
+            <a:endParaRPr lang="en-US" sz="3200" dirty="0"/>
           </a:p>
         </p:txBody>
       </p:sp>
     </p:spTree>
     <p:extLst>
       <p:ext uri="{BB962C8B-B14F-4D97-AF65-F5344CB8AC3E}">
-        <p14:creationId xmlns:p14="http://schemas.microsoft.com/office/powerpoint/2010/main" val="1630913998"/>
+        <p14:creationId xmlns:p14="http://schemas.microsoft.com/office/powerpoint/2010/main" val="1306577611"/>
       </p:ext>
     </p:extLst>
   </p:cSld>
@@ -9633,8 +10246,12 @@
           <a:lstStyle/>
           <a:p>
             <a:r>
+              <a:rPr lang="sv-SE" dirty="0" err="1" smtClean="0"/>
+              <a:t>Why</a:t>
+            </a:r>
+            <a:r>
               <a:rPr lang="sv-SE" dirty="0" smtClean="0"/>
-              <a:t>ASP.NET </a:t>
+              <a:t> ASP.NET </a:t>
             </a:r>
             <a:r>
               <a:rPr lang="sv-SE" dirty="0" err="1" smtClean="0"/>
@@ -9656,70 +10273,61 @@
         </p:nvSpPr>
         <p:spPr/>
         <p:txBody>
-          <a:bodyPr/>
+          <a:bodyPr>
+            <a:normAutofit/>
+          </a:bodyPr>
           <a:lstStyle/>
           <a:p>
-            <a:pPr marL="0" indent="0">
+            <a:pPr marL="0" lvl="0" indent="0">
               <a:buNone/>
             </a:pPr>
-            <a:endParaRPr lang="sv-SE" dirty="0" smtClean="0"/>
-          </a:p>
-          <a:p>
-            <a:pPr marL="0" indent="0">
+            <a:r>
+              <a:rPr lang="en-GB" sz="3200" b="1" dirty="0" smtClean="0"/>
+              <a:t>Identity is integrated into the OWIN pipeline</a:t>
+            </a:r>
+          </a:p>
+          <a:p>
+            <a:pPr marL="0" lvl="0" indent="0">
               <a:buNone/>
             </a:pPr>
-            <a:endParaRPr lang="sv-SE" dirty="0"/>
-          </a:p>
-          <a:p>
-            <a:pPr marL="0" indent="0">
+            <a:endParaRPr lang="sv-SE" sz="3200" b="1" dirty="0"/>
+          </a:p>
+          <a:p>
+            <a:pPr marL="0" lvl="0" indent="0">
               <a:buNone/>
             </a:pPr>
-            <a:endParaRPr lang="sv-SE" dirty="0" smtClean="0"/>
-          </a:p>
-          <a:p>
-            <a:pPr marL="0" indent="0" algn="ctr">
+            <a:r>
+              <a:rPr lang="en-US" sz="3200" dirty="0" smtClean="0"/>
+              <a:t>Decouples the application from the server.</a:t>
+            </a:r>
+          </a:p>
+          <a:p>
+            <a:pPr marL="0" lvl="0" indent="0">
               <a:buNone/>
             </a:pPr>
-            <a:r>
-              <a:rPr lang="sv-SE" sz="3200" dirty="0" err="1" smtClean="0"/>
-              <a:t>What</a:t>
-            </a:r>
-            <a:r>
-              <a:rPr lang="sv-SE" sz="3200" dirty="0" smtClean="0"/>
-              <a:t> </a:t>
-            </a:r>
-            <a:r>
-              <a:rPr lang="sv-SE" sz="3200" dirty="0" err="1" smtClean="0"/>
-              <a:t>was</a:t>
-            </a:r>
-            <a:r>
-              <a:rPr lang="sv-SE" sz="3200" dirty="0" smtClean="0"/>
-              <a:t> </a:t>
-            </a:r>
-            <a:r>
-              <a:rPr lang="sv-SE" sz="3200" dirty="0" err="1" smtClean="0"/>
-              <a:t>before</a:t>
-            </a:r>
-            <a:r>
-              <a:rPr lang="sv-SE" sz="3200" dirty="0" smtClean="0"/>
-              <a:t> ASP.NET </a:t>
-            </a:r>
-            <a:r>
-              <a:rPr lang="sv-SE" sz="3200" dirty="0" err="1" smtClean="0"/>
-              <a:t>Identity</a:t>
-            </a:r>
-            <a:r>
-              <a:rPr lang="sv-SE" sz="3200" dirty="0" smtClean="0"/>
-              <a:t>?</a:t>
-            </a:r>
-            <a:endParaRPr lang="en-GB" sz="3200" dirty="0"/>
+            <a:endParaRPr lang="en-US" sz="3200" dirty="0" smtClean="0"/>
+          </a:p>
+          <a:p>
+            <a:pPr marL="0" lvl="0" indent="0">
+              <a:buNone/>
+            </a:pPr>
+            <a:r>
+              <a:rPr lang="en-US" sz="3200" dirty="0" smtClean="0"/>
+              <a:t>OWIN manages the communication between your application and the server/database</a:t>
+            </a:r>
+          </a:p>
+          <a:p>
+            <a:pPr marL="0" lvl="0" indent="0">
+              <a:buNone/>
+            </a:pPr>
+            <a:endParaRPr lang="sv-SE" sz="3200" dirty="0" smtClean="0"/>
           </a:p>
         </p:txBody>
       </p:sp>
     </p:spTree>
     <p:extLst>
       <p:ext uri="{BB962C8B-B14F-4D97-AF65-F5344CB8AC3E}">
-        <p14:creationId xmlns:p14="http://schemas.microsoft.com/office/powerpoint/2010/main" val="3053491868"/>
+        <p14:creationId xmlns:p14="http://schemas.microsoft.com/office/powerpoint/2010/main" val="1630913998"/>
       </p:ext>
     </p:extLst>
   </p:cSld>

--- a/Documents/Identity-Introduction.pptx
+++ b/Documents/Identity-Introduction.pptx
@@ -5,32 +5,31 @@
     <p:sldMasterId id="2147483648" r:id="rId1"/>
   </p:sldMasterIdLst>
   <p:notesMasterIdLst>
-    <p:notesMasterId r:id="rId22"/>
+    <p:notesMasterId r:id="rId21"/>
   </p:notesMasterIdLst>
   <p:handoutMasterIdLst>
-    <p:handoutMasterId r:id="rId23"/>
+    <p:handoutMasterId r:id="rId22"/>
   </p:handoutMasterIdLst>
   <p:sldIdLst>
     <p:sldId id="256" r:id="rId2"/>
-    <p:sldId id="333" r:id="rId3"/>
-    <p:sldId id="397" r:id="rId4"/>
-    <p:sldId id="398" r:id="rId5"/>
-    <p:sldId id="400" r:id="rId6"/>
-    <p:sldId id="415" r:id="rId7"/>
-    <p:sldId id="401" r:id="rId8"/>
-    <p:sldId id="404" r:id="rId9"/>
-    <p:sldId id="403" r:id="rId10"/>
-    <p:sldId id="412" r:id="rId11"/>
-    <p:sldId id="413" r:id="rId12"/>
-    <p:sldId id="414" r:id="rId13"/>
-    <p:sldId id="406" r:id="rId14"/>
-    <p:sldId id="405" r:id="rId15"/>
-    <p:sldId id="411" r:id="rId16"/>
-    <p:sldId id="407" r:id="rId17"/>
-    <p:sldId id="408" r:id="rId18"/>
-    <p:sldId id="409" r:id="rId19"/>
-    <p:sldId id="410" r:id="rId20"/>
-    <p:sldId id="399" r:id="rId21"/>
+    <p:sldId id="397" r:id="rId3"/>
+    <p:sldId id="398" r:id="rId4"/>
+    <p:sldId id="400" r:id="rId5"/>
+    <p:sldId id="415" r:id="rId6"/>
+    <p:sldId id="401" r:id="rId7"/>
+    <p:sldId id="404" r:id="rId8"/>
+    <p:sldId id="403" r:id="rId9"/>
+    <p:sldId id="412" r:id="rId10"/>
+    <p:sldId id="413" r:id="rId11"/>
+    <p:sldId id="414" r:id="rId12"/>
+    <p:sldId id="406" r:id="rId13"/>
+    <p:sldId id="405" r:id="rId14"/>
+    <p:sldId id="411" r:id="rId15"/>
+    <p:sldId id="407" r:id="rId16"/>
+    <p:sldId id="408" r:id="rId17"/>
+    <p:sldId id="409" r:id="rId18"/>
+    <p:sldId id="410" r:id="rId19"/>
+    <p:sldId id="399" r:id="rId20"/>
   </p:sldIdLst>
   <p:sldSz cx="9144000" cy="6858000" type="screen4x3"/>
   <p:notesSz cx="6867525" cy="9994900"/>
@@ -1263,7 +1262,7 @@
   <dgm:whole/>
   <dgm:extLst>
     <a:ext uri="http://schemas.microsoft.com/office/drawing/2008/diagram">
-      <dsp:dataModelExt xmlns:dsp="http://schemas.microsoft.com/office/drawing/2008/diagram" relId="rId6" minVer="http://schemas.openxmlformats.org/drawingml/2006/diagram"/>
+      <dsp:dataModelExt xmlns:dsp="http://schemas.microsoft.com/office/drawing/2008/diagram" relId="rId7" minVer="http://schemas.openxmlformats.org/drawingml/2006/diagram"/>
     </a:ext>
   </dgm:extLst>
 </dgm:dataModel>
@@ -3168,7 +3167,7 @@
           <a:p>
             <a:fld id="{B5922E6D-3451-482A-A64F-C89F139BA51A}" type="datetimeFigureOut">
               <a:rPr lang="en-US" smtClean="0"/>
-              <a:t>11/11/2014</a:t>
+              <a:t>11/12/2014</a:t>
             </a:fld>
             <a:endParaRPr lang="en-US"/>
           </a:p>
@@ -3333,7 +3332,7 @@
           <a:p>
             <a:fld id="{05247E74-41DE-40FA-A7A7-A655366ADCFA}" type="datetimeFigureOut">
               <a:rPr lang="sv-SE" smtClean="0"/>
-              <a:t>2014-11-11</a:t>
+              <a:t>2014-11-12</a:t>
             </a:fld>
             <a:endParaRPr lang="sv-SE"/>
           </a:p>
@@ -3666,7 +3665,7 @@
           <a:p>
             <a:fld id="{9C98CF53-5E26-4422-B9D8-E9A5474C1FAF}" type="slidenum">
               <a:rPr lang="sv-SE" smtClean="0"/>
-              <a:t>4</a:t>
+              <a:t>3</a:t>
             </a:fld>
             <a:endParaRPr lang="sv-SE"/>
           </a:p>
@@ -3750,7 +3749,7 @@
           <a:p>
             <a:fld id="{9C98CF53-5E26-4422-B9D8-E9A5474C1FAF}" type="slidenum">
               <a:rPr lang="sv-SE" smtClean="0"/>
-              <a:t>10</a:t>
+              <a:t>8</a:t>
             </a:fld>
             <a:endParaRPr lang="sv-SE"/>
           </a:p>
@@ -3759,7 +3758,7 @@
     </p:spTree>
     <p:extLst>
       <p:ext uri="{BB962C8B-B14F-4D97-AF65-F5344CB8AC3E}">
-        <p14:creationId xmlns:p14="http://schemas.microsoft.com/office/powerpoint/2010/main" val="1499849308"/>
+        <p14:creationId xmlns:p14="http://schemas.microsoft.com/office/powerpoint/2010/main" val="340008700"/>
       </p:ext>
     </p:extLst>
   </p:cSld>
@@ -3813,14 +3812,6 @@
           <a:bodyPr/>
           <a:lstStyle/>
           <a:p>
-            <a:r>
-              <a:rPr lang="en-US" dirty="0" smtClean="0"/>
-              <a:t>If</a:t>
-            </a:r>
-            <a:r>
-              <a:rPr lang="en-US" baseline="0" dirty="0" smtClean="0"/>
-              <a:t> you are using an older version of VS than VS2013, then you have to implement your own user management functionality such as login/logoff/register etc. </a:t>
-            </a:r>
             <a:endParaRPr lang="en-US" dirty="0"/>
           </a:p>
         </p:txBody>
@@ -3842,7 +3833,7 @@
           <a:p>
             <a:fld id="{9C98CF53-5E26-4422-B9D8-E9A5474C1FAF}" type="slidenum">
               <a:rPr lang="sv-SE" smtClean="0"/>
-              <a:t>11</a:t>
+              <a:t>9</a:t>
             </a:fld>
             <a:endParaRPr lang="sv-SE"/>
           </a:p>
@@ -3851,7 +3842,7 @@
     </p:spTree>
     <p:extLst>
       <p:ext uri="{BB962C8B-B14F-4D97-AF65-F5344CB8AC3E}">
-        <p14:creationId xmlns:p14="http://schemas.microsoft.com/office/powerpoint/2010/main" val="2428868770"/>
+        <p14:creationId xmlns:p14="http://schemas.microsoft.com/office/powerpoint/2010/main" val="1499849308"/>
       </p:ext>
     </p:extLst>
   </p:cSld>
@@ -3905,6 +3896,14 @@
           <a:bodyPr/>
           <a:lstStyle/>
           <a:p>
+            <a:r>
+              <a:rPr lang="en-US" dirty="0" smtClean="0"/>
+              <a:t>If</a:t>
+            </a:r>
+            <a:r>
+              <a:rPr lang="en-US" baseline="0" dirty="0" smtClean="0"/>
+              <a:t> you are using an older version of VS than VS2013, then you have to implement your own user management functionality such as login/logoff/register etc. </a:t>
+            </a:r>
             <a:endParaRPr lang="en-US" dirty="0"/>
           </a:p>
         </p:txBody>
@@ -3926,7 +3925,175 @@
           <a:p>
             <a:fld id="{9C98CF53-5E26-4422-B9D8-E9A5474C1FAF}" type="slidenum">
               <a:rPr lang="sv-SE" smtClean="0"/>
-              <a:t>16</a:t>
+              <a:t>10</a:t>
+            </a:fld>
+            <a:endParaRPr lang="sv-SE"/>
+          </a:p>
+        </p:txBody>
+      </p:sp>
+    </p:spTree>
+    <p:extLst>
+      <p:ext uri="{BB962C8B-B14F-4D97-AF65-F5344CB8AC3E}">
+        <p14:creationId xmlns:p14="http://schemas.microsoft.com/office/powerpoint/2010/main" val="2428868770"/>
+      </p:ext>
+    </p:extLst>
+  </p:cSld>
+  <p:clrMapOvr>
+    <a:masterClrMapping/>
+  </p:clrMapOvr>
+</p:notes>
+</file>
+
+<file path=ppt/notesSlides/notesSlide5.xml><?xml version="1.0" encoding="utf-8"?>
+<p:notes xmlns:a="http://schemas.openxmlformats.org/drawingml/2006/main" xmlns:r="http://schemas.openxmlformats.org/officeDocument/2006/relationships" xmlns:p="http://schemas.openxmlformats.org/presentationml/2006/main">
+  <p:cSld>
+    <p:spTree>
+      <p:nvGrpSpPr>
+        <p:cNvPr id="1" name=""/>
+        <p:cNvGrpSpPr/>
+        <p:nvPr/>
+      </p:nvGrpSpPr>
+      <p:grpSpPr>
+        <a:xfrm>
+          <a:off x="0" y="0"/>
+          <a:ext cx="0" cy="0"/>
+          <a:chOff x="0" y="0"/>
+          <a:chExt cx="0" cy="0"/>
+        </a:xfrm>
+      </p:grpSpPr>
+      <p:sp>
+        <p:nvSpPr>
+          <p:cNvPr id="2" name="Platshållare för bildobjekt 1"/>
+          <p:cNvSpPr>
+            <a:spLocks noGrp="1" noRot="1" noChangeAspect="1"/>
+          </p:cNvSpPr>
+          <p:nvPr>
+            <p:ph type="sldImg"/>
+          </p:nvPr>
+        </p:nvSpPr>
+        <p:spPr/>
+      </p:sp>
+      <p:sp>
+        <p:nvSpPr>
+          <p:cNvPr id="3" name="Platshållare för anteckningar 2"/>
+          <p:cNvSpPr>
+            <a:spLocks noGrp="1"/>
+          </p:cNvSpPr>
+          <p:nvPr>
+            <p:ph type="body" idx="1"/>
+          </p:nvPr>
+        </p:nvSpPr>
+        <p:spPr/>
+        <p:txBody>
+          <a:bodyPr/>
+          <a:lstStyle/>
+          <a:p>
+            <a:endParaRPr lang="en-US" dirty="0"/>
+          </a:p>
+        </p:txBody>
+      </p:sp>
+      <p:sp>
+        <p:nvSpPr>
+          <p:cNvPr id="4" name="Platshållare för bildnummer 3"/>
+          <p:cNvSpPr>
+            <a:spLocks noGrp="1"/>
+          </p:cNvSpPr>
+          <p:nvPr>
+            <p:ph type="sldNum" sz="quarter" idx="10"/>
+          </p:nvPr>
+        </p:nvSpPr>
+        <p:spPr/>
+        <p:txBody>
+          <a:bodyPr/>
+          <a:lstStyle/>
+          <a:p>
+            <a:fld id="{9C98CF53-5E26-4422-B9D8-E9A5474C1FAF}" type="slidenum">
+              <a:rPr lang="sv-SE" smtClean="0"/>
+              <a:t>13</a:t>
+            </a:fld>
+            <a:endParaRPr lang="sv-SE"/>
+          </a:p>
+        </p:txBody>
+      </p:sp>
+    </p:spTree>
+    <p:extLst>
+      <p:ext uri="{BB962C8B-B14F-4D97-AF65-F5344CB8AC3E}">
+        <p14:creationId xmlns:p14="http://schemas.microsoft.com/office/powerpoint/2010/main" val="9847795"/>
+      </p:ext>
+    </p:extLst>
+  </p:cSld>
+  <p:clrMapOvr>
+    <a:masterClrMapping/>
+  </p:clrMapOvr>
+</p:notes>
+</file>
+
+<file path=ppt/notesSlides/notesSlide6.xml><?xml version="1.0" encoding="utf-8"?>
+<p:notes xmlns:a="http://schemas.openxmlformats.org/drawingml/2006/main" xmlns:r="http://schemas.openxmlformats.org/officeDocument/2006/relationships" xmlns:p="http://schemas.openxmlformats.org/presentationml/2006/main">
+  <p:cSld>
+    <p:spTree>
+      <p:nvGrpSpPr>
+        <p:cNvPr id="1" name=""/>
+        <p:cNvGrpSpPr/>
+        <p:nvPr/>
+      </p:nvGrpSpPr>
+      <p:grpSpPr>
+        <a:xfrm>
+          <a:off x="0" y="0"/>
+          <a:ext cx="0" cy="0"/>
+          <a:chOff x="0" y="0"/>
+          <a:chExt cx="0" cy="0"/>
+        </a:xfrm>
+      </p:grpSpPr>
+      <p:sp>
+        <p:nvSpPr>
+          <p:cNvPr id="2" name="Platshållare för bildobjekt 1"/>
+          <p:cNvSpPr>
+            <a:spLocks noGrp="1" noRot="1" noChangeAspect="1"/>
+          </p:cNvSpPr>
+          <p:nvPr>
+            <p:ph type="sldImg"/>
+          </p:nvPr>
+        </p:nvSpPr>
+        <p:spPr/>
+      </p:sp>
+      <p:sp>
+        <p:nvSpPr>
+          <p:cNvPr id="3" name="Platshållare för anteckningar 2"/>
+          <p:cNvSpPr>
+            <a:spLocks noGrp="1"/>
+          </p:cNvSpPr>
+          <p:nvPr>
+            <p:ph type="body" idx="1"/>
+          </p:nvPr>
+        </p:nvSpPr>
+        <p:spPr/>
+        <p:txBody>
+          <a:bodyPr/>
+          <a:lstStyle/>
+          <a:p>
+            <a:endParaRPr lang="en-US" dirty="0"/>
+          </a:p>
+        </p:txBody>
+      </p:sp>
+      <p:sp>
+        <p:nvSpPr>
+          <p:cNvPr id="4" name="Platshållare för bildnummer 3"/>
+          <p:cNvSpPr>
+            <a:spLocks noGrp="1"/>
+          </p:cNvSpPr>
+          <p:nvPr>
+            <p:ph type="sldNum" sz="quarter" idx="10"/>
+          </p:nvPr>
+        </p:nvSpPr>
+        <p:spPr/>
+        <p:txBody>
+          <a:bodyPr/>
+          <a:lstStyle/>
+          <a:p>
+            <a:fld id="{9C98CF53-5E26-4422-B9D8-E9A5474C1FAF}" type="slidenum">
+              <a:rPr lang="sv-SE" smtClean="0"/>
+              <a:t>15</a:t>
             </a:fld>
             <a:endParaRPr lang="sv-SE"/>
           </a:p>
@@ -4141,7 +4308,7 @@
           <a:p>
             <a:fld id="{DB41BBF1-8D56-4061-8DE2-461FDAC177EF}" type="datetimeFigureOut">
               <a:rPr lang="sv-SE" smtClean="0"/>
-              <a:t>2014-11-11</a:t>
+              <a:t>2014-11-12</a:t>
             </a:fld>
             <a:endParaRPr lang="sv-SE"/>
           </a:p>
@@ -4405,7 +4572,7 @@
           <a:p>
             <a:fld id="{DB41BBF1-8D56-4061-8DE2-461FDAC177EF}" type="datetimeFigureOut">
               <a:rPr lang="sv-SE" smtClean="0"/>
-              <a:t>2014-11-11</a:t>
+              <a:t>2014-11-12</a:t>
             </a:fld>
             <a:endParaRPr lang="sv-SE"/>
           </a:p>
@@ -4582,7 +4749,7 @@
           <a:p>
             <a:fld id="{DB41BBF1-8D56-4061-8DE2-461FDAC177EF}" type="datetimeFigureOut">
               <a:rPr lang="sv-SE" smtClean="0"/>
-              <a:t>2014-11-11</a:t>
+              <a:t>2014-11-12</a:t>
             </a:fld>
             <a:endParaRPr lang="sv-SE"/>
           </a:p>
@@ -4769,7 +4936,7 @@
           <a:p>
             <a:fld id="{DB41BBF1-8D56-4061-8DE2-461FDAC177EF}" type="datetimeFigureOut">
               <a:rPr lang="sv-SE" smtClean="0"/>
-              <a:t>2014-11-11</a:t>
+              <a:t>2014-11-12</a:t>
             </a:fld>
             <a:endParaRPr lang="sv-SE"/>
           </a:p>
@@ -5033,7 +5200,7 @@
           <a:p>
             <a:fld id="{DB41BBF1-8D56-4061-8DE2-461FDAC177EF}" type="datetimeFigureOut">
               <a:rPr lang="sv-SE" smtClean="0"/>
-              <a:t>2014-11-11</a:t>
+              <a:t>2014-11-12</a:t>
             </a:fld>
             <a:endParaRPr lang="sv-SE"/>
           </a:p>
@@ -5210,7 +5377,7 @@
           <a:p>
             <a:fld id="{DB41BBF1-8D56-4061-8DE2-461FDAC177EF}" type="datetimeFigureOut">
               <a:rPr lang="sv-SE" smtClean="0"/>
-              <a:t>2014-11-11</a:t>
+              <a:t>2014-11-12</a:t>
             </a:fld>
             <a:endParaRPr lang="sv-SE"/>
           </a:p>
@@ -5463,7 +5630,7 @@
           <a:p>
             <a:fld id="{DB41BBF1-8D56-4061-8DE2-461FDAC177EF}" type="datetimeFigureOut">
               <a:rPr lang="sv-SE" smtClean="0"/>
-              <a:t>2014-11-11</a:t>
+              <a:t>2014-11-12</a:t>
             </a:fld>
             <a:endParaRPr lang="sv-SE"/>
           </a:p>
@@ -5758,7 +5925,7 @@
           <a:p>
             <a:fld id="{DB41BBF1-8D56-4061-8DE2-461FDAC177EF}" type="datetimeFigureOut">
               <a:rPr lang="sv-SE" smtClean="0"/>
-              <a:t>2014-11-11</a:t>
+              <a:t>2014-11-12</a:t>
             </a:fld>
             <a:endParaRPr lang="sv-SE"/>
           </a:p>
@@ -6187,7 +6354,7 @@
           <a:p>
             <a:fld id="{DB41BBF1-8D56-4061-8DE2-461FDAC177EF}" type="datetimeFigureOut">
               <a:rPr lang="sv-SE" smtClean="0"/>
-              <a:t>2014-11-11</a:t>
+              <a:t>2014-11-12</a:t>
             </a:fld>
             <a:endParaRPr lang="sv-SE"/>
           </a:p>
@@ -6312,7 +6479,7 @@
           <a:p>
             <a:fld id="{DB41BBF1-8D56-4061-8DE2-461FDAC177EF}" type="datetimeFigureOut">
               <a:rPr lang="sv-SE" smtClean="0"/>
-              <a:t>2014-11-11</a:t>
+              <a:t>2014-11-12</a:t>
             </a:fld>
             <a:endParaRPr lang="sv-SE"/>
           </a:p>
@@ -6414,7 +6581,7 @@
           <a:p>
             <a:fld id="{DB41BBF1-8D56-4061-8DE2-461FDAC177EF}" type="datetimeFigureOut">
               <a:rPr lang="sv-SE" smtClean="0"/>
-              <a:t>2014-11-11</a:t>
+              <a:t>2014-11-12</a:t>
             </a:fld>
             <a:endParaRPr lang="sv-SE"/>
           </a:p>
@@ -6698,7 +6865,7 @@
           <a:p>
             <a:fld id="{DB41BBF1-8D56-4061-8DE2-461FDAC177EF}" type="datetimeFigureOut">
               <a:rPr lang="sv-SE" smtClean="0"/>
-              <a:t>2014-11-11</a:t>
+              <a:t>2014-11-12</a:t>
             </a:fld>
             <a:endParaRPr lang="sv-SE"/>
           </a:p>
@@ -6926,7 +7093,7 @@
           <a:p>
             <a:fld id="{DB41BBF1-8D56-4061-8DE2-461FDAC177EF}" type="datetimeFigureOut">
               <a:rPr lang="sv-SE" smtClean="0"/>
-              <a:t>2014-11-11</a:t>
+              <a:t>2014-11-12</a:t>
             </a:fld>
             <a:endParaRPr lang="sv-SE"/>
           </a:p>
@@ -7543,141 +7710,8 @@
               <a:buNone/>
             </a:pPr>
             <a:r>
-              <a:rPr lang="en-US" sz="3200" dirty="0" smtClean="0"/>
-              <a:t>Visual Studio 2013 come with a range of templates which </a:t>
-            </a:r>
-            <a:r>
-              <a:rPr lang="en-US" sz="3200" dirty="0" smtClean="0"/>
-              <a:t>implement </a:t>
-            </a:r>
-            <a:r>
-              <a:rPr lang="en-US" sz="3200" dirty="0" smtClean="0"/>
-              <a:t>ASP.NET Identity to the following project types:</a:t>
-            </a:r>
-          </a:p>
-          <a:p>
-            <a:r>
               <a:rPr lang="en-US" dirty="0" smtClean="0"/>
-              <a:t>MVC</a:t>
-            </a:r>
-          </a:p>
-          <a:p>
-            <a:r>
-              <a:rPr lang="en-US" dirty="0" smtClean="0"/>
-              <a:t>Web Forms</a:t>
-            </a:r>
-          </a:p>
-          <a:p>
-            <a:r>
-              <a:rPr lang="en-US" dirty="0" smtClean="0"/>
-              <a:t>Web API</a:t>
-            </a:r>
-          </a:p>
-          <a:p>
-            <a:r>
-              <a:rPr lang="en-US" dirty="0" smtClean="0"/>
-              <a:t>Single Page Application</a:t>
-            </a:r>
-          </a:p>
-        </p:txBody>
-      </p:sp>
-    </p:spTree>
-    <p:extLst>
-      <p:ext uri="{BB962C8B-B14F-4D97-AF65-F5344CB8AC3E}">
-        <p14:creationId xmlns:p14="http://schemas.microsoft.com/office/powerpoint/2010/main" val="541569819"/>
-      </p:ext>
-    </p:extLst>
-  </p:cSld>
-  <p:clrMapOvr>
-    <a:masterClrMapping/>
-  </p:clrMapOvr>
-</p:sld>
-</file>
-
-<file path=ppt/slides/slide11.xml><?xml version="1.0" encoding="utf-8"?>
-<p:sld xmlns:a="http://schemas.openxmlformats.org/drawingml/2006/main" xmlns:r="http://schemas.openxmlformats.org/officeDocument/2006/relationships" xmlns:p="http://schemas.openxmlformats.org/presentationml/2006/main">
-  <p:cSld>
-    <p:spTree>
-      <p:nvGrpSpPr>
-        <p:cNvPr id="1" name=""/>
-        <p:cNvGrpSpPr/>
-        <p:nvPr/>
-      </p:nvGrpSpPr>
-      <p:grpSpPr>
-        <a:xfrm>
-          <a:off x="0" y="0"/>
-          <a:ext cx="0" cy="0"/>
-          <a:chOff x="0" y="0"/>
-          <a:chExt cx="0" cy="0"/>
-        </a:xfrm>
-      </p:grpSpPr>
-      <p:sp>
-        <p:nvSpPr>
-          <p:cNvPr id="2" name="Rubrik 1"/>
-          <p:cNvSpPr>
-            <a:spLocks noGrp="1"/>
-          </p:cNvSpPr>
-          <p:nvPr>
-            <p:ph type="title"/>
-          </p:nvPr>
-        </p:nvSpPr>
-        <p:spPr/>
-        <p:txBody>
-          <a:bodyPr/>
-          <a:lstStyle/>
-          <a:p>
-            <a:r>
-              <a:rPr lang="sv-SE" dirty="0" err="1" smtClean="0"/>
-              <a:t>Why</a:t>
-            </a:r>
-            <a:r>
-              <a:rPr lang="sv-SE" dirty="0" smtClean="0"/>
-              <a:t> ASP.NET </a:t>
-            </a:r>
-            <a:r>
-              <a:rPr lang="sv-SE" dirty="0" err="1" smtClean="0"/>
-              <a:t>Identity</a:t>
-            </a:r>
-            <a:endParaRPr lang="en-GB" dirty="0"/>
-          </a:p>
-        </p:txBody>
-      </p:sp>
-      <p:sp>
-        <p:nvSpPr>
-          <p:cNvPr id="3" name="Platshållare för innehåll 2"/>
-          <p:cNvSpPr>
-            <a:spLocks noGrp="1"/>
-          </p:cNvSpPr>
-          <p:nvPr>
-            <p:ph idx="1"/>
-          </p:nvPr>
-        </p:nvSpPr>
-        <p:spPr>
-          <a:xfrm>
-            <a:off x="457200" y="1124744"/>
-            <a:ext cx="8229600" cy="4525963"/>
-          </a:xfrm>
-        </p:spPr>
-        <p:txBody>
-          <a:bodyPr>
-            <a:normAutofit/>
-          </a:bodyPr>
-          <a:lstStyle/>
-          <a:p>
-            <a:pPr marL="0" lvl="0" indent="0">
-              <a:buNone/>
-            </a:pPr>
-            <a:r>
-              <a:rPr lang="en-US" dirty="0" smtClean="0"/>
-              <a:t>If you are using an earlier version of Visual Studio, the templates listed </a:t>
-            </a:r>
-            <a:r>
-              <a:rPr lang="en-US" dirty="0" smtClean="0"/>
-              <a:t>in the </a:t>
-            </a:r>
-            <a:r>
-              <a:rPr lang="en-US" dirty="0" smtClean="0"/>
-              <a:t>previous slide does not contain ASP.NET Identity. </a:t>
+              <a:t>If you are using an earlier version of Visual Studio, the templates listed in the previous slide does not contain ASP.NET Identity. </a:t>
             </a:r>
           </a:p>
           <a:p>
@@ -7877,6 +7911,129 @@
 </p:sld>
 </file>
 
+<file path=ppt/slides/slide11.xml><?xml version="1.0" encoding="utf-8"?>
+<p:sld xmlns:a="http://schemas.openxmlformats.org/drawingml/2006/main" xmlns:r="http://schemas.openxmlformats.org/officeDocument/2006/relationships" xmlns:p="http://schemas.openxmlformats.org/presentationml/2006/main">
+  <p:cSld>
+    <p:spTree>
+      <p:nvGrpSpPr>
+        <p:cNvPr id="1" name=""/>
+        <p:cNvGrpSpPr/>
+        <p:nvPr/>
+      </p:nvGrpSpPr>
+      <p:grpSpPr>
+        <a:xfrm>
+          <a:off x="0" y="0"/>
+          <a:ext cx="0" cy="0"/>
+          <a:chOff x="0" y="0"/>
+          <a:chExt cx="0" cy="0"/>
+        </a:xfrm>
+      </p:grpSpPr>
+      <p:sp>
+        <p:nvSpPr>
+          <p:cNvPr id="2" name="Rubrik 1"/>
+          <p:cNvSpPr>
+            <a:spLocks noGrp="1"/>
+          </p:cNvSpPr>
+          <p:nvPr>
+            <p:ph type="title"/>
+          </p:nvPr>
+        </p:nvSpPr>
+        <p:spPr/>
+        <p:txBody>
+          <a:bodyPr/>
+          <a:lstStyle/>
+          <a:p>
+            <a:r>
+              <a:rPr lang="sv-SE" dirty="0" err="1" smtClean="0"/>
+              <a:t>Why</a:t>
+            </a:r>
+            <a:r>
+              <a:rPr lang="sv-SE" dirty="0" smtClean="0"/>
+              <a:t> ASP.NET </a:t>
+            </a:r>
+            <a:r>
+              <a:rPr lang="sv-SE" dirty="0" err="1" smtClean="0"/>
+              <a:t>Identity</a:t>
+            </a:r>
+            <a:endParaRPr lang="en-GB" dirty="0"/>
+          </a:p>
+        </p:txBody>
+      </p:sp>
+      <p:sp>
+        <p:nvSpPr>
+          <p:cNvPr id="3" name="Platshållare för innehåll 2"/>
+          <p:cNvSpPr>
+            <a:spLocks noGrp="1"/>
+          </p:cNvSpPr>
+          <p:nvPr>
+            <p:ph idx="1"/>
+          </p:nvPr>
+        </p:nvSpPr>
+        <p:spPr>
+          <a:xfrm>
+            <a:off x="107505" y="1124744"/>
+            <a:ext cx="9036038" cy="4525963"/>
+          </a:xfrm>
+        </p:spPr>
+        <p:txBody>
+          <a:bodyPr>
+            <a:normAutofit lnSpcReduction="10000"/>
+          </a:bodyPr>
+          <a:lstStyle/>
+          <a:p>
+            <a:pPr marL="0" lvl="0" indent="0">
+              <a:buNone/>
+            </a:pPr>
+            <a:r>
+              <a:rPr lang="en-US" sz="3200" dirty="0" smtClean="0"/>
+              <a:t>When should I use ASP.NET Identity?</a:t>
+            </a:r>
+          </a:p>
+          <a:p>
+            <a:pPr marL="0" lvl="0" indent="0">
+              <a:buNone/>
+            </a:pPr>
+            <a:endParaRPr lang="en-US" sz="3200" dirty="0"/>
+          </a:p>
+          <a:p>
+            <a:r>
+              <a:rPr lang="en-US" dirty="0" smtClean="0"/>
+              <a:t>When your application will handle a large number of external users</a:t>
+            </a:r>
+          </a:p>
+          <a:p>
+            <a:r>
+              <a:rPr lang="en-US" dirty="0" smtClean="0"/>
+              <a:t>When you don’t want to handle user authentication yourself</a:t>
+            </a:r>
+          </a:p>
+          <a:p>
+            <a:r>
+              <a:rPr lang="en-US" dirty="0" smtClean="0"/>
+              <a:t>When you feel the need for flexibility which claims-based authorization gives you </a:t>
+            </a:r>
+          </a:p>
+          <a:p>
+            <a:r>
+              <a:rPr lang="en-US" dirty="0" smtClean="0"/>
+              <a:t>When you want your application to have a secure and strong safety structure</a:t>
+            </a:r>
+          </a:p>
+        </p:txBody>
+      </p:sp>
+    </p:spTree>
+    <p:extLst>
+      <p:ext uri="{BB962C8B-B14F-4D97-AF65-F5344CB8AC3E}">
+        <p14:creationId xmlns:p14="http://schemas.microsoft.com/office/powerpoint/2010/main" val="1288704473"/>
+      </p:ext>
+    </p:extLst>
+  </p:cSld>
+  <p:clrMapOvr>
+    <a:masterClrMapping/>
+  </p:clrMapOvr>
+</p:sld>
+</file>
+
 <file path=ppt/slides/slide12.xml><?xml version="1.0" encoding="utf-8"?>
 <p:sld xmlns:a="http://schemas.openxmlformats.org/drawingml/2006/main" xmlns:r="http://schemas.openxmlformats.org/officeDocument/2006/relationships" xmlns:p="http://schemas.openxmlformats.org/presentationml/2006/main">
   <p:cSld>
@@ -7910,12 +8067,8 @@
           <a:lstStyle/>
           <a:p>
             <a:r>
-              <a:rPr lang="sv-SE" dirty="0" err="1" smtClean="0"/>
-              <a:t>Why</a:t>
-            </a:r>
-            <a:r>
               <a:rPr lang="sv-SE" dirty="0" smtClean="0"/>
-              <a:t> ASP.NET </a:t>
+              <a:t>ASP.NET </a:t>
             </a:r>
             <a:r>
               <a:rPr lang="sv-SE" dirty="0" err="1" smtClean="0"/>
@@ -7935,62 +8088,60 @@
             <p:ph idx="1"/>
           </p:nvPr>
         </p:nvSpPr>
-        <p:spPr>
-          <a:xfrm>
-            <a:off x="107505" y="1124744"/>
-            <a:ext cx="9036038" cy="4525963"/>
-          </a:xfrm>
-        </p:spPr>
-        <p:txBody>
-          <a:bodyPr>
-            <a:normAutofit lnSpcReduction="10000"/>
-          </a:bodyPr>
+        <p:spPr/>
+        <p:txBody>
+          <a:bodyPr/>
           <a:lstStyle/>
           <a:p>
-            <a:pPr marL="0" lvl="0" indent="0">
+            <a:pPr marL="0" indent="0">
               <a:buNone/>
             </a:pPr>
-            <a:r>
-              <a:rPr lang="en-US" sz="3200" dirty="0" smtClean="0"/>
-              <a:t>When should I use ASP.NET Identity?</a:t>
-            </a:r>
-          </a:p>
-          <a:p>
-            <a:pPr marL="0" lvl="0" indent="0">
+            <a:endParaRPr lang="sv-SE" dirty="0" smtClean="0"/>
+          </a:p>
+          <a:p>
+            <a:pPr marL="0" indent="0">
               <a:buNone/>
             </a:pPr>
-            <a:endParaRPr lang="en-US" sz="3200" dirty="0"/>
-          </a:p>
-          <a:p>
-            <a:r>
-              <a:rPr lang="en-US" dirty="0" smtClean="0"/>
-              <a:t>When your application will handle a large number of external users</a:t>
-            </a:r>
-          </a:p>
-          <a:p>
-            <a:r>
-              <a:rPr lang="en-US" dirty="0" smtClean="0"/>
-              <a:t>When you don’t want to handle user authentication yourself</a:t>
-            </a:r>
-          </a:p>
-          <a:p>
-            <a:r>
-              <a:rPr lang="en-US" dirty="0" smtClean="0"/>
-              <a:t>When you feel the need for flexibility which claims-based authorization gives you </a:t>
-            </a:r>
-          </a:p>
-          <a:p>
-            <a:r>
-              <a:rPr lang="en-US" dirty="0" smtClean="0"/>
-              <a:t>When you want your application to have a secure and strong safety structure</a:t>
-            </a:r>
+            <a:endParaRPr lang="sv-SE" dirty="0"/>
+          </a:p>
+          <a:p>
+            <a:pPr marL="0" indent="0">
+              <a:buNone/>
+            </a:pPr>
+            <a:endParaRPr lang="sv-SE" dirty="0" smtClean="0"/>
+          </a:p>
+          <a:p>
+            <a:pPr marL="0" indent="0" algn="ctr">
+              <a:buNone/>
+            </a:pPr>
+            <a:r>
+              <a:rPr lang="sv-SE" sz="3200" dirty="0"/>
+              <a:t>B</a:t>
+            </a:r>
+            <a:r>
+              <a:rPr lang="sv-SE" sz="3200" dirty="0" smtClean="0"/>
+              <a:t>efore </a:t>
+            </a:r>
+            <a:r>
+              <a:rPr lang="sv-SE" sz="3200" dirty="0" smtClean="0"/>
+              <a:t>ASP.NET </a:t>
+            </a:r>
+            <a:r>
+              <a:rPr lang="sv-SE" sz="3200" dirty="0" err="1" smtClean="0"/>
+              <a:t>Identity</a:t>
+            </a:r>
+            <a:r>
+              <a:rPr lang="sv-SE" sz="3200" dirty="0" smtClean="0"/>
+              <a:t>?</a:t>
+            </a:r>
+            <a:endParaRPr lang="en-GB" sz="3200" dirty="0"/>
           </a:p>
         </p:txBody>
       </p:sp>
     </p:spTree>
     <p:extLst>
       <p:ext uri="{BB962C8B-B14F-4D97-AF65-F5344CB8AC3E}">
-        <p14:creationId xmlns:p14="http://schemas.microsoft.com/office/powerpoint/2010/main" val="1288704473"/>
+        <p14:creationId xmlns:p14="http://schemas.microsoft.com/office/powerpoint/2010/main" val="3053491868"/>
       </p:ext>
     </p:extLst>
   </p:cSld>
@@ -8033,93 +8184,70 @@
           <a:lstStyle/>
           <a:p>
             <a:r>
+              <a:rPr lang="sv-SE" dirty="0" err="1" smtClean="0"/>
+              <a:t>What</a:t>
+            </a:r>
+            <a:r>
               <a:rPr lang="sv-SE" dirty="0" smtClean="0"/>
-              <a:t>ASP.NET </a:t>
+              <a:t> </a:t>
+            </a:r>
+            <a:r>
+              <a:rPr lang="sv-SE" dirty="0" err="1" smtClean="0"/>
+              <a:t>was</a:t>
+            </a:r>
+            <a:r>
+              <a:rPr lang="sv-SE" dirty="0" smtClean="0"/>
+              <a:t> </a:t>
+            </a:r>
+            <a:r>
+              <a:rPr lang="sv-SE" dirty="0" err="1" smtClean="0"/>
+              <a:t>before</a:t>
+            </a:r>
+            <a:r>
+              <a:rPr lang="sv-SE" dirty="0" smtClean="0"/>
+              <a:t> ASP.NET </a:t>
             </a:r>
             <a:r>
               <a:rPr lang="sv-SE" dirty="0" err="1" smtClean="0"/>
               <a:t>Identity</a:t>
             </a:r>
+            <a:r>
+              <a:rPr lang="sv-SE" dirty="0" smtClean="0"/>
+              <a:t>?</a:t>
+            </a:r>
             <a:endParaRPr lang="en-GB" dirty="0"/>
           </a:p>
         </p:txBody>
       </p:sp>
-      <p:sp>
-        <p:nvSpPr>
-          <p:cNvPr id="3" name="Platshållare för innehåll 2"/>
-          <p:cNvSpPr>
-            <a:spLocks noGrp="1"/>
-          </p:cNvSpPr>
+      <p:graphicFrame>
+        <p:nvGraphicFramePr>
+          <p:cNvPr id="5" name="Platshållare för innehåll 4"/>
+          <p:cNvGraphicFramePr>
+            <a:graphicFrameLocks noGrp="1"/>
+          </p:cNvGraphicFramePr>
           <p:nvPr>
             <p:ph idx="1"/>
-          </p:nvPr>
-        </p:nvSpPr>
-        <p:spPr/>
-        <p:txBody>
-          <a:bodyPr/>
-          <a:lstStyle/>
-          <a:p>
-            <a:pPr marL="0" indent="0">
-              <a:buNone/>
-            </a:pPr>
-            <a:endParaRPr lang="sv-SE" dirty="0" smtClean="0"/>
-          </a:p>
-          <a:p>
-            <a:pPr marL="0" indent="0">
-              <a:buNone/>
-            </a:pPr>
-            <a:endParaRPr lang="sv-SE" dirty="0"/>
-          </a:p>
-          <a:p>
-            <a:pPr marL="0" indent="0">
-              <a:buNone/>
-            </a:pPr>
-            <a:endParaRPr lang="sv-SE" dirty="0" smtClean="0"/>
-          </a:p>
-          <a:p>
-            <a:pPr marL="0" indent="0" algn="ctr">
-              <a:buNone/>
-            </a:pPr>
-            <a:r>
-              <a:rPr lang="sv-SE" sz="3200" dirty="0" err="1" smtClean="0"/>
-              <a:t>What</a:t>
-            </a:r>
-            <a:r>
-              <a:rPr lang="sv-SE" sz="3200" dirty="0" smtClean="0"/>
-              <a:t> </a:t>
-            </a:r>
-            <a:r>
-              <a:rPr lang="sv-SE" sz="3200" dirty="0" err="1" smtClean="0"/>
-              <a:t>was</a:t>
-            </a:r>
-            <a:r>
-              <a:rPr lang="sv-SE" sz="3200" dirty="0" smtClean="0"/>
-              <a:t> </a:t>
-            </a:r>
-            <a:r>
-              <a:rPr lang="sv-SE" sz="3200" dirty="0" err="1" smtClean="0"/>
-              <a:t>before</a:t>
-            </a:r>
-            <a:r>
-              <a:rPr lang="sv-SE" sz="3200" dirty="0" smtClean="0"/>
-              <a:t> ASP.NET </a:t>
-            </a:r>
-            <a:r>
-              <a:rPr lang="sv-SE" sz="3200" dirty="0" err="1" smtClean="0"/>
-              <a:t>Identity</a:t>
-            </a:r>
-            <a:r>
-              <a:rPr lang="sv-SE" sz="3200" dirty="0" smtClean="0"/>
-              <a:t>?</a:t>
-            </a:r>
-            <a:endParaRPr lang="en-GB" sz="3200" dirty="0"/>
-          </a:p>
-        </p:txBody>
-      </p:sp>
+            <p:extLst>
+              <p:ext uri="{D42A27DB-BD31-4B8C-83A1-F6EECF244321}">
+                <p14:modId xmlns:p14="http://schemas.microsoft.com/office/powerpoint/2010/main" val="2839272457"/>
+              </p:ext>
+            </p:extLst>
+          </p:nvPr>
+        </p:nvGraphicFramePr>
+        <p:xfrm>
+          <a:off x="457200" y="1600200"/>
+          <a:ext cx="8229600" cy="4525963"/>
+        </p:xfrm>
+        <a:graphic>
+          <a:graphicData uri="http://schemas.openxmlformats.org/drawingml/2006/diagram">
+            <dgm:relIds xmlns:dgm="http://schemas.openxmlformats.org/drawingml/2006/diagram" xmlns:r="http://schemas.openxmlformats.org/officeDocument/2006/relationships" r:dm="rId3" r:lo="rId4" r:qs="rId5" r:cs="rId6"/>
+          </a:graphicData>
+        </a:graphic>
+      </p:graphicFrame>
     </p:spTree>
     <p:extLst>
       <p:ext uri="{BB962C8B-B14F-4D97-AF65-F5344CB8AC3E}">
-        <p14:creationId xmlns:p14="http://schemas.microsoft.com/office/powerpoint/2010/main" val="3053491868"/>
+        <p14:creationId xmlns:p14="http://schemas.microsoft.com/office/powerpoint/2010/main" val="962914284"/>
       </p:ext>
     </p:extLst>
   </p:cSld>
@@ -8197,35 +8325,182 @@
           </a:p>
         </p:txBody>
       </p:sp>
-      <p:graphicFrame>
-        <p:nvGraphicFramePr>
-          <p:cNvPr id="5" name="Platshållare för innehåll 4"/>
-          <p:cNvGraphicFramePr>
-            <a:graphicFrameLocks noGrp="1"/>
-          </p:cNvGraphicFramePr>
+      <p:sp>
+        <p:nvSpPr>
+          <p:cNvPr id="3" name="Platshållare för innehåll 2"/>
+          <p:cNvSpPr>
+            <a:spLocks noGrp="1"/>
+          </p:cNvSpPr>
           <p:nvPr>
             <p:ph idx="1"/>
-            <p:extLst>
-              <p:ext uri="{D42A27DB-BD31-4B8C-83A1-F6EECF244321}">
-                <p14:modId xmlns:p14="http://schemas.microsoft.com/office/powerpoint/2010/main" val="2839272457"/>
-              </p:ext>
-            </p:extLst>
-          </p:nvPr>
-        </p:nvGraphicFramePr>
-        <p:xfrm>
-          <a:off x="457200" y="1600200"/>
-          <a:ext cx="8229600" cy="4525963"/>
-        </p:xfrm>
-        <a:graphic>
-          <a:graphicData uri="http://schemas.openxmlformats.org/drawingml/2006/diagram">
-            <dgm:relIds xmlns:dgm="http://schemas.openxmlformats.org/drawingml/2006/diagram" xmlns:r="http://schemas.openxmlformats.org/officeDocument/2006/relationships" r:dm="rId2" r:lo="rId3" r:qs="rId4" r:cs="rId5"/>
-          </a:graphicData>
-        </a:graphic>
-      </p:graphicFrame>
+          </p:nvPr>
+        </p:nvSpPr>
+        <p:spPr>
+          <a:xfrm>
+            <a:off x="228828" y="1196752"/>
+            <a:ext cx="8686343" cy="4857403"/>
+          </a:xfrm>
+        </p:spPr>
+        <p:txBody>
+          <a:bodyPr/>
+          <a:lstStyle/>
+          <a:p>
+            <a:pPr marL="0" indent="0">
+              <a:buNone/>
+            </a:pPr>
+            <a:r>
+              <a:rPr lang="en-US" sz="3200" b="1" dirty="0" smtClean="0"/>
+              <a:t>General flaws with the previous security libraries. </a:t>
+            </a:r>
+          </a:p>
+          <a:p>
+            <a:pPr marL="0" indent="0">
+              <a:buNone/>
+            </a:pPr>
+            <a:endParaRPr lang="en-US" dirty="0" smtClean="0"/>
+          </a:p>
+          <a:p>
+            <a:r>
+              <a:rPr lang="en-US" sz="2400" dirty="0" smtClean="0"/>
+              <a:t>Difficulties adding custom data to the database  </a:t>
+            </a:r>
+          </a:p>
+          <a:p>
+            <a:r>
+              <a:rPr lang="en-US" sz="2400" dirty="0" smtClean="0"/>
+              <a:t>No longer up to date with todays security standards</a:t>
+            </a:r>
+          </a:p>
+          <a:p>
+            <a:pPr lvl="1"/>
+            <a:r>
+              <a:rPr lang="en-US" sz="2000" dirty="0"/>
+              <a:t>Not using modern password storage techniques </a:t>
+            </a:r>
+          </a:p>
+          <a:p>
+            <a:pPr lvl="1"/>
+            <a:r>
+              <a:rPr lang="en-US" sz="2000" dirty="0" smtClean="0"/>
+              <a:t>Does not support two-factor authentication</a:t>
+            </a:r>
+          </a:p>
+          <a:p>
+            <a:pPr lvl="1"/>
+            <a:r>
+              <a:rPr lang="en-US" sz="2000" dirty="0" smtClean="0"/>
+              <a:t>Does not support claims-based authentication</a:t>
+            </a:r>
+          </a:p>
+          <a:p>
+            <a:pPr marL="0" indent="0">
+              <a:buNone/>
+            </a:pPr>
+            <a:endParaRPr lang="en-US" sz="2400" dirty="0"/>
+          </a:p>
+        </p:txBody>
+      </p:sp>
+      <p:sp>
+        <p:nvSpPr>
+          <p:cNvPr id="4" name="Rektangel 3"/>
+          <p:cNvSpPr/>
+          <p:nvPr/>
+        </p:nvSpPr>
+        <p:spPr>
+          <a:xfrm>
+            <a:off x="252923" y="4653135"/>
+            <a:ext cx="8647097" cy="1080121"/>
+          </a:xfrm>
+          <a:prstGeom prst="rect">
+            <a:avLst/>
+          </a:prstGeom>
+          <a:solidFill>
+            <a:schemeClr val="accent3">
+              <a:lumMod val="60000"/>
+              <a:lumOff val="40000"/>
+            </a:schemeClr>
+          </a:solidFill>
+          <a:ln>
+            <a:solidFill>
+              <a:srgbClr val="77933C"/>
+            </a:solidFill>
+          </a:ln>
+        </p:spPr>
+        <p:style>
+          <a:lnRef idx="2">
+            <a:schemeClr val="accent1">
+              <a:shade val="50000"/>
+            </a:schemeClr>
+          </a:lnRef>
+          <a:fillRef idx="1">
+            <a:schemeClr val="accent1"/>
+          </a:fillRef>
+          <a:effectRef idx="0">
+            <a:schemeClr val="accent1"/>
+          </a:effectRef>
+          <a:fontRef idx="minor">
+            <a:schemeClr val="lt1"/>
+          </a:fontRef>
+        </p:style>
+        <p:txBody>
+          <a:bodyPr rtlCol="0" anchor="ctr"/>
+          <a:lstStyle/>
+          <a:p>
+            <a:pPr algn="ctr"/>
+            <a:endParaRPr lang="en-US" dirty="0" smtClean="0"/>
+          </a:p>
+          <a:p>
+            <a:pPr algn="ctr"/>
+            <a:r>
+              <a:rPr lang="en-US" sz="2400" dirty="0" smtClean="0">
+                <a:solidFill>
+                  <a:schemeClr val="tx1"/>
+                </a:solidFill>
+              </a:rPr>
+              <a:t>Think twice about using membership and simplemembership </a:t>
+            </a:r>
+            <a:endParaRPr lang="en-US" sz="2400" dirty="0">
+              <a:solidFill>
+                <a:schemeClr val="tx1"/>
+              </a:solidFill>
+            </a:endParaRPr>
+          </a:p>
+          <a:p>
+            <a:pPr algn="ctr"/>
+            <a:r>
+              <a:rPr lang="en-US" dirty="0" smtClean="0">
+                <a:hlinkClick r:id="rId2"/>
+              </a:rPr>
+              <a:t>http</a:t>
+            </a:r>
+            <a:r>
+              <a:rPr lang="en-US" dirty="0">
+                <a:hlinkClick r:id="rId2"/>
+              </a:rPr>
+              <a:t>://brockallen.com/2012/09/02/think-twice-about-using-membershipprovider-and-simplemembership</a:t>
+            </a:r>
+            <a:r>
+              <a:rPr lang="en-US" dirty="0" smtClean="0">
+                <a:hlinkClick r:id="rId2"/>
+              </a:rPr>
+              <a:t>/</a:t>
+            </a:r>
+            <a:r>
+              <a:rPr lang="en-US" dirty="0" smtClean="0"/>
+              <a:t>  </a:t>
+            </a:r>
+            <a:endParaRPr lang="en-US" dirty="0"/>
+          </a:p>
+          <a:p>
+            <a:pPr algn="ctr"/>
+            <a:endParaRPr lang="en-US" dirty="0"/>
+          </a:p>
+        </p:txBody>
+      </p:sp>
     </p:spTree>
     <p:extLst>
       <p:ext uri="{BB962C8B-B14F-4D97-AF65-F5344CB8AC3E}">
-        <p14:creationId xmlns:p14="http://schemas.microsoft.com/office/powerpoint/2010/main" val="962914284"/>
+        <p14:creationId xmlns:p14="http://schemas.microsoft.com/office/powerpoint/2010/main" val="1688463284"/>
       </p:ext>
     </p:extLst>
   </p:cSld>
@@ -8268,35 +8543,35 @@
           <a:lstStyle/>
           <a:p>
             <a:r>
-              <a:rPr lang="sv-SE" dirty="0" err="1" smtClean="0"/>
+              <a:rPr lang="sv-SE" dirty="0" err="1"/>
               <a:t>What</a:t>
             </a:r>
             <a:r>
-              <a:rPr lang="sv-SE" dirty="0" smtClean="0"/>
+              <a:rPr lang="sv-SE" dirty="0"/>
               <a:t> </a:t>
             </a:r>
             <a:r>
-              <a:rPr lang="sv-SE" dirty="0" err="1" smtClean="0"/>
+              <a:rPr lang="sv-SE" dirty="0" err="1"/>
               <a:t>was</a:t>
             </a:r>
             <a:r>
-              <a:rPr lang="sv-SE" dirty="0" smtClean="0"/>
+              <a:rPr lang="sv-SE" dirty="0"/>
               <a:t> </a:t>
             </a:r>
             <a:r>
-              <a:rPr lang="sv-SE" dirty="0" err="1" smtClean="0"/>
+              <a:rPr lang="sv-SE" dirty="0" err="1"/>
               <a:t>before</a:t>
             </a:r>
             <a:r>
-              <a:rPr lang="sv-SE" dirty="0" smtClean="0"/>
+              <a:rPr lang="sv-SE" dirty="0"/>
               <a:t> ASP.NET </a:t>
             </a:r>
             <a:r>
-              <a:rPr lang="sv-SE" dirty="0" err="1" smtClean="0"/>
+              <a:rPr lang="sv-SE" dirty="0" err="1"/>
               <a:t>Identity</a:t>
             </a:r>
             <a:r>
-              <a:rPr lang="sv-SE" dirty="0" smtClean="0"/>
+              <a:rPr lang="sv-SE" dirty="0"/>
               <a:t>?</a:t>
             </a:r>
             <a:endParaRPr lang="en-GB" dirty="0"/>
@@ -8313,14 +8588,11 @@
             <p:ph idx="1"/>
           </p:nvPr>
         </p:nvSpPr>
-        <p:spPr>
-          <a:xfrm>
-            <a:off x="228828" y="1196752"/>
-            <a:ext cx="8686343" cy="4857403"/>
-          </a:xfrm>
-        </p:spPr>
-        <p:txBody>
-          <a:bodyPr/>
+        <p:spPr/>
+        <p:txBody>
+          <a:bodyPr>
+            <a:normAutofit/>
+          </a:bodyPr>
           <a:lstStyle/>
           <a:p>
             <a:pPr marL="0" indent="0">
@@ -8328,151 +8600,58 @@
             </a:pPr>
             <a:r>
               <a:rPr lang="en-US" sz="3200" b="1" dirty="0" smtClean="0"/>
-              <a:t>General flaws with the previous security libraries. </a:t>
+              <a:t>ASP.NET Membership</a:t>
             </a:r>
           </a:p>
           <a:p>
             <a:pPr marL="0" indent="0">
               <a:buNone/>
             </a:pPr>
-            <a:endParaRPr lang="en-US" dirty="0" smtClean="0"/>
+            <a:endParaRPr lang="en-US" sz="3200" dirty="0" smtClean="0"/>
           </a:p>
           <a:p>
             <a:r>
               <a:rPr lang="en-US" sz="2400" dirty="0" smtClean="0"/>
-              <a:t>Difficulties adding custom data to the database  </a:t>
+              <a:t>Forms based authentication.</a:t>
             </a:r>
           </a:p>
           <a:p>
             <a:r>
               <a:rPr lang="en-US" sz="2400" dirty="0" smtClean="0"/>
-              <a:t>No longer up to date with todays security standards</a:t>
-            </a:r>
-          </a:p>
-          <a:p>
-            <a:pPr lvl="1"/>
-            <a:r>
-              <a:rPr lang="en-US" sz="2000" dirty="0"/>
-              <a:t>Not using modern password storage techniques </a:t>
-            </a:r>
-          </a:p>
-          <a:p>
-            <a:pPr lvl="1"/>
-            <a:r>
-              <a:rPr lang="en-US" sz="2000" dirty="0" smtClean="0"/>
-              <a:t>Does not support two-factor authentication</a:t>
-            </a:r>
-          </a:p>
-          <a:p>
-            <a:pPr lvl="1"/>
-            <a:r>
-              <a:rPr lang="en-US" sz="2000" dirty="0" smtClean="0"/>
-              <a:t>Does not support claims-based </a:t>
-            </a:r>
-            <a:r>
-              <a:rPr lang="en-US" sz="2000" dirty="0" smtClean="0"/>
-              <a:t>authentication</a:t>
-            </a:r>
-            <a:endParaRPr lang="en-US" sz="2000" dirty="0" smtClean="0"/>
-          </a:p>
-          <a:p>
-            <a:pPr marL="0" indent="0">
-              <a:buNone/>
-            </a:pPr>
+              <a:t>Designed with only SQL servers in mind.</a:t>
+            </a:r>
+          </a:p>
+          <a:p>
+            <a:r>
+              <a:rPr lang="en-US" sz="2400" dirty="0" smtClean="0"/>
+              <a:t>No Owin integration.</a:t>
+            </a:r>
+          </a:p>
+          <a:p>
+            <a:r>
+              <a:rPr lang="en-US" sz="2400" dirty="0" smtClean="0"/>
+              <a:t>No social login providers.</a:t>
+            </a:r>
+          </a:p>
+          <a:p>
+            <a:r>
+              <a:rPr lang="en-US" sz="2400" dirty="0" smtClean="0"/>
+              <a:t>Difficult to customize user information</a:t>
+            </a:r>
+          </a:p>
+          <a:p>
+            <a:r>
+              <a:rPr lang="en-US" sz="2400" dirty="0" smtClean="0"/>
+              <a:t>Does not follow SRP (Single Responsibility Principle)</a:t>
+            </a:r>
             <a:endParaRPr lang="en-US" sz="2400" dirty="0"/>
-          </a:p>
-        </p:txBody>
-      </p:sp>
-      <p:sp>
-        <p:nvSpPr>
-          <p:cNvPr id="4" name="Rektangel 3"/>
-          <p:cNvSpPr/>
-          <p:nvPr/>
-        </p:nvSpPr>
-        <p:spPr>
-          <a:xfrm>
-            <a:off x="252923" y="4653135"/>
-            <a:ext cx="8647097" cy="1080121"/>
-          </a:xfrm>
-          <a:prstGeom prst="rect">
-            <a:avLst/>
-          </a:prstGeom>
-          <a:solidFill>
-            <a:srgbClr val="77933C"/>
-          </a:solidFill>
-          <a:ln>
-            <a:solidFill>
-              <a:srgbClr val="77933C"/>
-            </a:solidFill>
-          </a:ln>
-        </p:spPr>
-        <p:style>
-          <a:lnRef idx="2">
-            <a:schemeClr val="accent1">
-              <a:shade val="50000"/>
-            </a:schemeClr>
-          </a:lnRef>
-          <a:fillRef idx="1">
-            <a:schemeClr val="accent1"/>
-          </a:fillRef>
-          <a:effectRef idx="0">
-            <a:schemeClr val="accent1"/>
-          </a:effectRef>
-          <a:fontRef idx="minor">
-            <a:schemeClr val="lt1"/>
-          </a:fontRef>
-        </p:style>
-        <p:txBody>
-          <a:bodyPr rtlCol="0" anchor="ctr"/>
-          <a:lstStyle/>
-          <a:p>
-            <a:pPr algn="ctr"/>
-            <a:endParaRPr lang="en-US" dirty="0" smtClean="0"/>
-          </a:p>
-          <a:p>
-            <a:pPr algn="ctr"/>
-            <a:r>
-              <a:rPr lang="en-US" sz="2400" dirty="0" smtClean="0"/>
-              <a:t>Think twice about using membership and simplemembership </a:t>
-            </a:r>
-            <a:endParaRPr lang="en-US" sz="2400" dirty="0"/>
-          </a:p>
-          <a:p>
-            <a:pPr algn="ctr"/>
-            <a:r>
-              <a:rPr lang="en-US" dirty="0" smtClean="0">
-                <a:hlinkClick r:id="rId2"/>
-              </a:rPr>
-              <a:t>http</a:t>
-            </a:r>
-            <a:r>
-              <a:rPr lang="en-US" dirty="0">
-                <a:hlinkClick r:id="rId2"/>
-              </a:rPr>
-              <a:t>://brockallen.com/2012/09/02/think-twice-about-using-membershipprovider-and-simplemembership</a:t>
-            </a:r>
-            <a:r>
-              <a:rPr lang="en-US" dirty="0" smtClean="0">
-                <a:hlinkClick r:id="rId2"/>
-              </a:rPr>
-              <a:t>/</a:t>
-            </a:r>
-            <a:r>
-              <a:rPr lang="en-US" dirty="0" smtClean="0"/>
-              <a:t>  </a:t>
-            </a:r>
-            <a:endParaRPr lang="en-US" dirty="0"/>
-          </a:p>
-          <a:p>
-            <a:pPr algn="ctr"/>
-            <a:endParaRPr lang="en-US" dirty="0"/>
           </a:p>
         </p:txBody>
       </p:sp>
     </p:spTree>
     <p:extLst>
       <p:ext uri="{BB962C8B-B14F-4D97-AF65-F5344CB8AC3E}">
-        <p14:creationId xmlns:p14="http://schemas.microsoft.com/office/powerpoint/2010/main" val="1688463284"/>
+        <p14:creationId xmlns:p14="http://schemas.microsoft.com/office/powerpoint/2010/main" val="1268053641"/>
       </p:ext>
     </p:extLst>
   </p:cSld>
@@ -8572,7 +8751,7 @@
             </a:pPr>
             <a:r>
               <a:rPr lang="en-US" sz="3200" b="1" dirty="0" smtClean="0"/>
-              <a:t>ASP.NET Membership</a:t>
+              <a:t>ASP.NET Simple Membership</a:t>
             </a:r>
           </a:p>
           <a:p>
@@ -8584,37 +8763,44 @@
           <a:p>
             <a:r>
               <a:rPr lang="en-US" sz="2400" dirty="0" smtClean="0"/>
-              <a:t>Forms based authentication.</a:t>
+              <a:t>Built upon ASP.NET Membership</a:t>
             </a:r>
           </a:p>
           <a:p>
             <a:r>
               <a:rPr lang="en-US" sz="2400" dirty="0" smtClean="0"/>
-              <a:t>Designed with only SQL servers in mind.</a:t>
+              <a:t>Designed for ASP.NET MVC</a:t>
             </a:r>
           </a:p>
           <a:p>
             <a:r>
               <a:rPr lang="en-US" sz="2400" dirty="0" smtClean="0"/>
-              <a:t>No Owin integration.</a:t>
-            </a:r>
-          </a:p>
-          <a:p>
+              <a:t>Supports </a:t>
+            </a:r>
+            <a:r>
+              <a:rPr lang="en-US" sz="2400" dirty="0" err="1" smtClean="0"/>
+              <a:t>Oauth</a:t>
+            </a:r>
             <a:r>
               <a:rPr lang="en-US" sz="2400" dirty="0" smtClean="0"/>
-              <a:t>No social login providers.</a:t>
-            </a:r>
+              <a:t>/</a:t>
+            </a:r>
+            <a:r>
+              <a:rPr lang="en-US" sz="2400" dirty="0" err="1" smtClean="0"/>
+              <a:t>OpenId</a:t>
+            </a:r>
+            <a:endParaRPr lang="en-US" sz="2400" dirty="0" smtClean="0"/>
           </a:p>
           <a:p>
             <a:r>
               <a:rPr lang="en-US" sz="2400" dirty="0" smtClean="0"/>
-              <a:t>Difficult to customize user information</a:t>
+              <a:t>Tied to Microsoft databases (SQL)</a:t>
             </a:r>
           </a:p>
           <a:p>
             <a:r>
               <a:rPr lang="en-US" sz="2400" dirty="0" smtClean="0"/>
-              <a:t>Does not follow SRP (Single Responsibility Principle)</a:t>
+              <a:t>Does not follow SRP</a:t>
             </a:r>
             <a:endParaRPr lang="en-US" sz="2400" dirty="0"/>
           </a:p>
@@ -8623,7 +8809,7 @@
     </p:spTree>
     <p:extLst>
       <p:ext uri="{BB962C8B-B14F-4D97-AF65-F5344CB8AC3E}">
-        <p14:creationId xmlns:p14="http://schemas.microsoft.com/office/powerpoint/2010/main" val="1268053641"/>
+        <p14:creationId xmlns:p14="http://schemas.microsoft.com/office/powerpoint/2010/main" val="905685807"/>
       </p:ext>
     </p:extLst>
   </p:cSld>
@@ -8723,7 +8909,7 @@
             </a:pPr>
             <a:r>
               <a:rPr lang="en-US" sz="3200" b="1" dirty="0" smtClean="0"/>
-              <a:t>ASP.NET Simple Membership</a:t>
+              <a:t>ASP.NET Identity 1.0</a:t>
             </a:r>
           </a:p>
           <a:p>
@@ -8735,44 +8921,62 @@
           <a:p>
             <a:r>
               <a:rPr lang="en-US" sz="2400" dirty="0" smtClean="0"/>
-              <a:t>Built upon ASP.NET Membership</a:t>
-            </a:r>
-          </a:p>
-          <a:p>
+              <a:t>Released </a:t>
+            </a:r>
             <a:r>
               <a:rPr lang="en-US" sz="2400" dirty="0" smtClean="0"/>
-              <a:t>Designed for ASP.NET MVC</a:t>
-            </a:r>
+              <a:t>in 2013</a:t>
+            </a:r>
+            <a:endParaRPr lang="en-US" sz="2400" dirty="0" smtClean="0"/>
           </a:p>
           <a:p>
             <a:r>
               <a:rPr lang="en-US" sz="2400" dirty="0" smtClean="0"/>
-              <a:t>Supports </a:t>
+              <a:t>Simple &amp; flexible </a:t>
+            </a:r>
+            <a:r>
+              <a:rPr lang="en-US" sz="2400" dirty="0" smtClean="0"/>
+              <a:t>way to store and handle user data</a:t>
+            </a:r>
+          </a:p>
+          <a:p>
+            <a:r>
+              <a:rPr lang="en-US" sz="2400" dirty="0" smtClean="0"/>
+              <a:t>Supports Roles &amp; Claims</a:t>
+            </a:r>
+            <a:endParaRPr lang="en-US" sz="2400" dirty="0" smtClean="0"/>
+          </a:p>
+          <a:p>
+            <a:r>
+              <a:rPr lang="en-US" sz="2400" dirty="0" smtClean="0"/>
+              <a:t>Social </a:t>
+            </a:r>
+            <a:r>
+              <a:rPr lang="en-US" sz="2400" dirty="0" smtClean="0"/>
+              <a:t>Login </a:t>
+            </a:r>
+            <a:r>
+              <a:rPr lang="en-US" sz="2400" dirty="0" smtClean="0"/>
+              <a:t>Providers using </a:t>
             </a:r>
             <a:r>
               <a:rPr lang="en-US" sz="2400" dirty="0" err="1" smtClean="0"/>
               <a:t>Oauth</a:t>
             </a:r>
+            <a:endParaRPr lang="en-US" sz="2400" dirty="0" smtClean="0"/>
+          </a:p>
+          <a:p>
             <a:r>
               <a:rPr lang="en-US" sz="2400" dirty="0" smtClean="0"/>
-              <a:t>/</a:t>
-            </a:r>
-            <a:r>
-              <a:rPr lang="en-US" sz="2400" dirty="0" err="1" smtClean="0"/>
-              <a:t>OpenId</a:t>
-            </a:r>
-            <a:endParaRPr lang="en-US" sz="2400" dirty="0" smtClean="0"/>
-          </a:p>
-          <a:p>
+              <a:t>Requires</a:t>
+            </a:r>
             <a:r>
               <a:rPr lang="en-US" sz="2400" dirty="0" smtClean="0"/>
-              <a:t>Tied to Microsoft databases (SQL)</a:t>
-            </a:r>
-          </a:p>
-          <a:p>
+              <a:t> </a:t>
+            </a:r>
             <a:r>
               <a:rPr lang="en-US" sz="2400" dirty="0" smtClean="0"/>
-              <a:t>Does not follow SRP</a:t>
+              <a:t>.NET 4.5</a:t>
             </a:r>
             <a:endParaRPr lang="en-US" sz="2400" dirty="0"/>
           </a:p>
@@ -8781,7 +8985,7 @@
     </p:spTree>
     <p:extLst>
       <p:ext uri="{BB962C8B-B14F-4D97-AF65-F5344CB8AC3E}">
-        <p14:creationId xmlns:p14="http://schemas.microsoft.com/office/powerpoint/2010/main" val="905685807"/>
+        <p14:creationId xmlns:p14="http://schemas.microsoft.com/office/powerpoint/2010/main" val="2060103458"/>
       </p:ext>
     </p:extLst>
   </p:cSld>
@@ -8881,7 +9085,7 @@
             </a:pPr>
             <a:r>
               <a:rPr lang="en-US" sz="3200" b="1" dirty="0" smtClean="0"/>
-              <a:t>ASP.NET Identity 1.0</a:t>
+              <a:t>ASP.NET Identity 2.0</a:t>
             </a:r>
           </a:p>
           <a:p>
@@ -8893,37 +9097,46 @@
           <a:p>
             <a:r>
               <a:rPr lang="en-US" sz="2400" dirty="0" smtClean="0"/>
-              <a:t>Released 2013</a:t>
-            </a:r>
-          </a:p>
-          <a:p>
+              <a:t>Released </a:t>
+            </a:r>
             <a:r>
               <a:rPr lang="en-US" sz="2400" dirty="0" smtClean="0"/>
-              <a:t>Simple way to store and handle user data</a:t>
-            </a:r>
+              <a:t>in 2014</a:t>
+            </a:r>
+            <a:endParaRPr lang="en-US" sz="2400" dirty="0" smtClean="0"/>
           </a:p>
           <a:p>
             <a:r>
               <a:rPr lang="en-US" sz="2400" dirty="0" smtClean="0"/>
-              <a:t>Role provider</a:t>
+              <a:t>Security Token Provider</a:t>
             </a:r>
           </a:p>
           <a:p>
             <a:r>
               <a:rPr lang="en-US" sz="2400" dirty="0" smtClean="0"/>
-              <a:t>Claims based</a:t>
+              <a:t>Two-Factor authentication</a:t>
             </a:r>
           </a:p>
           <a:p>
             <a:r>
               <a:rPr lang="en-US" sz="2400" dirty="0" smtClean="0"/>
-              <a:t>Social Login Providers</a:t>
+              <a:t>Account confirmation (Email/SMS)</a:t>
             </a:r>
           </a:p>
           <a:p>
             <a:r>
               <a:rPr lang="en-US" sz="2400" dirty="0" smtClean="0"/>
-              <a:t>Support from .NET 4.5</a:t>
+              <a:t>Account lockout</a:t>
+            </a:r>
+          </a:p>
+          <a:p>
+            <a:r>
+              <a:rPr lang="en-US" sz="2400" dirty="0" smtClean="0"/>
+              <a:t>Password </a:t>
+            </a:r>
+            <a:r>
+              <a:rPr lang="en-US" sz="2400" dirty="0" smtClean="0"/>
+              <a:t>reset (Email/SMS)</a:t>
             </a:r>
             <a:endParaRPr lang="en-US" sz="2400" dirty="0"/>
           </a:p>
@@ -8932,7 +9145,7 @@
     </p:spTree>
     <p:extLst>
       <p:ext uri="{BB962C8B-B14F-4D97-AF65-F5344CB8AC3E}">
-        <p14:creationId xmlns:p14="http://schemas.microsoft.com/office/powerpoint/2010/main" val="2060103458"/>
+        <p14:creationId xmlns:p14="http://schemas.microsoft.com/office/powerpoint/2010/main" val="1187642867"/>
       </p:ext>
     </p:extLst>
   </p:cSld>
@@ -8975,261 +9188,6 @@
           <a:lstStyle/>
           <a:p>
             <a:r>
-              <a:rPr lang="sv-SE" dirty="0" err="1"/>
-              <a:t>What</a:t>
-            </a:r>
-            <a:r>
-              <a:rPr lang="sv-SE" dirty="0"/>
-              <a:t> </a:t>
-            </a:r>
-            <a:r>
-              <a:rPr lang="sv-SE" dirty="0" err="1"/>
-              <a:t>was</a:t>
-            </a:r>
-            <a:r>
-              <a:rPr lang="sv-SE" dirty="0"/>
-              <a:t> </a:t>
-            </a:r>
-            <a:r>
-              <a:rPr lang="sv-SE" dirty="0" err="1"/>
-              <a:t>before</a:t>
-            </a:r>
-            <a:r>
-              <a:rPr lang="sv-SE" dirty="0"/>
-              <a:t> ASP.NET </a:t>
-            </a:r>
-            <a:r>
-              <a:rPr lang="sv-SE" dirty="0" err="1"/>
-              <a:t>Identity</a:t>
-            </a:r>
-            <a:r>
-              <a:rPr lang="sv-SE" dirty="0"/>
-              <a:t>?</a:t>
-            </a:r>
-            <a:endParaRPr lang="en-GB" dirty="0"/>
-          </a:p>
-        </p:txBody>
-      </p:sp>
-      <p:sp>
-        <p:nvSpPr>
-          <p:cNvPr id="3" name="Platshållare för innehåll 2"/>
-          <p:cNvSpPr>
-            <a:spLocks noGrp="1"/>
-          </p:cNvSpPr>
-          <p:nvPr>
-            <p:ph idx="1"/>
-          </p:nvPr>
-        </p:nvSpPr>
-        <p:spPr/>
-        <p:txBody>
-          <a:bodyPr>
-            <a:normAutofit/>
-          </a:bodyPr>
-          <a:lstStyle/>
-          <a:p>
-            <a:pPr marL="0" indent="0">
-              <a:buNone/>
-            </a:pPr>
-            <a:r>
-              <a:rPr lang="en-US" sz="3200" b="1" dirty="0" smtClean="0"/>
-              <a:t>ASP.NET Identity 2.0</a:t>
-            </a:r>
-          </a:p>
-          <a:p>
-            <a:pPr marL="0" indent="0">
-              <a:buNone/>
-            </a:pPr>
-            <a:endParaRPr lang="en-US" sz="3200" dirty="0" smtClean="0"/>
-          </a:p>
-          <a:p>
-            <a:r>
-              <a:rPr lang="en-US" sz="2400" dirty="0" smtClean="0"/>
-              <a:t>Released 2014</a:t>
-            </a:r>
-          </a:p>
-          <a:p>
-            <a:r>
-              <a:rPr lang="en-US" sz="2400" dirty="0" smtClean="0"/>
-              <a:t>Security Token Provider</a:t>
-            </a:r>
-          </a:p>
-          <a:p>
-            <a:r>
-              <a:rPr lang="en-US" sz="2400" dirty="0" smtClean="0"/>
-              <a:t>Two-Factor authentication</a:t>
-            </a:r>
-          </a:p>
-          <a:p>
-            <a:r>
-              <a:rPr lang="en-US" sz="2400" dirty="0" smtClean="0"/>
-              <a:t>Account confirmation (Email/SMS)</a:t>
-            </a:r>
-          </a:p>
-          <a:p>
-            <a:r>
-              <a:rPr lang="en-US" sz="2400" dirty="0" smtClean="0"/>
-              <a:t>Account lockout</a:t>
-            </a:r>
-          </a:p>
-          <a:p>
-            <a:r>
-              <a:rPr lang="en-US" sz="2400" dirty="0" smtClean="0"/>
-              <a:t>Password reset</a:t>
-            </a:r>
-            <a:endParaRPr lang="en-US" sz="2400" dirty="0"/>
-          </a:p>
-        </p:txBody>
-      </p:sp>
-    </p:spTree>
-    <p:extLst>
-      <p:ext uri="{BB962C8B-B14F-4D97-AF65-F5344CB8AC3E}">
-        <p14:creationId xmlns:p14="http://schemas.microsoft.com/office/powerpoint/2010/main" val="1187642867"/>
-      </p:ext>
-    </p:extLst>
-  </p:cSld>
-  <p:clrMapOvr>
-    <a:masterClrMapping/>
-  </p:clrMapOvr>
-</p:sld>
-</file>
-
-<file path=ppt/slides/slide2.xml><?xml version="1.0" encoding="utf-8"?>
-<p:sld xmlns:a="http://schemas.openxmlformats.org/drawingml/2006/main" xmlns:r="http://schemas.openxmlformats.org/officeDocument/2006/relationships" xmlns:p="http://schemas.openxmlformats.org/presentationml/2006/main">
-  <p:cSld>
-    <p:spTree>
-      <p:nvGrpSpPr>
-        <p:cNvPr id="1" name=""/>
-        <p:cNvGrpSpPr/>
-        <p:nvPr/>
-      </p:nvGrpSpPr>
-      <p:grpSpPr>
-        <a:xfrm>
-          <a:off x="0" y="0"/>
-          <a:ext cx="0" cy="0"/>
-          <a:chOff x="0" y="0"/>
-          <a:chExt cx="0" cy="0"/>
-        </a:xfrm>
-      </p:grpSpPr>
-      <p:sp>
-        <p:nvSpPr>
-          <p:cNvPr id="2" name="Rubrik 1"/>
-          <p:cNvSpPr>
-            <a:spLocks noGrp="1"/>
-          </p:cNvSpPr>
-          <p:nvPr>
-            <p:ph type="title"/>
-          </p:nvPr>
-        </p:nvSpPr>
-        <p:spPr/>
-        <p:txBody>
-          <a:bodyPr/>
-          <a:lstStyle/>
-          <a:p>
-            <a:r>
-              <a:rPr lang="en-US" sz="2800" b="1" dirty="0" smtClean="0"/>
-              <a:t>ASP.NET Identity</a:t>
-            </a:r>
-            <a:endParaRPr lang="en-US" b="1" dirty="0"/>
-          </a:p>
-        </p:txBody>
-      </p:sp>
-      <p:sp>
-        <p:nvSpPr>
-          <p:cNvPr id="3" name="Platshållare för innehåll 2"/>
-          <p:cNvSpPr>
-            <a:spLocks noGrp="1"/>
-          </p:cNvSpPr>
-          <p:nvPr>
-            <p:ph idx="1"/>
-          </p:nvPr>
-        </p:nvSpPr>
-        <p:spPr>
-          <a:xfrm>
-            <a:off x="518864" y="1268760"/>
-            <a:ext cx="8229600" cy="4680520"/>
-          </a:xfrm>
-        </p:spPr>
-        <p:txBody>
-          <a:bodyPr>
-            <a:noAutofit/>
-          </a:bodyPr>
-          <a:lstStyle/>
-          <a:p>
-            <a:pPr marL="0" indent="0" algn="ctr">
-              <a:buNone/>
-            </a:pPr>
-            <a:endParaRPr lang="en-US" sz="3200" dirty="0" smtClean="0"/>
-          </a:p>
-          <a:p>
-            <a:pPr marL="0" indent="0" algn="ctr">
-              <a:buNone/>
-            </a:pPr>
-            <a:endParaRPr lang="en-US" sz="3200" dirty="0" smtClean="0"/>
-          </a:p>
-          <a:p>
-            <a:pPr marL="0" indent="0" algn="ctr">
-              <a:buNone/>
-            </a:pPr>
-            <a:r>
-              <a:rPr lang="en-US" sz="3200" dirty="0" smtClean="0"/>
-              <a:t>What is ASP.NET Identity?</a:t>
-            </a:r>
-          </a:p>
-        </p:txBody>
-      </p:sp>
-    </p:spTree>
-    <p:extLst>
-      <p:ext uri="{BB962C8B-B14F-4D97-AF65-F5344CB8AC3E}">
-        <p14:creationId xmlns:p14="http://schemas.microsoft.com/office/powerpoint/2010/main" val="3160323994"/>
-      </p:ext>
-    </p:extLst>
-  </p:cSld>
-  <p:clrMapOvr>
-    <a:masterClrMapping/>
-  </p:clrMapOvr>
-  <p:timing>
-    <p:tnLst>
-      <p:par>
-        <p:cTn id="1" dur="indefinite" restart="never" nodeType="tmRoot"/>
-      </p:par>
-    </p:tnLst>
-  </p:timing>
-</p:sld>
-</file>
-
-<file path=ppt/slides/slide20.xml><?xml version="1.0" encoding="utf-8"?>
-<p:sld xmlns:a="http://schemas.openxmlformats.org/drawingml/2006/main" xmlns:r="http://schemas.openxmlformats.org/officeDocument/2006/relationships" xmlns:p="http://schemas.openxmlformats.org/presentationml/2006/main">
-  <p:cSld>
-    <p:spTree>
-      <p:nvGrpSpPr>
-        <p:cNvPr id="1" name=""/>
-        <p:cNvGrpSpPr/>
-        <p:nvPr/>
-      </p:nvGrpSpPr>
-      <p:grpSpPr>
-        <a:xfrm>
-          <a:off x="0" y="0"/>
-          <a:ext cx="0" cy="0"/>
-          <a:chOff x="0" y="0"/>
-          <a:chExt cx="0" cy="0"/>
-        </a:xfrm>
-      </p:grpSpPr>
-      <p:sp>
-        <p:nvSpPr>
-          <p:cNvPr id="2" name="Rubrik 1"/>
-          <p:cNvSpPr>
-            <a:spLocks noGrp="1"/>
-          </p:cNvSpPr>
-          <p:nvPr>
-            <p:ph type="title"/>
-          </p:nvPr>
-        </p:nvSpPr>
-        <p:spPr/>
-        <p:txBody>
-          <a:bodyPr/>
-          <a:lstStyle/>
-          <a:p>
-            <a:r>
               <a:rPr lang="en-GB" dirty="0" smtClean="0"/>
               <a:t>Resources</a:t>
             </a:r>
@@ -9264,56 +9222,116 @@
               <a:buChar char="•"/>
             </a:pPr>
             <a:r>
-              <a:rPr lang="en-GB" sz="3200" dirty="0" smtClean="0"/>
+              <a:rPr lang="en-GB" dirty="0" smtClean="0"/>
               <a:t>ASP.NET official site </a:t>
-            </a:r>
-            <a:r>
-              <a:rPr lang="en-GB" dirty="0" smtClean="0"/>
-              <a:t/>
             </a:r>
             <a:br>
               <a:rPr lang="en-GB" dirty="0" smtClean="0"/>
             </a:br>
             <a:r>
-              <a:rPr lang="en-GB" u="sng" dirty="0">
+              <a:rPr lang="en-GB" sz="2000" u="sng" dirty="0">
                 <a:hlinkClick r:id="rId2"/>
               </a:rPr>
               <a:t>http://www.asp.net/identity</a:t>
             </a:r>
-            <a:endParaRPr lang="en-GB" dirty="0"/>
-          </a:p>
-          <a:p>
-            <a:r>
-              <a:rPr lang="en-GB" sz="3200" dirty="0" smtClean="0"/>
+            <a:endParaRPr lang="en-GB" sz="2000" dirty="0"/>
+          </a:p>
+          <a:p>
+            <a:r>
+              <a:rPr lang="en-GB" sz="2400" dirty="0" smtClean="0"/>
               <a:t>ASP.NET security forum</a:t>
             </a:r>
-            <a:r>
-              <a:rPr lang="en-GB" dirty="0" smtClean="0"/>
-              <a:t/>
-            </a:r>
             <a:br>
-              <a:rPr lang="en-GB" dirty="0" smtClean="0"/>
+              <a:rPr lang="en-GB" sz="2400" dirty="0" smtClean="0"/>
             </a:br>
             <a:r>
-              <a:rPr lang="en-US" sz="2400" dirty="0">
+              <a:rPr lang="en-US" sz="2000" dirty="0">
                 <a:hlinkClick r:id="rId3"/>
               </a:rPr>
               <a:t>http://</a:t>
             </a:r>
             <a:r>
-              <a:rPr lang="en-US" sz="2400" dirty="0" smtClean="0">
+              <a:rPr lang="en-US" sz="2000" dirty="0" smtClean="0">
                 <a:hlinkClick r:id="rId3"/>
               </a:rPr>
               <a:t>forums.asp.net/25.aspx/1?Security</a:t>
             </a:r>
-            <a:endParaRPr lang="en-US" sz="2400" dirty="0" smtClean="0"/>
-          </a:p>
-          <a:p>
-            <a:endParaRPr lang="en-GB" dirty="0" smtClean="0"/>
-          </a:p>
-          <a:p>
-            <a:r>
-              <a:rPr lang="en-GB" sz="3200" dirty="0" smtClean="0"/>
+            <a:endParaRPr lang="en-US" sz="2000" dirty="0" smtClean="0"/>
+          </a:p>
+          <a:p>
+            <a:r>
+              <a:rPr lang="en-US" sz="2400" dirty="0"/>
+              <a:t>Brock </a:t>
+            </a:r>
+            <a:r>
+              <a:rPr lang="en-US" sz="2400" dirty="0" smtClean="0"/>
+              <a:t>Allen (Blog)</a:t>
+            </a:r>
+            <a:r>
+              <a:rPr lang="en-US" sz="2400" dirty="0"/>
+              <a:t/>
+            </a:r>
+            <a:br>
+              <a:rPr lang="en-US" sz="2400" dirty="0"/>
+            </a:br>
+            <a:r>
+              <a:rPr lang="en-US" sz="2000" dirty="0">
+                <a:hlinkClick r:id="rId4"/>
+              </a:rPr>
+              <a:t>http://brockallen.com/category/asp-net-security</a:t>
+            </a:r>
+            <a:r>
+              <a:rPr lang="en-US" sz="2000" dirty="0" smtClean="0">
+                <a:hlinkClick r:id="rId4"/>
+              </a:rPr>
+              <a:t>/</a:t>
+            </a:r>
+            <a:r>
+              <a:rPr lang="en-US" sz="2000" dirty="0" smtClean="0"/>
+              <a:t> </a:t>
+            </a:r>
+          </a:p>
+          <a:p>
+            <a:r>
+              <a:rPr lang="en-US" sz="2400" dirty="0" smtClean="0"/>
+              <a:t>Dominick </a:t>
+            </a:r>
+            <a:r>
+              <a:rPr lang="en-US" sz="2400" dirty="0" err="1" smtClean="0"/>
+              <a:t>Baier</a:t>
+            </a:r>
+            <a:r>
+              <a:rPr lang="en-US" sz="2400" dirty="0" smtClean="0"/>
+              <a:t> (Blog) Mostly focused on Web-API</a:t>
+            </a:r>
+            <a:r>
+              <a:rPr lang="en-US" sz="2400" dirty="0"/>
+              <a:t/>
+            </a:r>
+            <a:br>
+              <a:rPr lang="en-US" sz="2400" dirty="0"/>
+            </a:br>
+            <a:r>
+              <a:rPr lang="en-US" sz="2400" dirty="0">
+                <a:hlinkClick r:id="rId5"/>
+              </a:rPr>
+              <a:t>http://leastprivilege.com/category/net-security</a:t>
+            </a:r>
+            <a:r>
+              <a:rPr lang="en-US" sz="2400" dirty="0" smtClean="0">
+                <a:hlinkClick r:id="rId5"/>
+              </a:rPr>
+              <a:t>/</a:t>
+            </a:r>
+            <a:r>
+              <a:rPr lang="en-US" sz="2400" dirty="0" smtClean="0"/>
+              <a:t> </a:t>
+            </a:r>
+            <a:endParaRPr lang="en-GB" sz="2400" dirty="0" smtClean="0"/>
+          </a:p>
+          <a:p>
+            <a:r>
+              <a:rPr lang="en-GB" sz="2400" dirty="0" smtClean="0"/>
               <a:t>Pro ASP.NET MVC 5 Platform</a:t>
             </a:r>
             <a:r>
@@ -9342,7 +9360,7 @@
           <p:nvPr/>
         </p:nvPicPr>
         <p:blipFill>
-          <a:blip r:embed="rId4" cstate="print">
+          <a:blip r:embed="rId6" cstate="print">
             <a:extLst>
               <a:ext uri="{28A0092B-C50C-407E-A947-70E740481C1C}">
                 <a14:useLocalDpi xmlns:a14="http://schemas.microsoft.com/office/drawing/2010/main" val="0"/>
@@ -9356,8 +9374,8 @@
         </p:blipFill>
         <p:spPr bwMode="auto">
           <a:xfrm>
-            <a:off x="971600" y="4005064"/>
-            <a:ext cx="1887113" cy="2324856"/>
+            <a:off x="395536" y="4653136"/>
+            <a:ext cx="1519693" cy="1872208"/>
           </a:xfrm>
           <a:prstGeom prst="rect">
             <a:avLst/>
@@ -9387,7 +9405,7 @@
 </p:sld>
 </file>
 
-<file path=ppt/slides/slide3.xml><?xml version="1.0" encoding="utf-8"?>
+<file path=ppt/slides/slide2.xml><?xml version="1.0" encoding="utf-8"?>
 <p:sld xmlns:a="http://schemas.openxmlformats.org/drawingml/2006/main" xmlns:r="http://schemas.openxmlformats.org/officeDocument/2006/relationships" xmlns:p="http://schemas.openxmlformats.org/presentationml/2006/main">
   <p:cSld>
     <p:spTree>
@@ -9449,8 +9467,8 @@
         </p:nvSpPr>
         <p:spPr>
           <a:xfrm>
-            <a:off x="518864" y="1268760"/>
-            <a:ext cx="8229600" cy="4680520"/>
+            <a:off x="323528" y="1268760"/>
+            <a:ext cx="8568952" cy="4680520"/>
           </a:xfrm>
         </p:spPr>
         <p:txBody>
@@ -9475,33 +9493,45 @@
           </a:p>
           <a:p>
             <a:r>
-              <a:rPr lang="en-US" dirty="0" smtClean="0"/>
-              <a:t>ASP.NET Identity is Simple </a:t>
-            </a:r>
-            <a:r>
-              <a:rPr lang="en-US" dirty="0" smtClean="0"/>
-              <a:t>membership </a:t>
-            </a:r>
-            <a:r>
-              <a:rPr lang="en-US" dirty="0" smtClean="0"/>
-              <a:t>successor.</a:t>
-            </a:r>
-          </a:p>
-          <a:p>
-            <a:r>
-              <a:rPr lang="en-US" dirty="0" smtClean="0"/>
+              <a:rPr lang="en-US" sz="2400" dirty="0" smtClean="0"/>
+              <a:t>Developed by Microsoft.</a:t>
+            </a:r>
+            <a:endParaRPr lang="en-US" sz="2400" dirty="0" smtClean="0"/>
+          </a:p>
+          <a:p>
+            <a:r>
+              <a:rPr lang="en-US" sz="2400" dirty="0" smtClean="0"/>
+              <a:t>ASP.NET Identity replaces the previous membership and security solutions.</a:t>
+            </a:r>
+            <a:endParaRPr lang="en-US" sz="2400" dirty="0" smtClean="0"/>
+          </a:p>
+          <a:p>
+            <a:r>
+              <a:rPr lang="en-US" sz="2400" dirty="0" smtClean="0"/>
               <a:t>ASP.NET Identity 2.0 was released in the spring 2014</a:t>
             </a:r>
           </a:p>
           <a:p>
             <a:r>
-              <a:rPr lang="en-US" dirty="0" smtClean="0"/>
-              <a:t>Works with ASP.NET MVC, Web API, Web Pages, SingleR and Web Forms.</a:t>
-            </a:r>
-          </a:p>
-          <a:p>
-            <a:r>
-              <a:rPr lang="en-US" dirty="0" smtClean="0"/>
+              <a:rPr lang="en-US" sz="2400" dirty="0" smtClean="0"/>
+              <a:t>Works with ASP.NET MVC, Web API, Web Pages, </a:t>
+            </a:r>
+            <a:r>
+              <a:rPr lang="en-US" sz="2400" dirty="0" err="1" smtClean="0"/>
+              <a:t>SignalR</a:t>
+            </a:r>
+            <a:r>
+              <a:rPr lang="en-US" sz="2400" dirty="0" smtClean="0"/>
+              <a:t> </a:t>
+            </a:r>
+            <a:r>
+              <a:rPr lang="en-US" sz="2400" dirty="0" smtClean="0"/>
+              <a:t>and Web Forms.</a:t>
+            </a:r>
+          </a:p>
+          <a:p>
+            <a:r>
+              <a:rPr lang="en-US" sz="2400" dirty="0" smtClean="0"/>
               <a:t>Compatible from .NET 4.5</a:t>
             </a:r>
           </a:p>
@@ -9572,6 +9602,136 @@
 </p:sld>
 </file>
 
+<file path=ppt/slides/slide3.xml><?xml version="1.0" encoding="utf-8"?>
+<p:sld xmlns:a="http://schemas.openxmlformats.org/drawingml/2006/main" xmlns:r="http://schemas.openxmlformats.org/officeDocument/2006/relationships" xmlns:p="http://schemas.openxmlformats.org/presentationml/2006/main">
+  <p:cSld>
+    <p:spTree>
+      <p:nvGrpSpPr>
+        <p:cNvPr id="1" name=""/>
+        <p:cNvGrpSpPr/>
+        <p:nvPr/>
+      </p:nvGrpSpPr>
+      <p:grpSpPr>
+        <a:xfrm>
+          <a:off x="0" y="0"/>
+          <a:ext cx="0" cy="0"/>
+          <a:chOff x="0" y="0"/>
+          <a:chExt cx="0" cy="0"/>
+        </a:xfrm>
+      </p:grpSpPr>
+      <p:sp>
+        <p:nvSpPr>
+          <p:cNvPr id="2" name="Rubrik 1"/>
+          <p:cNvSpPr>
+            <a:spLocks noGrp="1"/>
+          </p:cNvSpPr>
+          <p:nvPr>
+            <p:ph type="title"/>
+          </p:nvPr>
+        </p:nvSpPr>
+        <p:spPr>
+          <a:xfrm>
+            <a:off x="0" y="0"/>
+            <a:ext cx="9143086" cy="548797"/>
+          </a:xfrm>
+        </p:spPr>
+        <p:txBody>
+          <a:bodyPr>
+            <a:normAutofit/>
+          </a:bodyPr>
+          <a:lstStyle/>
+          <a:p>
+            <a:r>
+              <a:rPr lang="sv-SE" sz="2800" b="1" dirty="0" err="1" smtClean="0"/>
+              <a:t>What</a:t>
+            </a:r>
+            <a:r>
+              <a:rPr lang="sv-SE" sz="2800" b="1" dirty="0" smtClean="0"/>
+              <a:t> is ASP.NET </a:t>
+            </a:r>
+            <a:r>
+              <a:rPr lang="sv-SE" sz="2800" b="1" dirty="0" err="1" smtClean="0"/>
+              <a:t>Identity</a:t>
+            </a:r>
+            <a:r>
+              <a:rPr lang="sv-SE" sz="2800" b="1" dirty="0" smtClean="0"/>
+              <a:t>?</a:t>
+            </a:r>
+            <a:endParaRPr lang="en-GB" sz="2800" b="1" dirty="0"/>
+          </a:p>
+        </p:txBody>
+      </p:sp>
+      <p:sp>
+        <p:nvSpPr>
+          <p:cNvPr id="3" name="Platshållare för innehåll 2"/>
+          <p:cNvSpPr>
+            <a:spLocks noGrp="1"/>
+          </p:cNvSpPr>
+          <p:nvPr>
+            <p:ph idx="1"/>
+          </p:nvPr>
+        </p:nvSpPr>
+        <p:spPr>
+          <a:xfrm>
+            <a:off x="0" y="1124744"/>
+            <a:ext cx="9143086" cy="5040560"/>
+          </a:xfrm>
+        </p:spPr>
+        <p:txBody>
+          <a:bodyPr>
+            <a:normAutofit/>
+          </a:bodyPr>
+          <a:lstStyle/>
+          <a:p>
+            <a:pPr marL="0" lvl="0" indent="0" algn="ctr">
+              <a:buNone/>
+            </a:pPr>
+            <a:r>
+              <a:rPr lang="en-GB" sz="3200" dirty="0" smtClean="0"/>
+              <a:t>ASP.NET was developed to create a robust security solution which can cope with modern demands.</a:t>
+            </a:r>
+            <a:br>
+              <a:rPr lang="en-GB" sz="3200" dirty="0" smtClean="0"/>
+            </a:br>
+            <a:endParaRPr lang="en-GB" sz="3200" dirty="0"/>
+          </a:p>
+          <a:p>
+            <a:pPr marL="0" lvl="0" indent="0" algn="ctr">
+              <a:buNone/>
+            </a:pPr>
+            <a:r>
+              <a:rPr lang="en-GB" sz="3200" dirty="0" smtClean="0"/>
+              <a:t>It also relieves the developers from creating a new user management system for every new application.</a:t>
+            </a:r>
+            <a:endParaRPr lang="en-GB" sz="3200" dirty="0" smtClean="0"/>
+          </a:p>
+          <a:p>
+            <a:pPr marL="0" lvl="0" indent="0" algn="ctr">
+              <a:buNone/>
+            </a:pPr>
+            <a:endParaRPr lang="sv-SE" sz="3200" dirty="0"/>
+          </a:p>
+          <a:p>
+            <a:pPr marL="0" lvl="0" indent="0" algn="ctr">
+              <a:buNone/>
+            </a:pPr>
+            <a:endParaRPr lang="en-GB" sz="3200" dirty="0"/>
+          </a:p>
+        </p:txBody>
+      </p:sp>
+    </p:spTree>
+    <p:extLst>
+      <p:ext uri="{BB962C8B-B14F-4D97-AF65-F5344CB8AC3E}">
+        <p14:creationId xmlns:p14="http://schemas.microsoft.com/office/powerpoint/2010/main" val="2718685371"/>
+      </p:ext>
+    </p:extLst>
+  </p:cSld>
+  <p:clrMapOvr>
+    <a:masterClrMapping/>
+  </p:clrMapOvr>
+</p:sld>
+</file>
+
 <file path=ppt/slides/slide4.xml><?xml version="1.0" encoding="utf-8"?>
 <p:sld xmlns:a="http://schemas.openxmlformats.org/drawingml/2006/main" xmlns:r="http://schemas.openxmlformats.org/officeDocument/2006/relationships" xmlns:p="http://schemas.openxmlformats.org/presentationml/2006/main">
   <p:cSld>
@@ -9599,108 +9759,73 @@
             <p:ph type="title"/>
           </p:nvPr>
         </p:nvSpPr>
-        <p:spPr>
-          <a:xfrm>
-            <a:off x="0" y="0"/>
-            <a:ext cx="9143086" cy="548797"/>
-          </a:xfrm>
-        </p:spPr>
+        <p:spPr/>
+        <p:txBody>
+          <a:bodyPr>
+            <a:normAutofit fontScale="90000"/>
+          </a:bodyPr>
+          <a:lstStyle/>
+          <a:p>
+            <a:r>
+              <a:rPr lang="sv-SE" sz="3200" b="1" dirty="0" smtClean="0"/>
+              <a:t>ASP.NET </a:t>
+            </a:r>
+            <a:r>
+              <a:rPr lang="sv-SE" sz="3200" b="1" dirty="0" err="1" smtClean="0"/>
+              <a:t>Identity</a:t>
+            </a:r>
+            <a:endParaRPr lang="en-GB" dirty="0"/>
+          </a:p>
+        </p:txBody>
+      </p:sp>
+      <p:sp>
+        <p:nvSpPr>
+          <p:cNvPr id="3" name="Platshållare för innehåll 2"/>
+          <p:cNvSpPr>
+            <a:spLocks noGrp="1"/>
+          </p:cNvSpPr>
+          <p:nvPr>
+            <p:ph idx="1"/>
+          </p:nvPr>
+        </p:nvSpPr>
+        <p:spPr/>
         <p:txBody>
           <a:bodyPr>
             <a:normAutofit/>
           </a:bodyPr>
           <a:lstStyle/>
           <a:p>
-            <a:r>
-              <a:rPr lang="sv-SE" sz="2800" b="1" dirty="0" err="1" smtClean="0"/>
-              <a:t>What</a:t>
-            </a:r>
-            <a:r>
-              <a:rPr lang="sv-SE" sz="2800" b="1" dirty="0" smtClean="0"/>
-              <a:t> is ASP.NET </a:t>
-            </a:r>
-            <a:r>
-              <a:rPr lang="sv-SE" sz="2800" b="1" dirty="0" err="1" smtClean="0"/>
+            <a:pPr marL="0" indent="0" algn="ctr">
+              <a:buNone/>
+            </a:pPr>
+            <a:endParaRPr lang="sv-SE" sz="3200" dirty="0" smtClean="0"/>
+          </a:p>
+          <a:p>
+            <a:pPr marL="0" indent="0" algn="ctr">
+              <a:buNone/>
+            </a:pPr>
+            <a:endParaRPr lang="sv-SE" sz="3200" dirty="0" smtClean="0"/>
+          </a:p>
+          <a:p>
+            <a:pPr marL="0" indent="0" algn="ctr">
+              <a:buNone/>
+            </a:pPr>
+            <a:r>
+              <a:rPr lang="sv-SE" sz="3200" dirty="0" err="1" smtClean="0"/>
+              <a:t>Why</a:t>
+            </a:r>
+            <a:r>
+              <a:rPr lang="sv-SE" sz="3200" dirty="0" smtClean="0"/>
+              <a:t> ASP.NET </a:t>
+            </a:r>
+            <a:r>
+              <a:rPr lang="sv-SE" sz="3200" dirty="0" err="1" smtClean="0"/>
               <a:t>Identity</a:t>
             </a:r>
             <a:r>
-              <a:rPr lang="sv-SE" sz="2800" b="1" dirty="0" smtClean="0"/>
+              <a:rPr lang="sv-SE" sz="3200" dirty="0" smtClean="0"/>
               <a:t>?</a:t>
             </a:r>
-            <a:endParaRPr lang="en-GB" sz="2800" b="1" dirty="0"/>
-          </a:p>
-        </p:txBody>
-      </p:sp>
-      <p:sp>
-        <p:nvSpPr>
-          <p:cNvPr id="3" name="Platshållare för innehåll 2"/>
-          <p:cNvSpPr>
-            <a:spLocks noGrp="1"/>
-          </p:cNvSpPr>
-          <p:nvPr>
-            <p:ph idx="1"/>
-          </p:nvPr>
-        </p:nvSpPr>
-        <p:spPr>
-          <a:xfrm>
-            <a:off x="0" y="1124744"/>
-            <a:ext cx="9143086" cy="5040560"/>
-          </a:xfrm>
-        </p:spPr>
-        <p:txBody>
-          <a:bodyPr>
-            <a:normAutofit/>
-          </a:bodyPr>
-          <a:lstStyle/>
-          <a:p>
-            <a:pPr marL="0" lvl="0" indent="0" algn="ctr">
-              <a:buNone/>
-            </a:pPr>
-            <a:r>
-              <a:rPr lang="en-GB" sz="3200" dirty="0" smtClean="0"/>
-              <a:t>ASP.NET Identity was made to remove the need to develop a user management system for every new application.</a:t>
-            </a:r>
-          </a:p>
-          <a:p>
-            <a:pPr marL="0" lvl="0" indent="0" algn="ctr">
-              <a:buNone/>
-            </a:pPr>
-            <a:endParaRPr lang="en-GB" sz="3200" dirty="0"/>
-          </a:p>
-          <a:p>
-            <a:pPr marL="0" lvl="0" indent="0" algn="ctr">
-              <a:buNone/>
-            </a:pPr>
-            <a:r>
-              <a:rPr lang="en-GB" sz="3200" dirty="0" smtClean="0"/>
-              <a:t>Identity </a:t>
-            </a:r>
-            <a:r>
-              <a:rPr lang="en-GB" sz="3200" dirty="0" smtClean="0"/>
-              <a:t>is the replacer to the </a:t>
-            </a:r>
-            <a:r>
-              <a:rPr lang="en-GB" sz="3200" dirty="0" smtClean="0"/>
-              <a:t>previous security libraries.</a:t>
-            </a:r>
-            <a:endParaRPr lang="sv-SE" sz="3200" dirty="0"/>
-          </a:p>
-          <a:p>
-            <a:pPr marL="0" lvl="0" indent="0" algn="ctr">
-              <a:buNone/>
-            </a:pPr>
-            <a:endParaRPr lang="en-GB" sz="3200" dirty="0" smtClean="0"/>
-          </a:p>
-          <a:p>
-            <a:pPr marL="0" lvl="0" indent="0" algn="ctr">
-              <a:buNone/>
-            </a:pPr>
-            <a:endParaRPr lang="sv-SE" sz="3200" dirty="0"/>
-          </a:p>
-          <a:p>
-            <a:pPr marL="0" lvl="0" indent="0" algn="ctr">
-              <a:buNone/>
-            </a:pPr>
             <a:endParaRPr lang="en-GB" sz="3200" dirty="0"/>
           </a:p>
         </p:txBody>
@@ -9708,7 +9833,7 @@
     </p:spTree>
     <p:extLst>
       <p:ext uri="{BB962C8B-B14F-4D97-AF65-F5344CB8AC3E}">
-        <p14:creationId xmlns:p14="http://schemas.microsoft.com/office/powerpoint/2010/main" val="2718685371"/>
+        <p14:creationId xmlns:p14="http://schemas.microsoft.com/office/powerpoint/2010/main" val="1778838496"/>
       </p:ext>
     </p:extLst>
   </p:cSld>
@@ -9754,11 +9879,7 @@
           <a:p>
             <a:r>
               <a:rPr lang="sv-SE" sz="3200" b="1" dirty="0" smtClean="0"/>
-              <a:t>ASP.NET </a:t>
-            </a:r>
-            <a:r>
-              <a:rPr lang="sv-SE" sz="3200" b="1" dirty="0" err="1" smtClean="0"/>
-              <a:t>Identity</a:t>
+              <a:t>ASP.NET Identity</a:t>
             </a:r>
             <a:endParaRPr lang="en-GB" dirty="0"/>
           </a:p>
@@ -9774,52 +9895,106 @@
             <p:ph idx="1"/>
           </p:nvPr>
         </p:nvSpPr>
-        <p:spPr/>
+        <p:spPr>
+          <a:xfrm>
+            <a:off x="251520" y="1052736"/>
+            <a:ext cx="8568952" cy="5073427"/>
+          </a:xfrm>
+        </p:spPr>
         <p:txBody>
           <a:bodyPr>
-            <a:normAutofit/>
+            <a:normAutofit fontScale="92500" lnSpcReduction="10000"/>
           </a:bodyPr>
           <a:lstStyle/>
           <a:p>
-            <a:pPr marL="0" indent="0" algn="ctr">
+            <a:pPr marL="0" indent="0">
               <a:buNone/>
             </a:pPr>
-            <a:endParaRPr lang="sv-SE" sz="3200" dirty="0" smtClean="0"/>
-          </a:p>
-          <a:p>
-            <a:pPr marL="0" indent="0" algn="ctr">
+            <a:r>
+              <a:rPr lang="en-US" sz="3200" dirty="0" smtClean="0"/>
+              <a:t>ASP.NET Identity is the </a:t>
+            </a:r>
+            <a:r>
+              <a:rPr lang="en-US" sz="3200" dirty="0" smtClean="0"/>
+              <a:t>current</a:t>
+            </a:r>
+            <a:r>
+              <a:rPr lang="en-US" sz="3200" dirty="0" smtClean="0"/>
+              <a:t> </a:t>
+            </a:r>
+            <a:r>
+              <a:rPr lang="en-US" sz="3200" dirty="0" smtClean="0"/>
+              <a:t>security library from Microsoft</a:t>
+            </a:r>
+            <a:r>
+              <a:rPr lang="en-US" sz="3200" dirty="0" smtClean="0"/>
+              <a:t>.</a:t>
+            </a:r>
+            <a:br>
+              <a:rPr lang="en-US" sz="3200" dirty="0" smtClean="0"/>
+            </a:br>
+            <a:r>
+              <a:rPr lang="en-US" sz="3200" dirty="0" smtClean="0"/>
+              <a:t> </a:t>
+            </a:r>
+          </a:p>
+          <a:p>
+            <a:pPr marL="0" indent="0">
               <a:buNone/>
             </a:pPr>
-            <a:endParaRPr lang="sv-SE" sz="3200" dirty="0" smtClean="0"/>
-          </a:p>
-          <a:p>
-            <a:pPr marL="0" indent="0" algn="ctr">
+            <a:r>
+              <a:rPr lang="en-US" sz="3200" dirty="0" smtClean="0"/>
+              <a:t>ASP.NET Identity is currently the preferred way to handle user authentication in ASP.NET applications</a:t>
+            </a:r>
+            <a:br>
+              <a:rPr lang="en-US" sz="3200" dirty="0" smtClean="0"/>
+            </a:br>
+            <a:endParaRPr lang="en-US" sz="3200" dirty="0" smtClean="0"/>
+          </a:p>
+          <a:p>
+            <a:pPr marL="0" indent="0">
               <a:buNone/>
             </a:pPr>
             <a:r>
-              <a:rPr lang="sv-SE" sz="3200" dirty="0" err="1" smtClean="0"/>
-              <a:t>Why</a:t>
-            </a:r>
-            <a:r>
-              <a:rPr lang="sv-SE" sz="3200" dirty="0" smtClean="0"/>
-              <a:t> ASP.NET </a:t>
-            </a:r>
-            <a:r>
-              <a:rPr lang="sv-SE" sz="3200" dirty="0" err="1" smtClean="0"/>
-              <a:t>Identity</a:t>
-            </a:r>
-            <a:r>
-              <a:rPr lang="sv-SE" sz="3200" dirty="0" smtClean="0"/>
-              <a:t>?</a:t>
-            </a:r>
-            <a:endParaRPr lang="en-GB" sz="3200" dirty="0"/>
+              <a:rPr lang="en-US" sz="3200" dirty="0" smtClean="0"/>
+              <a:t>It comes with the latest safety features such as:</a:t>
+            </a:r>
+          </a:p>
+          <a:p>
+            <a:r>
+              <a:rPr lang="en-US" sz="2400" dirty="0" smtClean="0"/>
+              <a:t>Account confirmation</a:t>
+            </a:r>
+          </a:p>
+          <a:p>
+            <a:pPr lvl="1"/>
+            <a:r>
+              <a:rPr lang="en-US" dirty="0" smtClean="0"/>
+              <a:t>Both email and/or SMS confirmation </a:t>
+            </a:r>
+          </a:p>
+          <a:p>
+            <a:r>
+              <a:rPr lang="en-US" sz="2400" dirty="0" smtClean="0"/>
+              <a:t>Improved password handling</a:t>
+            </a:r>
+            <a:endParaRPr lang="en-US" sz="2400" dirty="0" smtClean="0"/>
+          </a:p>
+          <a:p>
+            <a:r>
+              <a:rPr lang="sv-SE" sz="2400" dirty="0"/>
+              <a:t>Two-Factor Authentication</a:t>
+            </a:r>
+          </a:p>
+          <a:p>
+            <a:endParaRPr lang="en-US" sz="2400" dirty="0" smtClean="0"/>
           </a:p>
         </p:txBody>
       </p:sp>
     </p:spTree>
     <p:extLst>
       <p:ext uri="{BB962C8B-B14F-4D97-AF65-F5344CB8AC3E}">
-        <p14:creationId xmlns:p14="http://schemas.microsoft.com/office/powerpoint/2010/main" val="1778838496"/>
+        <p14:creationId xmlns:p14="http://schemas.microsoft.com/office/powerpoint/2010/main" val="3081313827"/>
       </p:ext>
     </p:extLst>
   </p:cSld>
@@ -9858,14 +10033,24 @@
         </p:nvSpPr>
         <p:spPr/>
         <p:txBody>
-          <a:bodyPr>
-            <a:normAutofit fontScale="90000"/>
-          </a:bodyPr>
+          <a:bodyPr/>
           <a:lstStyle/>
           <a:p>
             <a:r>
-              <a:rPr lang="sv-SE" sz="3200" b="1" dirty="0" smtClean="0"/>
-              <a:t>ASP.NET Identity</a:t>
+              <a:rPr lang="sv-SE" sz="2800" b="1" dirty="0" err="1"/>
+              <a:t>Why</a:t>
+            </a:r>
+            <a:r>
+              <a:rPr lang="sv-SE" sz="2800" b="1" dirty="0"/>
+              <a:t> ASP.NET </a:t>
+            </a:r>
+            <a:r>
+              <a:rPr lang="sv-SE" sz="2800" b="1" dirty="0" err="1"/>
+              <a:t>Identity</a:t>
+            </a:r>
+            <a:r>
+              <a:rPr lang="sv-SE" sz="2800" b="1" dirty="0"/>
+              <a:t>?</a:t>
             </a:r>
             <a:endParaRPr lang="en-GB" dirty="0"/>
           </a:p>
@@ -9883,23 +10068,34 @@
         </p:nvSpPr>
         <p:spPr>
           <a:xfrm>
-            <a:off x="251520" y="1052736"/>
-            <a:ext cx="8435280" cy="5073427"/>
+            <a:off x="251520" y="1639341"/>
+            <a:ext cx="8640960" cy="4525963"/>
           </a:xfrm>
         </p:spPr>
         <p:txBody>
-          <a:bodyPr>
-            <a:normAutofit/>
-          </a:bodyPr>
+          <a:bodyPr/>
           <a:lstStyle/>
           <a:p>
-            <a:pPr marL="0" indent="0">
+            <a:pPr marL="0" lvl="0" indent="0">
               <a:buNone/>
             </a:pPr>
             <a:r>
-              <a:rPr lang="en-US" sz="3200" dirty="0" smtClean="0"/>
-              <a:t>ASP.NET Identity is the latest security library from Microsoft. </a:t>
-            </a:r>
+              <a:rPr lang="en-GB" sz="3200" b="1" dirty="0" smtClean="0"/>
+              <a:t>Easy </a:t>
+            </a:r>
+            <a:r>
+              <a:rPr lang="en-GB" sz="3200" b="1" dirty="0"/>
+              <a:t>use of social login </a:t>
+            </a:r>
+            <a:r>
+              <a:rPr lang="en-GB" sz="3200" b="1" dirty="0" smtClean="0"/>
+              <a:t>providers thanks to </a:t>
+            </a:r>
+            <a:r>
+              <a:rPr lang="en-GB" sz="3200" b="1" dirty="0" err="1" smtClean="0"/>
+              <a:t>OAuth</a:t>
+            </a:r>
+            <a:endParaRPr lang="en-GB" sz="3200" b="1" dirty="0" smtClean="0"/>
           </a:p>
           <a:p>
             <a:pPr marL="0" indent="0">
@@ -9913,50 +10109,55 @@
             </a:pPr>
             <a:r>
               <a:rPr lang="en-US" sz="3200" dirty="0" smtClean="0"/>
-              <a:t>It comes with the latest safety features such as:</a:t>
-            </a:r>
-          </a:p>
-          <a:p>
-            <a:r>
-              <a:rPr lang="en-US" sz="2400" dirty="0" smtClean="0"/>
-              <a:t>Account confirmation</a:t>
-            </a:r>
-          </a:p>
-          <a:p>
-            <a:pPr lvl="1"/>
-            <a:r>
-              <a:rPr lang="en-US" dirty="0" smtClean="0"/>
-              <a:t>Both email and/or SMS confirmation </a:t>
-            </a:r>
-            <a:endParaRPr lang="en-US" dirty="0" smtClean="0"/>
-          </a:p>
-          <a:p>
-            <a:r>
-              <a:rPr lang="en-US" sz="2400" dirty="0" smtClean="0"/>
-              <a:t>Account lockout </a:t>
-            </a:r>
-          </a:p>
-          <a:p>
-            <a:r>
-              <a:rPr lang="en-US" sz="2400" dirty="0" smtClean="0"/>
-              <a:t>Safe password hashing </a:t>
-            </a:r>
-          </a:p>
-          <a:p>
-            <a:r>
-              <a:rPr lang="sv-SE" sz="2400" dirty="0"/>
-              <a:t>Two-Factor Authentication</a:t>
-            </a:r>
-          </a:p>
-          <a:p>
-            <a:endParaRPr lang="en-US" sz="2400" dirty="0" smtClean="0"/>
+              <a:t>Allowing you to </a:t>
+            </a:r>
+            <a:r>
+              <a:rPr lang="en-US" sz="3200" dirty="0" smtClean="0"/>
+              <a:t>delegate</a:t>
+            </a:r>
+            <a:r>
+              <a:rPr lang="en-US" sz="3200" dirty="0" smtClean="0"/>
+              <a:t> </a:t>
+            </a:r>
+            <a:r>
+              <a:rPr lang="en-US" sz="3200" dirty="0" smtClean="0"/>
+              <a:t>the user authentication process.</a:t>
+            </a:r>
+          </a:p>
+          <a:p>
+            <a:pPr marL="0" indent="0">
+              <a:buNone/>
+            </a:pPr>
+            <a:endParaRPr lang="en-US" sz="3200" dirty="0" smtClean="0"/>
+          </a:p>
+          <a:p>
+            <a:pPr marL="0" indent="0">
+              <a:buNone/>
+            </a:pPr>
+            <a:r>
+              <a:rPr lang="en-US" sz="3200" dirty="0" smtClean="0"/>
+              <a:t>Example </a:t>
+            </a:r>
+            <a:r>
+              <a:rPr lang="en-US" sz="3200" dirty="0" smtClean="0"/>
+              <a:t>of</a:t>
+            </a:r>
+            <a:r>
+              <a:rPr lang="en-US" sz="3200" dirty="0" smtClean="0"/>
+              <a:t> </a:t>
+            </a:r>
+            <a:r>
+              <a:rPr lang="en-US" sz="3200" dirty="0" smtClean="0"/>
+              <a:t>such providers : Google, Facebook or Twitter</a:t>
+            </a:r>
+            <a:endParaRPr lang="en-US" sz="3200" dirty="0"/>
           </a:p>
         </p:txBody>
       </p:sp>
     </p:spTree>
     <p:extLst>
       <p:ext uri="{BB962C8B-B14F-4D97-AF65-F5344CB8AC3E}">
-        <p14:creationId xmlns:p14="http://schemas.microsoft.com/office/powerpoint/2010/main" val="3081313827"/>
+        <p14:creationId xmlns:p14="http://schemas.microsoft.com/office/powerpoint/2010/main" val="1298769835"/>
       </p:ext>
     </p:extLst>
   </p:cSld>
@@ -9999,19 +10200,19 @@
           <a:lstStyle/>
           <a:p>
             <a:r>
-              <a:rPr lang="sv-SE" sz="2800" b="1" dirty="0" err="1"/>
+              <a:rPr lang="sv-SE" dirty="0" err="1" smtClean="0"/>
               <a:t>Why</a:t>
             </a:r>
             <a:r>
-              <a:rPr lang="sv-SE" sz="2800" b="1" dirty="0"/>
+              <a:rPr lang="sv-SE" dirty="0" smtClean="0"/>
               <a:t> ASP.NET </a:t>
             </a:r>
             <a:r>
-              <a:rPr lang="sv-SE" sz="2800" b="1" dirty="0" err="1"/>
+              <a:rPr lang="sv-SE" dirty="0" err="1" smtClean="0"/>
               <a:t>Identity</a:t>
             </a:r>
             <a:r>
-              <a:rPr lang="sv-SE" sz="2800" b="1" dirty="0"/>
+              <a:rPr lang="sv-SE" dirty="0" smtClean="0"/>
               <a:t>?</a:t>
             </a:r>
             <a:endParaRPr lang="en-GB" dirty="0"/>
@@ -10028,42 +10229,26 @@
             <p:ph idx="1"/>
           </p:nvPr>
         </p:nvSpPr>
-        <p:spPr>
-          <a:xfrm>
-            <a:off x="251520" y="1639341"/>
-            <a:ext cx="8640960" cy="4525963"/>
-          </a:xfrm>
-        </p:spPr>
-        <p:txBody>
-          <a:bodyPr/>
+        <p:spPr/>
+        <p:txBody>
+          <a:bodyPr>
+            <a:normAutofit/>
+          </a:bodyPr>
           <a:lstStyle/>
           <a:p>
-            <a:pPr marL="0" lvl="0" indent="0">
+            <a:pPr marL="0" indent="0">
               <a:buNone/>
             </a:pPr>
             <a:r>
-              <a:rPr lang="en-GB" sz="3200" b="1" dirty="0" smtClean="0"/>
-              <a:t>Easy </a:t>
-            </a:r>
-            <a:r>
-              <a:rPr lang="en-GB" sz="3200" b="1" dirty="0"/>
-              <a:t>use of social login </a:t>
-            </a:r>
-            <a:r>
-              <a:rPr lang="en-GB" sz="3200" b="1" dirty="0" smtClean="0"/>
-              <a:t>providers thanks to </a:t>
-            </a:r>
-            <a:r>
-              <a:rPr lang="en-GB" sz="3200" b="1" dirty="0" err="1" smtClean="0"/>
-              <a:t>OAuth</a:t>
-            </a:r>
-            <a:endParaRPr lang="en-GB" sz="3200" b="1" dirty="0" smtClean="0"/>
+              <a:rPr lang="en-US" sz="3200" b="1" dirty="0" smtClean="0"/>
+              <a:t>Claims-based authentication</a:t>
+            </a:r>
           </a:p>
           <a:p>
             <a:pPr marL="0" indent="0">
               <a:buNone/>
             </a:pPr>
-            <a:endParaRPr lang="en-US" sz="3200" dirty="0" smtClean="0"/>
+            <a:endParaRPr lang="en-US" sz="3200" b="1" dirty="0" smtClean="0"/>
           </a:p>
           <a:p>
             <a:pPr marL="0" indent="0">
@@ -10071,22 +10256,27 @@
             </a:pPr>
             <a:r>
               <a:rPr lang="en-US" sz="3200" dirty="0" smtClean="0"/>
-              <a:t>Allowing you to outsource the user authentication process.</a:t>
-            </a:r>
-          </a:p>
-          <a:p>
-            <a:pPr marL="0" indent="0">
-              <a:buNone/>
-            </a:pPr>
-            <a:endParaRPr lang="en-US" sz="3200" dirty="0" smtClean="0"/>
-          </a:p>
-          <a:p>
-            <a:pPr marL="0" indent="0">
-              <a:buNone/>
-            </a:pPr>
+              <a:t>Allows the developer to create more detailed </a:t>
+            </a:r>
             <a:r>
               <a:rPr lang="en-US" sz="3200" dirty="0" smtClean="0"/>
-              <a:t>Example for such providers : Google, Facebook or Twitter</a:t>
+              <a:t>identities</a:t>
+            </a:r>
+            <a:r>
+              <a:rPr lang="en-US" sz="3200" dirty="0"/>
+              <a:t> </a:t>
+            </a:r>
+            <a:r>
+              <a:rPr lang="en-US" sz="3200" dirty="0" smtClean="0"/>
+              <a:t>and</a:t>
+            </a:r>
+            <a:r>
+              <a:rPr lang="en-US" sz="3200" dirty="0" smtClean="0"/>
+              <a:t> control the </a:t>
+            </a:r>
+            <a:r>
+              <a:rPr lang="en-US" sz="3200" dirty="0" smtClean="0"/>
+              <a:t>authorization in greater detail.</a:t>
             </a:r>
             <a:endParaRPr lang="en-US" sz="3200" dirty="0"/>
           </a:p>
@@ -10095,7 +10285,7 @@
     </p:spTree>
     <p:extLst>
       <p:ext uri="{BB962C8B-B14F-4D97-AF65-F5344CB8AC3E}">
-        <p14:creationId xmlns:p14="http://schemas.microsoft.com/office/powerpoint/2010/main" val="1298769835"/>
+        <p14:creationId xmlns:p14="http://schemas.microsoft.com/office/powerpoint/2010/main" val="1306577611"/>
       </p:ext>
     </p:extLst>
   </p:cSld>
@@ -10149,10 +10339,6 @@
               <a:rPr lang="sv-SE" dirty="0" err="1" smtClean="0"/>
               <a:t>Identity</a:t>
             </a:r>
-            <a:r>
-              <a:rPr lang="sv-SE" dirty="0" smtClean="0"/>
-              <a:t>?</a:t>
-            </a:r>
             <a:endParaRPr lang="en-GB" dirty="0"/>
           </a:p>
         </p:txBody>
@@ -10174,36 +10360,45 @@
           </a:bodyPr>
           <a:lstStyle/>
           <a:p>
-            <a:pPr marL="0" indent="0">
+            <a:pPr marL="0" lvl="0" indent="0">
               <a:buNone/>
             </a:pPr>
             <a:r>
-              <a:rPr lang="en-US" sz="3200" b="1" dirty="0" smtClean="0"/>
-              <a:t>Claims-based authentication</a:t>
-            </a:r>
-          </a:p>
-          <a:p>
-            <a:pPr marL="0" indent="0">
+              <a:rPr lang="en-GB" sz="3200" b="1" dirty="0" smtClean="0"/>
+              <a:t>Identity is integrated into the OWIN pipeline</a:t>
+            </a:r>
+          </a:p>
+          <a:p>
+            <a:pPr marL="0" lvl="0" indent="0">
               <a:buNone/>
             </a:pPr>
-            <a:endParaRPr lang="en-US" sz="3200" b="1" dirty="0" smtClean="0"/>
-          </a:p>
-          <a:p>
-            <a:pPr marL="0" indent="0">
+            <a:endParaRPr lang="en-US" sz="3200" dirty="0" smtClean="0"/>
+          </a:p>
+          <a:p>
+            <a:pPr marL="0" lvl="0" indent="0">
               <a:buNone/>
             </a:pPr>
             <a:r>
               <a:rPr lang="en-US" sz="3200" dirty="0" smtClean="0"/>
-              <a:t>Allows the developer to create more detailed identities. This means you can also control your authorization in greater detail.</a:t>
-            </a:r>
-            <a:endParaRPr lang="en-US" sz="3200" dirty="0"/>
+              <a:t>OWIN decouples </a:t>
+            </a:r>
+            <a:r>
+              <a:rPr lang="en-US" sz="3200" dirty="0" smtClean="0"/>
+              <a:t>the communication between your application and the server/database</a:t>
+            </a:r>
+          </a:p>
+          <a:p>
+            <a:pPr marL="0" lvl="0" indent="0">
+              <a:buNone/>
+            </a:pPr>
+            <a:endParaRPr lang="sv-SE" sz="3200" dirty="0" smtClean="0"/>
           </a:p>
         </p:txBody>
       </p:sp>
     </p:spTree>
     <p:extLst>
       <p:ext uri="{BB962C8B-B14F-4D97-AF65-F5344CB8AC3E}">
-        <p14:creationId xmlns:p14="http://schemas.microsoft.com/office/powerpoint/2010/main" val="1306577611"/>
+        <p14:creationId xmlns:p14="http://schemas.microsoft.com/office/powerpoint/2010/main" val="1630913998"/>
       </p:ext>
     </p:extLst>
   </p:cSld>
@@ -10271,7 +10466,12 @@
             <p:ph idx="1"/>
           </p:nvPr>
         </p:nvSpPr>
-        <p:spPr/>
+        <p:spPr>
+          <a:xfrm>
+            <a:off x="457200" y="1124744"/>
+            <a:ext cx="8229600" cy="4525963"/>
+          </a:xfrm>
+        </p:spPr>
         <p:txBody>
           <a:bodyPr>
             <a:normAutofit/>
@@ -10282,52 +10482,40 @@
               <a:buNone/>
             </a:pPr>
             <a:r>
-              <a:rPr lang="en-GB" sz="3200" b="1" dirty="0" smtClean="0"/>
-              <a:t>Identity is integrated into the OWIN pipeline</a:t>
-            </a:r>
-          </a:p>
-          <a:p>
-            <a:pPr marL="0" lvl="0" indent="0">
-              <a:buNone/>
-            </a:pPr>
-            <a:endParaRPr lang="sv-SE" sz="3200" b="1" dirty="0"/>
-          </a:p>
-          <a:p>
-            <a:pPr marL="0" lvl="0" indent="0">
-              <a:buNone/>
-            </a:pPr>
-            <a:r>
               <a:rPr lang="en-US" sz="3200" dirty="0" smtClean="0"/>
-              <a:t>Decouples the application from the server.</a:t>
-            </a:r>
-          </a:p>
-          <a:p>
-            <a:pPr marL="0" lvl="0" indent="0">
-              <a:buNone/>
-            </a:pPr>
-            <a:endParaRPr lang="en-US" sz="3200" dirty="0" smtClean="0"/>
-          </a:p>
-          <a:p>
-            <a:pPr marL="0" lvl="0" indent="0">
-              <a:buNone/>
-            </a:pPr>
-            <a:r>
-              <a:rPr lang="en-US" sz="3200" dirty="0" smtClean="0"/>
-              <a:t>OWIN manages the communication between your application and the server/database</a:t>
-            </a:r>
-          </a:p>
-          <a:p>
-            <a:pPr marL="0" lvl="0" indent="0">
-              <a:buNone/>
-            </a:pPr>
-            <a:endParaRPr lang="sv-SE" sz="3200" dirty="0" smtClean="0"/>
+              <a:t>Visual Studio 2013 come with a range of templates which implement ASP.NET Identity to the following project types:</a:t>
+            </a:r>
+          </a:p>
+          <a:p>
+            <a:r>
+              <a:rPr lang="en-US" dirty="0" smtClean="0"/>
+              <a:t>MVC</a:t>
+            </a:r>
+          </a:p>
+          <a:p>
+            <a:r>
+              <a:rPr lang="en-US" dirty="0" smtClean="0"/>
+              <a:t>Web Forms</a:t>
+            </a:r>
+          </a:p>
+          <a:p>
+            <a:r>
+              <a:rPr lang="en-US" dirty="0" smtClean="0"/>
+              <a:t>Web API</a:t>
+            </a:r>
+          </a:p>
+          <a:p>
+            <a:r>
+              <a:rPr lang="en-US" dirty="0" smtClean="0"/>
+              <a:t>Single Page Application</a:t>
+            </a:r>
           </a:p>
         </p:txBody>
       </p:sp>
     </p:spTree>
     <p:extLst>
       <p:ext uri="{BB962C8B-B14F-4D97-AF65-F5344CB8AC3E}">
-        <p14:creationId xmlns:p14="http://schemas.microsoft.com/office/powerpoint/2010/main" val="1630913998"/>
+        <p14:creationId xmlns:p14="http://schemas.microsoft.com/office/powerpoint/2010/main" val="541569819"/>
       </p:ext>
     </p:extLst>
   </p:cSld>

--- a/Documents/Identity-Introduction.pptx
+++ b/Documents/Identity-Introduction.pptx
@@ -8120,11 +8120,7 @@
             </a:r>
             <a:r>
               <a:rPr lang="sv-SE" sz="3200" dirty="0" smtClean="0"/>
-              <a:t>efore </a:t>
-            </a:r>
-            <a:r>
-              <a:rPr lang="sv-SE" sz="3200" dirty="0" smtClean="0"/>
-              <a:t>ASP.NET </a:t>
+              <a:t>efore ASP.NET </a:t>
             </a:r>
             <a:r>
               <a:rPr lang="sv-SE" sz="3200" dirty="0" err="1" smtClean="0"/>
@@ -8921,22 +8917,13 @@
           <a:p>
             <a:r>
               <a:rPr lang="en-US" sz="2400" dirty="0" smtClean="0"/>
-              <a:t>Released </a:t>
-            </a:r>
+              <a:t>Released in 2013</a:t>
+            </a:r>
+          </a:p>
+          <a:p>
             <a:r>
               <a:rPr lang="en-US" sz="2400" dirty="0" smtClean="0"/>
-              <a:t>in 2013</a:t>
-            </a:r>
-            <a:endParaRPr lang="en-US" sz="2400" dirty="0" smtClean="0"/>
-          </a:p>
-          <a:p>
-            <a:r>
-              <a:rPr lang="en-US" sz="2400" dirty="0" smtClean="0"/>
-              <a:t>Simple &amp; flexible </a:t>
-            </a:r>
-            <a:r>
-              <a:rPr lang="en-US" sz="2400" dirty="0" smtClean="0"/>
-              <a:t>way to store and handle user data</a:t>
+              <a:t>Simple &amp; flexible way to store and handle user data</a:t>
             </a:r>
           </a:p>
           <a:p>
@@ -8944,20 +8931,11 @@
               <a:rPr lang="en-US" sz="2400" dirty="0" smtClean="0"/>
               <a:t>Supports Roles &amp; Claims</a:t>
             </a:r>
-            <a:endParaRPr lang="en-US" sz="2400" dirty="0" smtClean="0"/>
           </a:p>
           <a:p>
             <a:r>
               <a:rPr lang="en-US" sz="2400" dirty="0" smtClean="0"/>
-              <a:t>Social </a:t>
-            </a:r>
-            <a:r>
-              <a:rPr lang="en-US" sz="2400" dirty="0" smtClean="0"/>
-              <a:t>Login </a:t>
-            </a:r>
-            <a:r>
-              <a:rPr lang="en-US" sz="2400" dirty="0" smtClean="0"/>
-              <a:t>Providers using </a:t>
+              <a:t>Social Login Providers using </a:t>
             </a:r>
             <a:r>
               <a:rPr lang="en-US" sz="2400" dirty="0" err="1" smtClean="0"/>
@@ -8968,15 +8946,7 @@
           <a:p>
             <a:r>
               <a:rPr lang="en-US" sz="2400" dirty="0" smtClean="0"/>
-              <a:t>Requires</a:t>
-            </a:r>
-            <a:r>
-              <a:rPr lang="en-US" sz="2400" dirty="0" smtClean="0"/>
-              <a:t> </a:t>
-            </a:r>
-            <a:r>
-              <a:rPr lang="en-US" sz="2400" dirty="0" smtClean="0"/>
-              <a:t>.NET 4.5</a:t>
+              <a:t>Requires .NET 4.5</a:t>
             </a:r>
             <a:endParaRPr lang="en-US" sz="2400" dirty="0"/>
           </a:p>
@@ -9073,7 +9043,12 @@
             <p:ph idx="1"/>
           </p:nvPr>
         </p:nvSpPr>
-        <p:spPr/>
+        <p:spPr>
+          <a:xfrm>
+            <a:off x="107504" y="1600200"/>
+            <a:ext cx="8856984" cy="4525963"/>
+          </a:xfrm>
+        </p:spPr>
         <p:txBody>
           <a:bodyPr>
             <a:normAutofit/>
@@ -9097,13 +9072,8 @@
           <a:p>
             <a:r>
               <a:rPr lang="en-US" sz="2400" dirty="0" smtClean="0"/>
-              <a:t>Released </a:t>
-            </a:r>
-            <a:r>
-              <a:rPr lang="en-US" sz="2400" dirty="0" smtClean="0"/>
-              <a:t>in 2014</a:t>
-            </a:r>
-            <a:endParaRPr lang="en-US" sz="2400" dirty="0" smtClean="0"/>
+              <a:t>Released in 2014</a:t>
+            </a:r>
           </a:p>
           <a:p>
             <a:r>
@@ -9126,17 +9096,18 @@
           <a:p>
             <a:r>
               <a:rPr lang="en-US" sz="2400" dirty="0" smtClean="0"/>
-              <a:t>Account lockout</a:t>
-            </a:r>
-          </a:p>
-          <a:p>
+              <a:t>Account </a:t>
+            </a:r>
             <a:r>
               <a:rPr lang="en-US" sz="2400" dirty="0" smtClean="0"/>
-              <a:t>Password </a:t>
-            </a:r>
+              <a:t>lockout (Configure lockout time and number of attempts)</a:t>
+            </a:r>
+            <a:endParaRPr lang="en-US" sz="2400" dirty="0" smtClean="0"/>
+          </a:p>
+          <a:p>
             <a:r>
               <a:rPr lang="en-US" sz="2400" dirty="0" smtClean="0"/>
-              <a:t>reset (Email/SMS)</a:t>
+              <a:t>Password reset (Email/SMS)</a:t>
             </a:r>
             <a:endParaRPr lang="en-US" sz="2400" dirty="0"/>
           </a:p>
@@ -9496,14 +9467,12 @@
               <a:rPr lang="en-US" sz="2400" dirty="0" smtClean="0"/>
               <a:t>Developed by Microsoft.</a:t>
             </a:r>
-            <a:endParaRPr lang="en-US" sz="2400" dirty="0" smtClean="0"/>
           </a:p>
           <a:p>
             <a:r>
               <a:rPr lang="en-US" sz="2400" dirty="0" smtClean="0"/>
               <a:t>ASP.NET Identity replaces the previous membership and security solutions.</a:t>
             </a:r>
-            <a:endParaRPr lang="en-US" sz="2400" dirty="0" smtClean="0"/>
           </a:p>
           <a:p>
             <a:r>
@@ -9522,11 +9491,7 @@
             </a:r>
             <a:r>
               <a:rPr lang="en-US" sz="2400" dirty="0" smtClean="0"/>
-              <a:t> </a:t>
-            </a:r>
-            <a:r>
-              <a:rPr lang="en-US" sz="2400" dirty="0" smtClean="0"/>
-              <a:t>and Web Forms.</a:t>
+              <a:t> and Web Forms.</a:t>
             </a:r>
           </a:p>
           <a:p>
@@ -9703,7 +9668,6 @@
               <a:rPr lang="en-GB" sz="3200" dirty="0" smtClean="0"/>
               <a:t>It also relieves the developers from creating a new user management system for every new application.</a:t>
             </a:r>
-            <a:endParaRPr lang="en-GB" sz="3200" dirty="0" smtClean="0"/>
           </a:p>
           <a:p>
             <a:pPr marL="0" lvl="0" indent="0" algn="ctr">
@@ -9912,23 +9876,7 @@
             </a:pPr>
             <a:r>
               <a:rPr lang="en-US" sz="3200" dirty="0" smtClean="0"/>
-              <a:t>ASP.NET Identity is the </a:t>
-            </a:r>
-            <a:r>
-              <a:rPr lang="en-US" sz="3200" dirty="0" smtClean="0"/>
-              <a:t>current</a:t>
-            </a:r>
-            <a:r>
-              <a:rPr lang="en-US" sz="3200" dirty="0" smtClean="0"/>
-              <a:t> </a:t>
-            </a:r>
-            <a:r>
-              <a:rPr lang="en-US" sz="3200" dirty="0" smtClean="0"/>
-              <a:t>security library from Microsoft</a:t>
-            </a:r>
-            <a:r>
-              <a:rPr lang="en-US" sz="3200" dirty="0" smtClean="0"/>
-              <a:t>.</a:t>
+              <a:t>ASP.NET Identity is the current security library from Microsoft.</a:t>
             </a:r>
             <a:br>
               <a:rPr lang="en-US" sz="3200" dirty="0" smtClean="0"/>
@@ -9978,7 +9926,6 @@
               <a:rPr lang="en-US" sz="2400" dirty="0" smtClean="0"/>
               <a:t>Improved password handling</a:t>
             </a:r>
-            <a:endParaRPr lang="en-US" sz="2400" dirty="0" smtClean="0"/>
           </a:p>
           <a:p>
             <a:r>
@@ -10109,19 +10056,7 @@
             </a:pPr>
             <a:r>
               <a:rPr lang="en-US" sz="3200" dirty="0" smtClean="0"/>
-              <a:t>Allowing you to </a:t>
-            </a:r>
-            <a:r>
-              <a:rPr lang="en-US" sz="3200" dirty="0" smtClean="0"/>
-              <a:t>delegate</a:t>
-            </a:r>
-            <a:r>
-              <a:rPr lang="en-US" sz="3200" dirty="0" smtClean="0"/>
-              <a:t> </a:t>
-            </a:r>
-            <a:r>
-              <a:rPr lang="en-US" sz="3200" dirty="0" smtClean="0"/>
-              <a:t>the user authentication process.</a:t>
+              <a:t>Allowing you to delegate the user authentication process.</a:t>
             </a:r>
           </a:p>
           <a:p>
@@ -10136,19 +10071,7 @@
             </a:pPr>
             <a:r>
               <a:rPr lang="en-US" sz="3200" dirty="0" smtClean="0"/>
-              <a:t>Example </a:t>
-            </a:r>
-            <a:r>
-              <a:rPr lang="en-US" sz="3200" dirty="0" smtClean="0"/>
-              <a:t>of</a:t>
-            </a:r>
-            <a:r>
-              <a:rPr lang="en-US" sz="3200" dirty="0" smtClean="0"/>
-              <a:t> </a:t>
-            </a:r>
-            <a:r>
-              <a:rPr lang="en-US" sz="3200" dirty="0" smtClean="0"/>
-              <a:t>such providers : Google, Facebook or Twitter</a:t>
+              <a:t>Example of such providers : Google, Facebook or Twitter</a:t>
             </a:r>
             <a:endParaRPr lang="en-US" sz="3200" dirty="0"/>
           </a:p>
@@ -10229,7 +10152,12 @@
             <p:ph idx="1"/>
           </p:nvPr>
         </p:nvSpPr>
-        <p:spPr/>
+        <p:spPr>
+          <a:xfrm>
+            <a:off x="457200" y="980728"/>
+            <a:ext cx="8219256" cy="5145435"/>
+          </a:xfrm>
+        </p:spPr>
         <p:txBody>
           <a:bodyPr>
             <a:normAutofit/>
@@ -10256,11 +10184,7 @@
             </a:pPr>
             <a:r>
               <a:rPr lang="en-US" sz="3200" dirty="0" smtClean="0"/>
-              <a:t>Allows the developer to create more detailed </a:t>
-            </a:r>
-            <a:r>
-              <a:rPr lang="en-US" sz="3200" dirty="0" smtClean="0"/>
-              <a:t>identities</a:t>
+              <a:t>Allows the developer to create more detailed identities</a:t>
             </a:r>
             <a:r>
               <a:rPr lang="en-US" sz="3200" dirty="0"/>
@@ -10268,15 +10192,38 @@
             </a:r>
             <a:r>
               <a:rPr lang="en-US" sz="3200" dirty="0" smtClean="0"/>
-              <a:t>and</a:t>
+              <a:t>and control the authorization in greater detail</a:t>
             </a:r>
             <a:r>
               <a:rPr lang="en-US" sz="3200" dirty="0" smtClean="0"/>
-              <a:t> control the </a:t>
-            </a:r>
+              <a:t>.</a:t>
+            </a:r>
+          </a:p>
+          <a:p>
+            <a:pPr marL="0" indent="0">
+              <a:buNone/>
+            </a:pPr>
+            <a:endParaRPr lang="en-US" sz="3200" dirty="0"/>
+          </a:p>
+          <a:p>
+            <a:pPr marL="0" indent="0">
+              <a:buNone/>
+            </a:pPr>
             <a:r>
               <a:rPr lang="en-US" sz="3200" dirty="0" smtClean="0"/>
-              <a:t>authorization in greater detail.</a:t>
+              <a:t>You can look at claims as a users properties, for example the users name, age</a:t>
+            </a:r>
+            <a:r>
+              <a:rPr lang="en-US" sz="3200" dirty="0"/>
+              <a:t> </a:t>
+            </a:r>
+            <a:r>
+              <a:rPr lang="en-US" sz="3200" dirty="0" smtClean="0"/>
+              <a:t>or</a:t>
+            </a:r>
+            <a:r>
+              <a:rPr lang="en-US" sz="3200" dirty="0" smtClean="0"/>
+              <a:t> address.</a:t>
             </a:r>
             <a:endParaRPr lang="en-US" sz="3200" dirty="0"/>
           </a:p>
@@ -10380,11 +10327,7 @@
             </a:pPr>
             <a:r>
               <a:rPr lang="en-US" sz="3200" dirty="0" smtClean="0"/>
-              <a:t>OWIN decouples </a:t>
-            </a:r>
-            <a:r>
-              <a:rPr lang="en-US" sz="3200" dirty="0" smtClean="0"/>
-              <a:t>the communication between your application and the server/database</a:t>
+              <a:t>OWIN decouples the communication between your application and the server/database</a:t>
             </a:r>
           </a:p>
           <a:p>

--- a/Documents/Identity-Introduction.pptx
+++ b/Documents/Identity-Introduction.pptx
@@ -5,10 +5,10 @@
     <p:sldMasterId id="2147483648" r:id="rId1"/>
   </p:sldMasterIdLst>
   <p:notesMasterIdLst>
-    <p:notesMasterId r:id="rId21"/>
+    <p:notesMasterId r:id="rId22"/>
   </p:notesMasterIdLst>
   <p:handoutMasterIdLst>
-    <p:handoutMasterId r:id="rId22"/>
+    <p:handoutMasterId r:id="rId23"/>
   </p:handoutMasterIdLst>
   <p:sldIdLst>
     <p:sldId id="256" r:id="rId2"/>
@@ -30,6 +30,7 @@
     <p:sldId id="409" r:id="rId18"/>
     <p:sldId id="410" r:id="rId19"/>
     <p:sldId id="399" r:id="rId20"/>
+    <p:sldId id="416" r:id="rId21"/>
   </p:sldIdLst>
   <p:sldSz cx="9144000" cy="6858000" type="screen4x3"/>
   <p:notesSz cx="6867525" cy="9994900"/>
@@ -1283,8 +1284,8 @@
       </dsp:nvSpPr>
       <dsp:spPr>
         <a:xfrm>
-          <a:off x="3749318" y="904845"/>
-          <a:ext cx="696763" cy="91440"/>
+          <a:off x="2745953" y="596041"/>
+          <a:ext cx="460901" cy="91440"/>
         </a:xfrm>
         <a:custGeom>
           <a:avLst/>
@@ -1298,7 +1299,7 @@
                 <a:pt x="0" y="45720"/>
               </a:moveTo>
               <a:lnTo>
-                <a:pt x="696763" y="45720"/>
+                <a:pt x="460901" y="45720"/>
               </a:lnTo>
             </a:path>
           </a:pathLst>
@@ -1351,8 +1352,8 @@
         </a:p>
       </dsp:txBody>
       <dsp:txXfrm>
-        <a:off x="4079515" y="946928"/>
-        <a:ext cx="36368" cy="7273"/>
+        <a:off x="2964116" y="639303"/>
+        <a:ext cx="24575" cy="4915"/>
       </dsp:txXfrm>
     </dsp:sp>
     <dsp:sp modelId="{BF20FD43-0297-4A34-8BCC-857DB64BD761}">
@@ -1362,8 +1363,8 @@
       </dsp:nvSpPr>
       <dsp:spPr>
         <a:xfrm>
-          <a:off x="588669" y="1830"/>
-          <a:ext cx="3162448" cy="1897469"/>
+          <a:off x="610788" y="672"/>
+          <a:ext cx="2136964" cy="1282178"/>
         </a:xfrm>
         <a:prstGeom prst="rect">
           <a:avLst/>
@@ -1404,12 +1405,12 @@
         </a:fontRef>
       </dsp:style>
       <dsp:txBody>
-        <a:bodyPr spcFirstLastPara="0" vert="horz" wrap="square" lIns="234696" tIns="234696" rIns="234696" bIns="234696" numCol="1" spcCol="1270" anchor="ctr" anchorCtr="0">
+        <a:bodyPr spcFirstLastPara="0" vert="horz" wrap="square" lIns="156464" tIns="156464" rIns="156464" bIns="156464" numCol="1" spcCol="1270" anchor="ctr" anchorCtr="0">
           <a:noAutofit/>
         </a:bodyPr>
         <a:lstStyle/>
         <a:p>
-          <a:pPr lvl="0" algn="ctr" defTabSz="1466850">
+          <a:pPr lvl="0" algn="ctr" defTabSz="977900">
             <a:lnSpc>
               <a:spcPct val="90000"/>
             </a:lnSpc>
@@ -1421,23 +1422,23 @@
             </a:spcAft>
           </a:pPr>
           <a:r>
-            <a:rPr lang="sv-SE" sz="3300" kern="1200" dirty="0" smtClean="0"/>
+            <a:rPr lang="sv-SE" sz="2200" kern="1200" dirty="0" smtClean="0"/>
             <a:t>ASP.NET </a:t>
           </a:r>
           <a:r>
-            <a:rPr lang="sv-SE" sz="3300" kern="1200" dirty="0" err="1" smtClean="0"/>
+            <a:rPr lang="sv-SE" sz="2200" kern="1200" dirty="0" err="1" smtClean="0"/>
             <a:t>Membership</a:t>
           </a:r>
           <a:r>
-            <a:rPr lang="sv-SE" sz="3300" kern="1200" dirty="0" smtClean="0"/>
+            <a:rPr lang="sv-SE" sz="2200" kern="1200" dirty="0" smtClean="0"/>
             <a:t> (2005)</a:t>
           </a:r>
-          <a:endParaRPr lang="en-GB" sz="3300" kern="1200" dirty="0"/>
+          <a:endParaRPr lang="en-GB" sz="2200" kern="1200" dirty="0"/>
         </a:p>
       </dsp:txBody>
       <dsp:txXfrm>
-        <a:off x="588669" y="1830"/>
-        <a:ext cx="3162448" cy="1897469"/>
+        <a:off x="610788" y="672"/>
+        <a:ext cx="2136964" cy="1282178"/>
       </dsp:txXfrm>
     </dsp:sp>
     <dsp:sp modelId="{B56FDCE8-1CEE-4367-94EC-85C4FD371610}">
@@ -1447,8 +1448,8 @@
       </dsp:nvSpPr>
       <dsp:spPr>
         <a:xfrm>
-          <a:off x="2169893" y="1897499"/>
-          <a:ext cx="3889812" cy="696763"/>
+          <a:off x="1679270" y="1281050"/>
+          <a:ext cx="2628466" cy="460901"/>
         </a:xfrm>
         <a:custGeom>
           <a:avLst/>
@@ -1459,16 +1460,16 @@
           <a:pathLst>
             <a:path>
               <a:moveTo>
-                <a:pt x="3889812" y="0"/>
+                <a:pt x="2628466" y="0"/>
               </a:moveTo>
               <a:lnTo>
-                <a:pt x="3889812" y="365481"/>
+                <a:pt x="2628466" y="247550"/>
               </a:lnTo>
               <a:lnTo>
-                <a:pt x="0" y="365481"/>
+                <a:pt x="0" y="247550"/>
               </a:lnTo>
               <a:lnTo>
-                <a:pt x="0" y="696763"/>
+                <a:pt x="0" y="460901"/>
               </a:lnTo>
             </a:path>
           </a:pathLst>
@@ -1521,8 +1522,8 @@
         </a:p>
       </dsp:txBody>
       <dsp:txXfrm>
-        <a:off x="4015869" y="2242244"/>
-        <a:ext cx="197861" cy="7273"/>
+        <a:off x="2926653" y="1509043"/>
+        <a:ext cx="133701" cy="4915"/>
       </dsp:txXfrm>
     </dsp:sp>
     <dsp:sp modelId="{064BA50E-71C8-4F75-A673-4A680181C2DA}">
@@ -1532,8 +1533,8 @@
       </dsp:nvSpPr>
       <dsp:spPr>
         <a:xfrm>
-          <a:off x="4478481" y="1830"/>
-          <a:ext cx="3162448" cy="1897469"/>
+          <a:off x="3239254" y="672"/>
+          <a:ext cx="2136964" cy="1282178"/>
         </a:xfrm>
         <a:prstGeom prst="rect">
           <a:avLst/>
@@ -1574,12 +1575,12 @@
         </a:fontRef>
       </dsp:style>
       <dsp:txBody>
-        <a:bodyPr spcFirstLastPara="0" vert="horz" wrap="square" lIns="234696" tIns="234696" rIns="234696" bIns="234696" numCol="1" spcCol="1270" anchor="ctr" anchorCtr="0">
+        <a:bodyPr spcFirstLastPara="0" vert="horz" wrap="square" lIns="156464" tIns="156464" rIns="156464" bIns="156464" numCol="1" spcCol="1270" anchor="ctr" anchorCtr="0">
           <a:noAutofit/>
         </a:bodyPr>
         <a:lstStyle/>
         <a:p>
-          <a:pPr lvl="0" algn="ctr" defTabSz="1466850">
+          <a:pPr lvl="0" algn="ctr" defTabSz="977900">
             <a:lnSpc>
               <a:spcPct val="90000"/>
             </a:lnSpc>
@@ -1591,23 +1592,23 @@
             </a:spcAft>
           </a:pPr>
           <a:r>
-            <a:rPr lang="sv-SE" sz="3300" kern="1200" dirty="0" smtClean="0"/>
+            <a:rPr lang="sv-SE" sz="2200" kern="1200" dirty="0" smtClean="0"/>
             <a:t>ASP.NET Simple </a:t>
           </a:r>
           <a:r>
-            <a:rPr lang="sv-SE" sz="3300" kern="1200" dirty="0" err="1" smtClean="0"/>
+            <a:rPr lang="sv-SE" sz="2200" kern="1200" dirty="0" err="1" smtClean="0"/>
             <a:t>Membership</a:t>
           </a:r>
           <a:r>
-            <a:rPr lang="sv-SE" sz="3300" kern="1200" dirty="0" smtClean="0"/>
+            <a:rPr lang="sv-SE" sz="2200" kern="1200" dirty="0" smtClean="0"/>
             <a:t> (2010)</a:t>
           </a:r>
-          <a:endParaRPr lang="en-GB" sz="3300" kern="1200" dirty="0"/>
+          <a:endParaRPr lang="en-GB" sz="2200" kern="1200" dirty="0"/>
         </a:p>
       </dsp:txBody>
       <dsp:txXfrm>
-        <a:off x="4478481" y="1830"/>
-        <a:ext cx="3162448" cy="1897469"/>
+        <a:off x="3239254" y="672"/>
+        <a:ext cx="2136964" cy="1282178"/>
       </dsp:txXfrm>
     </dsp:sp>
     <dsp:sp modelId="{8E71846B-7288-47E5-9D4D-D52404A6C4AC}">
@@ -1617,8 +1618,8 @@
       </dsp:nvSpPr>
       <dsp:spPr>
         <a:xfrm>
-          <a:off x="3749318" y="3529677"/>
-          <a:ext cx="696763" cy="91440"/>
+          <a:off x="2745953" y="2369721"/>
+          <a:ext cx="460901" cy="91440"/>
         </a:xfrm>
         <a:custGeom>
           <a:avLst/>
@@ -1632,7 +1633,7 @@
                 <a:pt x="0" y="45720"/>
               </a:moveTo>
               <a:lnTo>
-                <a:pt x="696763" y="45720"/>
+                <a:pt x="460901" y="45720"/>
               </a:lnTo>
             </a:path>
           </a:pathLst>
@@ -1685,8 +1686,8 @@
         </a:p>
       </dsp:txBody>
       <dsp:txXfrm>
-        <a:off x="4079515" y="3571760"/>
-        <a:ext cx="36368" cy="7273"/>
+        <a:off x="2964116" y="2412984"/>
+        <a:ext cx="24575" cy="4915"/>
       </dsp:txXfrm>
     </dsp:sp>
     <dsp:sp modelId="{FAF0D9F0-0222-4DD0-9339-4AC2868E153D}">
@@ -1696,8 +1697,8 @@
       </dsp:nvSpPr>
       <dsp:spPr>
         <a:xfrm>
-          <a:off x="588669" y="2626663"/>
-          <a:ext cx="3162448" cy="1897469"/>
+          <a:off x="610788" y="1774352"/>
+          <a:ext cx="2136964" cy="1282178"/>
         </a:xfrm>
         <a:prstGeom prst="rect">
           <a:avLst/>
@@ -1738,12 +1739,12 @@
         </a:fontRef>
       </dsp:style>
       <dsp:txBody>
-        <a:bodyPr spcFirstLastPara="0" vert="horz" wrap="square" lIns="234696" tIns="234696" rIns="234696" bIns="234696" numCol="1" spcCol="1270" anchor="ctr" anchorCtr="0">
+        <a:bodyPr spcFirstLastPara="0" vert="horz" wrap="square" lIns="156464" tIns="156464" rIns="156464" bIns="156464" numCol="1" spcCol="1270" anchor="ctr" anchorCtr="0">
           <a:noAutofit/>
         </a:bodyPr>
         <a:lstStyle/>
         <a:p>
-          <a:pPr lvl="0" algn="ctr" defTabSz="1466850">
+          <a:pPr lvl="0" algn="ctr" defTabSz="977900">
             <a:lnSpc>
               <a:spcPct val="90000"/>
             </a:lnSpc>
@@ -1755,23 +1756,23 @@
             </a:spcAft>
           </a:pPr>
           <a:r>
-            <a:rPr lang="sv-SE" sz="3300" kern="1200" dirty="0" smtClean="0"/>
+            <a:rPr lang="sv-SE" sz="2200" kern="1200" dirty="0" smtClean="0"/>
             <a:t>ASP.NET </a:t>
           </a:r>
           <a:r>
-            <a:rPr lang="sv-SE" sz="3300" kern="1200" dirty="0" err="1" smtClean="0"/>
+            <a:rPr lang="sv-SE" sz="2200" kern="1200" dirty="0" err="1" smtClean="0"/>
             <a:t>Identity</a:t>
           </a:r>
           <a:r>
-            <a:rPr lang="sv-SE" sz="3300" kern="1200" dirty="0" smtClean="0"/>
+            <a:rPr lang="sv-SE" sz="2200" kern="1200" dirty="0" smtClean="0"/>
             <a:t> 1.0 (2013)</a:t>
           </a:r>
-          <a:endParaRPr lang="en-GB" sz="3300" kern="1200" dirty="0"/>
+          <a:endParaRPr lang="en-GB" sz="2200" kern="1200" dirty="0"/>
         </a:p>
       </dsp:txBody>
       <dsp:txXfrm>
-        <a:off x="588669" y="2626663"/>
-        <a:ext cx="3162448" cy="1897469"/>
+        <a:off x="610788" y="1774352"/>
+        <a:ext cx="2136964" cy="1282178"/>
       </dsp:txXfrm>
     </dsp:sp>
     <dsp:sp modelId="{A6174F81-839C-4A64-8ADB-4F3A6658691A}">
@@ -1781,8 +1782,8 @@
       </dsp:nvSpPr>
       <dsp:spPr>
         <a:xfrm>
-          <a:off x="4478481" y="2626663"/>
-          <a:ext cx="3162448" cy="1897469"/>
+          <a:off x="3239254" y="1774352"/>
+          <a:ext cx="2136964" cy="1282178"/>
         </a:xfrm>
         <a:prstGeom prst="rect">
           <a:avLst/>
@@ -1823,12 +1824,12 @@
         </a:fontRef>
       </dsp:style>
       <dsp:txBody>
-        <a:bodyPr spcFirstLastPara="0" vert="horz" wrap="square" lIns="234696" tIns="234696" rIns="234696" bIns="234696" numCol="1" spcCol="1270" anchor="ctr" anchorCtr="0">
+        <a:bodyPr spcFirstLastPara="0" vert="horz" wrap="square" lIns="156464" tIns="156464" rIns="156464" bIns="156464" numCol="1" spcCol="1270" anchor="ctr" anchorCtr="0">
           <a:noAutofit/>
         </a:bodyPr>
         <a:lstStyle/>
         <a:p>
-          <a:pPr lvl="0" algn="ctr" defTabSz="1466850">
+          <a:pPr lvl="0" algn="ctr" defTabSz="977900">
             <a:lnSpc>
               <a:spcPct val="90000"/>
             </a:lnSpc>
@@ -1840,23 +1841,23 @@
             </a:spcAft>
           </a:pPr>
           <a:r>
-            <a:rPr lang="sv-SE" sz="3300" kern="1200" dirty="0" smtClean="0"/>
+            <a:rPr lang="sv-SE" sz="2200" kern="1200" dirty="0" smtClean="0"/>
             <a:t>ASP.NET </a:t>
           </a:r>
           <a:r>
-            <a:rPr lang="sv-SE" sz="3300" kern="1200" dirty="0" err="1" smtClean="0"/>
+            <a:rPr lang="sv-SE" sz="2200" kern="1200" dirty="0" err="1" smtClean="0"/>
             <a:t>Identity</a:t>
           </a:r>
           <a:r>
-            <a:rPr lang="sv-SE" sz="3300" kern="1200" dirty="0" smtClean="0"/>
+            <a:rPr lang="sv-SE" sz="2200" kern="1200" dirty="0" smtClean="0"/>
             <a:t> 2.0 (2014)</a:t>
           </a:r>
-          <a:endParaRPr lang="en-GB" sz="3300" kern="1200" dirty="0"/>
+          <a:endParaRPr lang="en-GB" sz="2200" kern="1200" dirty="0"/>
         </a:p>
       </dsp:txBody>
       <dsp:txXfrm>
-        <a:off x="4478481" y="2626663"/>
-        <a:ext cx="3162448" cy="1897469"/>
+        <a:off x="3239254" y="1774352"/>
+        <a:ext cx="2136964" cy="1282178"/>
       </dsp:txXfrm>
     </dsp:sp>
   </dsp:spTree>
@@ -3167,7 +3168,7 @@
           <a:p>
             <a:fld id="{B5922E6D-3451-482A-A64F-C89F139BA51A}" type="datetimeFigureOut">
               <a:rPr lang="en-US" smtClean="0"/>
-              <a:t>11/12/2014</a:t>
+              <a:t>11/14/2014</a:t>
             </a:fld>
             <a:endParaRPr lang="en-US"/>
           </a:p>
@@ -3332,7 +3333,7 @@
           <a:p>
             <a:fld id="{05247E74-41DE-40FA-A7A7-A655366ADCFA}" type="datetimeFigureOut">
               <a:rPr lang="sv-SE" smtClean="0"/>
-              <a:t>2014-11-12</a:t>
+              <a:t>2014-11-14</a:t>
             </a:fld>
             <a:endParaRPr lang="sv-SE"/>
           </a:p>
@@ -4308,7 +4309,7 @@
           <a:p>
             <a:fld id="{DB41BBF1-8D56-4061-8DE2-461FDAC177EF}" type="datetimeFigureOut">
               <a:rPr lang="sv-SE" smtClean="0"/>
-              <a:t>2014-11-12</a:t>
+              <a:t>2014-11-14</a:t>
             </a:fld>
             <a:endParaRPr lang="sv-SE"/>
           </a:p>
@@ -4572,7 +4573,7 @@
           <a:p>
             <a:fld id="{DB41BBF1-8D56-4061-8DE2-461FDAC177EF}" type="datetimeFigureOut">
               <a:rPr lang="sv-SE" smtClean="0"/>
-              <a:t>2014-11-12</a:t>
+              <a:t>2014-11-14</a:t>
             </a:fld>
             <a:endParaRPr lang="sv-SE"/>
           </a:p>
@@ -4749,7 +4750,7 @@
           <a:p>
             <a:fld id="{DB41BBF1-8D56-4061-8DE2-461FDAC177EF}" type="datetimeFigureOut">
               <a:rPr lang="sv-SE" smtClean="0"/>
-              <a:t>2014-11-12</a:t>
+              <a:t>2014-11-14</a:t>
             </a:fld>
             <a:endParaRPr lang="sv-SE"/>
           </a:p>
@@ -4936,7 +4937,7 @@
           <a:p>
             <a:fld id="{DB41BBF1-8D56-4061-8DE2-461FDAC177EF}" type="datetimeFigureOut">
               <a:rPr lang="sv-SE" smtClean="0"/>
-              <a:t>2014-11-12</a:t>
+              <a:t>2014-11-14</a:t>
             </a:fld>
             <a:endParaRPr lang="sv-SE"/>
           </a:p>
@@ -5200,7 +5201,7 @@
           <a:p>
             <a:fld id="{DB41BBF1-8D56-4061-8DE2-461FDAC177EF}" type="datetimeFigureOut">
               <a:rPr lang="sv-SE" smtClean="0"/>
-              <a:t>2014-11-12</a:t>
+              <a:t>2014-11-14</a:t>
             </a:fld>
             <a:endParaRPr lang="sv-SE"/>
           </a:p>
@@ -5377,7 +5378,7 @@
           <a:p>
             <a:fld id="{DB41BBF1-8D56-4061-8DE2-461FDAC177EF}" type="datetimeFigureOut">
               <a:rPr lang="sv-SE" smtClean="0"/>
-              <a:t>2014-11-12</a:t>
+              <a:t>2014-11-14</a:t>
             </a:fld>
             <a:endParaRPr lang="sv-SE"/>
           </a:p>
@@ -5630,7 +5631,7 @@
           <a:p>
             <a:fld id="{DB41BBF1-8D56-4061-8DE2-461FDAC177EF}" type="datetimeFigureOut">
               <a:rPr lang="sv-SE" smtClean="0"/>
-              <a:t>2014-11-12</a:t>
+              <a:t>2014-11-14</a:t>
             </a:fld>
             <a:endParaRPr lang="sv-SE"/>
           </a:p>
@@ -5925,7 +5926,7 @@
           <a:p>
             <a:fld id="{DB41BBF1-8D56-4061-8DE2-461FDAC177EF}" type="datetimeFigureOut">
               <a:rPr lang="sv-SE" smtClean="0"/>
-              <a:t>2014-11-12</a:t>
+              <a:t>2014-11-14</a:t>
             </a:fld>
             <a:endParaRPr lang="sv-SE"/>
           </a:p>
@@ -6354,7 +6355,7 @@
           <a:p>
             <a:fld id="{DB41BBF1-8D56-4061-8DE2-461FDAC177EF}" type="datetimeFigureOut">
               <a:rPr lang="sv-SE" smtClean="0"/>
-              <a:t>2014-11-12</a:t>
+              <a:t>2014-11-14</a:t>
             </a:fld>
             <a:endParaRPr lang="sv-SE"/>
           </a:p>
@@ -6479,7 +6480,7 @@
           <a:p>
             <a:fld id="{DB41BBF1-8D56-4061-8DE2-461FDAC177EF}" type="datetimeFigureOut">
               <a:rPr lang="sv-SE" smtClean="0"/>
-              <a:t>2014-11-12</a:t>
+              <a:t>2014-11-14</a:t>
             </a:fld>
             <a:endParaRPr lang="sv-SE"/>
           </a:p>
@@ -6581,7 +6582,7 @@
           <a:p>
             <a:fld id="{DB41BBF1-8D56-4061-8DE2-461FDAC177EF}" type="datetimeFigureOut">
               <a:rPr lang="sv-SE" smtClean="0"/>
-              <a:t>2014-11-12</a:t>
+              <a:t>2014-11-14</a:t>
             </a:fld>
             <a:endParaRPr lang="sv-SE"/>
           </a:p>
@@ -6865,7 +6866,7 @@
           <a:p>
             <a:fld id="{DB41BBF1-8D56-4061-8DE2-461FDAC177EF}" type="datetimeFigureOut">
               <a:rPr lang="sv-SE" smtClean="0"/>
-              <a:t>2014-11-12</a:t>
+              <a:t>2014-11-14</a:t>
             </a:fld>
             <a:endParaRPr lang="sv-SE"/>
           </a:p>
@@ -7093,7 +7094,7 @@
           <a:p>
             <a:fld id="{DB41BBF1-8D56-4061-8DE2-461FDAC177EF}" type="datetimeFigureOut">
               <a:rPr lang="sv-SE" smtClean="0"/>
-              <a:t>2014-11-12</a:t>
+              <a:t>2014-11-14</a:t>
             </a:fld>
             <a:endParaRPr lang="sv-SE"/>
           </a:p>
@@ -7696,8 +7697,8 @@
         </p:nvSpPr>
         <p:spPr>
           <a:xfrm>
-            <a:off x="457200" y="1124744"/>
-            <a:ext cx="8229600" cy="4525963"/>
+            <a:off x="251520" y="1628800"/>
+            <a:ext cx="8640960" cy="4021907"/>
           </a:xfrm>
         </p:spPr>
         <p:txBody>
@@ -7711,29 +7712,8 @@
             </a:pPr>
             <a:r>
               <a:rPr lang="en-US" dirty="0" smtClean="0"/>
-              <a:t>If you are using an earlier version of Visual Studio, the templates listed in the previous slide does not contain ASP.NET Identity. </a:t>
-            </a:r>
-          </a:p>
-          <a:p>
-            <a:pPr marL="0" lvl="0" indent="0">
-              <a:buNone/>
-            </a:pPr>
-            <a:r>
-              <a:rPr lang="en-US" dirty="0" smtClean="0"/>
-              <a:t>However you can easily add ASP.NET Identity via the Package Manager Console, and implement your own functionality </a:t>
-            </a:r>
-          </a:p>
-          <a:p>
-            <a:pPr marL="0" lvl="0" indent="0">
-              <a:buNone/>
-            </a:pPr>
-            <a:endParaRPr lang="en-US" dirty="0"/>
-          </a:p>
-          <a:p>
-            <a:pPr marL="0" lvl="0" indent="0">
-              <a:buNone/>
-            </a:pPr>
-            <a:endParaRPr lang="en-US" dirty="0" smtClean="0"/>
+              <a:t>You can easily add ASP.NET Identity via the Package Manager Console, and implement your own functionality</a:t>
+            </a:r>
           </a:p>
         </p:txBody>
       </p:sp>
@@ -7747,7 +7727,7 @@
         </p:nvSpPr>
         <p:spPr bwMode="auto">
           <a:xfrm>
-            <a:off x="427484" y="4077072"/>
+            <a:off x="457200" y="3717032"/>
             <a:ext cx="8229600" cy="877163"/>
           </a:xfrm>
           <a:prstGeom prst="rect">
@@ -7971,8 +7951,8 @@
         </p:nvSpPr>
         <p:spPr>
           <a:xfrm>
-            <a:off x="107505" y="1124744"/>
-            <a:ext cx="9036038" cy="4525963"/>
+            <a:off x="179511" y="1124744"/>
+            <a:ext cx="8784977" cy="4525963"/>
           </a:xfrm>
         </p:spPr>
         <p:txBody>
@@ -7998,7 +7978,7 @@
           <a:p>
             <a:r>
               <a:rPr lang="en-US" dirty="0" smtClean="0"/>
-              <a:t>When your application will handle a large number of external users</a:t>
+              <a:t>When your application will handle a number of external users</a:t>
             </a:r>
           </a:p>
           <a:p>
@@ -8016,7 +7996,7 @@
           <a:p>
             <a:r>
               <a:rPr lang="en-US" dirty="0" smtClean="0"/>
-              <a:t>When you want your application to have a secure and strong safety structure</a:t>
+              <a:t>When you want your application to follow the best practices of modern security</a:t>
             </a:r>
           </a:p>
         </p:txBody>
@@ -8115,22 +8095,42 @@
               <a:buNone/>
             </a:pPr>
             <a:r>
-              <a:rPr lang="sv-SE" sz="3200" dirty="0"/>
+              <a:rPr lang="sv-SE" sz="3200" dirty="0">
+                <a:solidFill>
+                  <a:srgbClr val="77933C"/>
+                </a:solidFill>
+              </a:rPr>
               <a:t>B</a:t>
             </a:r>
             <a:r>
-              <a:rPr lang="sv-SE" sz="3200" dirty="0" smtClean="0"/>
+              <a:rPr lang="sv-SE" sz="3200" dirty="0" smtClean="0">
+                <a:solidFill>
+                  <a:srgbClr val="77933C"/>
+                </a:solidFill>
+              </a:rPr>
               <a:t>efore ASP.NET </a:t>
             </a:r>
             <a:r>
-              <a:rPr lang="sv-SE" sz="3200" dirty="0" err="1" smtClean="0"/>
+              <a:rPr lang="sv-SE" sz="3200" dirty="0" err="1" smtClean="0">
+                <a:solidFill>
+                  <a:srgbClr val="77933C"/>
+                </a:solidFill>
+              </a:rPr>
               <a:t>Identity</a:t>
             </a:r>
             <a:r>
-              <a:rPr lang="sv-SE" sz="3200" dirty="0" smtClean="0"/>
+              <a:rPr lang="sv-SE" sz="3200" dirty="0" smtClean="0">
+                <a:solidFill>
+                  <a:srgbClr val="77933C"/>
+                </a:solidFill>
+              </a:rPr>
               <a:t>?</a:t>
             </a:r>
-            <a:endParaRPr lang="en-GB" sz="3200" dirty="0"/>
+            <a:endParaRPr lang="en-GB" sz="3200" dirty="0">
+              <a:solidFill>
+                <a:srgbClr val="77933C"/>
+              </a:solidFill>
+            </a:endParaRPr>
           </a:p>
         </p:txBody>
       </p:sp>
@@ -8225,14 +8225,14 @@
             <p:ph idx="1"/>
             <p:extLst>
               <p:ext uri="{D42A27DB-BD31-4B8C-83A1-F6EECF244321}">
-                <p14:modId xmlns:p14="http://schemas.microsoft.com/office/powerpoint/2010/main" val="2839272457"/>
+                <p14:modId xmlns:p14="http://schemas.microsoft.com/office/powerpoint/2010/main" val="2485207265"/>
               </p:ext>
             </p:extLst>
           </p:nvPr>
         </p:nvGraphicFramePr>
         <p:xfrm>
-          <a:off x="457200" y="1600200"/>
-          <a:ext cx="8229600" cy="4525963"/>
+          <a:off x="1547664" y="1916832"/>
+          <a:ext cx="5987008" cy="3057203"/>
         </p:xfrm>
         <a:graphic>
           <a:graphicData uri="http://schemas.openxmlformats.org/drawingml/2006/diagram">
@@ -8345,8 +8345,12 @@
               <a:buNone/>
             </a:pPr>
             <a:r>
-              <a:rPr lang="en-US" sz="3200" b="1" dirty="0" smtClean="0"/>
-              <a:t>General flaws with the previous security libraries. </a:t>
+              <a:rPr lang="en-US" sz="3200" b="1" dirty="0" smtClean="0">
+                <a:solidFill>
+                  <a:srgbClr val="77933C"/>
+                </a:solidFill>
+              </a:rPr>
+              <a:t>General flaws with the previous security libraries: </a:t>
             </a:r>
           </a:p>
           <a:p>
@@ -8358,7 +8362,7 @@
           <a:p>
             <a:r>
               <a:rPr lang="en-US" sz="2400" dirty="0" smtClean="0"/>
-              <a:t>Difficulties adding custom data to the database  </a:t>
+              <a:t>Difficulties adding additional information to the user-identity.  </a:t>
             </a:r>
           </a:p>
           <a:p>
@@ -8595,7 +8599,11 @@
               <a:buNone/>
             </a:pPr>
             <a:r>
-              <a:rPr lang="en-US" sz="3200" b="1" dirty="0" smtClean="0"/>
+              <a:rPr lang="en-US" sz="3200" b="1" dirty="0" smtClean="0">
+                <a:solidFill>
+                  <a:srgbClr val="77933C"/>
+                </a:solidFill>
+              </a:rPr>
               <a:t>ASP.NET Membership</a:t>
             </a:r>
           </a:p>
@@ -8638,7 +8646,7 @@
           <a:p>
             <a:r>
               <a:rPr lang="en-US" sz="2400" dirty="0" smtClean="0"/>
-              <a:t>Does not follow SRP (Single Responsibility Principle)</a:t>
+              <a:t>Poor architecture</a:t>
             </a:r>
             <a:endParaRPr lang="en-US" sz="2400" dirty="0"/>
           </a:p>
@@ -8746,7 +8754,11 @@
               <a:buNone/>
             </a:pPr>
             <a:r>
-              <a:rPr lang="en-US" sz="3200" b="1" dirty="0" smtClean="0"/>
+              <a:rPr lang="en-US" sz="3200" b="1" dirty="0" smtClean="0">
+                <a:solidFill>
+                  <a:srgbClr val="77933C"/>
+                </a:solidFill>
+              </a:rPr>
               <a:t>ASP.NET Simple Membership</a:t>
             </a:r>
           </a:p>
@@ -8792,13 +8804,6 @@
               <a:rPr lang="en-US" sz="2400" dirty="0" smtClean="0"/>
               <a:t>Tied to Microsoft databases (SQL)</a:t>
             </a:r>
-          </a:p>
-          <a:p>
-            <a:r>
-              <a:rPr lang="en-US" sz="2400" dirty="0" smtClean="0"/>
-              <a:t>Does not follow SRP</a:t>
-            </a:r>
-            <a:endParaRPr lang="en-US" sz="2400" dirty="0"/>
           </a:p>
         </p:txBody>
       </p:sp>
@@ -8893,7 +8898,12 @@
             <p:ph idx="1"/>
           </p:nvPr>
         </p:nvSpPr>
-        <p:spPr/>
+        <p:spPr>
+          <a:xfrm>
+            <a:off x="457200" y="1124744"/>
+            <a:ext cx="8229600" cy="5001419"/>
+          </a:xfrm>
+        </p:spPr>
         <p:txBody>
           <a:bodyPr>
             <a:normAutofit/>
@@ -8904,7 +8914,11 @@
               <a:buNone/>
             </a:pPr>
             <a:r>
-              <a:rPr lang="en-US" sz="3200" b="1" dirty="0" smtClean="0"/>
+              <a:rPr lang="en-US" sz="3200" b="1" dirty="0" smtClean="0">
+                <a:solidFill>
+                  <a:srgbClr val="77933C"/>
+                </a:solidFill>
+              </a:rPr>
               <a:t>ASP.NET Identity 1.0</a:t>
             </a:r>
           </a:p>
@@ -8942,6 +8956,18 @@
               <a:t>Oauth</a:t>
             </a:r>
             <a:endParaRPr lang="en-US" sz="2400" dirty="0" smtClean="0"/>
+          </a:p>
+          <a:p>
+            <a:r>
+              <a:rPr lang="en-US" sz="2400" dirty="0" smtClean="0"/>
+              <a:t>Supports external Identity providers</a:t>
+            </a:r>
+          </a:p>
+          <a:p>
+            <a:r>
+              <a:rPr lang="en-US" sz="2400" dirty="0" smtClean="0"/>
+              <a:t>Supports customized databases</a:t>
+            </a:r>
           </a:p>
           <a:p>
             <a:r>
@@ -9059,7 +9085,11 @@
               <a:buNone/>
             </a:pPr>
             <a:r>
-              <a:rPr lang="en-US" sz="3200" b="1" dirty="0" smtClean="0"/>
+              <a:rPr lang="en-US" sz="3200" b="1" dirty="0" smtClean="0">
+                <a:solidFill>
+                  <a:srgbClr val="77933C"/>
+                </a:solidFill>
+              </a:rPr>
               <a:t>ASP.NET Identity 2.0</a:t>
             </a:r>
           </a:p>
@@ -9096,13 +9126,8 @@
           <a:p>
             <a:r>
               <a:rPr lang="en-US" sz="2400" dirty="0" smtClean="0"/>
-              <a:t>Account </a:t>
-            </a:r>
-            <a:r>
-              <a:rPr lang="en-US" sz="2400" dirty="0" smtClean="0"/>
-              <a:t>lockout (Configure lockout time and number of attempts)</a:t>
-            </a:r>
-            <a:endParaRPr lang="en-US" sz="2400" dirty="0" smtClean="0"/>
+              <a:t>Account lockout (Configure lockout time and number of attempts)</a:t>
+            </a:r>
           </a:p>
           <a:p>
             <a:r>
@@ -9298,13 +9323,6 @@
               <a:rPr lang="en-US" sz="2400" dirty="0" smtClean="0"/>
               <a:t> </a:t>
             </a:r>
-            <a:endParaRPr lang="en-GB" sz="2400" dirty="0" smtClean="0"/>
-          </a:p>
-          <a:p>
-            <a:r>
-              <a:rPr lang="en-GB" sz="2400" dirty="0" smtClean="0"/>
-              <a:t>Pro ASP.NET MVC 5 Platform</a:t>
-            </a:r>
             <a:r>
               <a:rPr lang="en-GB" dirty="0" smtClean="0"/>
               <a:t/>
@@ -9322,47 +9340,6 @@
           </a:p>
         </p:txBody>
       </p:sp>
-      <p:pic>
-        <p:nvPicPr>
-          <p:cNvPr id="1026" name="Picture 2" descr="http://dl.ebook-dl.com/Picture/PicPage/Pro-ASP-Net-MVC-5-Platform-Adam-Freeman(www.ebook-dl.com)_Large.jpg"/>
-          <p:cNvPicPr>
-            <a:picLocks noChangeAspect="1" noChangeArrowheads="1"/>
-          </p:cNvPicPr>
-          <p:nvPr/>
-        </p:nvPicPr>
-        <p:blipFill>
-          <a:blip r:embed="rId6" cstate="print">
-            <a:extLst>
-              <a:ext uri="{28A0092B-C50C-407E-A947-70E740481C1C}">
-                <a14:useLocalDpi xmlns:a14="http://schemas.microsoft.com/office/drawing/2010/main" val="0"/>
-              </a:ext>
-            </a:extLst>
-          </a:blip>
-          <a:srcRect/>
-          <a:stretch>
-            <a:fillRect/>
-          </a:stretch>
-        </p:blipFill>
-        <p:spPr bwMode="auto">
-          <a:xfrm>
-            <a:off x="395536" y="4653136"/>
-            <a:ext cx="1519693" cy="1872208"/>
-          </a:xfrm>
-          <a:prstGeom prst="rect">
-            <a:avLst/>
-          </a:prstGeom>
-          <a:noFill/>
-          <a:extLst>
-            <a:ext uri="{909E8E84-426E-40DD-AFC4-6F175D3DCCD1}">
-              <a14:hiddenFill xmlns:a14="http://schemas.microsoft.com/office/drawing/2010/main">
-                <a:solidFill>
-                  <a:srgbClr val="FFFFFF"/>
-                </a:solidFill>
-              </a14:hiddenFill>
-            </a:ext>
-          </a:extLst>
-        </p:spPr>
-      </p:pic>
     </p:spTree>
     <p:extLst>
       <p:ext uri="{BB962C8B-B14F-4D97-AF65-F5344CB8AC3E}">
@@ -9567,6 +9544,132 @@
 </p:sld>
 </file>
 
+<file path=ppt/slides/slide20.xml><?xml version="1.0" encoding="utf-8"?>
+<p:sld xmlns:a="http://schemas.openxmlformats.org/drawingml/2006/main" xmlns:r="http://schemas.openxmlformats.org/officeDocument/2006/relationships" xmlns:p="http://schemas.openxmlformats.org/presentationml/2006/main">
+  <p:cSld>
+    <p:spTree>
+      <p:nvGrpSpPr>
+        <p:cNvPr id="1" name=""/>
+        <p:cNvGrpSpPr/>
+        <p:nvPr/>
+      </p:nvGrpSpPr>
+      <p:grpSpPr>
+        <a:xfrm>
+          <a:off x="0" y="0"/>
+          <a:ext cx="0" cy="0"/>
+          <a:chOff x="0" y="0"/>
+          <a:chExt cx="0" cy="0"/>
+        </a:xfrm>
+      </p:grpSpPr>
+      <p:sp>
+        <p:nvSpPr>
+          <p:cNvPr id="2" name="Rubrik 1"/>
+          <p:cNvSpPr>
+            <a:spLocks noGrp="1"/>
+          </p:cNvSpPr>
+          <p:nvPr>
+            <p:ph type="title"/>
+          </p:nvPr>
+        </p:nvSpPr>
+        <p:spPr/>
+        <p:txBody>
+          <a:bodyPr/>
+          <a:lstStyle/>
+          <a:p>
+            <a:r>
+              <a:rPr lang="en-US" dirty="0" smtClean="0"/>
+              <a:t>Resources</a:t>
+            </a:r>
+            <a:endParaRPr lang="en-US" dirty="0"/>
+          </a:p>
+        </p:txBody>
+      </p:sp>
+      <p:sp>
+        <p:nvSpPr>
+          <p:cNvPr id="3" name="Platshållare för innehåll 2"/>
+          <p:cNvSpPr>
+            <a:spLocks noGrp="1"/>
+          </p:cNvSpPr>
+          <p:nvPr>
+            <p:ph idx="1"/>
+          </p:nvPr>
+        </p:nvSpPr>
+        <p:spPr/>
+        <p:txBody>
+          <a:bodyPr/>
+          <a:lstStyle/>
+          <a:p>
+            <a:r>
+              <a:rPr lang="en-GB" dirty="0"/>
+              <a:t>Pro ASP.NET MVC 5 </a:t>
+            </a:r>
+            <a:r>
+              <a:rPr lang="en-GB" dirty="0" smtClean="0"/>
+              <a:t>Platform</a:t>
+            </a:r>
+          </a:p>
+          <a:p>
+            <a:pPr marL="0" indent="0">
+              <a:buNone/>
+            </a:pPr>
+            <a:endParaRPr lang="en-GB" dirty="0"/>
+          </a:p>
+        </p:txBody>
+      </p:sp>
+      <p:pic>
+        <p:nvPicPr>
+          <p:cNvPr id="4" name="Picture 2" descr="http://dl.ebook-dl.com/Picture/PicPage/Pro-ASP-Net-MVC-5-Platform-Adam-Freeman(www.ebook-dl.com)_Large.jpg"/>
+          <p:cNvPicPr>
+            <a:picLocks noChangeAspect="1" noChangeArrowheads="1"/>
+          </p:cNvPicPr>
+          <p:nvPr/>
+        </p:nvPicPr>
+        <p:blipFill>
+          <a:blip r:embed="rId2" cstate="print">
+            <a:extLst>
+              <a:ext uri="{28A0092B-C50C-407E-A947-70E740481C1C}">
+                <a14:useLocalDpi xmlns:a14="http://schemas.microsoft.com/office/drawing/2010/main" val="0"/>
+              </a:ext>
+            </a:extLst>
+          </a:blip>
+          <a:srcRect/>
+          <a:stretch>
+            <a:fillRect/>
+          </a:stretch>
+        </p:blipFill>
+        <p:spPr bwMode="auto">
+          <a:xfrm>
+            <a:off x="899592" y="2276872"/>
+            <a:ext cx="1519693" cy="1872208"/>
+          </a:xfrm>
+          <a:prstGeom prst="rect">
+            <a:avLst/>
+          </a:prstGeom>
+          <a:noFill/>
+          <a:extLst>
+            <a:ext uri="{909E8E84-426E-40DD-AFC4-6F175D3DCCD1}">
+              <a14:hiddenFill xmlns:a14="http://schemas.microsoft.com/office/drawing/2010/main">
+                <a:solidFill>
+                  <a:srgbClr val="FFFFFF"/>
+                </a:solidFill>
+              </a14:hiddenFill>
+            </a:ext>
+          </a:extLst>
+        </p:spPr>
+      </p:pic>
+    </p:spTree>
+    <p:extLst>
+      <p:ext uri="{BB962C8B-B14F-4D97-AF65-F5344CB8AC3E}">
+        <p14:creationId xmlns:p14="http://schemas.microsoft.com/office/powerpoint/2010/main" val="665052568"/>
+      </p:ext>
+    </p:extLst>
+  </p:cSld>
+  <p:clrMapOvr>
+    <a:masterClrMapping/>
+  </p:clrMapOvr>
+</p:sld>
+</file>
+
 <file path=ppt/slides/slide3.xml><?xml version="1.0" encoding="utf-8"?>
 <p:sld xmlns:a="http://schemas.openxmlformats.org/drawingml/2006/main" xmlns:r="http://schemas.openxmlformats.org/officeDocument/2006/relationships" xmlns:p="http://schemas.openxmlformats.org/presentationml/2006/main">
   <p:cSld>
@@ -9653,7 +9756,7 @@
             </a:pPr>
             <a:r>
               <a:rPr lang="en-GB" sz="3200" dirty="0" smtClean="0"/>
-              <a:t>ASP.NET was developed to create a robust security solution which can cope with modern demands.</a:t>
+              <a:t>ASP.NET Identity was developed to create a robust security solution which can cope with modern demands.</a:t>
             </a:r>
             <a:br>
               <a:rPr lang="en-GB" sz="3200" dirty="0" smtClean="0"/>
@@ -9667,6 +9770,21 @@
             <a:r>
               <a:rPr lang="en-GB" sz="3200" dirty="0" smtClean="0"/>
               <a:t>It also relieves the developers from creating a new user management system for every new application.</a:t>
+            </a:r>
+          </a:p>
+          <a:p>
+            <a:pPr marL="0" lvl="0" indent="0" algn="ctr">
+              <a:buNone/>
+            </a:pPr>
+            <a:endParaRPr lang="en-GB" sz="3200" dirty="0"/>
+          </a:p>
+          <a:p>
+            <a:pPr marL="0" lvl="0" indent="0" algn="ctr">
+              <a:buNone/>
+            </a:pPr>
+            <a:r>
+              <a:rPr lang="en-GB" sz="3200" dirty="0" smtClean="0"/>
+              <a:t>Giving us a framework for creating secure and modern security solutions.</a:t>
             </a:r>
           </a:p>
           <a:p>
@@ -9876,7 +9994,15 @@
             </a:pPr>
             <a:r>
               <a:rPr lang="en-US" sz="3200" dirty="0" smtClean="0"/>
-              <a:t>ASP.NET Identity is the current security library from Microsoft.</a:t>
+              <a:t>ASP.NET Identity is </a:t>
+            </a:r>
+            <a:r>
+              <a:rPr lang="en-US" sz="3200" dirty="0"/>
+              <a:t>a</a:t>
+            </a:r>
+            <a:r>
+              <a:rPr lang="en-US" sz="3200" dirty="0" smtClean="0"/>
+              <a:t> security library from Microsoft, part of the .NET stack.</a:t>
             </a:r>
             <a:br>
               <a:rPr lang="en-US" sz="3200" dirty="0" smtClean="0"/>
@@ -9905,7 +10031,7 @@
             </a:pPr>
             <a:r>
               <a:rPr lang="en-US" sz="3200" dirty="0" smtClean="0"/>
-              <a:t>It comes with the latest safety features such as:</a:t>
+              <a:t>It comes with modern safety features like:</a:t>
             </a:r>
           </a:p>
           <a:p>
@@ -9925,6 +10051,12 @@
             <a:r>
               <a:rPr lang="en-US" sz="2400" dirty="0" smtClean="0"/>
               <a:t>Improved password handling</a:t>
+            </a:r>
+          </a:p>
+          <a:p>
+            <a:r>
+              <a:rPr lang="en-US" sz="2400" dirty="0" smtClean="0"/>
+              <a:t>Delegated authorization</a:t>
             </a:r>
           </a:p>
           <a:p>
@@ -10015,47 +10147,72 @@
         </p:nvSpPr>
         <p:spPr>
           <a:xfrm>
-            <a:off x="251520" y="1639341"/>
-            <a:ext cx="8640960" cy="4525963"/>
+            <a:off x="251520" y="764705"/>
+            <a:ext cx="8640960" cy="5400600"/>
           </a:xfrm>
         </p:spPr>
         <p:txBody>
-          <a:bodyPr/>
+          <a:bodyPr>
+            <a:noAutofit/>
+          </a:bodyPr>
           <a:lstStyle/>
           <a:p>
             <a:pPr marL="0" lvl="0" indent="0">
               <a:buNone/>
             </a:pPr>
             <a:r>
-              <a:rPr lang="en-GB" sz="3200" b="1" dirty="0" smtClean="0"/>
+              <a:rPr lang="en-GB" dirty="0" smtClean="0"/>
+              <a:t>ASP.NET Identity also gives us delegated authorization, using for example </a:t>
+            </a:r>
+            <a:r>
+              <a:rPr lang="en-GB" dirty="0" err="1" smtClean="0"/>
+              <a:t>OAuth</a:t>
+            </a:r>
+            <a:r>
+              <a:rPr lang="en-GB" dirty="0" smtClean="0"/>
+              <a:t>.</a:t>
+            </a:r>
+          </a:p>
+          <a:p>
+            <a:pPr marL="0" lvl="0" indent="0">
+              <a:buNone/>
+            </a:pPr>
+            <a:endParaRPr lang="en-GB" dirty="0" smtClean="0"/>
+          </a:p>
+          <a:p>
+            <a:pPr marL="0" lvl="0" indent="0">
+              <a:buNone/>
+            </a:pPr>
+            <a:r>
+              <a:rPr lang="en-GB" dirty="0" smtClean="0"/>
               <a:t>Easy </a:t>
             </a:r>
             <a:r>
-              <a:rPr lang="en-GB" sz="3200" b="1" dirty="0"/>
+              <a:rPr lang="en-GB" dirty="0"/>
               <a:t>use of social login </a:t>
             </a:r>
             <a:r>
-              <a:rPr lang="en-GB" sz="3200" b="1" dirty="0" smtClean="0"/>
+              <a:rPr lang="en-GB" dirty="0" smtClean="0"/>
               <a:t>providers thanks to </a:t>
             </a:r>
             <a:r>
-              <a:rPr lang="en-GB" sz="3200" b="1" dirty="0" err="1" smtClean="0"/>
+              <a:rPr lang="en-GB" dirty="0" err="1" smtClean="0"/>
               <a:t>OAuth</a:t>
             </a:r>
-            <a:endParaRPr lang="en-GB" sz="3200" b="1" dirty="0" smtClean="0"/>
+            <a:endParaRPr lang="en-GB" dirty="0" smtClean="0"/>
           </a:p>
           <a:p>
             <a:pPr marL="0" indent="0">
               <a:buNone/>
             </a:pPr>
-            <a:endParaRPr lang="en-US" sz="3200" dirty="0" smtClean="0"/>
+            <a:endParaRPr lang="en-US" dirty="0" smtClean="0"/>
           </a:p>
           <a:p>
             <a:pPr marL="0" indent="0">
               <a:buNone/>
             </a:pPr>
             <a:r>
-              <a:rPr lang="en-US" sz="3200" dirty="0" smtClean="0"/>
+              <a:rPr lang="en-US" dirty="0" smtClean="0"/>
               <a:t>Allowing you to delegate the user authentication process.</a:t>
             </a:r>
           </a:p>
@@ -10063,17 +10220,231 @@
             <a:pPr marL="0" indent="0">
               <a:buNone/>
             </a:pPr>
-            <a:endParaRPr lang="en-US" sz="3200" dirty="0" smtClean="0"/>
+            <a:endParaRPr lang="en-US" dirty="0" smtClean="0"/>
           </a:p>
           <a:p>
             <a:pPr marL="0" indent="0">
               <a:buNone/>
             </a:pPr>
             <a:r>
-              <a:rPr lang="en-US" sz="3200" dirty="0" smtClean="0"/>
+              <a:rPr lang="en-US" dirty="0" smtClean="0"/>
               <a:t>Example of such providers : Google, Facebook or Twitter</a:t>
             </a:r>
-            <a:endParaRPr lang="en-US" sz="3200" dirty="0"/>
+            <a:endParaRPr lang="en-US" dirty="0"/>
+          </a:p>
+        </p:txBody>
+      </p:sp>
+      <p:sp>
+        <p:nvSpPr>
+          <p:cNvPr id="4" name="Rektangel 3"/>
+          <p:cNvSpPr/>
+          <p:nvPr/>
+        </p:nvSpPr>
+        <p:spPr>
+          <a:xfrm>
+            <a:off x="1331640" y="5132040"/>
+            <a:ext cx="2088232" cy="914400"/>
+          </a:xfrm>
+          <a:prstGeom prst="rect">
+            <a:avLst/>
+          </a:prstGeom>
+        </p:spPr>
+        <p:style>
+          <a:lnRef idx="2">
+            <a:schemeClr val="accent1">
+              <a:shade val="50000"/>
+            </a:schemeClr>
+          </a:lnRef>
+          <a:fillRef idx="1">
+            <a:schemeClr val="accent1"/>
+          </a:fillRef>
+          <a:effectRef idx="0">
+            <a:schemeClr val="accent1"/>
+          </a:effectRef>
+          <a:fontRef idx="minor">
+            <a:schemeClr val="lt1"/>
+          </a:fontRef>
+        </p:style>
+        <p:txBody>
+          <a:bodyPr rtlCol="0" anchor="ctr"/>
+          <a:lstStyle/>
+          <a:p>
+            <a:pPr algn="ctr"/>
+            <a:r>
+              <a:rPr lang="en-US" dirty="0" smtClean="0"/>
+              <a:t>Application</a:t>
+            </a:r>
+            <a:endParaRPr lang="en-US" dirty="0"/>
+          </a:p>
+        </p:txBody>
+      </p:sp>
+      <p:sp>
+        <p:nvSpPr>
+          <p:cNvPr id="5" name="Rektangel 4"/>
+          <p:cNvSpPr/>
+          <p:nvPr/>
+        </p:nvSpPr>
+        <p:spPr>
+          <a:xfrm>
+            <a:off x="5436096" y="5132040"/>
+            <a:ext cx="2088232" cy="914400"/>
+          </a:xfrm>
+          <a:prstGeom prst="rect">
+            <a:avLst/>
+          </a:prstGeom>
+        </p:spPr>
+        <p:style>
+          <a:lnRef idx="2">
+            <a:schemeClr val="accent1">
+              <a:shade val="50000"/>
+            </a:schemeClr>
+          </a:lnRef>
+          <a:fillRef idx="1">
+            <a:schemeClr val="accent1"/>
+          </a:fillRef>
+          <a:effectRef idx="0">
+            <a:schemeClr val="accent1"/>
+          </a:effectRef>
+          <a:fontRef idx="minor">
+            <a:schemeClr val="lt1"/>
+          </a:fontRef>
+        </p:style>
+        <p:txBody>
+          <a:bodyPr rtlCol="0" anchor="ctr"/>
+          <a:lstStyle/>
+          <a:p>
+            <a:pPr algn="ctr"/>
+            <a:r>
+              <a:rPr lang="en-US" dirty="0" smtClean="0"/>
+              <a:t>Google</a:t>
+            </a:r>
+            <a:endParaRPr lang="en-US" dirty="0"/>
+          </a:p>
+        </p:txBody>
+      </p:sp>
+      <p:cxnSp>
+        <p:nvCxnSpPr>
+          <p:cNvPr id="7" name="Rak pil 6"/>
+          <p:cNvCxnSpPr/>
+          <p:nvPr/>
+        </p:nvCxnSpPr>
+        <p:spPr>
+          <a:xfrm>
+            <a:off x="3563888" y="5949280"/>
+            <a:ext cx="1728192" cy="0"/>
+          </a:xfrm>
+          <a:prstGeom prst="straightConnector1">
+            <a:avLst/>
+          </a:prstGeom>
+          <a:ln>
+            <a:tailEnd type="triangle"/>
+          </a:ln>
+        </p:spPr>
+        <p:style>
+          <a:lnRef idx="1">
+            <a:schemeClr val="accent1"/>
+          </a:lnRef>
+          <a:fillRef idx="0">
+            <a:schemeClr val="accent1"/>
+          </a:fillRef>
+          <a:effectRef idx="0">
+            <a:schemeClr val="accent1"/>
+          </a:effectRef>
+          <a:fontRef idx="minor">
+            <a:schemeClr val="tx1"/>
+          </a:fontRef>
+        </p:style>
+      </p:cxnSp>
+      <p:cxnSp>
+        <p:nvCxnSpPr>
+          <p:cNvPr id="9" name="Rak pil 8"/>
+          <p:cNvCxnSpPr/>
+          <p:nvPr/>
+        </p:nvCxnSpPr>
+        <p:spPr>
+          <a:xfrm flipH="1">
+            <a:off x="3563888" y="5438764"/>
+            <a:ext cx="1728192" cy="0"/>
+          </a:xfrm>
+          <a:prstGeom prst="straightConnector1">
+            <a:avLst/>
+          </a:prstGeom>
+          <a:ln>
+            <a:tailEnd type="triangle"/>
+          </a:ln>
+        </p:spPr>
+        <p:style>
+          <a:lnRef idx="1">
+            <a:schemeClr val="accent1"/>
+          </a:lnRef>
+          <a:fillRef idx="0">
+            <a:schemeClr val="accent1"/>
+          </a:fillRef>
+          <a:effectRef idx="0">
+            <a:schemeClr val="accent1"/>
+          </a:effectRef>
+          <a:fontRef idx="minor">
+            <a:schemeClr val="tx1"/>
+          </a:fontRef>
+        </p:style>
+      </p:cxnSp>
+      <p:sp>
+        <p:nvSpPr>
+          <p:cNvPr id="10" name="textruta 9"/>
+          <p:cNvSpPr txBox="1"/>
+          <p:nvPr/>
+        </p:nvSpPr>
+        <p:spPr>
+          <a:xfrm>
+            <a:off x="3565645" y="5579948"/>
+            <a:ext cx="1726435" cy="369332"/>
+          </a:xfrm>
+          <a:prstGeom prst="rect">
+            <a:avLst/>
+          </a:prstGeom>
+          <a:noFill/>
+        </p:spPr>
+        <p:txBody>
+          <a:bodyPr wrap="none" rtlCol="0">
+            <a:spAutoFit/>
+          </a:bodyPr>
+          <a:lstStyle/>
+          <a:p>
+            <a:r>
+              <a:rPr lang="en-US" dirty="0" smtClean="0"/>
+              <a:t>User Credentials</a:t>
+            </a:r>
+            <a:endParaRPr lang="en-US" dirty="0"/>
+          </a:p>
+        </p:txBody>
+      </p:sp>
+      <p:sp>
+        <p:nvSpPr>
+          <p:cNvPr id="11" name="textruta 10"/>
+          <p:cNvSpPr txBox="1"/>
+          <p:nvPr/>
+        </p:nvSpPr>
+        <p:spPr>
+          <a:xfrm>
+            <a:off x="3536714" y="5075892"/>
+            <a:ext cx="1782539" cy="369332"/>
+          </a:xfrm>
+          <a:prstGeom prst="rect">
+            <a:avLst/>
+          </a:prstGeom>
+          <a:noFill/>
+        </p:spPr>
+        <p:txBody>
+          <a:bodyPr wrap="none" rtlCol="0">
+            <a:spAutoFit/>
+          </a:bodyPr>
+          <a:lstStyle/>
+          <a:p>
+            <a:r>
+              <a:rPr lang="en-US" dirty="0" smtClean="0"/>
+              <a:t>User Information</a:t>
+            </a:r>
+            <a:endParaRPr lang="en-US" dirty="0"/>
           </a:p>
         </p:txBody>
       </p:sp>
@@ -10168,7 +10539,11 @@
               <a:buNone/>
             </a:pPr>
             <a:r>
-              <a:rPr lang="en-US" sz="3200" b="1" dirty="0" smtClean="0"/>
+              <a:rPr lang="en-US" sz="3200" b="1" dirty="0" smtClean="0">
+                <a:solidFill>
+                  <a:srgbClr val="77933C"/>
+                </a:solidFill>
+              </a:rPr>
               <a:t>Claims-based authentication</a:t>
             </a:r>
           </a:p>
@@ -10192,11 +10567,7 @@
             </a:r>
             <a:r>
               <a:rPr lang="en-US" sz="3200" dirty="0" smtClean="0"/>
-              <a:t>and control the authorization in greater detail</a:t>
-            </a:r>
-            <a:r>
-              <a:rPr lang="en-US" sz="3200" dirty="0" smtClean="0"/>
-              <a:t>.</a:t>
+              <a:t>and control the authorization in greater detail.</a:t>
             </a:r>
           </a:p>
           <a:p>
@@ -10219,11 +10590,7 @@
             </a:r>
             <a:r>
               <a:rPr lang="en-US" sz="3200" dirty="0" smtClean="0"/>
-              <a:t>or</a:t>
-            </a:r>
-            <a:r>
-              <a:rPr lang="en-US" sz="3200" dirty="0" smtClean="0"/>
-              <a:t> address.</a:t>
+              <a:t>or address.</a:t>
             </a:r>
             <a:endParaRPr lang="en-US" sz="3200" dirty="0"/>
           </a:p>
@@ -10243,7 +10610,7 @@
 </file>
 
 <file path=ppt/slides/slide8.xml><?xml version="1.0" encoding="utf-8"?>
-<p:sld xmlns:a="http://schemas.openxmlformats.org/drawingml/2006/main" xmlns:r="http://schemas.openxmlformats.org/officeDocument/2006/relationships" xmlns:p="http://schemas.openxmlformats.org/presentationml/2006/main">
+<p:sld xmlns:a="http://schemas.openxmlformats.org/drawingml/2006/main" xmlns:r="http://schemas.openxmlformats.org/officeDocument/2006/relationships" xmlns:p="http://schemas.openxmlformats.org/presentationml/2006/main" show="0">
   <p:cSld>
     <p:spTree>
       <p:nvGrpSpPr>
@@ -10311,7 +10678,11 @@
               <a:buNone/>
             </a:pPr>
             <a:r>
-              <a:rPr lang="en-GB" sz="3200" b="1" dirty="0" smtClean="0"/>
+              <a:rPr lang="en-GB" sz="3200" b="1" dirty="0" smtClean="0">
+                <a:solidFill>
+                  <a:srgbClr val="77933C"/>
+                </a:solidFill>
+              </a:rPr>
               <a:t>Identity is integrated into the OWIN pipeline</a:t>
             </a:r>
           </a:p>
@@ -10348,6 +10719,14 @@
   <p:clrMapOvr>
     <a:masterClrMapping/>
   </p:clrMapOvr>
+  <mc:AlternateContent xmlns:mc="http://schemas.openxmlformats.org/markup-compatibility/2006" xmlns:p14="http://schemas.microsoft.com/office/powerpoint/2010/main">
+    <mc:Choice Requires="p14">
+      <p:transition spd="slow" p14:dur="2000"/>
+    </mc:Choice>
+    <mc:Fallback xmlns="">
+      <p:transition spd="slow"/>
+    </mc:Fallback>
+  </mc:AlternateContent>
 </p:sld>
 </file>
 
@@ -10426,7 +10805,7 @@
             </a:pPr>
             <a:r>
               <a:rPr lang="en-US" sz="3200" dirty="0" smtClean="0"/>
-              <a:t>Visual Studio 2013 come with a range of templates which implement ASP.NET Identity to the following project types:</a:t>
+              <a:t>ASP.NET Identity works great with following project types:</a:t>
             </a:r>
           </a:p>
           <a:p>
@@ -10452,6 +10831,13 @@
               <a:rPr lang="en-US" dirty="0" smtClean="0"/>
               <a:t>Single Page Application</a:t>
             </a:r>
+          </a:p>
+          <a:p>
+            <a:r>
+              <a:rPr lang="en-US" dirty="0" err="1" smtClean="0"/>
+              <a:t>SignalR</a:t>
+            </a:r>
+            <a:endParaRPr lang="en-US" dirty="0" smtClean="0"/>
           </a:p>
         </p:txBody>
       </p:sp>

--- a/Documents/Identity-Introduction.pptx
+++ b/Documents/Identity-Introduction.pptx
@@ -5,10 +5,10 @@
     <p:sldMasterId id="2147483648" r:id="rId1"/>
   </p:sldMasterIdLst>
   <p:notesMasterIdLst>
-    <p:notesMasterId r:id="rId22"/>
+    <p:notesMasterId r:id="rId23"/>
   </p:notesMasterIdLst>
   <p:handoutMasterIdLst>
-    <p:handoutMasterId r:id="rId23"/>
+    <p:handoutMasterId r:id="rId24"/>
   </p:handoutMasterIdLst>
   <p:sldIdLst>
     <p:sldId id="256" r:id="rId2"/>
@@ -17,20 +17,21 @@
     <p:sldId id="400" r:id="rId5"/>
     <p:sldId id="415" r:id="rId6"/>
     <p:sldId id="401" r:id="rId7"/>
-    <p:sldId id="404" r:id="rId8"/>
-    <p:sldId id="403" r:id="rId9"/>
-    <p:sldId id="412" r:id="rId10"/>
-    <p:sldId id="413" r:id="rId11"/>
-    <p:sldId id="414" r:id="rId12"/>
-    <p:sldId id="406" r:id="rId13"/>
-    <p:sldId id="405" r:id="rId14"/>
-    <p:sldId id="411" r:id="rId15"/>
-    <p:sldId id="407" r:id="rId16"/>
-    <p:sldId id="408" r:id="rId17"/>
-    <p:sldId id="409" r:id="rId18"/>
-    <p:sldId id="410" r:id="rId19"/>
-    <p:sldId id="399" r:id="rId20"/>
-    <p:sldId id="416" r:id="rId21"/>
+    <p:sldId id="417" r:id="rId8"/>
+    <p:sldId id="404" r:id="rId9"/>
+    <p:sldId id="403" r:id="rId10"/>
+    <p:sldId id="412" r:id="rId11"/>
+    <p:sldId id="413" r:id="rId12"/>
+    <p:sldId id="414" r:id="rId13"/>
+    <p:sldId id="406" r:id="rId14"/>
+    <p:sldId id="405" r:id="rId15"/>
+    <p:sldId id="411" r:id="rId16"/>
+    <p:sldId id="407" r:id="rId17"/>
+    <p:sldId id="408" r:id="rId18"/>
+    <p:sldId id="409" r:id="rId19"/>
+    <p:sldId id="410" r:id="rId20"/>
+    <p:sldId id="399" r:id="rId21"/>
+    <p:sldId id="416" r:id="rId22"/>
   </p:sldIdLst>
   <p:sldSz cx="9144000" cy="6858000" type="screen4x3"/>
   <p:notesSz cx="6867525" cy="9994900"/>
@@ -899,7 +900,7 @@
 <dgm:dataModel xmlns:dgm="http://schemas.openxmlformats.org/drawingml/2006/diagram" xmlns:a="http://schemas.openxmlformats.org/drawingml/2006/main">
   <dgm:ptLst>
     <dgm:pt modelId="{D2F7210B-3B9E-4555-A8AF-A0A80389F001}" type="doc">
-      <dgm:prSet loTypeId="urn:microsoft.com/office/officeart/2005/8/layout/bProcess3" loCatId="process" qsTypeId="urn:microsoft.com/office/officeart/2005/8/quickstyle/simple1" qsCatId="simple" csTypeId="urn:microsoft.com/office/officeart/2005/8/colors/accent1_2" csCatId="accent1" phldr="1"/>
+      <dgm:prSet loTypeId="urn:microsoft.com/office/officeart/2005/8/layout/process1" loCatId="process" qsTypeId="urn:microsoft.com/office/officeart/2005/8/quickstyle/simple1" qsCatId="simple" csTypeId="urn:microsoft.com/office/officeart/2005/8/colors/accent1_2" csCatId="accent1" phldr="1"/>
       <dgm:spPr/>
       <dgm:t>
         <a:bodyPr/>
@@ -918,15 +919,7 @@
         <a:p>
           <a:r>
             <a:rPr lang="sv-SE" dirty="0" smtClean="0"/>
-            <a:t>ASP.NET </a:t>
-          </a:r>
-          <a:r>
-            <a:rPr lang="sv-SE" dirty="0" err="1" smtClean="0"/>
-            <a:t>Membership</a:t>
-          </a:r>
-          <a:r>
-            <a:rPr lang="sv-SE" dirty="0" smtClean="0"/>
-            <a:t> (2005)</a:t>
+            <a:t>ASP.NET Membership (2005)</a:t>
           </a:r>
           <a:endParaRPr lang="en-GB" dirty="0"/>
         </a:p>
@@ -963,15 +956,7 @@
         <a:p>
           <a:r>
             <a:rPr lang="sv-SE" dirty="0" smtClean="0"/>
-            <a:t>ASP.NET Simple </a:t>
-          </a:r>
-          <a:r>
-            <a:rPr lang="sv-SE" dirty="0" err="1" smtClean="0"/>
-            <a:t>Membership</a:t>
-          </a:r>
-          <a:r>
-            <a:rPr lang="sv-SE" dirty="0" smtClean="0"/>
-            <a:t> (2010)</a:t>
+            <a:t>ASP.NET Simple Membership (2010)</a:t>
           </a:r>
           <a:endParaRPr lang="en-GB" dirty="0"/>
         </a:p>
@@ -1008,15 +993,7 @@
         <a:p>
           <a:r>
             <a:rPr lang="sv-SE" dirty="0" smtClean="0"/>
-            <a:t>ASP.NET </a:t>
-          </a:r>
-          <a:r>
-            <a:rPr lang="sv-SE" dirty="0" err="1" smtClean="0"/>
-            <a:t>Identity</a:t>
-          </a:r>
-          <a:r>
-            <a:rPr lang="sv-SE" dirty="0" smtClean="0"/>
-            <a:t> 1.0 (2013)</a:t>
+            <a:t>ASP.NET Identity 1.0 (2013)</a:t>
           </a:r>
           <a:endParaRPr lang="en-GB" dirty="0"/>
         </a:p>
@@ -1053,15 +1030,7 @@
         <a:p>
           <a:r>
             <a:rPr lang="sv-SE" dirty="0" smtClean="0"/>
-            <a:t>ASP.NET </a:t>
-          </a:r>
-          <a:r>
-            <a:rPr lang="sv-SE" dirty="0" err="1" smtClean="0"/>
-            <a:t>Identity</a:t>
-          </a:r>
-          <a:r>
-            <a:rPr lang="sv-SE" dirty="0" smtClean="0"/>
-            <a:t> 2.0 (2014)</a:t>
+            <a:t>ASP.NET Identity 2.0 (2014)</a:t>
           </a:r>
           <a:endParaRPr lang="en-GB" dirty="0"/>
         </a:p>
@@ -1089,7 +1058,7 @@
         </a:p>
       </dgm:t>
     </dgm:pt>
-    <dgm:pt modelId="{F00318BF-2ABD-48D1-9950-A6FD33EDB56D}" type="pres">
+    <dgm:pt modelId="{F1E4412E-5E8C-4346-A775-1659C30B60F4}" type="pres">
       <dgm:prSet presAssocID="{D2F7210B-3B9E-4555-A8AF-A0A80389F001}" presName="Name0" presStyleCnt="0">
         <dgm:presLayoutVars>
           <dgm:dir/>
@@ -1105,7 +1074,7 @@
         </a:p>
       </dgm:t>
     </dgm:pt>
-    <dgm:pt modelId="{BF20FD43-0297-4A34-8BCC-857DB64BD761}" type="pres">
+    <dgm:pt modelId="{5ADC101B-D0AF-4253-90C2-A65DAB022F0F}" type="pres">
       <dgm:prSet presAssocID="{00D47EFA-DD4A-4A3C-83CE-DB793F5318E6}" presName="node" presStyleLbl="node1" presStyleIdx="0" presStyleCnt="4">
         <dgm:presLayoutVars>
           <dgm:bulletEnabled val="1"/>
@@ -1120,8 +1089,8 @@
         </a:p>
       </dgm:t>
     </dgm:pt>
-    <dgm:pt modelId="{B765691A-D61E-406F-83BA-691928ABC9D6}" type="pres">
-      <dgm:prSet presAssocID="{198A4513-E7B4-422F-94A7-08E0CC7FCCB3}" presName="sibTrans" presStyleLbl="sibTrans1D1" presStyleIdx="0" presStyleCnt="3"/>
+    <dgm:pt modelId="{391A8D43-E6A1-4850-A09F-0E7F1DE7011B}" type="pres">
+      <dgm:prSet presAssocID="{198A4513-E7B4-422F-94A7-08E0CC7FCCB3}" presName="sibTrans" presStyleLbl="sibTrans2D1" presStyleIdx="0" presStyleCnt="3"/>
       <dgm:spPr/>
       <dgm:t>
         <a:bodyPr/>
@@ -1131,8 +1100,8 @@
         </a:p>
       </dgm:t>
     </dgm:pt>
-    <dgm:pt modelId="{D1832C3C-DA1C-4B05-B236-11B6298050EE}" type="pres">
-      <dgm:prSet presAssocID="{198A4513-E7B4-422F-94A7-08E0CC7FCCB3}" presName="connectorText" presStyleLbl="sibTrans1D1" presStyleIdx="0" presStyleCnt="3"/>
+    <dgm:pt modelId="{9ACFD9AF-EBBD-4790-850E-F11D1323E853}" type="pres">
+      <dgm:prSet presAssocID="{198A4513-E7B4-422F-94A7-08E0CC7FCCB3}" presName="connectorText" presStyleLbl="sibTrans2D1" presStyleIdx="0" presStyleCnt="3"/>
       <dgm:spPr/>
       <dgm:t>
         <a:bodyPr/>
@@ -1142,7 +1111,7 @@
         </a:p>
       </dgm:t>
     </dgm:pt>
-    <dgm:pt modelId="{064BA50E-71C8-4F75-A673-4A680181C2DA}" type="pres">
+    <dgm:pt modelId="{6F616B3C-970A-45F0-9F45-1938F827806B}" type="pres">
       <dgm:prSet presAssocID="{141A24CB-5E02-4CCD-9805-B47C9F25FE2D}" presName="node" presStyleLbl="node1" presStyleIdx="1" presStyleCnt="4">
         <dgm:presLayoutVars>
           <dgm:bulletEnabled val="1"/>
@@ -1157,8 +1126,8 @@
         </a:p>
       </dgm:t>
     </dgm:pt>
-    <dgm:pt modelId="{B56FDCE8-1CEE-4367-94EC-85C4FD371610}" type="pres">
-      <dgm:prSet presAssocID="{25D7670B-89B3-468B-865E-D2862AFE2928}" presName="sibTrans" presStyleLbl="sibTrans1D1" presStyleIdx="1" presStyleCnt="3"/>
+    <dgm:pt modelId="{384C819D-8603-41A2-A152-FAF56755E81F}" type="pres">
+      <dgm:prSet presAssocID="{25D7670B-89B3-468B-865E-D2862AFE2928}" presName="sibTrans" presStyleLbl="sibTrans2D1" presStyleIdx="1" presStyleCnt="3"/>
       <dgm:spPr/>
       <dgm:t>
         <a:bodyPr/>
@@ -1168,8 +1137,8 @@
         </a:p>
       </dgm:t>
     </dgm:pt>
-    <dgm:pt modelId="{4F1AA844-1BD0-4F25-A50E-A2C1C07BE4A9}" type="pres">
-      <dgm:prSet presAssocID="{25D7670B-89B3-468B-865E-D2862AFE2928}" presName="connectorText" presStyleLbl="sibTrans1D1" presStyleIdx="1" presStyleCnt="3"/>
+    <dgm:pt modelId="{C958914D-7844-45EF-8272-CF2AF490149A}" type="pres">
+      <dgm:prSet presAssocID="{25D7670B-89B3-468B-865E-D2862AFE2928}" presName="connectorText" presStyleLbl="sibTrans2D1" presStyleIdx="1" presStyleCnt="3"/>
       <dgm:spPr/>
       <dgm:t>
         <a:bodyPr/>
@@ -1179,7 +1148,7 @@
         </a:p>
       </dgm:t>
     </dgm:pt>
-    <dgm:pt modelId="{FAF0D9F0-0222-4DD0-9339-4AC2868E153D}" type="pres">
+    <dgm:pt modelId="{AB766A71-B336-464B-9348-3E68D43338B8}" type="pres">
       <dgm:prSet presAssocID="{60B5DE45-571D-4982-B877-388C5028C64C}" presName="node" presStyleLbl="node1" presStyleIdx="2" presStyleCnt="4">
         <dgm:presLayoutVars>
           <dgm:bulletEnabled val="1"/>
@@ -1194,8 +1163,8 @@
         </a:p>
       </dgm:t>
     </dgm:pt>
-    <dgm:pt modelId="{8E71846B-7288-47E5-9D4D-D52404A6C4AC}" type="pres">
-      <dgm:prSet presAssocID="{0BE49635-9A6B-4E5C-9E13-D661DBDDC0F6}" presName="sibTrans" presStyleLbl="sibTrans1D1" presStyleIdx="2" presStyleCnt="3"/>
+    <dgm:pt modelId="{27653AE1-388A-4007-9638-4A076C3506A5}" type="pres">
+      <dgm:prSet presAssocID="{0BE49635-9A6B-4E5C-9E13-D661DBDDC0F6}" presName="sibTrans" presStyleLbl="sibTrans2D1" presStyleIdx="2" presStyleCnt="3"/>
       <dgm:spPr/>
       <dgm:t>
         <a:bodyPr/>
@@ -1205,8 +1174,8 @@
         </a:p>
       </dgm:t>
     </dgm:pt>
-    <dgm:pt modelId="{EE5B6DDA-ED6B-4BFA-94B3-D72F37E9C512}" type="pres">
-      <dgm:prSet presAssocID="{0BE49635-9A6B-4E5C-9E13-D661DBDDC0F6}" presName="connectorText" presStyleLbl="sibTrans1D1" presStyleIdx="2" presStyleCnt="3"/>
+    <dgm:pt modelId="{7CEC0E90-F217-4EE2-8C8A-B15B9FC966EE}" type="pres">
+      <dgm:prSet presAssocID="{0BE49635-9A6B-4E5C-9E13-D661DBDDC0F6}" presName="connectorText" presStyleLbl="sibTrans2D1" presStyleIdx="2" presStyleCnt="3"/>
       <dgm:spPr/>
       <dgm:t>
         <a:bodyPr/>
@@ -1216,7 +1185,7 @@
         </a:p>
       </dgm:t>
     </dgm:pt>
-    <dgm:pt modelId="{A6174F81-839C-4A64-8ADB-4F3A6658691A}" type="pres">
+    <dgm:pt modelId="{7BF5C6B5-563D-4A44-A7F4-BEEDF57FAE9A}" type="pres">
       <dgm:prSet presAssocID="{6438C9B3-FF70-4A67-9959-2A1E9B90611D}" presName="node" presStyleLbl="node1" presStyleIdx="3" presStyleCnt="4">
         <dgm:presLayoutVars>
           <dgm:bulletEnabled val="1"/>
@@ -1233,31 +1202,31 @@
     </dgm:pt>
   </dgm:ptLst>
   <dgm:cxnLst>
-    <dgm:cxn modelId="{39A944AE-E4B9-4496-872B-B411AA9A237C}" type="presOf" srcId="{0BE49635-9A6B-4E5C-9E13-D661DBDDC0F6}" destId="{EE5B6DDA-ED6B-4BFA-94B3-D72F37E9C512}" srcOrd="1" destOrd="0" presId="urn:microsoft.com/office/officeart/2005/8/layout/bProcess3"/>
-    <dgm:cxn modelId="{9FF6C984-7D0D-4191-9706-92B764DF4308}" type="presOf" srcId="{25D7670B-89B3-468B-865E-D2862AFE2928}" destId="{B56FDCE8-1CEE-4367-94EC-85C4FD371610}" srcOrd="0" destOrd="0" presId="urn:microsoft.com/office/officeart/2005/8/layout/bProcess3"/>
-    <dgm:cxn modelId="{763674E6-33D6-4849-9D1C-0D3FB5EF6C52}" type="presOf" srcId="{25D7670B-89B3-468B-865E-D2862AFE2928}" destId="{4F1AA844-1BD0-4F25-A50E-A2C1C07BE4A9}" srcOrd="1" destOrd="0" presId="urn:microsoft.com/office/officeart/2005/8/layout/bProcess3"/>
-    <dgm:cxn modelId="{E5755B57-FB7E-43BA-879E-1A6EAD98E44B}" type="presOf" srcId="{00D47EFA-DD4A-4A3C-83CE-DB793F5318E6}" destId="{BF20FD43-0297-4A34-8BCC-857DB64BD761}" srcOrd="0" destOrd="0" presId="urn:microsoft.com/office/officeart/2005/8/layout/bProcess3"/>
     <dgm:cxn modelId="{205F0B77-169C-48B1-B2F0-F453794185D2}" srcId="{D2F7210B-3B9E-4555-A8AF-A0A80389F001}" destId="{60B5DE45-571D-4982-B877-388C5028C64C}" srcOrd="2" destOrd="0" parTransId="{A63C80E9-99BD-40AC-9A25-3C38E6CC0095}" sibTransId="{0BE49635-9A6B-4E5C-9E13-D661DBDDC0F6}"/>
-    <dgm:cxn modelId="{638D0BDE-E76E-43B7-8BF9-02BA5A8CFF36}" type="presOf" srcId="{0BE49635-9A6B-4E5C-9E13-D661DBDDC0F6}" destId="{8E71846B-7288-47E5-9D4D-D52404A6C4AC}" srcOrd="0" destOrd="0" presId="urn:microsoft.com/office/officeart/2005/8/layout/bProcess3"/>
-    <dgm:cxn modelId="{F245E2F0-A465-48BF-B609-DDD0EB088E3A}" type="presOf" srcId="{60B5DE45-571D-4982-B877-388C5028C64C}" destId="{FAF0D9F0-0222-4DD0-9339-4AC2868E153D}" srcOrd="0" destOrd="0" presId="urn:microsoft.com/office/officeart/2005/8/layout/bProcess3"/>
-    <dgm:cxn modelId="{F7F461E9-97B6-4F9E-A5E3-648C268C07E3}" type="presOf" srcId="{6438C9B3-FF70-4A67-9959-2A1E9B90611D}" destId="{A6174F81-839C-4A64-8ADB-4F3A6658691A}" srcOrd="0" destOrd="0" presId="urn:microsoft.com/office/officeart/2005/8/layout/bProcess3"/>
+    <dgm:cxn modelId="{4E413634-EB04-479D-9292-937EFB6893CA}" type="presOf" srcId="{00D47EFA-DD4A-4A3C-83CE-DB793F5318E6}" destId="{5ADC101B-D0AF-4253-90C2-A65DAB022F0F}" srcOrd="0" destOrd="0" presId="urn:microsoft.com/office/officeart/2005/8/layout/process1"/>
+    <dgm:cxn modelId="{F6DB6C7A-C16D-4EF7-B0C5-86D775058F7A}" type="presOf" srcId="{25D7670B-89B3-468B-865E-D2862AFE2928}" destId="{384C819D-8603-41A2-A152-FAF56755E81F}" srcOrd="0" destOrd="0" presId="urn:microsoft.com/office/officeart/2005/8/layout/process1"/>
+    <dgm:cxn modelId="{6D587A3B-8381-414C-9A13-7FC2D4B84F6E}" type="presOf" srcId="{0BE49635-9A6B-4E5C-9E13-D661DBDDC0F6}" destId="{7CEC0E90-F217-4EE2-8C8A-B15B9FC966EE}" srcOrd="1" destOrd="0" presId="urn:microsoft.com/office/officeart/2005/8/layout/process1"/>
+    <dgm:cxn modelId="{D811A95B-703C-4860-95E9-D6CFC3767D4C}" type="presOf" srcId="{198A4513-E7B4-422F-94A7-08E0CC7FCCB3}" destId="{391A8D43-E6A1-4850-A09F-0E7F1DE7011B}" srcOrd="0" destOrd="0" presId="urn:microsoft.com/office/officeart/2005/8/layout/process1"/>
     <dgm:cxn modelId="{FB71A542-00E5-4403-9E79-E4B534675D14}" srcId="{D2F7210B-3B9E-4555-A8AF-A0A80389F001}" destId="{00D47EFA-DD4A-4A3C-83CE-DB793F5318E6}" srcOrd="0" destOrd="0" parTransId="{2AC5AB96-44B5-4342-8EBE-FDB44166E75B}" sibTransId="{198A4513-E7B4-422F-94A7-08E0CC7FCCB3}"/>
-    <dgm:cxn modelId="{D7FC0B21-BA26-4B39-BE6C-623CA2F9B42D}" type="presOf" srcId="{198A4513-E7B4-422F-94A7-08E0CC7FCCB3}" destId="{D1832C3C-DA1C-4B05-B236-11B6298050EE}" srcOrd="1" destOrd="0" presId="urn:microsoft.com/office/officeart/2005/8/layout/bProcess3"/>
     <dgm:cxn modelId="{A38FECF8-A6D0-4246-ADFE-AD9BBEB5112D}" srcId="{D2F7210B-3B9E-4555-A8AF-A0A80389F001}" destId="{6438C9B3-FF70-4A67-9959-2A1E9B90611D}" srcOrd="3" destOrd="0" parTransId="{9F818A52-8D7C-41A6-B8ED-FC14CD01541B}" sibTransId="{940891B8-252C-48EF-853C-386BF9AA1931}"/>
-    <dgm:cxn modelId="{92B508C4-938D-4D3E-8C34-63AFFF30A400}" type="presOf" srcId="{D2F7210B-3B9E-4555-A8AF-A0A80389F001}" destId="{F00318BF-2ABD-48D1-9950-A6FD33EDB56D}" srcOrd="0" destOrd="0" presId="urn:microsoft.com/office/officeart/2005/8/layout/bProcess3"/>
-    <dgm:cxn modelId="{E8E3715D-7637-480F-9604-1B87D9F96617}" type="presOf" srcId="{141A24CB-5E02-4CCD-9805-B47C9F25FE2D}" destId="{064BA50E-71C8-4F75-A673-4A680181C2DA}" srcOrd="0" destOrd="0" presId="urn:microsoft.com/office/officeart/2005/8/layout/bProcess3"/>
+    <dgm:cxn modelId="{A634A976-2D98-453F-AF31-F4718CB51BB3}" type="presOf" srcId="{0BE49635-9A6B-4E5C-9E13-D661DBDDC0F6}" destId="{27653AE1-388A-4007-9638-4A076C3506A5}" srcOrd="0" destOrd="0" presId="urn:microsoft.com/office/officeart/2005/8/layout/process1"/>
+    <dgm:cxn modelId="{5697B636-5B5E-42AD-964F-B7FA2E4EDBB7}" type="presOf" srcId="{60B5DE45-571D-4982-B877-388C5028C64C}" destId="{AB766A71-B336-464B-9348-3E68D43338B8}" srcOrd="0" destOrd="0" presId="urn:microsoft.com/office/officeart/2005/8/layout/process1"/>
+    <dgm:cxn modelId="{2B1243B9-B071-4916-ABC0-80A2F4A306C7}" type="presOf" srcId="{25D7670B-89B3-468B-865E-D2862AFE2928}" destId="{C958914D-7844-45EF-8272-CF2AF490149A}" srcOrd="1" destOrd="0" presId="urn:microsoft.com/office/officeart/2005/8/layout/process1"/>
+    <dgm:cxn modelId="{611825E9-F5C6-4A5C-83BF-8B7F4A3D779D}" type="presOf" srcId="{D2F7210B-3B9E-4555-A8AF-A0A80389F001}" destId="{F1E4412E-5E8C-4346-A775-1659C30B60F4}" srcOrd="0" destOrd="0" presId="urn:microsoft.com/office/officeart/2005/8/layout/process1"/>
     <dgm:cxn modelId="{7C4C9650-88FB-40A6-9AD5-ECB6C2706798}" srcId="{D2F7210B-3B9E-4555-A8AF-A0A80389F001}" destId="{141A24CB-5E02-4CCD-9805-B47C9F25FE2D}" srcOrd="1" destOrd="0" parTransId="{46A93946-3982-4882-A865-F3DB465D9AED}" sibTransId="{25D7670B-89B3-468B-865E-D2862AFE2928}"/>
-    <dgm:cxn modelId="{2B0A9E65-A6C8-42D5-9DD0-C4ABCE9BD0B1}" type="presOf" srcId="{198A4513-E7B4-422F-94A7-08E0CC7FCCB3}" destId="{B765691A-D61E-406F-83BA-691928ABC9D6}" srcOrd="0" destOrd="0" presId="urn:microsoft.com/office/officeart/2005/8/layout/bProcess3"/>
-    <dgm:cxn modelId="{50E53C88-D606-42E1-85E2-05585425E683}" type="presParOf" srcId="{F00318BF-2ABD-48D1-9950-A6FD33EDB56D}" destId="{BF20FD43-0297-4A34-8BCC-857DB64BD761}" srcOrd="0" destOrd="0" presId="urn:microsoft.com/office/officeart/2005/8/layout/bProcess3"/>
-    <dgm:cxn modelId="{28DFFE6A-73AA-460C-B2BA-77C3DA02EE00}" type="presParOf" srcId="{F00318BF-2ABD-48D1-9950-A6FD33EDB56D}" destId="{B765691A-D61E-406F-83BA-691928ABC9D6}" srcOrd="1" destOrd="0" presId="urn:microsoft.com/office/officeart/2005/8/layout/bProcess3"/>
-    <dgm:cxn modelId="{2FDBE989-A0A6-46EF-870F-2CC44718A99D}" type="presParOf" srcId="{B765691A-D61E-406F-83BA-691928ABC9D6}" destId="{D1832C3C-DA1C-4B05-B236-11B6298050EE}" srcOrd="0" destOrd="0" presId="urn:microsoft.com/office/officeart/2005/8/layout/bProcess3"/>
-    <dgm:cxn modelId="{815CAEAF-01DF-48F9-9FB1-C5A684DBB52D}" type="presParOf" srcId="{F00318BF-2ABD-48D1-9950-A6FD33EDB56D}" destId="{064BA50E-71C8-4F75-A673-4A680181C2DA}" srcOrd="2" destOrd="0" presId="urn:microsoft.com/office/officeart/2005/8/layout/bProcess3"/>
-    <dgm:cxn modelId="{E7CDAE71-1099-4892-8459-5666D5874F01}" type="presParOf" srcId="{F00318BF-2ABD-48D1-9950-A6FD33EDB56D}" destId="{B56FDCE8-1CEE-4367-94EC-85C4FD371610}" srcOrd="3" destOrd="0" presId="urn:microsoft.com/office/officeart/2005/8/layout/bProcess3"/>
-    <dgm:cxn modelId="{AB88D9B1-8D95-4431-BC41-868D02395528}" type="presParOf" srcId="{B56FDCE8-1CEE-4367-94EC-85C4FD371610}" destId="{4F1AA844-1BD0-4F25-A50E-A2C1C07BE4A9}" srcOrd="0" destOrd="0" presId="urn:microsoft.com/office/officeart/2005/8/layout/bProcess3"/>
-    <dgm:cxn modelId="{C4E00D4B-F415-4B85-9E4E-FDD9CF8A7FC9}" type="presParOf" srcId="{F00318BF-2ABD-48D1-9950-A6FD33EDB56D}" destId="{FAF0D9F0-0222-4DD0-9339-4AC2868E153D}" srcOrd="4" destOrd="0" presId="urn:microsoft.com/office/officeart/2005/8/layout/bProcess3"/>
-    <dgm:cxn modelId="{31F41CBF-4234-4134-9320-4E6A041A9D3D}" type="presParOf" srcId="{F00318BF-2ABD-48D1-9950-A6FD33EDB56D}" destId="{8E71846B-7288-47E5-9D4D-D52404A6C4AC}" srcOrd="5" destOrd="0" presId="urn:microsoft.com/office/officeart/2005/8/layout/bProcess3"/>
-    <dgm:cxn modelId="{E98B891F-4308-4D08-884F-A4C12D984C99}" type="presParOf" srcId="{8E71846B-7288-47E5-9D4D-D52404A6C4AC}" destId="{EE5B6DDA-ED6B-4BFA-94B3-D72F37E9C512}" srcOrd="0" destOrd="0" presId="urn:microsoft.com/office/officeart/2005/8/layout/bProcess3"/>
-    <dgm:cxn modelId="{6CA75125-4C89-4293-B0C5-B00B1C60F84C}" type="presParOf" srcId="{F00318BF-2ABD-48D1-9950-A6FD33EDB56D}" destId="{A6174F81-839C-4A64-8ADB-4F3A6658691A}" srcOrd="6" destOrd="0" presId="urn:microsoft.com/office/officeart/2005/8/layout/bProcess3"/>
+    <dgm:cxn modelId="{4A9A3248-A45D-4964-B2AA-9BD6A1DC5930}" type="presOf" srcId="{141A24CB-5E02-4CCD-9805-B47C9F25FE2D}" destId="{6F616B3C-970A-45F0-9F45-1938F827806B}" srcOrd="0" destOrd="0" presId="urn:microsoft.com/office/officeart/2005/8/layout/process1"/>
+    <dgm:cxn modelId="{5D24032D-66F8-453E-BAAD-DB59250F90CD}" type="presOf" srcId="{6438C9B3-FF70-4A67-9959-2A1E9B90611D}" destId="{7BF5C6B5-563D-4A44-A7F4-BEEDF57FAE9A}" srcOrd="0" destOrd="0" presId="urn:microsoft.com/office/officeart/2005/8/layout/process1"/>
+    <dgm:cxn modelId="{F53979A6-24CB-4DE4-B35D-D4715FCEBE15}" type="presOf" srcId="{198A4513-E7B4-422F-94A7-08E0CC7FCCB3}" destId="{9ACFD9AF-EBBD-4790-850E-F11D1323E853}" srcOrd="1" destOrd="0" presId="urn:microsoft.com/office/officeart/2005/8/layout/process1"/>
+    <dgm:cxn modelId="{3E0EF240-DA1E-4CE8-BFA1-404FFB7DDA35}" type="presParOf" srcId="{F1E4412E-5E8C-4346-A775-1659C30B60F4}" destId="{5ADC101B-D0AF-4253-90C2-A65DAB022F0F}" srcOrd="0" destOrd="0" presId="urn:microsoft.com/office/officeart/2005/8/layout/process1"/>
+    <dgm:cxn modelId="{B2FDB0E4-C584-4E01-9987-1EFE82817455}" type="presParOf" srcId="{F1E4412E-5E8C-4346-A775-1659C30B60F4}" destId="{391A8D43-E6A1-4850-A09F-0E7F1DE7011B}" srcOrd="1" destOrd="0" presId="urn:microsoft.com/office/officeart/2005/8/layout/process1"/>
+    <dgm:cxn modelId="{5967990F-32F2-462A-9D2B-37B0C7C8C6C5}" type="presParOf" srcId="{391A8D43-E6A1-4850-A09F-0E7F1DE7011B}" destId="{9ACFD9AF-EBBD-4790-850E-F11D1323E853}" srcOrd="0" destOrd="0" presId="urn:microsoft.com/office/officeart/2005/8/layout/process1"/>
+    <dgm:cxn modelId="{0A4E6122-6634-4C50-A57C-292DBA868D19}" type="presParOf" srcId="{F1E4412E-5E8C-4346-A775-1659C30B60F4}" destId="{6F616B3C-970A-45F0-9F45-1938F827806B}" srcOrd="2" destOrd="0" presId="urn:microsoft.com/office/officeart/2005/8/layout/process1"/>
+    <dgm:cxn modelId="{38566B2B-7D02-4602-AEBA-3961CE369F0B}" type="presParOf" srcId="{F1E4412E-5E8C-4346-A775-1659C30B60F4}" destId="{384C819D-8603-41A2-A152-FAF56755E81F}" srcOrd="3" destOrd="0" presId="urn:microsoft.com/office/officeart/2005/8/layout/process1"/>
+    <dgm:cxn modelId="{E9D0300D-4742-4120-8DDD-7A38DC91484F}" type="presParOf" srcId="{384C819D-8603-41A2-A152-FAF56755E81F}" destId="{C958914D-7844-45EF-8272-CF2AF490149A}" srcOrd="0" destOrd="0" presId="urn:microsoft.com/office/officeart/2005/8/layout/process1"/>
+    <dgm:cxn modelId="{88B79E9C-E7E9-43E2-B9A7-52360D99F13E}" type="presParOf" srcId="{F1E4412E-5E8C-4346-A775-1659C30B60F4}" destId="{AB766A71-B336-464B-9348-3E68D43338B8}" srcOrd="4" destOrd="0" presId="urn:microsoft.com/office/officeart/2005/8/layout/process1"/>
+    <dgm:cxn modelId="{57D9A850-E583-4C7E-B4DA-CC159DDDFA46}" type="presParOf" srcId="{F1E4412E-5E8C-4346-A775-1659C30B60F4}" destId="{27653AE1-388A-4007-9638-4A076C3506A5}" srcOrd="5" destOrd="0" presId="urn:microsoft.com/office/officeart/2005/8/layout/process1"/>
+    <dgm:cxn modelId="{4BBB93BF-17B0-4176-A008-78AAF2021AC8}" type="presParOf" srcId="{27653AE1-388A-4007-9638-4A076C3506A5}" destId="{7CEC0E90-F217-4EE2-8C8A-B15B9FC966EE}" srcOrd="0" destOrd="0" presId="urn:microsoft.com/office/officeart/2005/8/layout/process1"/>
+    <dgm:cxn modelId="{39EE750E-5934-48D3-B6C8-94EEA175DA02}" type="presParOf" srcId="{F1E4412E-5E8C-4346-A775-1659C30B60F4}" destId="{7BF5C6B5-563D-4A44-A7F4-BEEDF57FAE9A}" srcOrd="6" destOrd="0" presId="urn:microsoft.com/office/officeart/2005/8/layout/process1"/>
   </dgm:cxnLst>
   <dgm:bg/>
   <dgm:whole/>
@@ -1277,97 +1246,20 @@
       <dsp:cNvGrpSpPr/>
     </dsp:nvGrpSpPr>
     <dsp:grpSpPr/>
-    <dsp:sp modelId="{B765691A-D61E-406F-83BA-691928ABC9D6}">
+    <dsp:sp modelId="{5ADC101B-D0AF-4253-90C2-A65DAB022F0F}">
       <dsp:nvSpPr>
         <dsp:cNvPr id="0" name=""/>
         <dsp:cNvSpPr/>
       </dsp:nvSpPr>
       <dsp:spPr>
         <a:xfrm>
-          <a:off x="2745953" y="596041"/>
-          <a:ext cx="460901" cy="91440"/>
+          <a:off x="2879" y="1150705"/>
+          <a:ext cx="1259032" cy="1082964"/>
         </a:xfrm>
-        <a:custGeom>
-          <a:avLst/>
-          <a:gdLst/>
-          <a:ahLst/>
-          <a:cxnLst/>
-          <a:rect l="0" t="0" r="0" b="0"/>
-          <a:pathLst>
-            <a:path>
-              <a:moveTo>
-                <a:pt x="0" y="45720"/>
-              </a:moveTo>
-              <a:lnTo>
-                <a:pt x="460901" y="45720"/>
-              </a:lnTo>
-            </a:path>
-          </a:pathLst>
-        </a:custGeom>
-        <a:noFill/>
-        <a:ln w="9525" cap="flat" cmpd="sng" algn="ctr">
-          <a:solidFill>
-            <a:schemeClr val="accent1">
-              <a:hueOff val="0"/>
-              <a:satOff val="0"/>
-              <a:lumOff val="0"/>
-              <a:alphaOff val="0"/>
-            </a:schemeClr>
-          </a:solidFill>
-          <a:prstDash val="solid"/>
-          <a:tailEnd type="arrow"/>
-        </a:ln>
-        <a:effectLst/>
-      </dsp:spPr>
-      <dsp:style>
-        <a:lnRef idx="1">
-          <a:scrgbClr r="0" g="0" b="0"/>
-        </a:lnRef>
-        <a:fillRef idx="0">
-          <a:scrgbClr r="0" g="0" b="0"/>
-        </a:fillRef>
-        <a:effectRef idx="0">
-          <a:scrgbClr r="0" g="0" b="0"/>
-        </a:effectRef>
-        <a:fontRef idx="minor"/>
-      </dsp:style>
-      <dsp:txBody>
-        <a:bodyPr spcFirstLastPara="0" vert="horz" wrap="square" lIns="12700" tIns="0" rIns="12700" bIns="0" numCol="1" spcCol="1270" anchor="ctr" anchorCtr="0">
-          <a:noAutofit/>
-        </a:bodyPr>
-        <a:lstStyle/>
-        <a:p>
-          <a:pPr lvl="0" algn="ctr" defTabSz="222250">
-            <a:lnSpc>
-              <a:spcPct val="90000"/>
-            </a:lnSpc>
-            <a:spcBef>
-              <a:spcPct val="0"/>
-            </a:spcBef>
-            <a:spcAft>
-              <a:spcPct val="35000"/>
-            </a:spcAft>
-          </a:pPr>
-          <a:endParaRPr lang="en-GB" sz="500" kern="1200"/>
-        </a:p>
-      </dsp:txBody>
-      <dsp:txXfrm>
-        <a:off x="2964116" y="639303"/>
-        <a:ext cx="24575" cy="4915"/>
-      </dsp:txXfrm>
-    </dsp:sp>
-    <dsp:sp modelId="{BF20FD43-0297-4A34-8BCC-857DB64BD761}">
-      <dsp:nvSpPr>
-        <dsp:cNvPr id="0" name=""/>
-        <dsp:cNvSpPr/>
-      </dsp:nvSpPr>
-      <dsp:spPr>
-        <a:xfrm>
-          <a:off x="610788" y="672"/>
-          <a:ext cx="2136964" cy="1282178"/>
-        </a:xfrm>
-        <a:prstGeom prst="rect">
-          <a:avLst/>
+        <a:prstGeom prst="roundRect">
+          <a:avLst>
+            <a:gd name="adj" fmla="val 10000"/>
+          </a:avLst>
         </a:prstGeom>
         <a:solidFill>
           <a:schemeClr val="accent1">
@@ -1405,12 +1297,12 @@
         </a:fontRef>
       </dsp:style>
       <dsp:txBody>
-        <a:bodyPr spcFirstLastPara="0" vert="horz" wrap="square" lIns="156464" tIns="156464" rIns="156464" bIns="156464" numCol="1" spcCol="1270" anchor="ctr" anchorCtr="0">
+        <a:bodyPr spcFirstLastPara="0" vert="horz" wrap="square" lIns="60960" tIns="60960" rIns="60960" bIns="60960" numCol="1" spcCol="1270" anchor="ctr" anchorCtr="0">
           <a:noAutofit/>
         </a:bodyPr>
         <a:lstStyle/>
         <a:p>
-          <a:pPr lvl="0" algn="ctr" defTabSz="977900">
+          <a:pPr lvl="0" algn="ctr" defTabSz="711200">
             <a:lnSpc>
               <a:spcPct val="90000"/>
             </a:lnSpc>
@@ -1422,92 +1314,68 @@
             </a:spcAft>
           </a:pPr>
           <a:r>
-            <a:rPr lang="sv-SE" sz="2200" kern="1200" dirty="0" smtClean="0"/>
-            <a:t>ASP.NET </a:t>
+            <a:rPr lang="sv-SE" sz="1600" kern="1200" dirty="0" smtClean="0"/>
+            <a:t>ASP.NET Membership (2005)</a:t>
           </a:r>
-          <a:r>
-            <a:rPr lang="sv-SE" sz="2200" kern="1200" dirty="0" err="1" smtClean="0"/>
-            <a:t>Membership</a:t>
-          </a:r>
-          <a:r>
-            <a:rPr lang="sv-SE" sz="2200" kern="1200" dirty="0" smtClean="0"/>
-            <a:t> (2005)</a:t>
-          </a:r>
-          <a:endParaRPr lang="en-GB" sz="2200" kern="1200" dirty="0"/>
+          <a:endParaRPr lang="en-GB" sz="1600" kern="1200" dirty="0"/>
         </a:p>
       </dsp:txBody>
       <dsp:txXfrm>
-        <a:off x="610788" y="672"/>
-        <a:ext cx="2136964" cy="1282178"/>
+        <a:off x="34598" y="1182424"/>
+        <a:ext cx="1195594" cy="1019526"/>
       </dsp:txXfrm>
     </dsp:sp>
-    <dsp:sp modelId="{B56FDCE8-1CEE-4367-94EC-85C4FD371610}">
+    <dsp:sp modelId="{391A8D43-E6A1-4850-A09F-0E7F1DE7011B}">
       <dsp:nvSpPr>
         <dsp:cNvPr id="0" name=""/>
         <dsp:cNvSpPr/>
       </dsp:nvSpPr>
       <dsp:spPr>
         <a:xfrm>
-          <a:off x="1679270" y="1281050"/>
-          <a:ext cx="2628466" cy="460901"/>
+          <a:off x="1387815" y="1536067"/>
+          <a:ext cx="266914" cy="312240"/>
         </a:xfrm>
-        <a:custGeom>
-          <a:avLst/>
-          <a:gdLst/>
-          <a:ahLst/>
-          <a:cxnLst/>
-          <a:rect l="0" t="0" r="0" b="0"/>
-          <a:pathLst>
-            <a:path>
-              <a:moveTo>
-                <a:pt x="2628466" y="0"/>
-              </a:moveTo>
-              <a:lnTo>
-                <a:pt x="2628466" y="247550"/>
-              </a:lnTo>
-              <a:lnTo>
-                <a:pt x="0" y="247550"/>
-              </a:lnTo>
-              <a:lnTo>
-                <a:pt x="0" y="460901"/>
-              </a:lnTo>
-            </a:path>
-          </a:pathLst>
-        </a:custGeom>
-        <a:noFill/>
-        <a:ln w="9525" cap="flat" cmpd="sng" algn="ctr">
-          <a:solidFill>
-            <a:schemeClr val="accent1">
-              <a:hueOff val="0"/>
-              <a:satOff val="0"/>
-              <a:lumOff val="0"/>
-              <a:alphaOff val="0"/>
-            </a:schemeClr>
-          </a:solidFill>
-          <a:prstDash val="solid"/>
-          <a:tailEnd type="arrow"/>
+        <a:prstGeom prst="rightArrow">
+          <a:avLst>
+            <a:gd name="adj1" fmla="val 60000"/>
+            <a:gd name="adj2" fmla="val 50000"/>
+          </a:avLst>
+        </a:prstGeom>
+        <a:solidFill>
+          <a:schemeClr val="accent1">
+            <a:tint val="60000"/>
+            <a:hueOff val="0"/>
+            <a:satOff val="0"/>
+            <a:lumOff val="0"/>
+            <a:alphaOff val="0"/>
+          </a:schemeClr>
+        </a:solidFill>
+        <a:ln>
+          <a:noFill/>
         </a:ln>
         <a:effectLst/>
       </dsp:spPr>
       <dsp:style>
-        <a:lnRef idx="1">
+        <a:lnRef idx="0">
           <a:scrgbClr r="0" g="0" b="0"/>
         </a:lnRef>
-        <a:fillRef idx="0">
+        <a:fillRef idx="1">
           <a:scrgbClr r="0" g="0" b="0"/>
         </a:fillRef>
         <a:effectRef idx="0">
           <a:scrgbClr r="0" g="0" b="0"/>
         </a:effectRef>
-        <a:fontRef idx="minor"/>
+        <a:fontRef idx="minor">
+          <a:schemeClr val="lt1"/>
+        </a:fontRef>
       </dsp:style>
       <dsp:txBody>
-        <a:bodyPr spcFirstLastPara="0" vert="horz" wrap="square" lIns="12700" tIns="0" rIns="12700" bIns="0" numCol="1" spcCol="1270" anchor="ctr" anchorCtr="0">
+        <a:bodyPr spcFirstLastPara="0" vert="horz" wrap="square" lIns="0" tIns="0" rIns="0" bIns="0" numCol="1" spcCol="1270" anchor="ctr" anchorCtr="0">
           <a:noAutofit/>
         </a:bodyPr>
         <a:lstStyle/>
         <a:p>
-          <a:pPr lvl="0" algn="ctr" defTabSz="222250">
+          <a:pPr lvl="0" algn="ctr" defTabSz="577850">
             <a:lnSpc>
               <a:spcPct val="90000"/>
             </a:lnSpc>
@@ -1518,26 +1386,28 @@
               <a:spcPct val="35000"/>
             </a:spcAft>
           </a:pPr>
-          <a:endParaRPr lang="en-GB" sz="500" kern="1200"/>
+          <a:endParaRPr lang="en-GB" sz="1300" kern="1200"/>
         </a:p>
       </dsp:txBody>
       <dsp:txXfrm>
-        <a:off x="2926653" y="1509043"/>
-        <a:ext cx="133701" cy="4915"/>
+        <a:off x="1387815" y="1598515"/>
+        <a:ext cx="186840" cy="187344"/>
       </dsp:txXfrm>
     </dsp:sp>
-    <dsp:sp modelId="{064BA50E-71C8-4F75-A673-4A680181C2DA}">
+    <dsp:sp modelId="{6F616B3C-970A-45F0-9F45-1938F827806B}">
       <dsp:nvSpPr>
         <dsp:cNvPr id="0" name=""/>
         <dsp:cNvSpPr/>
       </dsp:nvSpPr>
       <dsp:spPr>
         <a:xfrm>
-          <a:off x="3239254" y="672"/>
-          <a:ext cx="2136964" cy="1282178"/>
+          <a:off x="1765525" y="1150705"/>
+          <a:ext cx="1259032" cy="1082964"/>
         </a:xfrm>
-        <a:prstGeom prst="rect">
-          <a:avLst/>
+        <a:prstGeom prst="roundRect">
+          <a:avLst>
+            <a:gd name="adj" fmla="val 10000"/>
+          </a:avLst>
         </a:prstGeom>
         <a:solidFill>
           <a:schemeClr val="accent1">
@@ -1575,12 +1445,12 @@
         </a:fontRef>
       </dsp:style>
       <dsp:txBody>
-        <a:bodyPr spcFirstLastPara="0" vert="horz" wrap="square" lIns="156464" tIns="156464" rIns="156464" bIns="156464" numCol="1" spcCol="1270" anchor="ctr" anchorCtr="0">
+        <a:bodyPr spcFirstLastPara="0" vert="horz" wrap="square" lIns="60960" tIns="60960" rIns="60960" bIns="60960" numCol="1" spcCol="1270" anchor="ctr" anchorCtr="0">
           <a:noAutofit/>
         </a:bodyPr>
         <a:lstStyle/>
         <a:p>
-          <a:pPr lvl="0" algn="ctr" defTabSz="977900">
+          <a:pPr lvl="0" algn="ctr" defTabSz="711200">
             <a:lnSpc>
               <a:spcPct val="90000"/>
             </a:lnSpc>
@@ -1592,86 +1462,68 @@
             </a:spcAft>
           </a:pPr>
           <a:r>
-            <a:rPr lang="sv-SE" sz="2200" kern="1200" dirty="0" smtClean="0"/>
-            <a:t>ASP.NET Simple </a:t>
+            <a:rPr lang="sv-SE" sz="1600" kern="1200" dirty="0" smtClean="0"/>
+            <a:t>ASP.NET Simple Membership (2010)</a:t>
           </a:r>
-          <a:r>
-            <a:rPr lang="sv-SE" sz="2200" kern="1200" dirty="0" err="1" smtClean="0"/>
-            <a:t>Membership</a:t>
-          </a:r>
-          <a:r>
-            <a:rPr lang="sv-SE" sz="2200" kern="1200" dirty="0" smtClean="0"/>
-            <a:t> (2010)</a:t>
-          </a:r>
-          <a:endParaRPr lang="en-GB" sz="2200" kern="1200" dirty="0"/>
+          <a:endParaRPr lang="en-GB" sz="1600" kern="1200" dirty="0"/>
         </a:p>
       </dsp:txBody>
       <dsp:txXfrm>
-        <a:off x="3239254" y="672"/>
-        <a:ext cx="2136964" cy="1282178"/>
+        <a:off x="1797244" y="1182424"/>
+        <a:ext cx="1195594" cy="1019526"/>
       </dsp:txXfrm>
     </dsp:sp>
-    <dsp:sp modelId="{8E71846B-7288-47E5-9D4D-D52404A6C4AC}">
+    <dsp:sp modelId="{384C819D-8603-41A2-A152-FAF56755E81F}">
       <dsp:nvSpPr>
         <dsp:cNvPr id="0" name=""/>
         <dsp:cNvSpPr/>
       </dsp:nvSpPr>
       <dsp:spPr>
         <a:xfrm>
-          <a:off x="2745953" y="2369721"/>
-          <a:ext cx="460901" cy="91440"/>
+          <a:off x="3150460" y="1536067"/>
+          <a:ext cx="266914" cy="312240"/>
         </a:xfrm>
-        <a:custGeom>
-          <a:avLst/>
-          <a:gdLst/>
-          <a:ahLst/>
-          <a:cxnLst/>
-          <a:rect l="0" t="0" r="0" b="0"/>
-          <a:pathLst>
-            <a:path>
-              <a:moveTo>
-                <a:pt x="0" y="45720"/>
-              </a:moveTo>
-              <a:lnTo>
-                <a:pt x="460901" y="45720"/>
-              </a:lnTo>
-            </a:path>
-          </a:pathLst>
-        </a:custGeom>
-        <a:noFill/>
-        <a:ln w="9525" cap="flat" cmpd="sng" algn="ctr">
-          <a:solidFill>
-            <a:schemeClr val="accent1">
-              <a:hueOff val="0"/>
-              <a:satOff val="0"/>
-              <a:lumOff val="0"/>
-              <a:alphaOff val="0"/>
-            </a:schemeClr>
-          </a:solidFill>
-          <a:prstDash val="solid"/>
-          <a:tailEnd type="arrow"/>
+        <a:prstGeom prst="rightArrow">
+          <a:avLst>
+            <a:gd name="adj1" fmla="val 60000"/>
+            <a:gd name="adj2" fmla="val 50000"/>
+          </a:avLst>
+        </a:prstGeom>
+        <a:solidFill>
+          <a:schemeClr val="accent1">
+            <a:tint val="60000"/>
+            <a:hueOff val="0"/>
+            <a:satOff val="0"/>
+            <a:lumOff val="0"/>
+            <a:alphaOff val="0"/>
+          </a:schemeClr>
+        </a:solidFill>
+        <a:ln>
+          <a:noFill/>
         </a:ln>
         <a:effectLst/>
       </dsp:spPr>
       <dsp:style>
-        <a:lnRef idx="1">
+        <a:lnRef idx="0">
           <a:scrgbClr r="0" g="0" b="0"/>
         </a:lnRef>
-        <a:fillRef idx="0">
+        <a:fillRef idx="1">
           <a:scrgbClr r="0" g="0" b="0"/>
         </a:fillRef>
         <a:effectRef idx="0">
           <a:scrgbClr r="0" g="0" b="0"/>
         </a:effectRef>
-        <a:fontRef idx="minor"/>
+        <a:fontRef idx="minor">
+          <a:schemeClr val="lt1"/>
+        </a:fontRef>
       </dsp:style>
       <dsp:txBody>
-        <a:bodyPr spcFirstLastPara="0" vert="horz" wrap="square" lIns="12700" tIns="0" rIns="12700" bIns="0" numCol="1" spcCol="1270" anchor="ctr" anchorCtr="0">
+        <a:bodyPr spcFirstLastPara="0" vert="horz" wrap="square" lIns="0" tIns="0" rIns="0" bIns="0" numCol="1" spcCol="1270" anchor="ctr" anchorCtr="0">
           <a:noAutofit/>
         </a:bodyPr>
         <a:lstStyle/>
         <a:p>
-          <a:pPr lvl="0" algn="ctr" defTabSz="222250">
+          <a:pPr lvl="0" algn="ctr" defTabSz="577850">
             <a:lnSpc>
               <a:spcPct val="90000"/>
             </a:lnSpc>
@@ -1682,26 +1534,28 @@
               <a:spcPct val="35000"/>
             </a:spcAft>
           </a:pPr>
-          <a:endParaRPr lang="en-GB" sz="500" kern="1200"/>
+          <a:endParaRPr lang="en-GB" sz="1300" kern="1200"/>
         </a:p>
       </dsp:txBody>
       <dsp:txXfrm>
-        <a:off x="2964116" y="2412984"/>
-        <a:ext cx="24575" cy="4915"/>
+        <a:off x="3150460" y="1598515"/>
+        <a:ext cx="186840" cy="187344"/>
       </dsp:txXfrm>
     </dsp:sp>
-    <dsp:sp modelId="{FAF0D9F0-0222-4DD0-9339-4AC2868E153D}">
+    <dsp:sp modelId="{AB766A71-B336-464B-9348-3E68D43338B8}">
       <dsp:nvSpPr>
         <dsp:cNvPr id="0" name=""/>
         <dsp:cNvSpPr/>
       </dsp:nvSpPr>
       <dsp:spPr>
         <a:xfrm>
-          <a:off x="610788" y="1774352"/>
-          <a:ext cx="2136964" cy="1282178"/>
+          <a:off x="3528170" y="1150705"/>
+          <a:ext cx="1259032" cy="1082964"/>
         </a:xfrm>
-        <a:prstGeom prst="rect">
-          <a:avLst/>
+        <a:prstGeom prst="roundRect">
+          <a:avLst>
+            <a:gd name="adj" fmla="val 10000"/>
+          </a:avLst>
         </a:prstGeom>
         <a:solidFill>
           <a:schemeClr val="accent1">
@@ -1739,12 +1593,12 @@
         </a:fontRef>
       </dsp:style>
       <dsp:txBody>
-        <a:bodyPr spcFirstLastPara="0" vert="horz" wrap="square" lIns="156464" tIns="156464" rIns="156464" bIns="156464" numCol="1" spcCol="1270" anchor="ctr" anchorCtr="0">
+        <a:bodyPr spcFirstLastPara="0" vert="horz" wrap="square" lIns="60960" tIns="60960" rIns="60960" bIns="60960" numCol="1" spcCol="1270" anchor="ctr" anchorCtr="0">
           <a:noAutofit/>
         </a:bodyPr>
         <a:lstStyle/>
         <a:p>
-          <a:pPr lvl="0" algn="ctr" defTabSz="977900">
+          <a:pPr lvl="0" algn="ctr" defTabSz="711200">
             <a:lnSpc>
               <a:spcPct val="90000"/>
             </a:lnSpc>
@@ -1756,37 +1610,100 @@
             </a:spcAft>
           </a:pPr>
           <a:r>
-            <a:rPr lang="sv-SE" sz="2200" kern="1200" dirty="0" smtClean="0"/>
-            <a:t>ASP.NET </a:t>
+            <a:rPr lang="sv-SE" sz="1600" kern="1200" dirty="0" smtClean="0"/>
+            <a:t>ASP.NET Identity 1.0 (2013)</a:t>
           </a:r>
-          <a:r>
-            <a:rPr lang="sv-SE" sz="2200" kern="1200" dirty="0" err="1" smtClean="0"/>
-            <a:t>Identity</a:t>
-          </a:r>
-          <a:r>
-            <a:rPr lang="sv-SE" sz="2200" kern="1200" dirty="0" smtClean="0"/>
-            <a:t> 1.0 (2013)</a:t>
-          </a:r>
-          <a:endParaRPr lang="en-GB" sz="2200" kern="1200" dirty="0"/>
+          <a:endParaRPr lang="en-GB" sz="1600" kern="1200" dirty="0"/>
         </a:p>
       </dsp:txBody>
       <dsp:txXfrm>
-        <a:off x="610788" y="1774352"/>
-        <a:ext cx="2136964" cy="1282178"/>
+        <a:off x="3559889" y="1182424"/>
+        <a:ext cx="1195594" cy="1019526"/>
       </dsp:txXfrm>
     </dsp:sp>
-    <dsp:sp modelId="{A6174F81-839C-4A64-8ADB-4F3A6658691A}">
+    <dsp:sp modelId="{27653AE1-388A-4007-9638-4A076C3506A5}">
       <dsp:nvSpPr>
         <dsp:cNvPr id="0" name=""/>
         <dsp:cNvSpPr/>
       </dsp:nvSpPr>
       <dsp:spPr>
         <a:xfrm>
-          <a:off x="3239254" y="1774352"/>
-          <a:ext cx="2136964" cy="1282178"/>
+          <a:off x="4913106" y="1536067"/>
+          <a:ext cx="266914" cy="312240"/>
         </a:xfrm>
-        <a:prstGeom prst="rect">
-          <a:avLst/>
+        <a:prstGeom prst="rightArrow">
+          <a:avLst>
+            <a:gd name="adj1" fmla="val 60000"/>
+            <a:gd name="adj2" fmla="val 50000"/>
+          </a:avLst>
+        </a:prstGeom>
+        <a:solidFill>
+          <a:schemeClr val="accent1">
+            <a:tint val="60000"/>
+            <a:hueOff val="0"/>
+            <a:satOff val="0"/>
+            <a:lumOff val="0"/>
+            <a:alphaOff val="0"/>
+          </a:schemeClr>
+        </a:solidFill>
+        <a:ln>
+          <a:noFill/>
+        </a:ln>
+        <a:effectLst/>
+      </dsp:spPr>
+      <dsp:style>
+        <a:lnRef idx="0">
+          <a:scrgbClr r="0" g="0" b="0"/>
+        </a:lnRef>
+        <a:fillRef idx="1">
+          <a:scrgbClr r="0" g="0" b="0"/>
+        </a:fillRef>
+        <a:effectRef idx="0">
+          <a:scrgbClr r="0" g="0" b="0"/>
+        </a:effectRef>
+        <a:fontRef idx="minor">
+          <a:schemeClr val="lt1"/>
+        </a:fontRef>
+      </dsp:style>
+      <dsp:txBody>
+        <a:bodyPr spcFirstLastPara="0" vert="horz" wrap="square" lIns="0" tIns="0" rIns="0" bIns="0" numCol="1" spcCol="1270" anchor="ctr" anchorCtr="0">
+          <a:noAutofit/>
+        </a:bodyPr>
+        <a:lstStyle/>
+        <a:p>
+          <a:pPr lvl="0" algn="ctr" defTabSz="577850">
+            <a:lnSpc>
+              <a:spcPct val="90000"/>
+            </a:lnSpc>
+            <a:spcBef>
+              <a:spcPct val="0"/>
+            </a:spcBef>
+            <a:spcAft>
+              <a:spcPct val="35000"/>
+            </a:spcAft>
+          </a:pPr>
+          <a:endParaRPr lang="en-GB" sz="1300" kern="1200"/>
+        </a:p>
+      </dsp:txBody>
+      <dsp:txXfrm>
+        <a:off x="4913106" y="1598515"/>
+        <a:ext cx="186840" cy="187344"/>
+      </dsp:txXfrm>
+    </dsp:sp>
+    <dsp:sp modelId="{7BF5C6B5-563D-4A44-A7F4-BEEDF57FAE9A}">
+      <dsp:nvSpPr>
+        <dsp:cNvPr id="0" name=""/>
+        <dsp:cNvSpPr/>
+      </dsp:nvSpPr>
+      <dsp:spPr>
+        <a:xfrm>
+          <a:off x="5290815" y="1150705"/>
+          <a:ext cx="1259032" cy="1082964"/>
+        </a:xfrm>
+        <a:prstGeom prst="roundRect">
+          <a:avLst>
+            <a:gd name="adj" fmla="val 10000"/>
+          </a:avLst>
         </a:prstGeom>
         <a:solidFill>
           <a:schemeClr val="accent1">
@@ -1824,12 +1741,12 @@
         </a:fontRef>
       </dsp:style>
       <dsp:txBody>
-        <a:bodyPr spcFirstLastPara="0" vert="horz" wrap="square" lIns="156464" tIns="156464" rIns="156464" bIns="156464" numCol="1" spcCol="1270" anchor="ctr" anchorCtr="0">
+        <a:bodyPr spcFirstLastPara="0" vert="horz" wrap="square" lIns="60960" tIns="60960" rIns="60960" bIns="60960" numCol="1" spcCol="1270" anchor="ctr" anchorCtr="0">
           <a:noAutofit/>
         </a:bodyPr>
         <a:lstStyle/>
         <a:p>
-          <a:pPr lvl="0" algn="ctr" defTabSz="977900">
+          <a:pPr lvl="0" algn="ctr" defTabSz="711200">
             <a:lnSpc>
               <a:spcPct val="90000"/>
             </a:lnSpc>
@@ -1841,23 +1758,15 @@
             </a:spcAft>
           </a:pPr>
           <a:r>
-            <a:rPr lang="sv-SE" sz="2200" kern="1200" dirty="0" smtClean="0"/>
-            <a:t>ASP.NET </a:t>
+            <a:rPr lang="sv-SE" sz="1600" kern="1200" dirty="0" smtClean="0"/>
+            <a:t>ASP.NET Identity 2.0 (2014)</a:t>
           </a:r>
-          <a:r>
-            <a:rPr lang="sv-SE" sz="2200" kern="1200" dirty="0" err="1" smtClean="0"/>
-            <a:t>Identity</a:t>
-          </a:r>
-          <a:r>
-            <a:rPr lang="sv-SE" sz="2200" kern="1200" dirty="0" smtClean="0"/>
-            <a:t> 2.0 (2014)</a:t>
-          </a:r>
-          <a:endParaRPr lang="en-GB" sz="2200" kern="1200" dirty="0"/>
+          <a:endParaRPr lang="en-GB" sz="1600" kern="1200" dirty="0"/>
         </a:p>
       </dsp:txBody>
       <dsp:txXfrm>
-        <a:off x="3239254" y="1774352"/>
-        <a:ext cx="2136964" cy="1282178"/>
+        <a:off x="5322534" y="1182424"/>
+        <a:ext cx="1195594" cy="1019526"/>
       </dsp:txXfrm>
     </dsp:sp>
   </dsp:spTree>
@@ -1865,39 +1774,16 @@
 </file>
 
 <file path=ppt/diagrams/layout1.xml><?xml version="1.0" encoding="utf-8"?>
-<dgm:layoutDef xmlns:dgm="http://schemas.openxmlformats.org/drawingml/2006/diagram" xmlns:a="http://schemas.openxmlformats.org/drawingml/2006/main" uniqueId="urn:microsoft.com/office/officeart/2005/8/layout/bProcess3">
+<dgm:layoutDef xmlns:dgm="http://schemas.openxmlformats.org/drawingml/2006/diagram" xmlns:a="http://schemas.openxmlformats.org/drawingml/2006/main" uniqueId="urn:microsoft.com/office/officeart/2005/8/layout/process1">
   <dgm:title val=""/>
   <dgm:desc val=""/>
   <dgm:catLst>
-    <dgm:cat type="process" pri="18000"/>
+    <dgm:cat type="process" pri="1000"/>
+    <dgm:cat type="convert" pri="15000"/>
   </dgm:catLst>
-  <dgm:sampData>
+  <dgm:sampData useDef="1">
     <dgm:dataModel>
-      <dgm:ptLst>
-        <dgm:pt modelId="0" type="doc"/>
-        <dgm:pt modelId="1">
-          <dgm:prSet phldr="1"/>
-        </dgm:pt>
-        <dgm:pt modelId="2">
-          <dgm:prSet phldr="1"/>
-        </dgm:pt>
-        <dgm:pt modelId="3">
-          <dgm:prSet phldr="1"/>
-        </dgm:pt>
-        <dgm:pt modelId="4">
-          <dgm:prSet phldr="1"/>
-        </dgm:pt>
-        <dgm:pt modelId="5">
-          <dgm:prSet phldr="1"/>
-        </dgm:pt>
-      </dgm:ptLst>
-      <dgm:cxnLst>
-        <dgm:cxn modelId="7" srcId="0" destId="1" srcOrd="0" destOrd="0"/>
-        <dgm:cxn modelId="8" srcId="0" destId="2" srcOrd="1" destOrd="0"/>
-        <dgm:cxn modelId="9" srcId="0" destId="3" srcOrd="2" destOrd="0"/>
-        <dgm:cxn modelId="10" srcId="0" destId="4" srcOrd="3" destOrd="0"/>
-        <dgm:cxn modelId="11" srcId="0" destId="5" srcOrd="4" destOrd="0"/>
-      </dgm:cxnLst>
+      <dgm:ptLst/>
       <dgm:bg/>
       <dgm:whole/>
     </dgm:dataModel>
@@ -1942,20 +1828,12 @@
       <dgm:resizeHandles val="exact"/>
     </dgm:varLst>
     <dgm:choose name="Name1">
-      <dgm:if name="Name2" axis="self" func="var" arg="dir" op="equ" val="norm">
-        <dgm:alg type="snake">
-          <dgm:param type="grDir" val="tL"/>
-          <dgm:param type="flowDir" val="row"/>
-          <dgm:param type="contDir" val="sameDir"/>
-          <dgm:param type="bkpt" val="endCnv"/>
-        </dgm:alg>
+      <dgm:if name="Name2" func="var" arg="dir" op="equ" val="norm">
+        <dgm:alg type="lin"/>
       </dgm:if>
       <dgm:else name="Name3">
-        <dgm:alg type="snake">
-          <dgm:param type="grDir" val="tR"/>
-          <dgm:param type="flowDir" val="row"/>
-          <dgm:param type="contDir" val="sameDir"/>
-          <dgm:param type="bkpt" val="endCnv"/>
+        <dgm:alg type="lin">
+          <dgm:param type="linDir" val="fromR"/>
         </dgm:alg>
       </dgm:else>
     </dgm:choose>
@@ -1965,10 +1843,9 @@
     <dgm:presOf/>
     <dgm:constrLst>
       <dgm:constr type="w" for="ch" ptType="node" refType="w"/>
-      <dgm:constr type="w" for="ch" forName="sibTrans" refType="w" refFor="ch" refPtType="node" op="equ" fact="0.23"/>
-      <dgm:constr type="sp" refType="w" refFor="ch" refForName="sibTrans" op="equ"/>
-      <dgm:constr type="userB" for="des" forName="connectorText" refType="sp"/>
+      <dgm:constr type="h" for="ch" ptType="node" op="equ"/>
       <dgm:constr type="primFontSz" for="ch" ptType="node" op="equ" val="65"/>
+      <dgm:constr type="w" for="ch" ptType="sibTrans" refType="w" refFor="ch" refPtType="node" op="equ" fact="0.4"/>
       <dgm:constr type="h" for="ch" ptType="sibTrans" op="equ"/>
       <dgm:constr type="primFontSz" for="des" forName="connectorText" op="equ" val="55"/>
       <dgm:constr type="primFontSz" for="des" forName="connectorText" refType="primFontSz" refFor="ch" refPtType="node" op="lte" fact="0.8"/>
@@ -1980,68 +1857,58 @@
           <dgm:bulletEnabled val="1"/>
         </dgm:varLst>
         <dgm:alg type="tx"/>
-        <dgm:shape xmlns:r="http://schemas.openxmlformats.org/officeDocument/2006/relationships" type="rect" r:blip="">
-          <dgm:adjLst/>
+        <dgm:shape xmlns:r="http://schemas.openxmlformats.org/officeDocument/2006/relationships" type="roundRect" r:blip="">
+          <dgm:adjLst>
+            <dgm:adj idx="1" val="0.1"/>
+          </dgm:adjLst>
         </dgm:shape>
         <dgm:presOf axis="desOrSelf" ptType="node"/>
         <dgm:constrLst>
           <dgm:constr type="h" refType="w" fact="0.6"/>
+          <dgm:constr type="tMarg" refType="primFontSz" fact="0.3"/>
+          <dgm:constr type="bMarg" refType="primFontSz" fact="0.3"/>
+          <dgm:constr type="lMarg" refType="primFontSz" fact="0.3"/>
+          <dgm:constr type="rMarg" refType="primFontSz" fact="0.3"/>
         </dgm:constrLst>
         <dgm:ruleLst>
+          <dgm:rule type="primFontSz" val="18" fact="NaN" max="NaN"/>
+          <dgm:rule type="h" val="NaN" fact="1.5" max="NaN"/>
           <dgm:rule type="primFontSz" val="5" fact="NaN" max="NaN"/>
+          <dgm:rule type="h" val="INF" fact="NaN" max="NaN"/>
         </dgm:ruleLst>
       </dgm:layoutNode>
       <dgm:forEach name="sibTransForEach" axis="followSib" ptType="sibTrans" cnt="1">
         <dgm:layoutNode name="sibTrans">
-          <dgm:choose name="Name4">
-            <dgm:if name="Name5" axis="self" func="var" arg="dir" op="equ" val="norm">
-              <dgm:alg type="conn">
-                <dgm:param type="connRout" val="bend"/>
-                <dgm:param type="dim" val="1D"/>
-                <dgm:param type="begPts" val="midR bCtr"/>
-                <dgm:param type="endPts" val="midL tCtr"/>
-              </dgm:alg>
-            </dgm:if>
-            <dgm:else name="Name6">
-              <dgm:alg type="conn">
-                <dgm:param type="connRout" val="bend"/>
-                <dgm:param type="dim" val="1D"/>
-                <dgm:param type="begPts" val="midL bCtr"/>
-                <dgm:param type="endPts" val="midR tCtr"/>
-              </dgm:alg>
-            </dgm:else>
-          </dgm:choose>
-          <dgm:shape xmlns:r="http://schemas.openxmlformats.org/officeDocument/2006/relationships" type="conn" r:blip="" zOrderOff="-2">
+          <dgm:alg type="conn">
+            <dgm:param type="begPts" val="auto"/>
+            <dgm:param type="endPts" val="auto"/>
+          </dgm:alg>
+          <dgm:shape xmlns:r="http://schemas.openxmlformats.org/officeDocument/2006/relationships" type="conn" r:blip="">
             <dgm:adjLst/>
           </dgm:shape>
           <dgm:presOf axis="self"/>
           <dgm:constrLst>
-            <dgm:constr type="begPad" val="-0.05"/>
-            <dgm:constr type="endPad" val="0.9"/>
-            <dgm:constr type="userA" for="ch" refType="connDist"/>
+            <dgm:constr type="h" refType="w" fact="0.62"/>
+            <dgm:constr type="connDist"/>
+            <dgm:constr type="begPad" refType="connDist" fact="0.25"/>
+            <dgm:constr type="endPad" refType="connDist" fact="0.22"/>
           </dgm:constrLst>
           <dgm:ruleLst/>
           <dgm:layoutNode name="connectorText">
             <dgm:alg type="tx">
-              <dgm:param type="autoTxRot" val="upr"/>
+              <dgm:param type="autoTxRot" val="grav"/>
             </dgm:alg>
-            <dgm:shape xmlns:r="http://schemas.openxmlformats.org/officeDocument/2006/relationships" type="rect" r:blip="" hideGeom="1">
+            <dgm:shape xmlns:r="http://schemas.openxmlformats.org/officeDocument/2006/relationships" type="conn" r:blip="" hideGeom="1">
               <dgm:adjLst/>
             </dgm:shape>
             <dgm:presOf axis="self"/>
             <dgm:constrLst>
-              <dgm:constr type="userA"/>
-              <dgm:constr type="userB"/>
-              <dgm:constr type="w" refType="userA" fact="0.05"/>
-              <dgm:constr type="h" refType="userB" fact="0.01"/>
-              <dgm:constr type="lMarg" val="1"/>
-              <dgm:constr type="rMarg" val="1"/>
+              <dgm:constr type="lMarg"/>
+              <dgm:constr type="rMarg"/>
               <dgm:constr type="tMarg"/>
               <dgm:constr type="bMarg"/>
             </dgm:constrLst>
             <dgm:ruleLst>
-              <dgm:rule type="w" val="NaN" fact="0.6" max="NaN"/>
-              <dgm:rule type="h" val="NaN" fact="0.6" max="NaN"/>
               <dgm:rule type="primFontSz" val="5" fact="NaN" max="NaN"/>
             </dgm:ruleLst>
           </dgm:layoutNode>
@@ -3168,7 +3035,7 @@
           <a:p>
             <a:fld id="{B5922E6D-3451-482A-A64F-C89F139BA51A}" type="datetimeFigureOut">
               <a:rPr lang="en-US" smtClean="0"/>
-              <a:t>11/14/2014</a:t>
+              <a:t>11/17/2014</a:t>
             </a:fld>
             <a:endParaRPr lang="en-US"/>
           </a:p>
@@ -3333,7 +3200,7 @@
           <a:p>
             <a:fld id="{05247E74-41DE-40FA-A7A7-A655366ADCFA}" type="datetimeFigureOut">
               <a:rPr lang="sv-SE" smtClean="0"/>
-              <a:t>2014-11-14</a:t>
+              <a:t>2014-11-17</a:t>
             </a:fld>
             <a:endParaRPr lang="sv-SE"/>
           </a:p>
@@ -3750,7 +3617,7 @@
           <a:p>
             <a:fld id="{9C98CF53-5E26-4422-B9D8-E9A5474C1FAF}" type="slidenum">
               <a:rPr lang="sv-SE" smtClean="0"/>
-              <a:t>8</a:t>
+              <a:t>9</a:t>
             </a:fld>
             <a:endParaRPr lang="sv-SE"/>
           </a:p>
@@ -3834,7 +3701,7 @@
           <a:p>
             <a:fld id="{9C98CF53-5E26-4422-B9D8-E9A5474C1FAF}" type="slidenum">
               <a:rPr lang="sv-SE" smtClean="0"/>
-              <a:t>9</a:t>
+              <a:t>10</a:t>
             </a:fld>
             <a:endParaRPr lang="sv-SE"/>
           </a:p>
@@ -3926,7 +3793,7 @@
           <a:p>
             <a:fld id="{9C98CF53-5E26-4422-B9D8-E9A5474C1FAF}" type="slidenum">
               <a:rPr lang="sv-SE" smtClean="0"/>
-              <a:t>10</a:t>
+              <a:t>11</a:t>
             </a:fld>
             <a:endParaRPr lang="sv-SE"/>
           </a:p>
@@ -4010,7 +3877,7 @@
           <a:p>
             <a:fld id="{9C98CF53-5E26-4422-B9D8-E9A5474C1FAF}" type="slidenum">
               <a:rPr lang="sv-SE" smtClean="0"/>
-              <a:t>13</a:t>
+              <a:t>14</a:t>
             </a:fld>
             <a:endParaRPr lang="sv-SE"/>
           </a:p>
@@ -4094,7 +3961,7 @@
           <a:p>
             <a:fld id="{9C98CF53-5E26-4422-B9D8-E9A5474C1FAF}" type="slidenum">
               <a:rPr lang="sv-SE" smtClean="0"/>
-              <a:t>15</a:t>
+              <a:t>16</a:t>
             </a:fld>
             <a:endParaRPr lang="sv-SE"/>
           </a:p>
@@ -4309,7 +4176,7 @@
           <a:p>
             <a:fld id="{DB41BBF1-8D56-4061-8DE2-461FDAC177EF}" type="datetimeFigureOut">
               <a:rPr lang="sv-SE" smtClean="0"/>
-              <a:t>2014-11-14</a:t>
+              <a:t>2014-11-17</a:t>
             </a:fld>
             <a:endParaRPr lang="sv-SE"/>
           </a:p>
@@ -4573,7 +4440,7 @@
           <a:p>
             <a:fld id="{DB41BBF1-8D56-4061-8DE2-461FDAC177EF}" type="datetimeFigureOut">
               <a:rPr lang="sv-SE" smtClean="0"/>
-              <a:t>2014-11-14</a:t>
+              <a:t>2014-11-17</a:t>
             </a:fld>
             <a:endParaRPr lang="sv-SE"/>
           </a:p>
@@ -4750,7 +4617,7 @@
           <a:p>
             <a:fld id="{DB41BBF1-8D56-4061-8DE2-461FDAC177EF}" type="datetimeFigureOut">
               <a:rPr lang="sv-SE" smtClean="0"/>
-              <a:t>2014-11-14</a:t>
+              <a:t>2014-11-17</a:t>
             </a:fld>
             <a:endParaRPr lang="sv-SE"/>
           </a:p>
@@ -4937,7 +4804,7 @@
           <a:p>
             <a:fld id="{DB41BBF1-8D56-4061-8DE2-461FDAC177EF}" type="datetimeFigureOut">
               <a:rPr lang="sv-SE" smtClean="0"/>
-              <a:t>2014-11-14</a:t>
+              <a:t>2014-11-17</a:t>
             </a:fld>
             <a:endParaRPr lang="sv-SE"/>
           </a:p>
@@ -5201,7 +5068,7 @@
           <a:p>
             <a:fld id="{DB41BBF1-8D56-4061-8DE2-461FDAC177EF}" type="datetimeFigureOut">
               <a:rPr lang="sv-SE" smtClean="0"/>
-              <a:t>2014-11-14</a:t>
+              <a:t>2014-11-17</a:t>
             </a:fld>
             <a:endParaRPr lang="sv-SE"/>
           </a:p>
@@ -5378,7 +5245,7 @@
           <a:p>
             <a:fld id="{DB41BBF1-8D56-4061-8DE2-461FDAC177EF}" type="datetimeFigureOut">
               <a:rPr lang="sv-SE" smtClean="0"/>
-              <a:t>2014-11-14</a:t>
+              <a:t>2014-11-17</a:t>
             </a:fld>
             <a:endParaRPr lang="sv-SE"/>
           </a:p>
@@ -5631,7 +5498,7 @@
           <a:p>
             <a:fld id="{DB41BBF1-8D56-4061-8DE2-461FDAC177EF}" type="datetimeFigureOut">
               <a:rPr lang="sv-SE" smtClean="0"/>
-              <a:t>2014-11-14</a:t>
+              <a:t>2014-11-17</a:t>
             </a:fld>
             <a:endParaRPr lang="sv-SE"/>
           </a:p>
@@ -5926,7 +5793,7 @@
           <a:p>
             <a:fld id="{DB41BBF1-8D56-4061-8DE2-461FDAC177EF}" type="datetimeFigureOut">
               <a:rPr lang="sv-SE" smtClean="0"/>
-              <a:t>2014-11-14</a:t>
+              <a:t>2014-11-17</a:t>
             </a:fld>
             <a:endParaRPr lang="sv-SE"/>
           </a:p>
@@ -6355,7 +6222,7 @@
           <a:p>
             <a:fld id="{DB41BBF1-8D56-4061-8DE2-461FDAC177EF}" type="datetimeFigureOut">
               <a:rPr lang="sv-SE" smtClean="0"/>
-              <a:t>2014-11-14</a:t>
+              <a:t>2014-11-17</a:t>
             </a:fld>
             <a:endParaRPr lang="sv-SE"/>
           </a:p>
@@ -6480,7 +6347,7 @@
           <a:p>
             <a:fld id="{DB41BBF1-8D56-4061-8DE2-461FDAC177EF}" type="datetimeFigureOut">
               <a:rPr lang="sv-SE" smtClean="0"/>
-              <a:t>2014-11-14</a:t>
+              <a:t>2014-11-17</a:t>
             </a:fld>
             <a:endParaRPr lang="sv-SE"/>
           </a:p>
@@ -6582,7 +6449,7 @@
           <a:p>
             <a:fld id="{DB41BBF1-8D56-4061-8DE2-461FDAC177EF}" type="datetimeFigureOut">
               <a:rPr lang="sv-SE" smtClean="0"/>
-              <a:t>2014-11-14</a:t>
+              <a:t>2014-11-17</a:t>
             </a:fld>
             <a:endParaRPr lang="sv-SE"/>
           </a:p>
@@ -6866,7 +6733,7 @@
           <a:p>
             <a:fld id="{DB41BBF1-8D56-4061-8DE2-461FDAC177EF}" type="datetimeFigureOut">
               <a:rPr lang="sv-SE" smtClean="0"/>
-              <a:t>2014-11-14</a:t>
+              <a:t>2014-11-17</a:t>
             </a:fld>
             <a:endParaRPr lang="sv-SE"/>
           </a:p>
@@ -7094,7 +6961,7 @@
           <a:p>
             <a:fld id="{DB41BBF1-8D56-4061-8DE2-461FDAC177EF}" type="datetimeFigureOut">
               <a:rPr lang="sv-SE" smtClean="0"/>
-              <a:t>2014-11-14</a:t>
+              <a:t>2014-11-17</a:t>
             </a:fld>
             <a:endParaRPr lang="sv-SE"/>
           </a:p>
@@ -7670,16 +7537,128 @@
           <a:lstStyle/>
           <a:p>
             <a:r>
-              <a:rPr lang="sv-SE" dirty="0" err="1" smtClean="0"/>
-              <a:t>Why</a:t>
-            </a:r>
-            <a:r>
               <a:rPr lang="sv-SE" dirty="0" smtClean="0"/>
-              <a:t> ASP.NET </a:t>
-            </a:r>
-            <a:r>
-              <a:rPr lang="sv-SE" dirty="0" err="1" smtClean="0"/>
-              <a:t>Identity</a:t>
+              <a:t>Why ASP.NET </a:t>
+            </a:r>
+            <a:r>
+              <a:rPr lang="sv-SE" dirty="0" smtClean="0"/>
+              <a:t>Identity?</a:t>
+            </a:r>
+            <a:endParaRPr lang="en-GB" dirty="0"/>
+          </a:p>
+        </p:txBody>
+      </p:sp>
+      <p:sp>
+        <p:nvSpPr>
+          <p:cNvPr id="3" name="Platshållare för innehåll 2"/>
+          <p:cNvSpPr>
+            <a:spLocks noGrp="1"/>
+          </p:cNvSpPr>
+          <p:nvPr>
+            <p:ph idx="1"/>
+          </p:nvPr>
+        </p:nvSpPr>
+        <p:spPr>
+          <a:xfrm>
+            <a:off x="457200" y="1124744"/>
+            <a:ext cx="8229600" cy="4525963"/>
+          </a:xfrm>
+        </p:spPr>
+        <p:txBody>
+          <a:bodyPr>
+            <a:normAutofit/>
+          </a:bodyPr>
+          <a:lstStyle/>
+          <a:p>
+            <a:pPr marL="0" lvl="0" indent="0">
+              <a:buNone/>
+            </a:pPr>
+            <a:r>
+              <a:rPr lang="en-US" sz="3200" dirty="0" smtClean="0"/>
+              <a:t>ASP.NET Identity works great with following projects in .NET:</a:t>
+            </a:r>
+          </a:p>
+          <a:p>
+            <a:r>
+              <a:rPr lang="en-US" dirty="0" smtClean="0"/>
+              <a:t>MVC</a:t>
+            </a:r>
+          </a:p>
+          <a:p>
+            <a:r>
+              <a:rPr lang="en-US" dirty="0" smtClean="0"/>
+              <a:t>Web Forms</a:t>
+            </a:r>
+          </a:p>
+          <a:p>
+            <a:r>
+              <a:rPr lang="en-US" dirty="0" smtClean="0"/>
+              <a:t>Web API</a:t>
+            </a:r>
+          </a:p>
+          <a:p>
+            <a:r>
+              <a:rPr lang="en-US" dirty="0" smtClean="0"/>
+              <a:t>Single Page Application</a:t>
+            </a:r>
+          </a:p>
+          <a:p>
+            <a:r>
+              <a:rPr lang="en-US" dirty="0" err="1" smtClean="0"/>
+              <a:t>SignalR</a:t>
+            </a:r>
+            <a:endParaRPr lang="en-US" dirty="0" smtClean="0"/>
+          </a:p>
+        </p:txBody>
+      </p:sp>
+    </p:spTree>
+    <p:extLst>
+      <p:ext uri="{BB962C8B-B14F-4D97-AF65-F5344CB8AC3E}">
+        <p14:creationId xmlns:p14="http://schemas.microsoft.com/office/powerpoint/2010/main" val="541569819"/>
+      </p:ext>
+    </p:extLst>
+  </p:cSld>
+  <p:clrMapOvr>
+    <a:masterClrMapping/>
+  </p:clrMapOvr>
+</p:sld>
+</file>
+
+<file path=ppt/slides/slide11.xml><?xml version="1.0" encoding="utf-8"?>
+<p:sld xmlns:a="http://schemas.openxmlformats.org/drawingml/2006/main" xmlns:r="http://schemas.openxmlformats.org/officeDocument/2006/relationships" xmlns:p="http://schemas.openxmlformats.org/presentationml/2006/main" show="0">
+  <p:cSld>
+    <p:spTree>
+      <p:nvGrpSpPr>
+        <p:cNvPr id="1" name=""/>
+        <p:cNvGrpSpPr/>
+        <p:nvPr/>
+      </p:nvGrpSpPr>
+      <p:grpSpPr>
+        <a:xfrm>
+          <a:off x="0" y="0"/>
+          <a:ext cx="0" cy="0"/>
+          <a:chOff x="0" y="0"/>
+          <a:chExt cx="0" cy="0"/>
+        </a:xfrm>
+      </p:grpSpPr>
+      <p:sp>
+        <p:nvSpPr>
+          <p:cNvPr id="2" name="Rubrik 1"/>
+          <p:cNvSpPr>
+            <a:spLocks noGrp="1"/>
+          </p:cNvSpPr>
+          <p:nvPr>
+            <p:ph type="title"/>
+          </p:nvPr>
+        </p:nvSpPr>
+        <p:spPr/>
+        <p:txBody>
+          <a:bodyPr/>
+          <a:lstStyle/>
+          <a:p>
+            <a:r>
+              <a:rPr lang="sv-SE" dirty="0" smtClean="0"/>
+              <a:t>Why ASP.NET Identity</a:t>
             </a:r>
             <a:endParaRPr lang="en-GB" dirty="0"/>
           </a:p>
@@ -7888,129 +7867,14 @@
   <p:clrMapOvr>
     <a:masterClrMapping/>
   </p:clrMapOvr>
-</p:sld>
-</file>
-
-<file path=ppt/slides/slide11.xml><?xml version="1.0" encoding="utf-8"?>
-<p:sld xmlns:a="http://schemas.openxmlformats.org/drawingml/2006/main" xmlns:r="http://schemas.openxmlformats.org/officeDocument/2006/relationships" xmlns:p="http://schemas.openxmlformats.org/presentationml/2006/main">
-  <p:cSld>
-    <p:spTree>
-      <p:nvGrpSpPr>
-        <p:cNvPr id="1" name=""/>
-        <p:cNvGrpSpPr/>
-        <p:nvPr/>
-      </p:nvGrpSpPr>
-      <p:grpSpPr>
-        <a:xfrm>
-          <a:off x="0" y="0"/>
-          <a:ext cx="0" cy="0"/>
-          <a:chOff x="0" y="0"/>
-          <a:chExt cx="0" cy="0"/>
-        </a:xfrm>
-      </p:grpSpPr>
-      <p:sp>
-        <p:nvSpPr>
-          <p:cNvPr id="2" name="Rubrik 1"/>
-          <p:cNvSpPr>
-            <a:spLocks noGrp="1"/>
-          </p:cNvSpPr>
-          <p:nvPr>
-            <p:ph type="title"/>
-          </p:nvPr>
-        </p:nvSpPr>
-        <p:spPr/>
-        <p:txBody>
-          <a:bodyPr/>
-          <a:lstStyle/>
-          <a:p>
-            <a:r>
-              <a:rPr lang="sv-SE" dirty="0" err="1" smtClean="0"/>
-              <a:t>Why</a:t>
-            </a:r>
-            <a:r>
-              <a:rPr lang="sv-SE" dirty="0" smtClean="0"/>
-              <a:t> ASP.NET </a:t>
-            </a:r>
-            <a:r>
-              <a:rPr lang="sv-SE" dirty="0" err="1" smtClean="0"/>
-              <a:t>Identity</a:t>
-            </a:r>
-            <a:endParaRPr lang="en-GB" dirty="0"/>
-          </a:p>
-        </p:txBody>
-      </p:sp>
-      <p:sp>
-        <p:nvSpPr>
-          <p:cNvPr id="3" name="Platshållare för innehåll 2"/>
-          <p:cNvSpPr>
-            <a:spLocks noGrp="1"/>
-          </p:cNvSpPr>
-          <p:nvPr>
-            <p:ph idx="1"/>
-          </p:nvPr>
-        </p:nvSpPr>
-        <p:spPr>
-          <a:xfrm>
-            <a:off x="179511" y="1124744"/>
-            <a:ext cx="8784977" cy="4525963"/>
-          </a:xfrm>
-        </p:spPr>
-        <p:txBody>
-          <a:bodyPr>
-            <a:normAutofit lnSpcReduction="10000"/>
-          </a:bodyPr>
-          <a:lstStyle/>
-          <a:p>
-            <a:pPr marL="0" lvl="0" indent="0">
-              <a:buNone/>
-            </a:pPr>
-            <a:r>
-              <a:rPr lang="en-US" sz="3200" dirty="0" smtClean="0"/>
-              <a:t>When should I use ASP.NET Identity?</a:t>
-            </a:r>
-          </a:p>
-          <a:p>
-            <a:pPr marL="0" lvl="0" indent="0">
-              <a:buNone/>
-            </a:pPr>
-            <a:endParaRPr lang="en-US" sz="3200" dirty="0"/>
-          </a:p>
-          <a:p>
-            <a:r>
-              <a:rPr lang="en-US" dirty="0" smtClean="0"/>
-              <a:t>When your application will handle a number of external users</a:t>
-            </a:r>
-          </a:p>
-          <a:p>
-            <a:r>
-              <a:rPr lang="en-US" dirty="0" smtClean="0"/>
-              <a:t>When you don’t want to handle user authentication yourself</a:t>
-            </a:r>
-          </a:p>
-          <a:p>
-            <a:r>
-              <a:rPr lang="en-US" dirty="0" smtClean="0"/>
-              <a:t>When you feel the need for flexibility which claims-based authorization gives you </a:t>
-            </a:r>
-          </a:p>
-          <a:p>
-            <a:r>
-              <a:rPr lang="en-US" dirty="0" smtClean="0"/>
-              <a:t>When you want your application to follow the best practices of modern security</a:t>
-            </a:r>
-          </a:p>
-        </p:txBody>
-      </p:sp>
-    </p:spTree>
-    <p:extLst>
-      <p:ext uri="{BB962C8B-B14F-4D97-AF65-F5344CB8AC3E}">
-        <p14:creationId xmlns:p14="http://schemas.microsoft.com/office/powerpoint/2010/main" val="1288704473"/>
-      </p:ext>
-    </p:extLst>
-  </p:cSld>
-  <p:clrMapOvr>
-    <a:masterClrMapping/>
-  </p:clrMapOvr>
+  <mc:AlternateContent xmlns:mc="http://schemas.openxmlformats.org/markup-compatibility/2006" xmlns:p14="http://schemas.microsoft.com/office/powerpoint/2010/main">
+    <mc:Choice Requires="p14">
+      <p:transition spd="slow" p14:dur="2000"/>
+    </mc:Choice>
+    <mc:Fallback xmlns="">
+      <p:transition spd="slow"/>
+    </mc:Fallback>
+  </mc:AlternateContent>
 </p:sld>
 </file>
 
@@ -8048,11 +7912,11 @@
           <a:p>
             <a:r>
               <a:rPr lang="sv-SE" dirty="0" smtClean="0"/>
-              <a:t>ASP.NET </a:t>
-            </a:r>
-            <a:r>
-              <a:rPr lang="sv-SE" dirty="0" err="1" smtClean="0"/>
-              <a:t>Identity</a:t>
+              <a:t>Why ASP.NET </a:t>
+            </a:r>
+            <a:r>
+              <a:rPr lang="sv-SE" dirty="0" smtClean="0"/>
+              <a:t>Identity?</a:t>
             </a:r>
             <a:endParaRPr lang="en-GB" dirty="0"/>
           </a:p>
@@ -8068,76 +7932,85 @@
             <p:ph idx="1"/>
           </p:nvPr>
         </p:nvSpPr>
-        <p:spPr/>
-        <p:txBody>
-          <a:bodyPr/>
+        <p:spPr>
+          <a:xfrm>
+            <a:off x="179511" y="1124744"/>
+            <a:ext cx="8784977" cy="4525963"/>
+          </a:xfrm>
+        </p:spPr>
+        <p:txBody>
+          <a:bodyPr>
+            <a:normAutofit/>
+          </a:bodyPr>
           <a:lstStyle/>
           <a:p>
-            <a:pPr marL="0" indent="0">
+            <a:pPr marL="0" lvl="0" indent="0">
               <a:buNone/>
             </a:pPr>
-            <a:endParaRPr lang="sv-SE" dirty="0" smtClean="0"/>
-          </a:p>
-          <a:p>
-            <a:pPr marL="0" indent="0">
+            <a:r>
+              <a:rPr lang="en-US" sz="3200" dirty="0" smtClean="0"/>
+              <a:t>When should I use ASP.NET Identity?</a:t>
+            </a:r>
+          </a:p>
+          <a:p>
+            <a:pPr marL="0" lvl="0" indent="0">
               <a:buNone/>
             </a:pPr>
-            <a:endParaRPr lang="sv-SE" dirty="0"/>
-          </a:p>
-          <a:p>
-            <a:pPr marL="0" indent="0">
-              <a:buNone/>
-            </a:pPr>
-            <a:endParaRPr lang="sv-SE" dirty="0" smtClean="0"/>
-          </a:p>
-          <a:p>
-            <a:pPr marL="0" indent="0" algn="ctr">
-              <a:buNone/>
-            </a:pPr>
-            <a:r>
-              <a:rPr lang="sv-SE" sz="3200" dirty="0">
-                <a:solidFill>
-                  <a:srgbClr val="77933C"/>
-                </a:solidFill>
-              </a:rPr>
-              <a:t>B</a:t>
-            </a:r>
-            <a:r>
-              <a:rPr lang="sv-SE" sz="3200" dirty="0" smtClean="0">
-                <a:solidFill>
-                  <a:srgbClr val="77933C"/>
-                </a:solidFill>
-              </a:rPr>
-              <a:t>efore ASP.NET </a:t>
-            </a:r>
-            <a:r>
-              <a:rPr lang="sv-SE" sz="3200" dirty="0" err="1" smtClean="0">
-                <a:solidFill>
-                  <a:srgbClr val="77933C"/>
-                </a:solidFill>
-              </a:rPr>
-              <a:t>Identity</a:t>
-            </a:r>
-            <a:r>
-              <a:rPr lang="sv-SE" sz="3200" dirty="0" smtClean="0">
-                <a:solidFill>
-                  <a:srgbClr val="77933C"/>
-                </a:solidFill>
-              </a:rPr>
-              <a:t>?</a:t>
-            </a:r>
-            <a:endParaRPr lang="en-GB" sz="3200" dirty="0">
-              <a:solidFill>
-                <a:srgbClr val="77933C"/>
-              </a:solidFill>
-            </a:endParaRPr>
+            <a:endParaRPr lang="en-US" sz="3200" dirty="0"/>
+          </a:p>
+          <a:p>
+            <a:r>
+              <a:rPr lang="en-US" dirty="0"/>
+              <a:t>E</a:t>
+            </a:r>
+            <a:r>
+              <a:rPr lang="en-US" dirty="0" smtClean="0"/>
+              <a:t>xternal </a:t>
+            </a:r>
+            <a:r>
+              <a:rPr lang="en-US" dirty="0" smtClean="0"/>
+              <a:t>identities</a:t>
+            </a:r>
+            <a:endParaRPr lang="en-US" dirty="0" smtClean="0"/>
+          </a:p>
+          <a:p>
+            <a:r>
+              <a:rPr lang="en-US" dirty="0" smtClean="0"/>
+              <a:t>Delegated user authentication</a:t>
+            </a:r>
+          </a:p>
+          <a:p>
+            <a:r>
+              <a:rPr lang="en-US" dirty="0" smtClean="0"/>
+              <a:t>Supports Claims</a:t>
+            </a:r>
+            <a:endParaRPr lang="en-US" dirty="0" smtClean="0"/>
+          </a:p>
+          <a:p>
+            <a:r>
+              <a:rPr lang="en-US" dirty="0" smtClean="0"/>
+              <a:t>Modern security practices</a:t>
+            </a:r>
+          </a:p>
+          <a:p>
+            <a:r>
+              <a:rPr lang="en-US" dirty="0" smtClean="0"/>
+              <a:t>Cleaner architecture</a:t>
+            </a:r>
+          </a:p>
+          <a:p>
+            <a:r>
+              <a:rPr lang="en-US" dirty="0" smtClean="0"/>
+              <a:t>Alternative databases</a:t>
+            </a:r>
+            <a:endParaRPr lang="en-US" dirty="0" smtClean="0"/>
           </a:p>
         </p:txBody>
       </p:sp>
     </p:spTree>
     <p:extLst>
       <p:ext uri="{BB962C8B-B14F-4D97-AF65-F5344CB8AC3E}">
-        <p14:creationId xmlns:p14="http://schemas.microsoft.com/office/powerpoint/2010/main" val="3053491868"/>
+        <p14:creationId xmlns:p14="http://schemas.microsoft.com/office/powerpoint/2010/main" val="1288704473"/>
       </p:ext>
     </p:extLst>
   </p:cSld>
@@ -8166,12 +8039,12 @@
       </p:grpSpPr>
       <p:sp>
         <p:nvSpPr>
-          <p:cNvPr id="2" name="Rubrik 1"/>
-          <p:cNvSpPr>
-            <a:spLocks noGrp="1"/>
-          </p:cNvSpPr>
-          <p:nvPr>
-            <p:ph type="title"/>
+          <p:cNvPr id="3" name="Platshållare för innehåll 2"/>
+          <p:cNvSpPr>
+            <a:spLocks noGrp="1"/>
+          </p:cNvSpPr>
+          <p:nvPr>
+            <p:ph idx="1"/>
           </p:nvPr>
         </p:nvSpPr>
         <p:spPr/>
@@ -8179,71 +8052,55 @@
           <a:bodyPr/>
           <a:lstStyle/>
           <a:p>
-            <a:r>
-              <a:rPr lang="sv-SE" dirty="0" err="1" smtClean="0"/>
-              <a:t>What</a:t>
-            </a:r>
-            <a:r>
-              <a:rPr lang="sv-SE" dirty="0" smtClean="0"/>
-              <a:t> </a:t>
-            </a:r>
-            <a:r>
-              <a:rPr lang="sv-SE" dirty="0" err="1" smtClean="0"/>
-              <a:t>was</a:t>
-            </a:r>
-            <a:r>
-              <a:rPr lang="sv-SE" dirty="0" smtClean="0"/>
-              <a:t> </a:t>
-            </a:r>
-            <a:r>
-              <a:rPr lang="sv-SE" dirty="0" err="1" smtClean="0"/>
-              <a:t>before</a:t>
-            </a:r>
-            <a:r>
-              <a:rPr lang="sv-SE" dirty="0" smtClean="0"/>
-              <a:t> ASP.NET </a:t>
-            </a:r>
-            <a:r>
-              <a:rPr lang="sv-SE" dirty="0" err="1" smtClean="0"/>
-              <a:t>Identity</a:t>
-            </a:r>
-            <a:r>
-              <a:rPr lang="sv-SE" dirty="0" smtClean="0"/>
-              <a:t>?</a:t>
-            </a:r>
-            <a:endParaRPr lang="en-GB" dirty="0"/>
-          </a:p>
-        </p:txBody>
-      </p:sp>
-      <p:graphicFrame>
-        <p:nvGraphicFramePr>
-          <p:cNvPr id="5" name="Platshållare för innehåll 4"/>
-          <p:cNvGraphicFramePr>
-            <a:graphicFrameLocks noGrp="1"/>
-          </p:cNvGraphicFramePr>
-          <p:nvPr>
-            <p:ph idx="1"/>
-            <p:extLst>
-              <p:ext uri="{D42A27DB-BD31-4B8C-83A1-F6EECF244321}">
-                <p14:modId xmlns:p14="http://schemas.microsoft.com/office/powerpoint/2010/main" val="2485207265"/>
-              </p:ext>
-            </p:extLst>
-          </p:nvPr>
-        </p:nvGraphicFramePr>
-        <p:xfrm>
-          <a:off x="1547664" y="1916832"/>
-          <a:ext cx="5987008" cy="3057203"/>
-        </p:xfrm>
-        <a:graphic>
-          <a:graphicData uri="http://schemas.openxmlformats.org/drawingml/2006/diagram">
-            <dgm:relIds xmlns:dgm="http://schemas.openxmlformats.org/drawingml/2006/diagram" xmlns:r="http://schemas.openxmlformats.org/officeDocument/2006/relationships" r:dm="rId3" r:lo="rId4" r:qs="rId5" r:cs="rId6"/>
-          </a:graphicData>
-        </a:graphic>
-      </p:graphicFrame>
+            <a:pPr marL="0" indent="0">
+              <a:buNone/>
+            </a:pPr>
+            <a:endParaRPr lang="sv-SE" dirty="0" smtClean="0"/>
+          </a:p>
+          <a:p>
+            <a:pPr marL="0" indent="0">
+              <a:buNone/>
+            </a:pPr>
+            <a:endParaRPr lang="sv-SE" dirty="0"/>
+          </a:p>
+          <a:p>
+            <a:pPr marL="0" indent="0">
+              <a:buNone/>
+            </a:pPr>
+            <a:endParaRPr lang="sv-SE" dirty="0" smtClean="0"/>
+          </a:p>
+          <a:p>
+            <a:pPr marL="0" indent="0" algn="ctr">
+              <a:buNone/>
+            </a:pPr>
+            <a:r>
+              <a:rPr lang="sv-SE" sz="3200" dirty="0">
+                <a:solidFill>
+                  <a:srgbClr val="77933C"/>
+                </a:solidFill>
+              </a:rPr>
+              <a:t>B</a:t>
+            </a:r>
+            <a:r>
+              <a:rPr lang="sv-SE" sz="3200" dirty="0" smtClean="0">
+                <a:solidFill>
+                  <a:srgbClr val="77933C"/>
+                </a:solidFill>
+              </a:rPr>
+              <a:t>efore ASP.NET Identity</a:t>
+            </a:r>
+            <a:endParaRPr lang="en-GB" sz="3200" dirty="0">
+              <a:solidFill>
+                <a:srgbClr val="77933C"/>
+              </a:solidFill>
+            </a:endParaRPr>
+          </a:p>
+        </p:txBody>
+      </p:sp>
     </p:spTree>
     <p:extLst>
       <p:ext uri="{BB962C8B-B14F-4D97-AF65-F5344CB8AC3E}">
-        <p14:creationId xmlns:p14="http://schemas.microsoft.com/office/powerpoint/2010/main" val="962914284"/>
+        <p14:creationId xmlns:p14="http://schemas.microsoft.com/office/powerpoint/2010/main" val="3053491868"/>
       </p:ext>
     </p:extLst>
   </p:cSld>
@@ -8286,36 +8143,117 @@
           <a:lstStyle/>
           <a:p>
             <a:r>
-              <a:rPr lang="sv-SE" dirty="0" err="1" smtClean="0"/>
-              <a:t>What</a:t>
-            </a:r>
-            <a:r>
               <a:rPr lang="sv-SE" dirty="0" smtClean="0"/>
-              <a:t> </a:t>
-            </a:r>
-            <a:r>
-              <a:rPr lang="sv-SE" dirty="0" err="1" smtClean="0"/>
-              <a:t>was</a:t>
-            </a:r>
+              <a:t>What was before ASP.NET Identity?</a:t>
+            </a:r>
+            <a:endParaRPr lang="en-GB" dirty="0"/>
+          </a:p>
+        </p:txBody>
+      </p:sp>
+      <p:graphicFrame>
+        <p:nvGraphicFramePr>
+          <p:cNvPr id="5" name="Platshållare för innehåll 4"/>
+          <p:cNvGraphicFramePr>
+            <a:graphicFrameLocks noGrp="1"/>
+          </p:cNvGraphicFramePr>
+          <p:nvPr>
+            <p:ph idx="1"/>
+            <p:extLst>
+              <p:ext uri="{D42A27DB-BD31-4B8C-83A1-F6EECF244321}">
+                <p14:modId xmlns:p14="http://schemas.microsoft.com/office/powerpoint/2010/main" val="2890958403"/>
+              </p:ext>
+            </p:extLst>
+          </p:nvPr>
+        </p:nvGraphicFramePr>
+        <p:xfrm>
+          <a:off x="1331640" y="1916832"/>
+          <a:ext cx="6552728" cy="3384376"/>
+        </p:xfrm>
+        <a:graphic>
+          <a:graphicData uri="http://schemas.openxmlformats.org/drawingml/2006/diagram">
+            <dgm:relIds xmlns:dgm="http://schemas.openxmlformats.org/drawingml/2006/diagram" xmlns:r="http://schemas.openxmlformats.org/officeDocument/2006/relationships" r:dm="rId3" r:lo="rId4" r:qs="rId5" r:cs="rId6"/>
+          </a:graphicData>
+        </a:graphic>
+      </p:graphicFrame>
+      <p:sp>
+        <p:nvSpPr>
+          <p:cNvPr id="4" name="textruta 3"/>
+          <p:cNvSpPr txBox="1"/>
+          <p:nvPr/>
+        </p:nvSpPr>
+        <p:spPr>
+          <a:xfrm>
+            <a:off x="323528" y="1124744"/>
+            <a:ext cx="8640960" cy="954107"/>
+          </a:xfrm>
+          <a:prstGeom prst="rect">
+            <a:avLst/>
+          </a:prstGeom>
+          <a:noFill/>
+        </p:spPr>
+        <p:txBody>
+          <a:bodyPr wrap="square" rtlCol="0">
+            <a:spAutoFit/>
+          </a:bodyPr>
+          <a:lstStyle/>
+          <a:p>
+            <a:pPr algn="ctr"/>
+            <a:r>
+              <a:rPr lang="en-US" sz="2800" dirty="0" smtClean="0"/>
+              <a:t>Before ASP.NET Identity there has been several attempts of making good libraries for handling user security</a:t>
+            </a:r>
+            <a:endParaRPr lang="en-US" sz="2800" dirty="0"/>
+          </a:p>
+        </p:txBody>
+      </p:sp>
+    </p:spTree>
+    <p:extLst>
+      <p:ext uri="{BB962C8B-B14F-4D97-AF65-F5344CB8AC3E}">
+        <p14:creationId xmlns:p14="http://schemas.microsoft.com/office/powerpoint/2010/main" val="962914284"/>
+      </p:ext>
+    </p:extLst>
+  </p:cSld>
+  <p:clrMapOvr>
+    <a:masterClrMapping/>
+  </p:clrMapOvr>
+</p:sld>
+</file>
+
+<file path=ppt/slides/slide15.xml><?xml version="1.0" encoding="utf-8"?>
+<p:sld xmlns:a="http://schemas.openxmlformats.org/drawingml/2006/main" xmlns:r="http://schemas.openxmlformats.org/officeDocument/2006/relationships" xmlns:p="http://schemas.openxmlformats.org/presentationml/2006/main">
+  <p:cSld>
+    <p:spTree>
+      <p:nvGrpSpPr>
+        <p:cNvPr id="1" name=""/>
+        <p:cNvGrpSpPr/>
+        <p:nvPr/>
+      </p:nvGrpSpPr>
+      <p:grpSpPr>
+        <a:xfrm>
+          <a:off x="0" y="0"/>
+          <a:ext cx="0" cy="0"/>
+          <a:chOff x="0" y="0"/>
+          <a:chExt cx="0" cy="0"/>
+        </a:xfrm>
+      </p:grpSpPr>
+      <p:sp>
+        <p:nvSpPr>
+          <p:cNvPr id="2" name="Rubrik 1"/>
+          <p:cNvSpPr>
+            <a:spLocks noGrp="1"/>
+          </p:cNvSpPr>
+          <p:nvPr>
+            <p:ph type="title"/>
+          </p:nvPr>
+        </p:nvSpPr>
+        <p:spPr/>
+        <p:txBody>
+          <a:bodyPr/>
+          <a:lstStyle/>
+          <a:p>
             <a:r>
               <a:rPr lang="sv-SE" dirty="0" smtClean="0"/>
-              <a:t> </a:t>
-            </a:r>
-            <a:r>
-              <a:rPr lang="sv-SE" dirty="0" err="1" smtClean="0"/>
-              <a:t>before</a:t>
-            </a:r>
-            <a:r>
-              <a:rPr lang="sv-SE" dirty="0" smtClean="0"/>
-              <a:t> ASP.NET </a:t>
-            </a:r>
-            <a:r>
-              <a:rPr lang="sv-SE" dirty="0" err="1" smtClean="0"/>
-              <a:t>Identity</a:t>
-            </a:r>
-            <a:r>
-              <a:rPr lang="sv-SE" dirty="0" smtClean="0"/>
-              <a:t>?</a:t>
+              <a:t>What was before ASP.NET Identity?</a:t>
             </a:r>
             <a:endParaRPr lang="en-GB" dirty="0"/>
           </a:p>
@@ -8362,7 +8300,7 @@
           <a:p>
             <a:r>
               <a:rPr lang="en-US" sz="2400" dirty="0" smtClean="0"/>
-              <a:t>Difficulties adding additional information to the user-identity.  </a:t>
+              <a:t>Difficulties adding additional information to the user-identity  </a:t>
             </a:r>
           </a:p>
           <a:p>
@@ -8510,161 +8448,6 @@
 </p:sld>
 </file>
 
-<file path=ppt/slides/slide15.xml><?xml version="1.0" encoding="utf-8"?>
-<p:sld xmlns:a="http://schemas.openxmlformats.org/drawingml/2006/main" xmlns:r="http://schemas.openxmlformats.org/officeDocument/2006/relationships" xmlns:p="http://schemas.openxmlformats.org/presentationml/2006/main">
-  <p:cSld>
-    <p:spTree>
-      <p:nvGrpSpPr>
-        <p:cNvPr id="1" name=""/>
-        <p:cNvGrpSpPr/>
-        <p:nvPr/>
-      </p:nvGrpSpPr>
-      <p:grpSpPr>
-        <a:xfrm>
-          <a:off x="0" y="0"/>
-          <a:ext cx="0" cy="0"/>
-          <a:chOff x="0" y="0"/>
-          <a:chExt cx="0" cy="0"/>
-        </a:xfrm>
-      </p:grpSpPr>
-      <p:sp>
-        <p:nvSpPr>
-          <p:cNvPr id="2" name="Rubrik 1"/>
-          <p:cNvSpPr>
-            <a:spLocks noGrp="1"/>
-          </p:cNvSpPr>
-          <p:nvPr>
-            <p:ph type="title"/>
-          </p:nvPr>
-        </p:nvSpPr>
-        <p:spPr/>
-        <p:txBody>
-          <a:bodyPr/>
-          <a:lstStyle/>
-          <a:p>
-            <a:r>
-              <a:rPr lang="sv-SE" dirty="0" err="1"/>
-              <a:t>What</a:t>
-            </a:r>
-            <a:r>
-              <a:rPr lang="sv-SE" dirty="0"/>
-              <a:t> </a:t>
-            </a:r>
-            <a:r>
-              <a:rPr lang="sv-SE" dirty="0" err="1"/>
-              <a:t>was</a:t>
-            </a:r>
-            <a:r>
-              <a:rPr lang="sv-SE" dirty="0"/>
-              <a:t> </a:t>
-            </a:r>
-            <a:r>
-              <a:rPr lang="sv-SE" dirty="0" err="1"/>
-              <a:t>before</a:t>
-            </a:r>
-            <a:r>
-              <a:rPr lang="sv-SE" dirty="0"/>
-              <a:t> ASP.NET </a:t>
-            </a:r>
-            <a:r>
-              <a:rPr lang="sv-SE" dirty="0" err="1"/>
-              <a:t>Identity</a:t>
-            </a:r>
-            <a:r>
-              <a:rPr lang="sv-SE" dirty="0"/>
-              <a:t>?</a:t>
-            </a:r>
-            <a:endParaRPr lang="en-GB" dirty="0"/>
-          </a:p>
-        </p:txBody>
-      </p:sp>
-      <p:sp>
-        <p:nvSpPr>
-          <p:cNvPr id="3" name="Platshållare för innehåll 2"/>
-          <p:cNvSpPr>
-            <a:spLocks noGrp="1"/>
-          </p:cNvSpPr>
-          <p:nvPr>
-            <p:ph idx="1"/>
-          </p:nvPr>
-        </p:nvSpPr>
-        <p:spPr/>
-        <p:txBody>
-          <a:bodyPr>
-            <a:normAutofit/>
-          </a:bodyPr>
-          <a:lstStyle/>
-          <a:p>
-            <a:pPr marL="0" indent="0">
-              <a:buNone/>
-            </a:pPr>
-            <a:r>
-              <a:rPr lang="en-US" sz="3200" b="1" dirty="0" smtClean="0">
-                <a:solidFill>
-                  <a:srgbClr val="77933C"/>
-                </a:solidFill>
-              </a:rPr>
-              <a:t>ASP.NET Membership</a:t>
-            </a:r>
-          </a:p>
-          <a:p>
-            <a:pPr marL="0" indent="0">
-              <a:buNone/>
-            </a:pPr>
-            <a:endParaRPr lang="en-US" sz="3200" dirty="0" smtClean="0"/>
-          </a:p>
-          <a:p>
-            <a:r>
-              <a:rPr lang="en-US" sz="2400" dirty="0" smtClean="0"/>
-              <a:t>Forms based authentication.</a:t>
-            </a:r>
-          </a:p>
-          <a:p>
-            <a:r>
-              <a:rPr lang="en-US" sz="2400" dirty="0" smtClean="0"/>
-              <a:t>Designed with only SQL servers in mind.</a:t>
-            </a:r>
-          </a:p>
-          <a:p>
-            <a:r>
-              <a:rPr lang="en-US" sz="2400" dirty="0" smtClean="0"/>
-              <a:t>No Owin integration.</a:t>
-            </a:r>
-          </a:p>
-          <a:p>
-            <a:r>
-              <a:rPr lang="en-US" sz="2400" dirty="0" smtClean="0"/>
-              <a:t>No social login providers.</a:t>
-            </a:r>
-          </a:p>
-          <a:p>
-            <a:r>
-              <a:rPr lang="en-US" sz="2400" dirty="0" smtClean="0"/>
-              <a:t>Difficult to customize user information</a:t>
-            </a:r>
-          </a:p>
-          <a:p>
-            <a:r>
-              <a:rPr lang="en-US" sz="2400" dirty="0" smtClean="0"/>
-              <a:t>Poor architecture</a:t>
-            </a:r>
-            <a:endParaRPr lang="en-US" sz="2400" dirty="0"/>
-          </a:p>
-        </p:txBody>
-      </p:sp>
-    </p:spTree>
-    <p:extLst>
-      <p:ext uri="{BB962C8B-B14F-4D97-AF65-F5344CB8AC3E}">
-        <p14:creationId xmlns:p14="http://schemas.microsoft.com/office/powerpoint/2010/main" val="1268053641"/>
-      </p:ext>
-    </p:extLst>
-  </p:cSld>
-  <p:clrMapOvr>
-    <a:masterClrMapping/>
-  </p:clrMapOvr>
-</p:sld>
-</file>
-
 <file path=ppt/slides/slide16.xml><?xml version="1.0" encoding="utf-8"?>
 <p:sld xmlns:a="http://schemas.openxmlformats.org/drawingml/2006/main" xmlns:r="http://schemas.openxmlformats.org/officeDocument/2006/relationships" xmlns:p="http://schemas.openxmlformats.org/presentationml/2006/main">
   <p:cSld>
@@ -8698,36 +8481,8 @@
           <a:lstStyle/>
           <a:p>
             <a:r>
-              <a:rPr lang="sv-SE" dirty="0" err="1"/>
-              <a:t>What</a:t>
-            </a:r>
-            <a:r>
               <a:rPr lang="sv-SE" dirty="0"/>
-              <a:t> </a:t>
-            </a:r>
-            <a:r>
-              <a:rPr lang="sv-SE" dirty="0" err="1"/>
-              <a:t>was</a:t>
-            </a:r>
-            <a:r>
-              <a:rPr lang="sv-SE" dirty="0"/>
-              <a:t> </a:t>
-            </a:r>
-            <a:r>
-              <a:rPr lang="sv-SE" dirty="0" err="1"/>
-              <a:t>before</a:t>
-            </a:r>
-            <a:r>
-              <a:rPr lang="sv-SE" dirty="0"/>
-              <a:t> ASP.NET </a:t>
-            </a:r>
-            <a:r>
-              <a:rPr lang="sv-SE" dirty="0" err="1"/>
-              <a:t>Identity</a:t>
-            </a:r>
-            <a:r>
-              <a:rPr lang="sv-SE" dirty="0"/>
-              <a:t>?</a:t>
+              <a:t>What was before ASP.NET Identity?</a:t>
             </a:r>
             <a:endParaRPr lang="en-GB" dirty="0"/>
           </a:p>
@@ -8759,7 +8514,7 @@
                   <a:srgbClr val="77933C"/>
                 </a:solidFill>
               </a:rPr>
-              <a:t>ASP.NET Simple Membership</a:t>
+              <a:t>ASP.NET Membership</a:t>
             </a:r>
           </a:p>
           <a:p>
@@ -8771,46 +8526,46 @@
           <a:p>
             <a:r>
               <a:rPr lang="en-US" sz="2400" dirty="0" smtClean="0"/>
-              <a:t>Built upon ASP.NET Membership</a:t>
+              <a:t>Forms based authentication.</a:t>
             </a:r>
           </a:p>
           <a:p>
             <a:r>
               <a:rPr lang="en-US" sz="2400" dirty="0" smtClean="0"/>
-              <a:t>Designed for ASP.NET MVC</a:t>
+              <a:t>Designed with only SQL servers in mind.</a:t>
             </a:r>
           </a:p>
           <a:p>
             <a:r>
               <a:rPr lang="en-US" sz="2400" dirty="0" smtClean="0"/>
-              <a:t>Supports </a:t>
-            </a:r>
-            <a:r>
-              <a:rPr lang="en-US" sz="2400" dirty="0" err="1" smtClean="0"/>
-              <a:t>Oauth</a:t>
-            </a:r>
+              <a:t>No Owin integration.</a:t>
+            </a:r>
+          </a:p>
+          <a:p>
             <a:r>
               <a:rPr lang="en-US" sz="2400" dirty="0" smtClean="0"/>
-              <a:t>/</a:t>
-            </a:r>
-            <a:r>
-              <a:rPr lang="en-US" sz="2400" dirty="0" err="1" smtClean="0"/>
-              <a:t>OpenId</a:t>
-            </a:r>
-            <a:endParaRPr lang="en-US" sz="2400" dirty="0" smtClean="0"/>
+              <a:t>No social login providers.</a:t>
+            </a:r>
           </a:p>
           <a:p>
             <a:r>
               <a:rPr lang="en-US" sz="2400" dirty="0" smtClean="0"/>
-              <a:t>Tied to Microsoft databases (SQL)</a:t>
-            </a:r>
+              <a:t>Difficult to customize user information</a:t>
+            </a:r>
+          </a:p>
+          <a:p>
+            <a:r>
+              <a:rPr lang="en-US" sz="2400" dirty="0" smtClean="0"/>
+              <a:t>Poor architecture</a:t>
+            </a:r>
+            <a:endParaRPr lang="en-US" sz="2400" dirty="0"/>
           </a:p>
         </p:txBody>
       </p:sp>
     </p:spTree>
     <p:extLst>
       <p:ext uri="{BB962C8B-B14F-4D97-AF65-F5344CB8AC3E}">
-        <p14:creationId xmlns:p14="http://schemas.microsoft.com/office/powerpoint/2010/main" val="905685807"/>
+        <p14:creationId xmlns:p14="http://schemas.microsoft.com/office/powerpoint/2010/main" val="1268053641"/>
       </p:ext>
     </p:extLst>
   </p:cSld>
@@ -8853,36 +8608,8 @@
           <a:lstStyle/>
           <a:p>
             <a:r>
-              <a:rPr lang="sv-SE" dirty="0" err="1"/>
-              <a:t>What</a:t>
-            </a:r>
-            <a:r>
               <a:rPr lang="sv-SE" dirty="0"/>
-              <a:t> </a:t>
-            </a:r>
-            <a:r>
-              <a:rPr lang="sv-SE" dirty="0" err="1"/>
-              <a:t>was</a:t>
-            </a:r>
-            <a:r>
-              <a:rPr lang="sv-SE" dirty="0"/>
-              <a:t> </a:t>
-            </a:r>
-            <a:r>
-              <a:rPr lang="sv-SE" dirty="0" err="1"/>
-              <a:t>before</a:t>
-            </a:r>
-            <a:r>
-              <a:rPr lang="sv-SE" dirty="0"/>
-              <a:t> ASP.NET </a:t>
-            </a:r>
-            <a:r>
-              <a:rPr lang="sv-SE" dirty="0" err="1"/>
-              <a:t>Identity</a:t>
-            </a:r>
-            <a:r>
-              <a:rPr lang="sv-SE" dirty="0"/>
-              <a:t>?</a:t>
+              <a:t>What was before ASP.NET Identity?</a:t>
             </a:r>
             <a:endParaRPr lang="en-GB" dirty="0"/>
           </a:p>
@@ -8898,12 +8625,7 @@
             <p:ph idx="1"/>
           </p:nvPr>
         </p:nvSpPr>
-        <p:spPr>
-          <a:xfrm>
-            <a:off x="457200" y="1124744"/>
-            <a:ext cx="8229600" cy="5001419"/>
-          </a:xfrm>
-        </p:spPr>
+        <p:spPr/>
         <p:txBody>
           <a:bodyPr>
             <a:normAutofit/>
@@ -8919,7 +8641,7 @@
                   <a:srgbClr val="77933C"/>
                 </a:solidFill>
               </a:rPr>
-              <a:t>ASP.NET Identity 1.0</a:t>
+              <a:t>ASP.NET Simple Membership</a:t>
             </a:r>
           </a:p>
           <a:p>
@@ -8931,57 +8653,38 @@
           <a:p>
             <a:r>
               <a:rPr lang="en-US" sz="2400" dirty="0" smtClean="0"/>
-              <a:t>Released in 2013</a:t>
+              <a:t>Built upon ASP.NET Membership</a:t>
             </a:r>
           </a:p>
           <a:p>
             <a:r>
               <a:rPr lang="en-US" sz="2400" dirty="0" smtClean="0"/>
-              <a:t>Simple &amp; flexible way to store and handle user data</a:t>
+              <a:t>Designed for ASP.NET MVC</a:t>
             </a:r>
           </a:p>
           <a:p>
             <a:r>
               <a:rPr lang="en-US" sz="2400" dirty="0" smtClean="0"/>
-              <a:t>Supports Roles &amp; Claims</a:t>
-            </a:r>
-          </a:p>
-          <a:p>
+              <a:t>Supports </a:t>
+            </a:r>
             <a:r>
               <a:rPr lang="en-US" sz="2400" dirty="0" smtClean="0"/>
-              <a:t>Social Login Providers using </a:t>
-            </a:r>
-            <a:r>
-              <a:rPr lang="en-US" sz="2400" dirty="0" err="1" smtClean="0"/>
-              <a:t>Oauth</a:t>
+              <a:t>OAuth / OpenID</a:t>
             </a:r>
             <a:endParaRPr lang="en-US" sz="2400" dirty="0" smtClean="0"/>
           </a:p>
           <a:p>
             <a:r>
               <a:rPr lang="en-US" sz="2400" dirty="0" smtClean="0"/>
-              <a:t>Supports external Identity providers</a:t>
-            </a:r>
-          </a:p>
-          <a:p>
-            <a:r>
-              <a:rPr lang="en-US" sz="2400" dirty="0" smtClean="0"/>
-              <a:t>Supports customized databases</a:t>
-            </a:r>
-          </a:p>
-          <a:p>
-            <a:r>
-              <a:rPr lang="en-US" sz="2400" dirty="0" smtClean="0"/>
-              <a:t>Requires .NET 4.5</a:t>
-            </a:r>
-            <a:endParaRPr lang="en-US" sz="2400" dirty="0"/>
+              <a:t>Tied to Microsoft databases (SQL)</a:t>
+            </a:r>
           </a:p>
         </p:txBody>
       </p:sp>
     </p:spTree>
     <p:extLst>
       <p:ext uri="{BB962C8B-B14F-4D97-AF65-F5344CB8AC3E}">
-        <p14:creationId xmlns:p14="http://schemas.microsoft.com/office/powerpoint/2010/main" val="2060103458"/>
+        <p14:creationId xmlns:p14="http://schemas.microsoft.com/office/powerpoint/2010/main" val="905685807"/>
       </p:ext>
     </p:extLst>
   </p:cSld>
@@ -9024,36 +8727,8 @@
           <a:lstStyle/>
           <a:p>
             <a:r>
-              <a:rPr lang="sv-SE" dirty="0" err="1"/>
-              <a:t>What</a:t>
-            </a:r>
-            <a:r>
               <a:rPr lang="sv-SE" dirty="0"/>
-              <a:t> </a:t>
-            </a:r>
-            <a:r>
-              <a:rPr lang="sv-SE" dirty="0" err="1"/>
-              <a:t>was</a:t>
-            </a:r>
-            <a:r>
-              <a:rPr lang="sv-SE" dirty="0"/>
-              <a:t> </a:t>
-            </a:r>
-            <a:r>
-              <a:rPr lang="sv-SE" dirty="0" err="1"/>
-              <a:t>before</a:t>
-            </a:r>
-            <a:r>
-              <a:rPr lang="sv-SE" dirty="0"/>
-              <a:t> ASP.NET </a:t>
-            </a:r>
-            <a:r>
-              <a:rPr lang="sv-SE" dirty="0" err="1"/>
-              <a:t>Identity</a:t>
-            </a:r>
-            <a:r>
-              <a:rPr lang="sv-SE" dirty="0"/>
-              <a:t>?</a:t>
+              <a:t>What was before ASP.NET Identity?</a:t>
             </a:r>
             <a:endParaRPr lang="en-GB" dirty="0"/>
           </a:p>
@@ -9071,8 +8746,8 @@
         </p:nvSpPr>
         <p:spPr>
           <a:xfrm>
-            <a:off x="107504" y="1600200"/>
-            <a:ext cx="8856984" cy="4525963"/>
+            <a:off x="457200" y="1124744"/>
+            <a:ext cx="8229600" cy="5001419"/>
           </a:xfrm>
         </p:spPr>
         <p:txBody>
@@ -9090,7 +8765,7 @@
                   <a:srgbClr val="77933C"/>
                 </a:solidFill>
               </a:rPr>
-              <a:t>ASP.NET Identity 2.0</a:t>
+              <a:t>ASP.NET Identity 1.0</a:t>
             </a:r>
           </a:p>
           <a:p>
@@ -9102,37 +8777,48 @@
           <a:p>
             <a:r>
               <a:rPr lang="en-US" sz="2400" dirty="0" smtClean="0"/>
-              <a:t>Released in 2014</a:t>
+              <a:t>Released in 2013</a:t>
             </a:r>
           </a:p>
           <a:p>
             <a:r>
               <a:rPr lang="en-US" sz="2400" dirty="0" smtClean="0"/>
-              <a:t>Security Token Provider</a:t>
+              <a:t>Simple &amp; flexible way to store and handle user data</a:t>
             </a:r>
           </a:p>
           <a:p>
             <a:r>
               <a:rPr lang="en-US" sz="2400" dirty="0" smtClean="0"/>
-              <a:t>Two-Factor authentication</a:t>
+              <a:t>Supports Roles &amp; Claims</a:t>
             </a:r>
           </a:p>
           <a:p>
             <a:r>
               <a:rPr lang="en-US" sz="2400" dirty="0" smtClean="0"/>
-              <a:t>Account confirmation (Email/SMS)</a:t>
-            </a:r>
-          </a:p>
-          <a:p>
+              <a:t>Social Login Providers using </a:t>
+            </a:r>
             <a:r>
               <a:rPr lang="en-US" sz="2400" dirty="0" smtClean="0"/>
-              <a:t>Account lockout (Configure lockout time and number of attempts)</a:t>
-            </a:r>
+              <a:t>OAuth</a:t>
+            </a:r>
+            <a:endParaRPr lang="en-US" sz="2400" dirty="0" smtClean="0"/>
           </a:p>
           <a:p>
             <a:r>
               <a:rPr lang="en-US" sz="2400" dirty="0" smtClean="0"/>
-              <a:t>Password reset (Email/SMS)</a:t>
+              <a:t>Supports external Identity providers</a:t>
+            </a:r>
+          </a:p>
+          <a:p>
+            <a:r>
+              <a:rPr lang="en-US" sz="2400" dirty="0" smtClean="0"/>
+              <a:t>Supports customized databases</a:t>
+            </a:r>
+          </a:p>
+          <a:p>
+            <a:r>
+              <a:rPr lang="en-US" sz="2400" dirty="0" smtClean="0"/>
+              <a:t>Requires .NET 4.5</a:t>
             </a:r>
             <a:endParaRPr lang="en-US" sz="2400" dirty="0"/>
           </a:p>
@@ -9141,7 +8827,7 @@
     </p:spTree>
     <p:extLst>
       <p:ext uri="{BB962C8B-B14F-4D97-AF65-F5344CB8AC3E}">
-        <p14:creationId xmlns:p14="http://schemas.microsoft.com/office/powerpoint/2010/main" val="1187642867"/>
+        <p14:creationId xmlns:p14="http://schemas.microsoft.com/office/powerpoint/2010/main" val="2060103458"/>
       </p:ext>
     </p:extLst>
   </p:cSld>
@@ -9184,8 +8870,8 @@
           <a:lstStyle/>
           <a:p>
             <a:r>
-              <a:rPr lang="en-GB" dirty="0" smtClean="0"/>
-              <a:t>Resources</a:t>
+              <a:rPr lang="sv-SE" dirty="0"/>
+              <a:t>What was before ASP.NET Identity?</a:t>
             </a:r>
             <a:endParaRPr lang="en-GB" dirty="0"/>
           </a:p>
@@ -9203,8 +8889,8 @@
         </p:nvSpPr>
         <p:spPr>
           <a:xfrm>
-            <a:off x="179512" y="1052736"/>
-            <a:ext cx="8507288" cy="5073427"/>
+            <a:off x="107504" y="1600200"/>
+            <a:ext cx="8856984" cy="4525963"/>
           </a:xfrm>
         </p:spPr>
         <p:txBody>
@@ -9213,137 +8899,67 @@
           </a:bodyPr>
           <a:lstStyle/>
           <a:p>
-            <a:pPr marL="342900" lvl="1" indent="-342900">
-              <a:buFont typeface="Arial" pitchFamily="34" charset="0"/>
-              <a:buChar char="•"/>
+            <a:pPr marL="0" indent="0">
+              <a:buNone/>
             </a:pPr>
             <a:r>
-              <a:rPr lang="en-GB" dirty="0" smtClean="0"/>
-              <a:t>ASP.NET official site </a:t>
-            </a:r>
-            <a:br>
-              <a:rPr lang="en-GB" dirty="0" smtClean="0"/>
-            </a:br>
-            <a:r>
-              <a:rPr lang="en-GB" sz="2000" u="sng" dirty="0">
-                <a:hlinkClick r:id="rId2"/>
+              <a:rPr lang="en-US" sz="3200" b="1" dirty="0" smtClean="0">
+                <a:solidFill>
+                  <a:srgbClr val="77933C"/>
+                </a:solidFill>
               </a:rPr>
-              <a:t>http://www.asp.net/identity</a:t>
-            </a:r>
-            <a:endParaRPr lang="en-GB" sz="2000" dirty="0"/>
-          </a:p>
-          <a:p>
-            <a:r>
-              <a:rPr lang="en-GB" sz="2400" dirty="0" smtClean="0"/>
-              <a:t>ASP.NET security forum</a:t>
-            </a:r>
-            <a:br>
-              <a:rPr lang="en-GB" sz="2400" dirty="0" smtClean="0"/>
-            </a:br>
-            <a:r>
-              <a:rPr lang="en-US" sz="2000" dirty="0">
-                <a:hlinkClick r:id="rId3"/>
-              </a:rPr>
-              <a:t>http://</a:t>
-            </a:r>
-            <a:r>
-              <a:rPr lang="en-US" sz="2000" dirty="0" smtClean="0">
-                <a:hlinkClick r:id="rId3"/>
-              </a:rPr>
-              <a:t>forums.asp.net/25.aspx/1?Security</a:t>
-            </a:r>
-            <a:endParaRPr lang="en-US" sz="2000" dirty="0" smtClean="0"/>
-          </a:p>
-          <a:p>
-            <a:r>
-              <a:rPr lang="en-US" sz="2400" dirty="0"/>
-              <a:t>Brock </a:t>
-            </a:r>
+              <a:t>ASP.NET Identity 2.0</a:t>
+            </a:r>
+          </a:p>
+          <a:p>
+            <a:pPr marL="0" indent="0">
+              <a:buNone/>
+            </a:pPr>
+            <a:endParaRPr lang="en-US" sz="3200" dirty="0" smtClean="0"/>
+          </a:p>
+          <a:p>
             <a:r>
               <a:rPr lang="en-US" sz="2400" dirty="0" smtClean="0"/>
-              <a:t>Allen (Blog)</a:t>
-            </a:r>
-            <a:r>
-              <a:rPr lang="en-US" sz="2400" dirty="0"/>
-              <a:t/>
-            </a:r>
-            <a:br>
-              <a:rPr lang="en-US" sz="2400" dirty="0"/>
-            </a:br>
-            <a:r>
-              <a:rPr lang="en-US" sz="2000" dirty="0">
-                <a:hlinkClick r:id="rId4"/>
-              </a:rPr>
-              <a:t>http://brockallen.com/category/asp-net-security</a:t>
-            </a:r>
-            <a:r>
-              <a:rPr lang="en-US" sz="2000" dirty="0" smtClean="0">
-                <a:hlinkClick r:id="rId4"/>
-              </a:rPr>
-              <a:t>/</a:t>
-            </a:r>
-            <a:r>
-              <a:rPr lang="en-US" sz="2000" dirty="0" smtClean="0"/>
-              <a:t> </a:t>
+              <a:t>Released in 2014</a:t>
             </a:r>
           </a:p>
           <a:p>
             <a:r>
               <a:rPr lang="en-US" sz="2400" dirty="0" smtClean="0"/>
-              <a:t>Dominick </a:t>
-            </a:r>
-            <a:r>
-              <a:rPr lang="en-US" sz="2400" dirty="0" err="1" smtClean="0"/>
-              <a:t>Baier</a:t>
-            </a:r>
+              <a:t>Supports External Security Token Provider</a:t>
+            </a:r>
+          </a:p>
+          <a:p>
             <a:r>
               <a:rPr lang="en-US" sz="2400" dirty="0" smtClean="0"/>
-              <a:t> (Blog) Mostly focused on Web-API</a:t>
-            </a:r>
-            <a:r>
-              <a:rPr lang="en-US" sz="2400" dirty="0"/>
-              <a:t/>
-            </a:r>
-            <a:br>
-              <a:rPr lang="en-US" sz="2400" dirty="0"/>
-            </a:br>
-            <a:r>
-              <a:rPr lang="en-US" sz="2400" dirty="0">
-                <a:hlinkClick r:id="rId5"/>
-              </a:rPr>
-              <a:t>http://leastprivilege.com/category/net-security</a:t>
-            </a:r>
-            <a:r>
-              <a:rPr lang="en-US" sz="2400" dirty="0" smtClean="0">
-                <a:hlinkClick r:id="rId5"/>
-              </a:rPr>
-              <a:t>/</a:t>
-            </a:r>
+              <a:t>Two-Factor authentication</a:t>
+            </a:r>
+          </a:p>
+          <a:p>
             <a:r>
               <a:rPr lang="en-US" sz="2400" dirty="0" smtClean="0"/>
-              <a:t> </a:t>
-            </a:r>
-            <a:r>
-              <a:rPr lang="en-GB" dirty="0" smtClean="0"/>
-              <a:t/>
-            </a:r>
-            <a:br>
-              <a:rPr lang="en-GB" dirty="0" smtClean="0"/>
-            </a:br>
-            <a:endParaRPr lang="en-GB" dirty="0" smtClean="0"/>
-          </a:p>
-          <a:p>
-            <a:pPr marL="0" indent="0">
-              <a:buNone/>
-            </a:pPr>
-            <a:endParaRPr lang="en-GB" dirty="0"/>
+              <a:t>Account confirmation (Email/SMS)</a:t>
+            </a:r>
+          </a:p>
+          <a:p>
+            <a:r>
+              <a:rPr lang="en-US" sz="2400" dirty="0" smtClean="0"/>
+              <a:t>Account lockout (Configure lockout time and number of attempts)</a:t>
+            </a:r>
+          </a:p>
+          <a:p>
+            <a:r>
+              <a:rPr lang="en-US" sz="2400" dirty="0" smtClean="0"/>
+              <a:t>Password reset (Email/SMS)</a:t>
+            </a:r>
+            <a:endParaRPr lang="en-US" sz="2400" dirty="0"/>
           </a:p>
         </p:txBody>
       </p:sp>
     </p:spTree>
     <p:extLst>
       <p:ext uri="{BB962C8B-B14F-4D97-AF65-F5344CB8AC3E}">
-        <p14:creationId xmlns:p14="http://schemas.microsoft.com/office/powerpoint/2010/main" val="3683133173"/>
+        <p14:creationId xmlns:p14="http://schemas.microsoft.com/office/powerpoint/2010/main" val="1187642867"/>
       </p:ext>
     </p:extLst>
   </p:cSld>
@@ -9388,18 +9004,18 @@
           <a:lstStyle/>
           <a:p>
             <a:r>
-              <a:rPr lang="en-US" sz="2800" b="1" dirty="0" smtClean="0"/>
+              <a:rPr lang="en-US" dirty="0" smtClean="0"/>
               <a:t>What is ASP.NET </a:t>
             </a:r>
             <a:r>
-              <a:rPr lang="en-US" sz="2800" b="1" dirty="0" err="1" smtClean="0"/>
-              <a:t>Identiy</a:t>
-            </a:r>
-            <a:r>
-              <a:rPr lang="en-US" sz="2800" b="1" dirty="0" smtClean="0"/>
+              <a:rPr lang="en-US" dirty="0" smtClean="0"/>
+              <a:t>Identity</a:t>
+            </a:r>
+            <a:r>
+              <a:rPr lang="en-US" dirty="0" smtClean="0"/>
               <a:t>?</a:t>
             </a:r>
-            <a:endParaRPr lang="en-US" sz="2800" b="1" dirty="0"/>
+            <a:endParaRPr lang="en-US" dirty="0"/>
           </a:p>
         </p:txBody>
       </p:sp>
@@ -9442,13 +9058,13 @@
           <a:p>
             <a:r>
               <a:rPr lang="en-US" sz="2400" dirty="0" smtClean="0"/>
-              <a:t>Developed by Microsoft.</a:t>
+              <a:t>Developed by Microsoft</a:t>
             </a:r>
           </a:p>
           <a:p>
             <a:r>
               <a:rPr lang="en-US" sz="2400" dirty="0" smtClean="0"/>
-              <a:t>ASP.NET Identity replaces the previous membership and security solutions.</a:t>
+              <a:t>ASP.NET Identity replaces the previous membership and security solutions</a:t>
             </a:r>
           </a:p>
           <a:p>
@@ -9468,7 +9084,7 @@
             </a:r>
             <a:r>
               <a:rPr lang="en-US" sz="2400" dirty="0" smtClean="0"/>
-              <a:t> and Web Forms.</a:t>
+              <a:t> and Web Forms</a:t>
             </a:r>
           </a:p>
           <a:p>
@@ -9545,6 +9161,200 @@
 </file>
 
 <file path=ppt/slides/slide20.xml><?xml version="1.0" encoding="utf-8"?>
+<p:sld xmlns:a="http://schemas.openxmlformats.org/drawingml/2006/main" xmlns:r="http://schemas.openxmlformats.org/officeDocument/2006/relationships" xmlns:p="http://schemas.openxmlformats.org/presentationml/2006/main">
+  <p:cSld>
+    <p:spTree>
+      <p:nvGrpSpPr>
+        <p:cNvPr id="1" name=""/>
+        <p:cNvGrpSpPr/>
+        <p:nvPr/>
+      </p:nvGrpSpPr>
+      <p:grpSpPr>
+        <a:xfrm>
+          <a:off x="0" y="0"/>
+          <a:ext cx="0" cy="0"/>
+          <a:chOff x="0" y="0"/>
+          <a:chExt cx="0" cy="0"/>
+        </a:xfrm>
+      </p:grpSpPr>
+      <p:sp>
+        <p:nvSpPr>
+          <p:cNvPr id="2" name="Rubrik 1"/>
+          <p:cNvSpPr>
+            <a:spLocks noGrp="1"/>
+          </p:cNvSpPr>
+          <p:nvPr>
+            <p:ph type="title"/>
+          </p:nvPr>
+        </p:nvSpPr>
+        <p:spPr/>
+        <p:txBody>
+          <a:bodyPr/>
+          <a:lstStyle/>
+          <a:p>
+            <a:r>
+              <a:rPr lang="en-GB" dirty="0" smtClean="0"/>
+              <a:t>Resources</a:t>
+            </a:r>
+            <a:endParaRPr lang="en-GB" dirty="0"/>
+          </a:p>
+        </p:txBody>
+      </p:sp>
+      <p:sp>
+        <p:nvSpPr>
+          <p:cNvPr id="3" name="Platshållare för innehåll 2"/>
+          <p:cNvSpPr>
+            <a:spLocks noGrp="1"/>
+          </p:cNvSpPr>
+          <p:nvPr>
+            <p:ph idx="1"/>
+          </p:nvPr>
+        </p:nvSpPr>
+        <p:spPr>
+          <a:xfrm>
+            <a:off x="179512" y="1052736"/>
+            <a:ext cx="8507288" cy="5073427"/>
+          </a:xfrm>
+        </p:spPr>
+        <p:txBody>
+          <a:bodyPr>
+            <a:normAutofit/>
+          </a:bodyPr>
+          <a:lstStyle/>
+          <a:p>
+            <a:pPr marL="342900" lvl="1" indent="-342900">
+              <a:buFont typeface="Arial" pitchFamily="34" charset="0"/>
+              <a:buChar char="•"/>
+            </a:pPr>
+            <a:r>
+              <a:rPr lang="en-GB" dirty="0" smtClean="0"/>
+              <a:t>ASP.NET official site </a:t>
+            </a:r>
+            <a:br>
+              <a:rPr lang="en-GB" dirty="0" smtClean="0"/>
+            </a:br>
+            <a:r>
+              <a:rPr lang="en-GB" sz="2000" u="sng" dirty="0">
+                <a:hlinkClick r:id="rId2"/>
+              </a:rPr>
+              <a:t>http://www.asp.net/identity</a:t>
+            </a:r>
+            <a:endParaRPr lang="en-GB" sz="2000" dirty="0"/>
+          </a:p>
+          <a:p>
+            <a:r>
+              <a:rPr lang="en-GB" sz="2400" dirty="0" smtClean="0"/>
+              <a:t>ASP.NET security forum</a:t>
+            </a:r>
+            <a:br>
+              <a:rPr lang="en-GB" sz="2400" dirty="0" smtClean="0"/>
+            </a:br>
+            <a:r>
+              <a:rPr lang="en-US" sz="2000" dirty="0">
+                <a:hlinkClick r:id="rId3"/>
+              </a:rPr>
+              <a:t>http://</a:t>
+            </a:r>
+            <a:r>
+              <a:rPr lang="en-US" sz="2000" dirty="0" smtClean="0">
+                <a:hlinkClick r:id="rId3"/>
+              </a:rPr>
+              <a:t>forums.asp.net/25.aspx/1?Security</a:t>
+            </a:r>
+            <a:endParaRPr lang="en-US" sz="2000" dirty="0" smtClean="0"/>
+          </a:p>
+          <a:p>
+            <a:r>
+              <a:rPr lang="en-US" sz="2400" dirty="0"/>
+              <a:t>Brock </a:t>
+            </a:r>
+            <a:r>
+              <a:rPr lang="en-US" sz="2400" dirty="0" smtClean="0"/>
+              <a:t>Allen (Blog)</a:t>
+            </a:r>
+            <a:r>
+              <a:rPr lang="en-US" sz="2400" dirty="0"/>
+              <a:t/>
+            </a:r>
+            <a:br>
+              <a:rPr lang="en-US" sz="2400" dirty="0"/>
+            </a:br>
+            <a:r>
+              <a:rPr lang="en-US" sz="2000" dirty="0">
+                <a:hlinkClick r:id="rId4"/>
+              </a:rPr>
+              <a:t>http://brockallen.com/category/asp-net-security</a:t>
+            </a:r>
+            <a:r>
+              <a:rPr lang="en-US" sz="2000" dirty="0" smtClean="0">
+                <a:hlinkClick r:id="rId4"/>
+              </a:rPr>
+              <a:t>/</a:t>
+            </a:r>
+            <a:r>
+              <a:rPr lang="en-US" sz="2000" dirty="0" smtClean="0"/>
+              <a:t> </a:t>
+            </a:r>
+          </a:p>
+          <a:p>
+            <a:r>
+              <a:rPr lang="en-US" sz="2400" dirty="0" smtClean="0"/>
+              <a:t>Dominick Baier (Blog) Mostly focused on Web-API</a:t>
+            </a:r>
+            <a:r>
+              <a:rPr lang="en-US" sz="2400" dirty="0"/>
+              <a:t/>
+            </a:r>
+            <a:br>
+              <a:rPr lang="en-US" sz="2400" dirty="0"/>
+            </a:br>
+            <a:r>
+              <a:rPr lang="en-US" sz="2400" dirty="0">
+                <a:hlinkClick r:id="rId5"/>
+              </a:rPr>
+              <a:t>http://leastprivilege.com/category/net-security</a:t>
+            </a:r>
+            <a:r>
+              <a:rPr lang="en-US" sz="2400" dirty="0" smtClean="0">
+                <a:hlinkClick r:id="rId5"/>
+              </a:rPr>
+              <a:t>/</a:t>
+            </a:r>
+            <a:r>
+              <a:rPr lang="en-US" sz="2400" dirty="0" smtClean="0"/>
+              <a:t> </a:t>
+            </a:r>
+            <a:r>
+              <a:rPr lang="en-GB" dirty="0" smtClean="0"/>
+              <a:t/>
+            </a:r>
+            <a:br>
+              <a:rPr lang="en-GB" dirty="0" smtClean="0"/>
+            </a:br>
+            <a:endParaRPr lang="en-GB" dirty="0" smtClean="0"/>
+          </a:p>
+          <a:p>
+            <a:pPr marL="0" indent="0">
+              <a:buNone/>
+            </a:pPr>
+            <a:endParaRPr lang="en-GB" dirty="0"/>
+          </a:p>
+        </p:txBody>
+      </p:sp>
+    </p:spTree>
+    <p:extLst>
+      <p:ext uri="{BB962C8B-B14F-4D97-AF65-F5344CB8AC3E}">
+        <p14:creationId xmlns:p14="http://schemas.microsoft.com/office/powerpoint/2010/main" val="3683133173"/>
+      </p:ext>
+    </p:extLst>
+  </p:cSld>
+  <p:clrMapOvr>
+    <a:masterClrMapping/>
+  </p:clrMapOvr>
+</p:sld>
+</file>
+
+<file path=ppt/slides/slide21.xml><?xml version="1.0" encoding="utf-8"?>
 <p:sld xmlns:a="http://schemas.openxmlformats.org/drawingml/2006/main" xmlns:r="http://schemas.openxmlformats.org/officeDocument/2006/relationships" xmlns:p="http://schemas.openxmlformats.org/presentationml/2006/main">
   <p:cSld>
     <p:spTree>
@@ -9710,22 +9520,10 @@
           <a:lstStyle/>
           <a:p>
             <a:r>
-              <a:rPr lang="sv-SE" sz="2800" b="1" dirty="0" err="1" smtClean="0"/>
-              <a:t>What</a:t>
-            </a:r>
-            <a:r>
-              <a:rPr lang="sv-SE" sz="2800" b="1" dirty="0" smtClean="0"/>
-              <a:t> is ASP.NET </a:t>
-            </a:r>
-            <a:r>
-              <a:rPr lang="sv-SE" sz="2800" b="1" dirty="0" err="1" smtClean="0"/>
-              <a:t>Identity</a:t>
-            </a:r>
-            <a:r>
-              <a:rPr lang="sv-SE" sz="2800" b="1" dirty="0" smtClean="0"/>
-              <a:t>?</a:t>
-            </a:r>
-            <a:endParaRPr lang="en-GB" sz="2800" b="1" dirty="0"/>
+              <a:rPr lang="sv-SE" dirty="0" smtClean="0"/>
+              <a:t>What is ASP.NET Identity?</a:t>
+            </a:r>
+            <a:endParaRPr lang="en-GB" dirty="0"/>
           </a:p>
         </p:txBody>
       </p:sp>
@@ -9833,35 +9631,6 @@
       </p:grpSpPr>
       <p:sp>
         <p:nvSpPr>
-          <p:cNvPr id="2" name="Rubrik 1"/>
-          <p:cNvSpPr>
-            <a:spLocks noGrp="1"/>
-          </p:cNvSpPr>
-          <p:nvPr>
-            <p:ph type="title"/>
-          </p:nvPr>
-        </p:nvSpPr>
-        <p:spPr/>
-        <p:txBody>
-          <a:bodyPr>
-            <a:normAutofit fontScale="90000"/>
-          </a:bodyPr>
-          <a:lstStyle/>
-          <a:p>
-            <a:r>
-              <a:rPr lang="sv-SE" sz="3200" b="1" dirty="0" smtClean="0"/>
-              <a:t>ASP.NET </a:t>
-            </a:r>
-            <a:r>
-              <a:rPr lang="sv-SE" sz="3200" b="1" dirty="0" err="1" smtClean="0"/>
-              <a:t>Identity</a:t>
-            </a:r>
-            <a:endParaRPr lang="en-GB" dirty="0"/>
-          </a:p>
-        </p:txBody>
-      </p:sp>
-      <p:sp>
-        <p:nvSpPr>
           <p:cNvPr id="3" name="Platshållare för innehåll 2"/>
           <p:cNvSpPr>
             <a:spLocks noGrp="1"/>
@@ -9893,20 +9662,8 @@
               <a:buNone/>
             </a:pPr>
             <a:r>
-              <a:rPr lang="sv-SE" sz="3200" dirty="0" err="1" smtClean="0"/>
-              <a:t>Why</a:t>
-            </a:r>
-            <a:r>
               <a:rPr lang="sv-SE" sz="3200" dirty="0" smtClean="0"/>
-              <a:t> ASP.NET </a:t>
-            </a:r>
-            <a:r>
-              <a:rPr lang="sv-SE" sz="3200" dirty="0" err="1" smtClean="0"/>
-              <a:t>Identity</a:t>
-            </a:r>
-            <a:r>
-              <a:rPr lang="sv-SE" sz="3200" dirty="0" smtClean="0"/>
-              <a:t>?</a:t>
+              <a:t>Why ASP.NET Identity?</a:t>
             </a:r>
             <a:endParaRPr lang="en-GB" sz="3200" dirty="0"/>
           </a:p>
@@ -9955,13 +9712,13 @@
         <p:spPr/>
         <p:txBody>
           <a:bodyPr>
-            <a:normAutofit fontScale="90000"/>
+            <a:normAutofit/>
           </a:bodyPr>
           <a:lstStyle/>
           <a:p>
             <a:r>
-              <a:rPr lang="sv-SE" sz="3200" b="1" dirty="0" smtClean="0"/>
-              <a:t>ASP.NET Identity</a:t>
+              <a:rPr lang="sv-SE" dirty="0" smtClean="0"/>
+              <a:t>Why ASP.NET Identity?</a:t>
             </a:r>
             <a:endParaRPr lang="en-GB" dirty="0"/>
           </a:p>
@@ -10018,7 +9775,7 @@
             </a:pPr>
             <a:r>
               <a:rPr lang="en-US" sz="3200" dirty="0" smtClean="0"/>
-              <a:t>ASP.NET Identity is currently the preferred way to handle user authentication in ASP.NET applications</a:t>
+              <a:t>ASP.NET Identity is currently the preferred way to handle security in ASP.NET applications</a:t>
             </a:r>
             <a:br>
               <a:rPr lang="en-US" sz="3200" dirty="0" smtClean="0"/>
@@ -10112,24 +9869,14 @@
         </p:nvSpPr>
         <p:spPr/>
         <p:txBody>
-          <a:bodyPr/>
+          <a:bodyPr>
+            <a:normAutofit/>
+          </a:bodyPr>
           <a:lstStyle/>
           <a:p>
             <a:r>
-              <a:rPr lang="sv-SE" sz="2800" b="1" dirty="0" err="1"/>
-              <a:t>Why</a:t>
-            </a:r>
-            <a:r>
-              <a:rPr lang="sv-SE" sz="2800" b="1" dirty="0"/>
-              <a:t> ASP.NET </a:t>
-            </a:r>
-            <a:r>
-              <a:rPr lang="sv-SE" sz="2800" b="1" dirty="0" err="1"/>
-              <a:t>Identity</a:t>
-            </a:r>
-            <a:r>
-              <a:rPr lang="sv-SE" sz="2800" b="1" dirty="0"/>
-              <a:t>?</a:t>
+              <a:rPr lang="sv-SE" dirty="0"/>
+              <a:t>Why ASP.NET Identity?</a:t>
             </a:r>
             <a:endParaRPr lang="en-GB" dirty="0"/>
           </a:p>
@@ -10147,8 +9894,8 @@
         </p:nvSpPr>
         <p:spPr>
           <a:xfrm>
-            <a:off x="251520" y="764705"/>
-            <a:ext cx="8640960" cy="5400600"/>
+            <a:off x="251520" y="1556791"/>
+            <a:ext cx="8640960" cy="4608513"/>
           </a:xfrm>
         </p:spPr>
         <p:txBody>
@@ -10162,15 +9909,7 @@
             </a:pPr>
             <a:r>
               <a:rPr lang="en-GB" dirty="0" smtClean="0"/>
-              <a:t>ASP.NET Identity also gives us delegated authorization, using for example </a:t>
-            </a:r>
-            <a:r>
-              <a:rPr lang="en-GB" dirty="0" err="1" smtClean="0"/>
-              <a:t>OAuth</a:t>
-            </a:r>
-            <a:r>
-              <a:rPr lang="en-GB" dirty="0" smtClean="0"/>
-              <a:t>.</a:t>
+              <a:t>ASP.NET Identity supports delegated authorization, using for example OAuth which grant you:</a:t>
             </a:r>
           </a:p>
           <a:p>
@@ -10180,9 +9919,6 @@
             <a:endParaRPr lang="en-GB" dirty="0" smtClean="0"/>
           </a:p>
           <a:p>
-            <a:pPr marL="0" lvl="0" indent="0">
-              <a:buNone/>
-            </a:pPr>
             <a:r>
               <a:rPr lang="en-GB" dirty="0" smtClean="0"/>
               <a:t>Easy </a:t>
@@ -10193,258 +9929,32 @@
             </a:r>
             <a:r>
               <a:rPr lang="en-GB" dirty="0" smtClean="0"/>
-              <a:t>providers thanks to </a:t>
-            </a:r>
-            <a:r>
-              <a:rPr lang="en-GB" dirty="0" err="1" smtClean="0"/>
-              <a:t>OAuth</a:t>
-            </a:r>
-            <a:endParaRPr lang="en-GB" dirty="0" smtClean="0"/>
+              <a:t>providers thanks to OAuth</a:t>
+            </a:r>
+          </a:p>
+          <a:p>
+            <a:r>
+              <a:rPr lang="en-US" dirty="0" smtClean="0"/>
+              <a:t>Delegation of user </a:t>
+            </a:r>
+            <a:r>
+              <a:rPr lang="en-US" dirty="0"/>
+              <a:t>authentication </a:t>
+            </a:r>
+            <a:r>
+              <a:rPr lang="en-US" dirty="0" smtClean="0"/>
+              <a:t>process</a:t>
+            </a:r>
+            <a:endParaRPr lang="en-US" dirty="0"/>
+          </a:p>
+          <a:p>
+            <a:endParaRPr lang="en-US" dirty="0" smtClean="0"/>
           </a:p>
           <a:p>
             <a:pPr marL="0" indent="0">
               <a:buNone/>
             </a:pPr>
             <a:endParaRPr lang="en-US" dirty="0" smtClean="0"/>
-          </a:p>
-          <a:p>
-            <a:pPr marL="0" indent="0">
-              <a:buNone/>
-            </a:pPr>
-            <a:r>
-              <a:rPr lang="en-US" dirty="0" smtClean="0"/>
-              <a:t>Allowing you to delegate the user authentication process.</a:t>
-            </a:r>
-          </a:p>
-          <a:p>
-            <a:pPr marL="0" indent="0">
-              <a:buNone/>
-            </a:pPr>
-            <a:endParaRPr lang="en-US" dirty="0" smtClean="0"/>
-          </a:p>
-          <a:p>
-            <a:pPr marL="0" indent="0">
-              <a:buNone/>
-            </a:pPr>
-            <a:r>
-              <a:rPr lang="en-US" dirty="0" smtClean="0"/>
-              <a:t>Example of such providers : Google, Facebook or Twitter</a:t>
-            </a:r>
-            <a:endParaRPr lang="en-US" dirty="0"/>
-          </a:p>
-        </p:txBody>
-      </p:sp>
-      <p:sp>
-        <p:nvSpPr>
-          <p:cNvPr id="4" name="Rektangel 3"/>
-          <p:cNvSpPr/>
-          <p:nvPr/>
-        </p:nvSpPr>
-        <p:spPr>
-          <a:xfrm>
-            <a:off x="1331640" y="5132040"/>
-            <a:ext cx="2088232" cy="914400"/>
-          </a:xfrm>
-          <a:prstGeom prst="rect">
-            <a:avLst/>
-          </a:prstGeom>
-        </p:spPr>
-        <p:style>
-          <a:lnRef idx="2">
-            <a:schemeClr val="accent1">
-              <a:shade val="50000"/>
-            </a:schemeClr>
-          </a:lnRef>
-          <a:fillRef idx="1">
-            <a:schemeClr val="accent1"/>
-          </a:fillRef>
-          <a:effectRef idx="0">
-            <a:schemeClr val="accent1"/>
-          </a:effectRef>
-          <a:fontRef idx="minor">
-            <a:schemeClr val="lt1"/>
-          </a:fontRef>
-        </p:style>
-        <p:txBody>
-          <a:bodyPr rtlCol="0" anchor="ctr"/>
-          <a:lstStyle/>
-          <a:p>
-            <a:pPr algn="ctr"/>
-            <a:r>
-              <a:rPr lang="en-US" dirty="0" smtClean="0"/>
-              <a:t>Application</a:t>
-            </a:r>
-            <a:endParaRPr lang="en-US" dirty="0"/>
-          </a:p>
-        </p:txBody>
-      </p:sp>
-      <p:sp>
-        <p:nvSpPr>
-          <p:cNvPr id="5" name="Rektangel 4"/>
-          <p:cNvSpPr/>
-          <p:nvPr/>
-        </p:nvSpPr>
-        <p:spPr>
-          <a:xfrm>
-            <a:off x="5436096" y="5132040"/>
-            <a:ext cx="2088232" cy="914400"/>
-          </a:xfrm>
-          <a:prstGeom prst="rect">
-            <a:avLst/>
-          </a:prstGeom>
-        </p:spPr>
-        <p:style>
-          <a:lnRef idx="2">
-            <a:schemeClr val="accent1">
-              <a:shade val="50000"/>
-            </a:schemeClr>
-          </a:lnRef>
-          <a:fillRef idx="1">
-            <a:schemeClr val="accent1"/>
-          </a:fillRef>
-          <a:effectRef idx="0">
-            <a:schemeClr val="accent1"/>
-          </a:effectRef>
-          <a:fontRef idx="minor">
-            <a:schemeClr val="lt1"/>
-          </a:fontRef>
-        </p:style>
-        <p:txBody>
-          <a:bodyPr rtlCol="0" anchor="ctr"/>
-          <a:lstStyle/>
-          <a:p>
-            <a:pPr algn="ctr"/>
-            <a:r>
-              <a:rPr lang="en-US" dirty="0" smtClean="0"/>
-              <a:t>Google</a:t>
-            </a:r>
-            <a:endParaRPr lang="en-US" dirty="0"/>
-          </a:p>
-        </p:txBody>
-      </p:sp>
-      <p:cxnSp>
-        <p:nvCxnSpPr>
-          <p:cNvPr id="7" name="Rak pil 6"/>
-          <p:cNvCxnSpPr/>
-          <p:nvPr/>
-        </p:nvCxnSpPr>
-        <p:spPr>
-          <a:xfrm>
-            <a:off x="3563888" y="5949280"/>
-            <a:ext cx="1728192" cy="0"/>
-          </a:xfrm>
-          <a:prstGeom prst="straightConnector1">
-            <a:avLst/>
-          </a:prstGeom>
-          <a:ln>
-            <a:tailEnd type="triangle"/>
-          </a:ln>
-        </p:spPr>
-        <p:style>
-          <a:lnRef idx="1">
-            <a:schemeClr val="accent1"/>
-          </a:lnRef>
-          <a:fillRef idx="0">
-            <a:schemeClr val="accent1"/>
-          </a:fillRef>
-          <a:effectRef idx="0">
-            <a:schemeClr val="accent1"/>
-          </a:effectRef>
-          <a:fontRef idx="minor">
-            <a:schemeClr val="tx1"/>
-          </a:fontRef>
-        </p:style>
-      </p:cxnSp>
-      <p:cxnSp>
-        <p:nvCxnSpPr>
-          <p:cNvPr id="9" name="Rak pil 8"/>
-          <p:cNvCxnSpPr/>
-          <p:nvPr/>
-        </p:nvCxnSpPr>
-        <p:spPr>
-          <a:xfrm flipH="1">
-            <a:off x="3563888" y="5438764"/>
-            <a:ext cx="1728192" cy="0"/>
-          </a:xfrm>
-          <a:prstGeom prst="straightConnector1">
-            <a:avLst/>
-          </a:prstGeom>
-          <a:ln>
-            <a:tailEnd type="triangle"/>
-          </a:ln>
-        </p:spPr>
-        <p:style>
-          <a:lnRef idx="1">
-            <a:schemeClr val="accent1"/>
-          </a:lnRef>
-          <a:fillRef idx="0">
-            <a:schemeClr val="accent1"/>
-          </a:fillRef>
-          <a:effectRef idx="0">
-            <a:schemeClr val="accent1"/>
-          </a:effectRef>
-          <a:fontRef idx="minor">
-            <a:schemeClr val="tx1"/>
-          </a:fontRef>
-        </p:style>
-      </p:cxnSp>
-      <p:sp>
-        <p:nvSpPr>
-          <p:cNvPr id="10" name="textruta 9"/>
-          <p:cNvSpPr txBox="1"/>
-          <p:nvPr/>
-        </p:nvSpPr>
-        <p:spPr>
-          <a:xfrm>
-            <a:off x="3565645" y="5579948"/>
-            <a:ext cx="1726435" cy="369332"/>
-          </a:xfrm>
-          <a:prstGeom prst="rect">
-            <a:avLst/>
-          </a:prstGeom>
-          <a:noFill/>
-        </p:spPr>
-        <p:txBody>
-          <a:bodyPr wrap="none" rtlCol="0">
-            <a:spAutoFit/>
-          </a:bodyPr>
-          <a:lstStyle/>
-          <a:p>
-            <a:r>
-              <a:rPr lang="en-US" dirty="0" smtClean="0"/>
-              <a:t>User Credentials</a:t>
-            </a:r>
-            <a:endParaRPr lang="en-US" dirty="0"/>
-          </a:p>
-        </p:txBody>
-      </p:sp>
-      <p:sp>
-        <p:nvSpPr>
-          <p:cNvPr id="11" name="textruta 10"/>
-          <p:cNvSpPr txBox="1"/>
-          <p:nvPr/>
-        </p:nvSpPr>
-        <p:spPr>
-          <a:xfrm>
-            <a:off x="3536714" y="5075892"/>
-            <a:ext cx="1782539" cy="369332"/>
-          </a:xfrm>
-          <a:prstGeom prst="rect">
-            <a:avLst/>
-          </a:prstGeom>
-          <a:noFill/>
-        </p:spPr>
-        <p:txBody>
-          <a:bodyPr wrap="none" rtlCol="0">
-            <a:spAutoFit/>
-          </a:bodyPr>
-          <a:lstStyle/>
-          <a:p>
-            <a:r>
-              <a:rPr lang="en-US" dirty="0" smtClean="0"/>
-              <a:t>User Information</a:t>
-            </a:r>
-            <a:endParaRPr lang="en-US" dirty="0"/>
           </a:p>
         </p:txBody>
       </p:sp>
@@ -10494,20 +10004,311 @@
           <a:lstStyle/>
           <a:p>
             <a:r>
-              <a:rPr lang="sv-SE" dirty="0" err="1" smtClean="0"/>
-              <a:t>Why</a:t>
-            </a:r>
+              <a:rPr lang="en-US" dirty="0" smtClean="0"/>
+              <a:t>Why ASP.NET Identity?</a:t>
+            </a:r>
+            <a:endParaRPr lang="en-US" dirty="0"/>
+          </a:p>
+        </p:txBody>
+      </p:sp>
+      <p:sp>
+        <p:nvSpPr>
+          <p:cNvPr id="3" name="Platshållare för innehåll 2"/>
+          <p:cNvSpPr>
+            <a:spLocks noGrp="1"/>
+          </p:cNvSpPr>
+          <p:nvPr>
+            <p:ph idx="1"/>
+          </p:nvPr>
+        </p:nvSpPr>
+        <p:spPr>
+          <a:xfrm>
+            <a:off x="251520" y="1600200"/>
+            <a:ext cx="8640960" cy="4525963"/>
+          </a:xfrm>
+        </p:spPr>
+        <p:txBody>
+          <a:bodyPr/>
+          <a:lstStyle/>
+          <a:p>
+            <a:pPr marL="0" indent="0">
+              <a:buNone/>
+            </a:pPr>
+            <a:r>
+              <a:rPr lang="en-US" dirty="0"/>
+              <a:t>Example of such providers : Google, Facebook or Twitter</a:t>
+            </a:r>
+          </a:p>
+          <a:p>
+            <a:pPr marL="0" indent="0">
+              <a:buNone/>
+            </a:pPr>
+            <a:endParaRPr lang="en-US" dirty="0"/>
+          </a:p>
+        </p:txBody>
+      </p:sp>
+      <p:sp>
+        <p:nvSpPr>
+          <p:cNvPr id="6" name="Rektangel 5"/>
+          <p:cNvSpPr/>
+          <p:nvPr/>
+        </p:nvSpPr>
+        <p:spPr>
+          <a:xfrm>
+            <a:off x="1331640" y="3053100"/>
+            <a:ext cx="2088232" cy="914400"/>
+          </a:xfrm>
+          <a:prstGeom prst="rect">
+            <a:avLst/>
+          </a:prstGeom>
+        </p:spPr>
+        <p:style>
+          <a:lnRef idx="2">
+            <a:schemeClr val="accent1">
+              <a:shade val="50000"/>
+            </a:schemeClr>
+          </a:lnRef>
+          <a:fillRef idx="1">
+            <a:schemeClr val="accent1"/>
+          </a:fillRef>
+          <a:effectRef idx="0">
+            <a:schemeClr val="accent1"/>
+          </a:effectRef>
+          <a:fontRef idx="minor">
+            <a:schemeClr val="lt1"/>
+          </a:fontRef>
+        </p:style>
+        <p:txBody>
+          <a:bodyPr rtlCol="0" anchor="ctr"/>
+          <a:lstStyle/>
+          <a:p>
+            <a:pPr algn="ctr"/>
+            <a:r>
+              <a:rPr lang="en-US" dirty="0" smtClean="0"/>
+              <a:t>Application</a:t>
+            </a:r>
+            <a:endParaRPr lang="en-US" dirty="0"/>
+          </a:p>
+        </p:txBody>
+      </p:sp>
+      <p:sp>
+        <p:nvSpPr>
+          <p:cNvPr id="7" name="Rektangel 6"/>
+          <p:cNvSpPr/>
+          <p:nvPr/>
+        </p:nvSpPr>
+        <p:spPr>
+          <a:xfrm>
+            <a:off x="5436096" y="3053100"/>
+            <a:ext cx="2088232" cy="914400"/>
+          </a:xfrm>
+          <a:prstGeom prst="rect">
+            <a:avLst/>
+          </a:prstGeom>
+        </p:spPr>
+        <p:style>
+          <a:lnRef idx="2">
+            <a:schemeClr val="accent1">
+              <a:shade val="50000"/>
+            </a:schemeClr>
+          </a:lnRef>
+          <a:fillRef idx="1">
+            <a:schemeClr val="accent1"/>
+          </a:fillRef>
+          <a:effectRef idx="0">
+            <a:schemeClr val="accent1"/>
+          </a:effectRef>
+          <a:fontRef idx="minor">
+            <a:schemeClr val="lt1"/>
+          </a:fontRef>
+        </p:style>
+        <p:txBody>
+          <a:bodyPr rtlCol="0" anchor="ctr"/>
+          <a:lstStyle/>
+          <a:p>
+            <a:pPr algn="ctr"/>
+            <a:r>
+              <a:rPr lang="en-US" dirty="0" smtClean="0"/>
+              <a:t>Google</a:t>
+            </a:r>
+            <a:endParaRPr lang="en-US" dirty="0"/>
+          </a:p>
+        </p:txBody>
+      </p:sp>
+      <p:cxnSp>
+        <p:nvCxnSpPr>
+          <p:cNvPr id="8" name="Rak pil 7"/>
+          <p:cNvCxnSpPr/>
+          <p:nvPr/>
+        </p:nvCxnSpPr>
+        <p:spPr>
+          <a:xfrm>
+            <a:off x="3563888" y="3870340"/>
+            <a:ext cx="1728192" cy="0"/>
+          </a:xfrm>
+          <a:prstGeom prst="straightConnector1">
+            <a:avLst/>
+          </a:prstGeom>
+          <a:ln>
+            <a:tailEnd type="triangle"/>
+          </a:ln>
+        </p:spPr>
+        <p:style>
+          <a:lnRef idx="1">
+            <a:schemeClr val="accent1"/>
+          </a:lnRef>
+          <a:fillRef idx="0">
+            <a:schemeClr val="accent1"/>
+          </a:fillRef>
+          <a:effectRef idx="0">
+            <a:schemeClr val="accent1"/>
+          </a:effectRef>
+          <a:fontRef idx="minor">
+            <a:schemeClr val="tx1"/>
+          </a:fontRef>
+        </p:style>
+      </p:cxnSp>
+      <p:sp>
+        <p:nvSpPr>
+          <p:cNvPr id="9" name="textruta 8"/>
+          <p:cNvSpPr txBox="1"/>
+          <p:nvPr/>
+        </p:nvSpPr>
+        <p:spPr>
+          <a:xfrm>
+            <a:off x="3565645" y="3501008"/>
+            <a:ext cx="1726435" cy="369332"/>
+          </a:xfrm>
+          <a:prstGeom prst="rect">
+            <a:avLst/>
+          </a:prstGeom>
+          <a:noFill/>
+        </p:spPr>
+        <p:txBody>
+          <a:bodyPr wrap="none" rtlCol="0">
+            <a:spAutoFit/>
+          </a:bodyPr>
+          <a:lstStyle/>
+          <a:p>
+            <a:r>
+              <a:rPr lang="en-US" dirty="0" smtClean="0"/>
+              <a:t>User Credentials</a:t>
+            </a:r>
+            <a:endParaRPr lang="en-US" dirty="0"/>
+          </a:p>
+        </p:txBody>
+      </p:sp>
+      <p:sp>
+        <p:nvSpPr>
+          <p:cNvPr id="10" name="textruta 9"/>
+          <p:cNvSpPr txBox="1"/>
+          <p:nvPr/>
+        </p:nvSpPr>
+        <p:spPr>
+          <a:xfrm>
+            <a:off x="3536714" y="2996952"/>
+            <a:ext cx="1782539" cy="369332"/>
+          </a:xfrm>
+          <a:prstGeom prst="rect">
+            <a:avLst/>
+          </a:prstGeom>
+          <a:noFill/>
+        </p:spPr>
+        <p:txBody>
+          <a:bodyPr wrap="none" rtlCol="0">
+            <a:spAutoFit/>
+          </a:bodyPr>
+          <a:lstStyle/>
+          <a:p>
+            <a:r>
+              <a:rPr lang="en-US" dirty="0" smtClean="0"/>
+              <a:t>User Information</a:t>
+            </a:r>
+            <a:endParaRPr lang="en-US" dirty="0"/>
+          </a:p>
+        </p:txBody>
+      </p:sp>
+      <p:cxnSp>
+        <p:nvCxnSpPr>
+          <p:cNvPr id="11" name="Rak pil 10"/>
+          <p:cNvCxnSpPr/>
+          <p:nvPr/>
+        </p:nvCxnSpPr>
+        <p:spPr>
+          <a:xfrm flipH="1">
+            <a:off x="3563888" y="3359824"/>
+            <a:ext cx="1728192" cy="0"/>
+          </a:xfrm>
+          <a:prstGeom prst="straightConnector1">
+            <a:avLst/>
+          </a:prstGeom>
+          <a:ln>
+            <a:tailEnd type="triangle"/>
+          </a:ln>
+        </p:spPr>
+        <p:style>
+          <a:lnRef idx="1">
+            <a:schemeClr val="accent1"/>
+          </a:lnRef>
+          <a:fillRef idx="0">
+            <a:schemeClr val="accent1"/>
+          </a:fillRef>
+          <a:effectRef idx="0">
+            <a:schemeClr val="accent1"/>
+          </a:effectRef>
+          <a:fontRef idx="minor">
+            <a:schemeClr val="tx1"/>
+          </a:fontRef>
+        </p:style>
+      </p:cxnSp>
+    </p:spTree>
+    <p:extLst>
+      <p:ext uri="{BB962C8B-B14F-4D97-AF65-F5344CB8AC3E}">
+        <p14:creationId xmlns:p14="http://schemas.microsoft.com/office/powerpoint/2010/main" val="1885681185"/>
+      </p:ext>
+    </p:extLst>
+  </p:cSld>
+  <p:clrMapOvr>
+    <a:masterClrMapping/>
+  </p:clrMapOvr>
+</p:sld>
+</file>
+
+<file path=ppt/slides/slide8.xml><?xml version="1.0" encoding="utf-8"?>
+<p:sld xmlns:a="http://schemas.openxmlformats.org/drawingml/2006/main" xmlns:r="http://schemas.openxmlformats.org/officeDocument/2006/relationships" xmlns:p="http://schemas.openxmlformats.org/presentationml/2006/main">
+  <p:cSld>
+    <p:spTree>
+      <p:nvGrpSpPr>
+        <p:cNvPr id="1" name=""/>
+        <p:cNvGrpSpPr/>
+        <p:nvPr/>
+      </p:nvGrpSpPr>
+      <p:grpSpPr>
+        <a:xfrm>
+          <a:off x="0" y="0"/>
+          <a:ext cx="0" cy="0"/>
+          <a:chOff x="0" y="0"/>
+          <a:chExt cx="0" cy="0"/>
+        </a:xfrm>
+      </p:grpSpPr>
+      <p:sp>
+        <p:nvSpPr>
+          <p:cNvPr id="2" name="Rubrik 1"/>
+          <p:cNvSpPr>
+            <a:spLocks noGrp="1"/>
+          </p:cNvSpPr>
+          <p:nvPr>
+            <p:ph type="title"/>
+          </p:nvPr>
+        </p:nvSpPr>
+        <p:spPr/>
+        <p:txBody>
+          <a:bodyPr/>
+          <a:lstStyle/>
+          <a:p>
             <a:r>
               <a:rPr lang="sv-SE" dirty="0" smtClean="0"/>
-              <a:t> ASP.NET </a:t>
-            </a:r>
-            <a:r>
-              <a:rPr lang="sv-SE" dirty="0" err="1" smtClean="0"/>
-              <a:t>Identity</a:t>
-            </a:r>
-            <a:r>
-              <a:rPr lang="sv-SE" dirty="0" smtClean="0"/>
-              <a:t>?</a:t>
+              <a:t>Why ASP.NET Identity?</a:t>
             </a:r>
             <a:endParaRPr lang="en-GB" dirty="0"/>
           </a:p>
@@ -10559,7 +10360,39 @@
             </a:pPr>
             <a:r>
               <a:rPr lang="en-US" sz="3200" dirty="0" smtClean="0"/>
-              <a:t>Allows the developer to create more detailed identities</a:t>
+              <a:t>Gives the developer the option to Create:</a:t>
+            </a:r>
+          </a:p>
+          <a:p>
+            <a:r>
+              <a:rPr lang="en-US" sz="3200" dirty="0"/>
+              <a:t>M</a:t>
+            </a:r>
+            <a:r>
+              <a:rPr lang="en-US" sz="3200" dirty="0" smtClean="0"/>
+              <a:t>ore detailed identities</a:t>
+            </a:r>
+            <a:endParaRPr lang="en-US" sz="3200" dirty="0"/>
+          </a:p>
+          <a:p>
+            <a:r>
+              <a:rPr lang="en-US" sz="3200" dirty="0" smtClean="0"/>
+              <a:t>Better control over what users can do</a:t>
+            </a:r>
+          </a:p>
+          <a:p>
+            <a:pPr marL="0" indent="0">
+              <a:buNone/>
+            </a:pPr>
+            <a:endParaRPr lang="en-US" sz="3200" dirty="0"/>
+          </a:p>
+          <a:p>
+            <a:pPr marL="0" indent="0">
+              <a:buNone/>
+            </a:pPr>
+            <a:r>
+              <a:rPr lang="en-US" sz="3200" dirty="0" smtClean="0"/>
+              <a:t>You can look at claims as a users properties, for example: name, age</a:t>
             </a:r>
             <a:r>
               <a:rPr lang="en-US" sz="3200" dirty="0"/>
@@ -10567,30 +10400,15 @@
             </a:r>
             <a:r>
               <a:rPr lang="en-US" sz="3200" dirty="0" smtClean="0"/>
-              <a:t>and control the authorization in greater detail.</a:t>
-            </a:r>
-          </a:p>
-          <a:p>
-            <a:pPr marL="0" indent="0">
-              <a:buNone/>
-            </a:pPr>
-            <a:endParaRPr lang="en-US" sz="3200" dirty="0"/>
-          </a:p>
-          <a:p>
-            <a:pPr marL="0" indent="0">
-              <a:buNone/>
-            </a:pPr>
+              <a:t>or </a:t>
+            </a:r>
+            <a:r>
+              <a:rPr lang="en-US" sz="3200" dirty="0" err="1" smtClean="0"/>
+              <a:t>IsAdmin</a:t>
+            </a:r>
             <a:r>
               <a:rPr lang="en-US" sz="3200" dirty="0" smtClean="0"/>
-              <a:t>You can look at claims as a users properties, for example the users name, age</a:t>
-            </a:r>
-            <a:r>
-              <a:rPr lang="en-US" sz="3200" dirty="0"/>
-              <a:t> </a:t>
-            </a:r>
-            <a:r>
-              <a:rPr lang="en-US" sz="3200" dirty="0" smtClean="0"/>
-              <a:t>or address.</a:t>
+              <a:t>.</a:t>
             </a:r>
             <a:endParaRPr lang="en-US" sz="3200" dirty="0"/>
           </a:p>
@@ -10609,7 +10427,7 @@
 </p:sld>
 </file>
 
-<file path=ppt/slides/slide8.xml><?xml version="1.0" encoding="utf-8"?>
+<file path=ppt/slides/slide9.xml><?xml version="1.0" encoding="utf-8"?>
 <p:sld xmlns:a="http://schemas.openxmlformats.org/drawingml/2006/main" xmlns:r="http://schemas.openxmlformats.org/officeDocument/2006/relationships" xmlns:p="http://schemas.openxmlformats.org/presentationml/2006/main" show="0">
   <p:cSld>
     <p:spTree>
@@ -10642,16 +10460,8 @@
           <a:lstStyle/>
           <a:p>
             <a:r>
-              <a:rPr lang="sv-SE" dirty="0" err="1" smtClean="0"/>
-              <a:t>Why</a:t>
-            </a:r>
-            <a:r>
               <a:rPr lang="sv-SE" dirty="0" smtClean="0"/>
-              <a:t> ASP.NET </a:t>
-            </a:r>
-            <a:r>
-              <a:rPr lang="sv-SE" dirty="0" err="1" smtClean="0"/>
-              <a:t>Identity</a:t>
+              <a:t>Why ASP.NET Identity</a:t>
             </a:r>
             <a:endParaRPr lang="en-GB" dirty="0"/>
           </a:p>
@@ -10727,130 +10537,6 @@
       <p:transition spd="slow"/>
     </mc:Fallback>
   </mc:AlternateContent>
-</p:sld>
-</file>
-
-<file path=ppt/slides/slide9.xml><?xml version="1.0" encoding="utf-8"?>
-<p:sld xmlns:a="http://schemas.openxmlformats.org/drawingml/2006/main" xmlns:r="http://schemas.openxmlformats.org/officeDocument/2006/relationships" xmlns:p="http://schemas.openxmlformats.org/presentationml/2006/main">
-  <p:cSld>
-    <p:spTree>
-      <p:nvGrpSpPr>
-        <p:cNvPr id="1" name=""/>
-        <p:cNvGrpSpPr/>
-        <p:nvPr/>
-      </p:nvGrpSpPr>
-      <p:grpSpPr>
-        <a:xfrm>
-          <a:off x="0" y="0"/>
-          <a:ext cx="0" cy="0"/>
-          <a:chOff x="0" y="0"/>
-          <a:chExt cx="0" cy="0"/>
-        </a:xfrm>
-      </p:grpSpPr>
-      <p:sp>
-        <p:nvSpPr>
-          <p:cNvPr id="2" name="Rubrik 1"/>
-          <p:cNvSpPr>
-            <a:spLocks noGrp="1"/>
-          </p:cNvSpPr>
-          <p:nvPr>
-            <p:ph type="title"/>
-          </p:nvPr>
-        </p:nvSpPr>
-        <p:spPr/>
-        <p:txBody>
-          <a:bodyPr/>
-          <a:lstStyle/>
-          <a:p>
-            <a:r>
-              <a:rPr lang="sv-SE" dirty="0" err="1" smtClean="0"/>
-              <a:t>Why</a:t>
-            </a:r>
-            <a:r>
-              <a:rPr lang="sv-SE" dirty="0" smtClean="0"/>
-              <a:t> ASP.NET </a:t>
-            </a:r>
-            <a:r>
-              <a:rPr lang="sv-SE" dirty="0" err="1" smtClean="0"/>
-              <a:t>Identity</a:t>
-            </a:r>
-            <a:endParaRPr lang="en-GB" dirty="0"/>
-          </a:p>
-        </p:txBody>
-      </p:sp>
-      <p:sp>
-        <p:nvSpPr>
-          <p:cNvPr id="3" name="Platshållare för innehåll 2"/>
-          <p:cNvSpPr>
-            <a:spLocks noGrp="1"/>
-          </p:cNvSpPr>
-          <p:nvPr>
-            <p:ph idx="1"/>
-          </p:nvPr>
-        </p:nvSpPr>
-        <p:spPr>
-          <a:xfrm>
-            <a:off x="457200" y="1124744"/>
-            <a:ext cx="8229600" cy="4525963"/>
-          </a:xfrm>
-        </p:spPr>
-        <p:txBody>
-          <a:bodyPr>
-            <a:normAutofit/>
-          </a:bodyPr>
-          <a:lstStyle/>
-          <a:p>
-            <a:pPr marL="0" lvl="0" indent="0">
-              <a:buNone/>
-            </a:pPr>
-            <a:r>
-              <a:rPr lang="en-US" sz="3200" dirty="0" smtClean="0"/>
-              <a:t>ASP.NET Identity works great with following project types:</a:t>
-            </a:r>
-          </a:p>
-          <a:p>
-            <a:r>
-              <a:rPr lang="en-US" dirty="0" smtClean="0"/>
-              <a:t>MVC</a:t>
-            </a:r>
-          </a:p>
-          <a:p>
-            <a:r>
-              <a:rPr lang="en-US" dirty="0" smtClean="0"/>
-              <a:t>Web Forms</a:t>
-            </a:r>
-          </a:p>
-          <a:p>
-            <a:r>
-              <a:rPr lang="en-US" dirty="0" smtClean="0"/>
-              <a:t>Web API</a:t>
-            </a:r>
-          </a:p>
-          <a:p>
-            <a:r>
-              <a:rPr lang="en-US" dirty="0" smtClean="0"/>
-              <a:t>Single Page Application</a:t>
-            </a:r>
-          </a:p>
-          <a:p>
-            <a:r>
-              <a:rPr lang="en-US" dirty="0" err="1" smtClean="0"/>
-              <a:t>SignalR</a:t>
-            </a:r>
-            <a:endParaRPr lang="en-US" dirty="0" smtClean="0"/>
-          </a:p>
-        </p:txBody>
-      </p:sp>
-    </p:spTree>
-    <p:extLst>
-      <p:ext uri="{BB962C8B-B14F-4D97-AF65-F5344CB8AC3E}">
-        <p14:creationId xmlns:p14="http://schemas.microsoft.com/office/powerpoint/2010/main" val="541569819"/>
-      </p:ext>
-    </p:extLst>
-  </p:cSld>
-  <p:clrMapOvr>
-    <a:masterClrMapping/>
-  </p:clrMapOvr>
 </p:sld>
 </file>
 

--- a/Documents/Identity-Introduction.pptx
+++ b/Documents/Identity-Introduction.pptx
@@ -3035,7 +3035,7 @@
           <a:p>
             <a:fld id="{B5922E6D-3451-482A-A64F-C89F139BA51A}" type="datetimeFigureOut">
               <a:rPr lang="en-US" smtClean="0"/>
-              <a:t>11/17/2014</a:t>
+              <a:t>11/18/2014</a:t>
             </a:fld>
             <a:endParaRPr lang="en-US"/>
           </a:p>
@@ -3200,7 +3200,7 @@
           <a:p>
             <a:fld id="{05247E74-41DE-40FA-A7A7-A655366ADCFA}" type="datetimeFigureOut">
               <a:rPr lang="sv-SE" smtClean="0"/>
-              <a:t>2014-11-17</a:t>
+              <a:t>2014-11-18</a:t>
             </a:fld>
             <a:endParaRPr lang="sv-SE"/>
           </a:p>
@@ -4176,7 +4176,7 @@
           <a:p>
             <a:fld id="{DB41BBF1-8D56-4061-8DE2-461FDAC177EF}" type="datetimeFigureOut">
               <a:rPr lang="sv-SE" smtClean="0"/>
-              <a:t>2014-11-17</a:t>
+              <a:t>2014-11-18</a:t>
             </a:fld>
             <a:endParaRPr lang="sv-SE"/>
           </a:p>
@@ -4440,7 +4440,7 @@
           <a:p>
             <a:fld id="{DB41BBF1-8D56-4061-8DE2-461FDAC177EF}" type="datetimeFigureOut">
               <a:rPr lang="sv-SE" smtClean="0"/>
-              <a:t>2014-11-17</a:t>
+              <a:t>2014-11-18</a:t>
             </a:fld>
             <a:endParaRPr lang="sv-SE"/>
           </a:p>
@@ -4617,7 +4617,7 @@
           <a:p>
             <a:fld id="{DB41BBF1-8D56-4061-8DE2-461FDAC177EF}" type="datetimeFigureOut">
               <a:rPr lang="sv-SE" smtClean="0"/>
-              <a:t>2014-11-17</a:t>
+              <a:t>2014-11-18</a:t>
             </a:fld>
             <a:endParaRPr lang="sv-SE"/>
           </a:p>
@@ -4804,7 +4804,7 @@
           <a:p>
             <a:fld id="{DB41BBF1-8D56-4061-8DE2-461FDAC177EF}" type="datetimeFigureOut">
               <a:rPr lang="sv-SE" smtClean="0"/>
-              <a:t>2014-11-17</a:t>
+              <a:t>2014-11-18</a:t>
             </a:fld>
             <a:endParaRPr lang="sv-SE"/>
           </a:p>
@@ -5068,7 +5068,7 @@
           <a:p>
             <a:fld id="{DB41BBF1-8D56-4061-8DE2-461FDAC177EF}" type="datetimeFigureOut">
               <a:rPr lang="sv-SE" smtClean="0"/>
-              <a:t>2014-11-17</a:t>
+              <a:t>2014-11-18</a:t>
             </a:fld>
             <a:endParaRPr lang="sv-SE"/>
           </a:p>
@@ -5245,7 +5245,7 @@
           <a:p>
             <a:fld id="{DB41BBF1-8D56-4061-8DE2-461FDAC177EF}" type="datetimeFigureOut">
               <a:rPr lang="sv-SE" smtClean="0"/>
-              <a:t>2014-11-17</a:t>
+              <a:t>2014-11-18</a:t>
             </a:fld>
             <a:endParaRPr lang="sv-SE"/>
           </a:p>
@@ -5498,7 +5498,7 @@
           <a:p>
             <a:fld id="{DB41BBF1-8D56-4061-8DE2-461FDAC177EF}" type="datetimeFigureOut">
               <a:rPr lang="sv-SE" smtClean="0"/>
-              <a:t>2014-11-17</a:t>
+              <a:t>2014-11-18</a:t>
             </a:fld>
             <a:endParaRPr lang="sv-SE"/>
           </a:p>
@@ -5793,7 +5793,7 @@
           <a:p>
             <a:fld id="{DB41BBF1-8D56-4061-8DE2-461FDAC177EF}" type="datetimeFigureOut">
               <a:rPr lang="sv-SE" smtClean="0"/>
-              <a:t>2014-11-17</a:t>
+              <a:t>2014-11-18</a:t>
             </a:fld>
             <a:endParaRPr lang="sv-SE"/>
           </a:p>
@@ -6222,7 +6222,7 @@
           <a:p>
             <a:fld id="{DB41BBF1-8D56-4061-8DE2-461FDAC177EF}" type="datetimeFigureOut">
               <a:rPr lang="sv-SE" smtClean="0"/>
-              <a:t>2014-11-17</a:t>
+              <a:t>2014-11-18</a:t>
             </a:fld>
             <a:endParaRPr lang="sv-SE"/>
           </a:p>
@@ -6347,7 +6347,7 @@
           <a:p>
             <a:fld id="{DB41BBF1-8D56-4061-8DE2-461FDAC177EF}" type="datetimeFigureOut">
               <a:rPr lang="sv-SE" smtClean="0"/>
-              <a:t>2014-11-17</a:t>
+              <a:t>2014-11-18</a:t>
             </a:fld>
             <a:endParaRPr lang="sv-SE"/>
           </a:p>
@@ -6449,7 +6449,7 @@
           <a:p>
             <a:fld id="{DB41BBF1-8D56-4061-8DE2-461FDAC177EF}" type="datetimeFigureOut">
               <a:rPr lang="sv-SE" smtClean="0"/>
-              <a:t>2014-11-17</a:t>
+              <a:t>2014-11-18</a:t>
             </a:fld>
             <a:endParaRPr lang="sv-SE"/>
           </a:p>
@@ -6733,7 +6733,7 @@
           <a:p>
             <a:fld id="{DB41BBF1-8D56-4061-8DE2-461FDAC177EF}" type="datetimeFigureOut">
               <a:rPr lang="sv-SE" smtClean="0"/>
-              <a:t>2014-11-17</a:t>
+              <a:t>2014-11-18</a:t>
             </a:fld>
             <a:endParaRPr lang="sv-SE"/>
           </a:p>
@@ -6961,7 +6961,7 @@
           <a:p>
             <a:fld id="{DB41BBF1-8D56-4061-8DE2-461FDAC177EF}" type="datetimeFigureOut">
               <a:rPr lang="sv-SE" smtClean="0"/>
-              <a:t>2014-11-17</a:t>
+              <a:t>2014-11-18</a:t>
             </a:fld>
             <a:endParaRPr lang="sv-SE"/>
           </a:p>
@@ -7538,11 +7538,7 @@
           <a:p>
             <a:r>
               <a:rPr lang="sv-SE" dirty="0" smtClean="0"/>
-              <a:t>Why ASP.NET </a:t>
-            </a:r>
-            <a:r>
-              <a:rPr lang="sv-SE" dirty="0" smtClean="0"/>
-              <a:t>Identity?</a:t>
+              <a:t>Why ASP.NET Identity?</a:t>
             </a:r>
             <a:endParaRPr lang="en-GB" dirty="0"/>
           </a:p>
@@ -7912,11 +7908,7 @@
           <a:p>
             <a:r>
               <a:rPr lang="sv-SE" dirty="0" smtClean="0"/>
-              <a:t>Why ASP.NET </a:t>
-            </a:r>
-            <a:r>
-              <a:rPr lang="sv-SE" dirty="0" smtClean="0"/>
-              <a:t>Identity?</a:t>
+              <a:t>Why ASP.NET Identity?</a:t>
             </a:r>
             <a:endParaRPr lang="en-GB" dirty="0"/>
           </a:p>
@@ -7965,13 +7957,8 @@
             </a:r>
             <a:r>
               <a:rPr lang="en-US" dirty="0" smtClean="0"/>
-              <a:t>xternal </a:t>
-            </a:r>
-            <a:r>
-              <a:rPr lang="en-US" dirty="0" smtClean="0"/>
-              <a:t>identities</a:t>
-            </a:r>
-            <a:endParaRPr lang="en-US" dirty="0" smtClean="0"/>
+              <a:t>xternal identities</a:t>
+            </a:r>
           </a:p>
           <a:p>
             <a:r>
@@ -7984,7 +7971,6 @@
               <a:rPr lang="en-US" dirty="0" smtClean="0"/>
               <a:t>Supports Claims</a:t>
             </a:r>
-            <a:endParaRPr lang="en-US" dirty="0" smtClean="0"/>
           </a:p>
           <a:p>
             <a:r>
@@ -8003,7 +7989,6 @@
               <a:rPr lang="en-US" dirty="0" smtClean="0"/>
               <a:t>Alternative databases</a:t>
             </a:r>
-            <a:endParaRPr lang="en-US" dirty="0" smtClean="0"/>
           </a:p>
         </p:txBody>
       </p:sp>
@@ -8665,13 +8650,8 @@
           <a:p>
             <a:r>
               <a:rPr lang="en-US" sz="2400" dirty="0" smtClean="0"/>
-              <a:t>Supports </a:t>
-            </a:r>
-            <a:r>
-              <a:rPr lang="en-US" sz="2400" dirty="0" smtClean="0"/>
-              <a:t>OAuth / OpenID</a:t>
-            </a:r>
-            <a:endParaRPr lang="en-US" sz="2400" dirty="0" smtClean="0"/>
+              <a:t>Supports OAuth / OpenID</a:t>
+            </a:r>
           </a:p>
           <a:p>
             <a:r>
@@ -8795,13 +8775,8 @@
           <a:p>
             <a:r>
               <a:rPr lang="en-US" sz="2400" dirty="0" smtClean="0"/>
-              <a:t>Social Login Providers using </a:t>
-            </a:r>
-            <a:r>
-              <a:rPr lang="en-US" sz="2400" dirty="0" smtClean="0"/>
-              <a:t>OAuth</a:t>
-            </a:r>
-            <a:endParaRPr lang="en-US" sz="2400" dirty="0" smtClean="0"/>
+              <a:t>Social Login Providers using OAuth</a:t>
+            </a:r>
           </a:p>
           <a:p>
             <a:r>
@@ -9005,15 +8980,7 @@
           <a:p>
             <a:r>
               <a:rPr lang="en-US" dirty="0" smtClean="0"/>
-              <a:t>What is ASP.NET </a:t>
-            </a:r>
-            <a:r>
-              <a:rPr lang="en-US" dirty="0" smtClean="0"/>
-              <a:t>Identity</a:t>
-            </a:r>
-            <a:r>
-              <a:rPr lang="en-US" dirty="0" smtClean="0"/>
-              <a:t>?</a:t>
+              <a:t>What is ASP.NET Identity?</a:t>
             </a:r>
             <a:endParaRPr lang="en-US" dirty="0"/>
           </a:p>
@@ -10055,7 +10022,7 @@
         </p:nvSpPr>
         <p:spPr>
           <a:xfrm>
-            <a:off x="1331640" y="3053100"/>
+            <a:off x="1331639" y="5030174"/>
             <a:ext cx="2088232" cy="914400"/>
           </a:xfrm>
           <a:prstGeom prst="rect">
@@ -10176,8 +10143,8 @@
         </p:nvSpPr>
         <p:spPr>
           <a:xfrm>
-            <a:off x="3565645" y="3501008"/>
-            <a:ext cx="1726435" cy="369332"/>
+            <a:off x="3491880" y="3501008"/>
+            <a:ext cx="1896353" cy="369332"/>
           </a:xfrm>
           <a:prstGeom prst="rect">
             <a:avLst/>
@@ -10192,7 +10159,11 @@
           <a:p>
             <a:r>
               <a:rPr lang="en-US" dirty="0" smtClean="0"/>
-              <a:t>User Credentials</a:t>
+              <a:t>2 User </a:t>
+            </a:r>
+            <a:r>
+              <a:rPr lang="en-US" dirty="0" smtClean="0"/>
+              <a:t>Credentials</a:t>
             </a:r>
             <a:endParaRPr lang="en-US" dirty="0"/>
           </a:p>
@@ -10206,8 +10177,8 @@
         </p:nvSpPr>
         <p:spPr>
           <a:xfrm>
-            <a:off x="3536714" y="2996952"/>
-            <a:ext cx="1782539" cy="369332"/>
+            <a:off x="3491880" y="2996952"/>
+            <a:ext cx="1952458" cy="369332"/>
           </a:xfrm>
           <a:prstGeom prst="rect">
             <a:avLst/>
@@ -10222,7 +10193,11 @@
           <a:p>
             <a:r>
               <a:rPr lang="en-US" dirty="0" smtClean="0"/>
-              <a:t>User Information</a:t>
+              <a:t>3 User </a:t>
+            </a:r>
+            <a:r>
+              <a:rPr lang="en-US" dirty="0" smtClean="0"/>
+              <a:t>Information</a:t>
             </a:r>
             <a:endParaRPr lang="en-US" dirty="0"/>
           </a:p>
@@ -10261,6 +10236,176 @@
           </a:fontRef>
         </p:style>
       </p:cxnSp>
+      <p:sp>
+        <p:nvSpPr>
+          <p:cNvPr id="12" name="Rektangel 11"/>
+          <p:cNvSpPr/>
+          <p:nvPr/>
+        </p:nvSpPr>
+        <p:spPr>
+          <a:xfrm>
+            <a:off x="1331639" y="3064254"/>
+            <a:ext cx="2088232" cy="914400"/>
+          </a:xfrm>
+          <a:prstGeom prst="rect">
+            <a:avLst/>
+          </a:prstGeom>
+        </p:spPr>
+        <p:style>
+          <a:lnRef idx="2">
+            <a:schemeClr val="accent1">
+              <a:shade val="50000"/>
+            </a:schemeClr>
+          </a:lnRef>
+          <a:fillRef idx="1">
+            <a:schemeClr val="accent1"/>
+          </a:fillRef>
+          <a:effectRef idx="0">
+            <a:schemeClr val="accent1"/>
+          </a:effectRef>
+          <a:fontRef idx="minor">
+            <a:schemeClr val="lt1"/>
+          </a:fontRef>
+        </p:style>
+        <p:txBody>
+          <a:bodyPr rtlCol="0" anchor="ctr"/>
+          <a:lstStyle/>
+          <a:p>
+            <a:pPr algn="ctr"/>
+            <a:r>
+              <a:rPr lang="en-US" dirty="0" smtClean="0"/>
+              <a:t>User</a:t>
+            </a:r>
+            <a:endParaRPr lang="en-US" dirty="0"/>
+          </a:p>
+        </p:txBody>
+      </p:sp>
+      <p:cxnSp>
+        <p:nvCxnSpPr>
+          <p:cNvPr id="17" name="Rak pil 16"/>
+          <p:cNvCxnSpPr/>
+          <p:nvPr/>
+        </p:nvCxnSpPr>
+        <p:spPr>
+          <a:xfrm>
+            <a:off x="2339752" y="4050662"/>
+            <a:ext cx="0" cy="890506"/>
+          </a:xfrm>
+          <a:prstGeom prst="straightConnector1">
+            <a:avLst/>
+          </a:prstGeom>
+          <a:ln>
+            <a:tailEnd type="triangle"/>
+          </a:ln>
+        </p:spPr>
+        <p:style>
+          <a:lnRef idx="1">
+            <a:schemeClr val="accent1"/>
+          </a:lnRef>
+          <a:fillRef idx="0">
+            <a:schemeClr val="accent1"/>
+          </a:fillRef>
+          <a:effectRef idx="0">
+            <a:schemeClr val="accent1"/>
+          </a:effectRef>
+          <a:fontRef idx="minor">
+            <a:schemeClr val="tx1"/>
+          </a:fontRef>
+        </p:style>
+      </p:cxnSp>
+      <p:cxnSp>
+        <p:nvCxnSpPr>
+          <p:cNvPr id="19" name="Rak pil 18"/>
+          <p:cNvCxnSpPr/>
+          <p:nvPr/>
+        </p:nvCxnSpPr>
+        <p:spPr>
+          <a:xfrm flipV="1">
+            <a:off x="2987824" y="4050662"/>
+            <a:ext cx="0" cy="890506"/>
+          </a:xfrm>
+          <a:prstGeom prst="straightConnector1">
+            <a:avLst/>
+          </a:prstGeom>
+          <a:ln>
+            <a:tailEnd type="triangle"/>
+          </a:ln>
+        </p:spPr>
+        <p:style>
+          <a:lnRef idx="1">
+            <a:schemeClr val="accent1"/>
+          </a:lnRef>
+          <a:fillRef idx="0">
+            <a:schemeClr val="accent1"/>
+          </a:fillRef>
+          <a:effectRef idx="0">
+            <a:schemeClr val="accent1"/>
+          </a:effectRef>
+          <a:fontRef idx="minor">
+            <a:schemeClr val="tx1"/>
+          </a:fontRef>
+        </p:style>
+      </p:cxnSp>
+      <p:sp>
+        <p:nvSpPr>
+          <p:cNvPr id="23" name="textruta 22"/>
+          <p:cNvSpPr txBox="1"/>
+          <p:nvPr/>
+        </p:nvSpPr>
+        <p:spPr>
+          <a:xfrm>
+            <a:off x="2987824" y="4293096"/>
+            <a:ext cx="2279278" cy="369332"/>
+          </a:xfrm>
+          <a:prstGeom prst="rect">
+            <a:avLst/>
+          </a:prstGeom>
+          <a:noFill/>
+        </p:spPr>
+        <p:txBody>
+          <a:bodyPr wrap="none" rtlCol="0">
+            <a:spAutoFit/>
+          </a:bodyPr>
+          <a:lstStyle/>
+          <a:p>
+            <a:r>
+              <a:rPr lang="en-US" dirty="0" smtClean="0"/>
+              <a:t>1 Request Information</a:t>
+            </a:r>
+            <a:endParaRPr lang="en-US" dirty="0"/>
+          </a:p>
+        </p:txBody>
+      </p:sp>
+      <p:sp>
+        <p:nvSpPr>
+          <p:cNvPr id="24" name="textruta 23"/>
+          <p:cNvSpPr txBox="1"/>
+          <p:nvPr/>
+        </p:nvSpPr>
+        <p:spPr>
+          <a:xfrm>
+            <a:off x="412942" y="4283804"/>
+            <a:ext cx="1926810" cy="369332"/>
+          </a:xfrm>
+          <a:prstGeom prst="rect">
+            <a:avLst/>
+          </a:prstGeom>
+          <a:noFill/>
+        </p:spPr>
+        <p:txBody>
+          <a:bodyPr wrap="none" rtlCol="0">
+            <a:spAutoFit/>
+          </a:bodyPr>
+          <a:lstStyle/>
+          <a:p>
+            <a:r>
+              <a:rPr lang="en-US" dirty="0" smtClean="0"/>
+              <a:t>4 user Information</a:t>
+            </a:r>
+            <a:endParaRPr lang="en-US" dirty="0"/>
+          </a:p>
+        </p:txBody>
+      </p:sp>
     </p:spTree>
     <p:extLst>
       <p:ext uri="{BB962C8B-B14F-4D97-AF65-F5344CB8AC3E}">
